--- a/math-shapes-quiz-complete.pptx
+++ b/math-shapes-quiz-complete.pptx
@@ -5112,7 +5112,7 @@
         <p:spPr>
           <a:xfrm>
             <a:off x="1097280" y="320040"/>
-            <a:ext cx="7315200" cy="457200"/>
+            <a:ext cx="7315200" cy="365760"/>
           </a:xfrm>
           <a:prstGeom prst="rect">
             <a:avLst/>
@@ -5133,7 +5133,7 @@
                   <a:srgbClr val="66B3FF"/>
                 </a:solidFill>
               </a:rPr>
-              <a:t>Transformation: Hexagon + Triangle - Can you make this new shape?</a:t>
+              <a:t>How can you make a different shape using the same parts? (Hexagon + Triangle)</a:t>
             </a:r>
             <a:endParaRPr lang="en-US" sz="1800" dirty="0"/>
           </a:p>
@@ -5147,8 +5147,8 @@
         </p:nvSpPr>
         <p:spPr>
           <a:xfrm>
-            <a:off x="1828800" y="2286000"/>
-            <a:ext cx="2286000" cy="914400"/>
+            <a:off x="457200" y="1645920"/>
+            <a:ext cx="3840480" cy="1005840"/>
           </a:xfrm>
           <a:prstGeom prst="rect">
             <a:avLst/>
@@ -5172,13 +5172,112 @@
         </p:nvSpPr>
         <p:spPr>
           <a:xfrm>
-            <a:off x="1920240" y="2377440"/>
+            <a:off x="548640" y="1737360"/>
             <a:ext cx="274320" cy="274320"/>
           </a:xfrm>
           <a:prstGeom prst="rect">
             <a:avLst/>
           </a:prstGeom>
           <a:solidFill>
+            <a:srgbClr val="FF9999"/>
+          </a:solidFill>
+          <a:ln/>
+        </p:spPr>
+        <p:txBody>
+          <a:bodyPr wrap="square" rtlCol="0" anchor="ctr"/>
+          <a:lstStyle/>
+          <a:p>
+            <a:pPr algn="ctr" indent="0" marL="0">
+              <a:buNone/>
+            </a:pPr>
+            <a:r>
+              <a:rPr lang="en-US" sz="1600" b="1" dirty="0">
+                <a:solidFill>
+                  <a:srgbClr val="FFFFFF"/>
+                </a:solidFill>
+              </a:rPr>
+              <a:t>A</a:t>
+            </a:r>
+            <a:endParaRPr lang="en-US" sz="1600" dirty="0"/>
+          </a:p>
+        </p:txBody>
+      </p:sp>
+      <p:sp>
+        <p:nvSpPr>
+          <p:cNvPr id="6" name="Text 4"/>
+          <p:cNvSpPr/>
+          <p:nvPr/>
+        </p:nvSpPr>
+        <p:spPr>
+          <a:xfrm>
+            <a:off x="914400" y="2011680"/>
+            <a:ext cx="3200400" cy="457200"/>
+          </a:xfrm>
+          <a:prstGeom prst="rect">
+            <a:avLst/>
+          </a:prstGeom>
+          <a:noFill/>
+          <a:ln/>
+        </p:spPr>
+        <p:txBody>
+          <a:bodyPr wrap="square" rtlCol="0" anchor="ctr"/>
+          <a:lstStyle/>
+          <a:p>
+            <a:pPr algn="ctr" indent="0" marL="0">
+              <a:buNone/>
+            </a:pPr>
+            <a:r>
+              <a:rPr lang="en-US" sz="1200" dirty="0">
+                <a:solidFill>
+                  <a:srgbClr val="E0E0E0"/>
+                </a:solidFill>
+              </a:rPr>
+              <a:t>Transformation 1</a:t>
+            </a:r>
+            <a:endParaRPr lang="en-US" sz="1200" dirty="0"/>
+          </a:p>
+        </p:txBody>
+      </p:sp>
+      <p:sp>
+        <p:nvSpPr>
+          <p:cNvPr id="7" name="Shape 5"/>
+          <p:cNvSpPr/>
+          <p:nvPr/>
+        </p:nvSpPr>
+        <p:spPr>
+          <a:xfrm>
+            <a:off x="4754880" y="1645920"/>
+            <a:ext cx="3840480" cy="1005840"/>
+          </a:xfrm>
+          <a:prstGeom prst="rect">
+            <a:avLst/>
+          </a:prstGeom>
+          <a:solidFill>
+            <a:srgbClr val="2A2A2A"/>
+          </a:solidFill>
+          <a:ln w="12700">
+            <a:solidFill>
+              <a:srgbClr val="555555"/>
+            </a:solidFill>
+            <a:prstDash val="solid"/>
+          </a:ln>
+        </p:spPr>
+      </p:sp>
+      <p:sp>
+        <p:nvSpPr>
+          <p:cNvPr id="8" name="Text 6"/>
+          <p:cNvSpPr/>
+          <p:nvPr/>
+        </p:nvSpPr>
+        <p:spPr>
+          <a:xfrm>
+            <a:off x="4846320" y="1737360"/>
+            <a:ext cx="274320" cy="274320"/>
+          </a:xfrm>
+          <a:prstGeom prst="rect">
+            <a:avLst/>
+          </a:prstGeom>
+          <a:solidFill>
             <a:srgbClr val="66B3FF"/>
           </a:solidFill>
           <a:ln/>
@@ -5196,7 +5295,7 @@
                   <a:srgbClr val="FFFFFF"/>
                 </a:solidFill>
               </a:rPr>
-              <a:t>A</a:t>
+              <a:t>B</a:t>
             </a:r>
             <a:endParaRPr lang="en-US" sz="1600" dirty="0"/>
           </a:p>
@@ -5204,14 +5303,14 @@
       </p:sp>
       <p:sp>
         <p:nvSpPr>
-          <p:cNvPr id="6" name="Text 4"/>
-          <p:cNvSpPr/>
-          <p:nvPr/>
-        </p:nvSpPr>
-        <p:spPr>
-          <a:xfrm>
-            <a:off x="2286000" y="2606040"/>
-            <a:ext cx="1645920" cy="365760"/>
+          <p:cNvPr id="9" name="Text 7"/>
+          <p:cNvSpPr/>
+          <p:nvPr/>
+        </p:nvSpPr>
+        <p:spPr>
+          <a:xfrm>
+            <a:off x="5212080" y="2011680"/>
+            <a:ext cx="3200400" cy="457200"/>
           </a:xfrm>
           <a:prstGeom prst="rect">
             <a:avLst/>
@@ -5227,12 +5326,75 @@
               <a:buNone/>
             </a:pPr>
             <a:r>
-              <a:rPr lang="en-US" sz="1600" dirty="0">
+              <a:rPr lang="en-US" sz="1200" dirty="0">
                 <a:solidFill>
                   <a:srgbClr val="E0E0E0"/>
                 </a:solidFill>
               </a:rPr>
-              <a:t>Yes</a:t>
+              <a:t>Transformation 2 (Correct)</a:t>
+            </a:r>
+            <a:endParaRPr lang="en-US" sz="1200" dirty="0"/>
+          </a:p>
+        </p:txBody>
+      </p:sp>
+      <p:sp>
+        <p:nvSpPr>
+          <p:cNvPr id="10" name="Shape 8"/>
+          <p:cNvSpPr/>
+          <p:nvPr/>
+        </p:nvSpPr>
+        <p:spPr>
+          <a:xfrm>
+            <a:off x="457200" y="2834640"/>
+            <a:ext cx="3840480" cy="1005840"/>
+          </a:xfrm>
+          <a:prstGeom prst="rect">
+            <a:avLst/>
+          </a:prstGeom>
+          <a:solidFill>
+            <a:srgbClr val="2A2A2A"/>
+          </a:solidFill>
+          <a:ln w="12700">
+            <a:solidFill>
+              <a:srgbClr val="555555"/>
+            </a:solidFill>
+            <a:prstDash val="solid"/>
+          </a:ln>
+        </p:spPr>
+      </p:sp>
+      <p:sp>
+        <p:nvSpPr>
+          <p:cNvPr id="11" name="Text 9"/>
+          <p:cNvSpPr/>
+          <p:nvPr/>
+        </p:nvSpPr>
+        <p:spPr>
+          <a:xfrm>
+            <a:off x="548640" y="2926080"/>
+            <a:ext cx="274320" cy="274320"/>
+          </a:xfrm>
+          <a:prstGeom prst="rect">
+            <a:avLst/>
+          </a:prstGeom>
+          <a:solidFill>
+            <a:srgbClr val="FF9999"/>
+          </a:solidFill>
+          <a:ln/>
+        </p:spPr>
+        <p:txBody>
+          <a:bodyPr wrap="square" rtlCol="0" anchor="ctr"/>
+          <a:lstStyle/>
+          <a:p>
+            <a:pPr algn="ctr" indent="0" marL="0">
+              <a:buNone/>
+            </a:pPr>
+            <a:r>
+              <a:rPr lang="en-US" sz="1600" b="1" dirty="0">
+                <a:solidFill>
+                  <a:srgbClr val="FFFFFF"/>
+                </a:solidFill>
+              </a:rPr>
+              <a:t>C</a:t>
             </a:r>
             <a:endParaRPr lang="en-US" sz="1600" dirty="0"/>
           </a:p>
@@ -5240,14 +5402,50 @@
       </p:sp>
       <p:sp>
         <p:nvSpPr>
-          <p:cNvPr id="7" name="Shape 5"/>
-          <p:cNvSpPr/>
-          <p:nvPr/>
-        </p:nvSpPr>
-        <p:spPr>
-          <a:xfrm>
-            <a:off x="5029200" y="2286000"/>
-            <a:ext cx="2286000" cy="914400"/>
+          <p:cNvPr id="12" name="Text 10"/>
+          <p:cNvSpPr/>
+          <p:nvPr/>
+        </p:nvSpPr>
+        <p:spPr>
+          <a:xfrm>
+            <a:off x="914400" y="3200400"/>
+            <a:ext cx="3200400" cy="457200"/>
+          </a:xfrm>
+          <a:prstGeom prst="rect">
+            <a:avLst/>
+          </a:prstGeom>
+          <a:noFill/>
+          <a:ln/>
+        </p:spPr>
+        <p:txBody>
+          <a:bodyPr wrap="square" rtlCol="0" anchor="ctr"/>
+          <a:lstStyle/>
+          <a:p>
+            <a:pPr algn="ctr" indent="0" marL="0">
+              <a:buNone/>
+            </a:pPr>
+            <a:r>
+              <a:rPr lang="en-US" sz="1200" dirty="0">
+                <a:solidFill>
+                  <a:srgbClr val="E0E0E0"/>
+                </a:solidFill>
+              </a:rPr>
+              <a:t>Transformation 3</a:t>
+            </a:r>
+            <a:endParaRPr lang="en-US" sz="1200" dirty="0"/>
+          </a:p>
+        </p:txBody>
+      </p:sp>
+      <p:sp>
+        <p:nvSpPr>
+          <p:cNvPr id="13" name="Shape 11"/>
+          <p:cNvSpPr/>
+          <p:nvPr/>
+        </p:nvSpPr>
+        <p:spPr>
+          <a:xfrm>
+            <a:off x="4754880" y="2834640"/>
+            <a:ext cx="3840480" cy="1005840"/>
           </a:xfrm>
           <a:prstGeom prst="rect">
             <a:avLst/>
@@ -5265,13 +5463,13 @@
       </p:sp>
       <p:sp>
         <p:nvSpPr>
-          <p:cNvPr id="8" name="Text 6"/>
-          <p:cNvSpPr/>
-          <p:nvPr/>
-        </p:nvSpPr>
-        <p:spPr>
-          <a:xfrm>
-            <a:off x="5120640" y="2377440"/>
+          <p:cNvPr id="14" name="Text 12"/>
+          <p:cNvSpPr/>
+          <p:nvPr/>
+        </p:nvSpPr>
+        <p:spPr>
+          <a:xfrm>
+            <a:off x="4846320" y="2926080"/>
             <a:ext cx="274320" cy="274320"/>
           </a:xfrm>
           <a:prstGeom prst="rect">
@@ -5295,7 +5493,7 @@
                   <a:srgbClr val="FFFFFF"/>
                 </a:solidFill>
               </a:rPr>
-              <a:t>B</a:t>
+              <a:t>D</a:t>
             </a:r>
             <a:endParaRPr lang="en-US" sz="1600" dirty="0"/>
           </a:p>
@@ -5303,14 +5501,14 @@
       </p:sp>
       <p:sp>
         <p:nvSpPr>
-          <p:cNvPr id="9" name="Text 7"/>
-          <p:cNvSpPr/>
-          <p:nvPr/>
-        </p:nvSpPr>
-        <p:spPr>
-          <a:xfrm>
-            <a:off x="5486400" y="2606040"/>
-            <a:ext cx="1645920" cy="365760"/>
+          <p:cNvPr id="15" name="Text 13"/>
+          <p:cNvSpPr/>
+          <p:nvPr/>
+        </p:nvSpPr>
+        <p:spPr>
+          <a:xfrm>
+            <a:off x="5212080" y="3200400"/>
+            <a:ext cx="3200400" cy="457200"/>
           </a:xfrm>
           <a:prstGeom prst="rect">
             <a:avLst/>
@@ -5326,20 +5524,20 @@
               <a:buNone/>
             </a:pPr>
             <a:r>
-              <a:rPr lang="en-US" sz="1600" dirty="0">
+              <a:rPr lang="en-US" sz="1200" dirty="0">
                 <a:solidFill>
                   <a:srgbClr val="E0E0E0"/>
                 </a:solidFill>
               </a:rPr>
-              <a:t>No</a:t>
-            </a:r>
-            <a:endParaRPr lang="en-US" sz="1600" dirty="0"/>
-          </a:p>
-        </p:txBody>
-      </p:sp>
-      <p:sp>
-        <p:nvSpPr>
-          <p:cNvPr id="10" name="Shape 8">
+              <a:t>Transformation 4</a:t>
+            </a:r>
+            <a:endParaRPr lang="en-US" sz="1200" dirty="0"/>
+          </a:p>
+        </p:txBody>
+      </p:sp>
+      <p:sp>
+        <p:nvSpPr>
+          <p:cNvPr id="16" name="Shape 14">
             <a:hlinkClick r:id="rId1" tooltip="" action="ppaction://hlinksldjump"/>
           </p:cNvPr>
           <p:cNvSpPr/>
@@ -5347,8 +5545,8 @@
         </p:nvSpPr>
         <p:spPr>
           <a:xfrm>
-            <a:off x="1828800" y="2286000"/>
-            <a:ext cx="2286000" cy="914400"/>
+            <a:off x="457200" y="1645920"/>
+            <a:ext cx="3840480" cy="1005840"/>
           </a:xfrm>
           <a:prstGeom prst="rect">
             <a:avLst/>
@@ -5368,7 +5566,7 @@
       </p:sp>
       <p:sp>
         <p:nvSpPr>
-          <p:cNvPr id="11" name="Shape 9">
+          <p:cNvPr id="17" name="Shape 15">
             <a:hlinkClick r:id="rId2" tooltip="" action="ppaction://hlinksldjump"/>
           </p:cNvPr>
           <p:cNvSpPr/>
@@ -5376,8 +5574,66 @@
         </p:nvSpPr>
         <p:spPr>
           <a:xfrm>
-            <a:off x="5029200" y="2286000"/>
-            <a:ext cx="2286000" cy="914400"/>
+            <a:off x="4754880" y="1645920"/>
+            <a:ext cx="3840480" cy="1005840"/>
+          </a:xfrm>
+          <a:prstGeom prst="rect">
+            <a:avLst/>
+          </a:prstGeom>
+          <a:solidFill>
+            <a:srgbClr val="000000">
+              <a:alpha val="0"/>
+            </a:srgbClr>
+          </a:solidFill>
+          <a:ln w="12700">
+            <a:solidFill>
+              <a:srgbClr val="333333"/>
+            </a:solidFill>
+            <a:prstDash val="solid"/>
+          </a:ln>
+        </p:spPr>
+      </p:sp>
+      <p:sp>
+        <p:nvSpPr>
+          <p:cNvPr id="18" name="Shape 16">
+            <a:hlinkClick r:id="rId3" tooltip="" action="ppaction://hlinksldjump"/>
+          </p:cNvPr>
+          <p:cNvSpPr/>
+          <p:nvPr/>
+        </p:nvSpPr>
+        <p:spPr>
+          <a:xfrm>
+            <a:off x="457200" y="2834640"/>
+            <a:ext cx="3840480" cy="1005840"/>
+          </a:xfrm>
+          <a:prstGeom prst="rect">
+            <a:avLst/>
+          </a:prstGeom>
+          <a:solidFill>
+            <a:srgbClr val="000000">
+              <a:alpha val="0"/>
+            </a:srgbClr>
+          </a:solidFill>
+          <a:ln w="12700">
+            <a:solidFill>
+              <a:srgbClr val="333333"/>
+            </a:solidFill>
+            <a:prstDash val="solid"/>
+          </a:ln>
+        </p:spPr>
+      </p:sp>
+      <p:sp>
+        <p:nvSpPr>
+          <p:cNvPr id="19" name="Shape 17">
+            <a:hlinkClick r:id="rId4" tooltip="" action="ppaction://hlinksldjump"/>
+          </p:cNvPr>
+          <p:cNvSpPr/>
+          <p:nvPr/>
+        </p:nvSpPr>
+        <p:spPr>
+          <a:xfrm>
+            <a:off x="4754880" y="2834640"/>
+            <a:ext cx="3840480" cy="1005840"/>
           </a:xfrm>
           <a:prstGeom prst="rect">
             <a:avLst/>
@@ -5474,7 +5730,7 @@
         <p:spPr>
           <a:xfrm>
             <a:off x="2011680" y="320040"/>
-            <a:ext cx="6400800" cy="457200"/>
+            <a:ext cx="6400800" cy="365760"/>
           </a:xfrm>
           <a:prstGeom prst="rect">
             <a:avLst/>
@@ -5495,7 +5751,7 @@
                   <a:srgbClr val="66B3FF"/>
                 </a:solidFill>
               </a:rPr>
-              <a:t>Transformation: Hexagon + Triangle - Can you make this new shape?</a:t>
+              <a:t>How can you make a different shape using the same parts? (Hexagon + Triangle)</a:t>
             </a:r>
             <a:endParaRPr lang="en-US" sz="1800" dirty="0"/>
           </a:p>
@@ -5509,8 +5765,8 @@
         </p:nvSpPr>
         <p:spPr>
           <a:xfrm>
-            <a:off x="1828800" y="2286000"/>
-            <a:ext cx="2286000" cy="914400"/>
+            <a:off x="4754880" y="1645920"/>
+            <a:ext cx="3840480" cy="1005840"/>
           </a:xfrm>
           <a:prstGeom prst="rect">
             <a:avLst/>
@@ -5534,7 +5790,7 @@
         </p:nvSpPr>
         <p:spPr>
           <a:xfrm>
-            <a:off x="1920240" y="2377440"/>
+            <a:off x="4846320" y="1737360"/>
             <a:ext cx="274320" cy="274320"/>
           </a:xfrm>
           <a:prstGeom prst="rect">
@@ -5558,7 +5814,7 @@
                   <a:srgbClr val="FFFFFF"/>
                 </a:solidFill>
               </a:rPr>
-              <a:t>A</a:t>
+              <a:t>B</a:t>
             </a:r>
             <a:endParaRPr lang="en-US" sz="1600" dirty="0"/>
           </a:p>
@@ -5572,8 +5828,8 @@
         </p:nvSpPr>
         <p:spPr>
           <a:xfrm>
-            <a:off x="2286000" y="2606040"/>
-            <a:ext cx="1645920" cy="365760"/>
+            <a:off x="5212080" y="2011680"/>
+            <a:ext cx="3200400" cy="457200"/>
           </a:xfrm>
           <a:prstGeom prst="rect">
             <a:avLst/>
@@ -5589,119 +5845,20 @@
               <a:buNone/>
             </a:pPr>
             <a:r>
-              <a:rPr lang="en-US" sz="1600" b="1" dirty="0">
+              <a:rPr lang="en-US" sz="1200" b="1" dirty="0">
                 <a:solidFill>
                   <a:srgbClr val="2ECC71"/>
                 </a:solidFill>
               </a:rPr>
-              <a:t>✓ Yes</a:t>
-            </a:r>
-            <a:endParaRPr lang="en-US" sz="1600" dirty="0"/>
+              <a:t>✓ Transformation 2 (Correct)</a:t>
+            </a:r>
+            <a:endParaRPr lang="en-US" sz="1200" dirty="0"/>
           </a:p>
         </p:txBody>
       </p:sp>
       <p:sp>
         <p:nvSpPr>
           <p:cNvPr id="7" name="Shape 5"/>
-          <p:cNvSpPr/>
-          <p:nvPr/>
-        </p:nvSpPr>
-        <p:spPr>
-          <a:xfrm>
-            <a:off x="5029200" y="2286000"/>
-            <a:ext cx="2286000" cy="914400"/>
-          </a:xfrm>
-          <a:prstGeom prst="rect">
-            <a:avLst/>
-          </a:prstGeom>
-          <a:solidFill>
-            <a:srgbClr val="2A2A2A"/>
-          </a:solidFill>
-          <a:ln w="12700">
-            <a:solidFill>
-              <a:srgbClr val="555555"/>
-            </a:solidFill>
-            <a:prstDash val="solid"/>
-          </a:ln>
-        </p:spPr>
-      </p:sp>
-      <p:sp>
-        <p:nvSpPr>
-          <p:cNvPr id="8" name="Text 6"/>
-          <p:cNvSpPr/>
-          <p:nvPr/>
-        </p:nvSpPr>
-        <p:spPr>
-          <a:xfrm>
-            <a:off x="5120640" y="2377440"/>
-            <a:ext cx="274320" cy="274320"/>
-          </a:xfrm>
-          <a:prstGeom prst="rect">
-            <a:avLst/>
-          </a:prstGeom>
-          <a:solidFill>
-            <a:srgbClr val="FF9999"/>
-          </a:solidFill>
-          <a:ln/>
-        </p:spPr>
-        <p:txBody>
-          <a:bodyPr wrap="square" rtlCol="0" anchor="ctr"/>
-          <a:lstStyle/>
-          <a:p>
-            <a:pPr algn="ctr" indent="0" marL="0">
-              <a:buNone/>
-            </a:pPr>
-            <a:r>
-              <a:rPr lang="en-US" sz="1600" b="1" dirty="0">
-                <a:solidFill>
-                  <a:srgbClr val="FFFFFF"/>
-                </a:solidFill>
-              </a:rPr>
-              <a:t>B</a:t>
-            </a:r>
-            <a:endParaRPr lang="en-US" sz="1600" dirty="0"/>
-          </a:p>
-        </p:txBody>
-      </p:sp>
-      <p:sp>
-        <p:nvSpPr>
-          <p:cNvPr id="9" name="Text 7"/>
-          <p:cNvSpPr/>
-          <p:nvPr/>
-        </p:nvSpPr>
-        <p:spPr>
-          <a:xfrm>
-            <a:off x="5486400" y="2606040"/>
-            <a:ext cx="1645920" cy="365760"/>
-          </a:xfrm>
-          <a:prstGeom prst="rect">
-            <a:avLst/>
-          </a:prstGeom>
-          <a:noFill/>
-          <a:ln/>
-        </p:spPr>
-        <p:txBody>
-          <a:bodyPr wrap="square" rtlCol="0" anchor="ctr"/>
-          <a:lstStyle/>
-          <a:p>
-            <a:pPr algn="ctr" indent="0" marL="0">
-              <a:buNone/>
-            </a:pPr>
-            <a:r>
-              <a:rPr lang="en-US" sz="1600" dirty="0">
-                <a:solidFill>
-                  <a:srgbClr val="888888"/>
-                </a:solidFill>
-              </a:rPr>
-              <a:t>No</a:t>
-            </a:r>
-            <a:endParaRPr lang="en-US" sz="1600" dirty="0"/>
-          </a:p>
-        </p:txBody>
-      </p:sp>
-      <p:sp>
-        <p:nvSpPr>
-          <p:cNvPr id="10" name="Shape 8"/>
           <p:cNvSpPr/>
           <p:nvPr/>
         </p:nvSpPr>
@@ -5726,7 +5883,7 @@
       </p:sp>
       <p:sp>
         <p:nvSpPr>
-          <p:cNvPr id="11" name="Text 9">
+          <p:cNvPr id="8" name="Text 6">
             <a:hlinkClick r:id="rId1" tooltip="" action="ppaction://hlinksldjump"/>
           </p:cNvPr>
           <p:cNvSpPr/>
@@ -5848,7 +6005,7 @@
         <p:spPr>
           <a:xfrm>
             <a:off x="1097280" y="320040"/>
-            <a:ext cx="7315200" cy="457200"/>
+            <a:ext cx="7315200" cy="365760"/>
           </a:xfrm>
           <a:prstGeom prst="rect">
             <a:avLst/>
@@ -5869,7 +6026,7 @@
                   <a:srgbClr val="66B3FF"/>
                 </a:solidFill>
               </a:rPr>
-              <a:t>Transformation: Parallelogram + Square - Can you rearrange?</a:t>
+              <a:t>How can you make a different shape using the same parts? (Parallelogram + Square)</a:t>
             </a:r>
             <a:endParaRPr lang="en-US" sz="1800" dirty="0"/>
           </a:p>
@@ -5883,8 +6040,8 @@
         </p:nvSpPr>
         <p:spPr>
           <a:xfrm>
-            <a:off x="1828800" y="2286000"/>
-            <a:ext cx="2286000" cy="914400"/>
+            <a:off x="457200" y="1645920"/>
+            <a:ext cx="3840480" cy="1005840"/>
           </a:xfrm>
           <a:prstGeom prst="rect">
             <a:avLst/>
@@ -5908,7 +6065,7 @@
         </p:nvSpPr>
         <p:spPr>
           <a:xfrm>
-            <a:off x="1920240" y="2377440"/>
+            <a:off x="548640" y="1737360"/>
             <a:ext cx="274320" cy="274320"/>
           </a:xfrm>
           <a:prstGeom prst="rect">
@@ -5946,8 +6103,8 @@
         </p:nvSpPr>
         <p:spPr>
           <a:xfrm>
-            <a:off x="2286000" y="2606040"/>
-            <a:ext cx="1645920" cy="365760"/>
+            <a:off x="914400" y="2011680"/>
+            <a:ext cx="3200400" cy="457200"/>
           </a:xfrm>
           <a:prstGeom prst="rect">
             <a:avLst/>
@@ -5963,12 +6120,75 @@
               <a:buNone/>
             </a:pPr>
             <a:r>
-              <a:rPr lang="en-US" sz="1600" dirty="0">
+              <a:rPr lang="en-US" sz="1200" dirty="0">
                 <a:solidFill>
                   <a:srgbClr val="E0E0E0"/>
                 </a:solidFill>
               </a:rPr>
-              <a:t>Yes</a:t>
+              <a:t>Transformation 1</a:t>
+            </a:r>
+            <a:endParaRPr lang="en-US" sz="1200" dirty="0"/>
+          </a:p>
+        </p:txBody>
+      </p:sp>
+      <p:sp>
+        <p:nvSpPr>
+          <p:cNvPr id="7" name="Shape 5"/>
+          <p:cNvSpPr/>
+          <p:nvPr/>
+        </p:nvSpPr>
+        <p:spPr>
+          <a:xfrm>
+            <a:off x="4754880" y="1645920"/>
+            <a:ext cx="3840480" cy="1005840"/>
+          </a:xfrm>
+          <a:prstGeom prst="rect">
+            <a:avLst/>
+          </a:prstGeom>
+          <a:solidFill>
+            <a:srgbClr val="2A2A2A"/>
+          </a:solidFill>
+          <a:ln w="12700">
+            <a:solidFill>
+              <a:srgbClr val="555555"/>
+            </a:solidFill>
+            <a:prstDash val="solid"/>
+          </a:ln>
+        </p:spPr>
+      </p:sp>
+      <p:sp>
+        <p:nvSpPr>
+          <p:cNvPr id="8" name="Text 6"/>
+          <p:cNvSpPr/>
+          <p:nvPr/>
+        </p:nvSpPr>
+        <p:spPr>
+          <a:xfrm>
+            <a:off x="4846320" y="1737360"/>
+            <a:ext cx="274320" cy="274320"/>
+          </a:xfrm>
+          <a:prstGeom prst="rect">
+            <a:avLst/>
+          </a:prstGeom>
+          <a:solidFill>
+            <a:srgbClr val="FF9999"/>
+          </a:solidFill>
+          <a:ln/>
+        </p:spPr>
+        <p:txBody>
+          <a:bodyPr wrap="square" rtlCol="0" anchor="ctr"/>
+          <a:lstStyle/>
+          <a:p>
+            <a:pPr algn="ctr" indent="0" marL="0">
+              <a:buNone/>
+            </a:pPr>
+            <a:r>
+              <a:rPr lang="en-US" sz="1600" b="1" dirty="0">
+                <a:solidFill>
+                  <a:srgbClr val="FFFFFF"/>
+                </a:solidFill>
+              </a:rPr>
+              <a:t>B</a:t>
             </a:r>
             <a:endParaRPr lang="en-US" sz="1600" dirty="0"/>
           </a:p>
@@ -5976,14 +6196,50 @@
       </p:sp>
       <p:sp>
         <p:nvSpPr>
-          <p:cNvPr id="7" name="Shape 5"/>
-          <p:cNvSpPr/>
-          <p:nvPr/>
-        </p:nvSpPr>
-        <p:spPr>
-          <a:xfrm>
-            <a:off x="5029200" y="2286000"/>
-            <a:ext cx="2286000" cy="914400"/>
+          <p:cNvPr id="9" name="Text 7"/>
+          <p:cNvSpPr/>
+          <p:nvPr/>
+        </p:nvSpPr>
+        <p:spPr>
+          <a:xfrm>
+            <a:off x="5212080" y="2011680"/>
+            <a:ext cx="3200400" cy="457200"/>
+          </a:xfrm>
+          <a:prstGeom prst="rect">
+            <a:avLst/>
+          </a:prstGeom>
+          <a:noFill/>
+          <a:ln/>
+        </p:spPr>
+        <p:txBody>
+          <a:bodyPr wrap="square" rtlCol="0" anchor="ctr"/>
+          <a:lstStyle/>
+          <a:p>
+            <a:pPr algn="ctr" indent="0" marL="0">
+              <a:buNone/>
+            </a:pPr>
+            <a:r>
+              <a:rPr lang="en-US" sz="1200" dirty="0">
+                <a:solidFill>
+                  <a:srgbClr val="E0E0E0"/>
+                </a:solidFill>
+              </a:rPr>
+              <a:t>Transformation 2</a:t>
+            </a:r>
+            <a:endParaRPr lang="en-US" sz="1200" dirty="0"/>
+          </a:p>
+        </p:txBody>
+      </p:sp>
+      <p:sp>
+        <p:nvSpPr>
+          <p:cNvPr id="10" name="Shape 8"/>
+          <p:cNvSpPr/>
+          <p:nvPr/>
+        </p:nvSpPr>
+        <p:spPr>
+          <a:xfrm>
+            <a:off x="457200" y="2834640"/>
+            <a:ext cx="3840480" cy="1005840"/>
           </a:xfrm>
           <a:prstGeom prst="rect">
             <a:avLst/>
@@ -6001,13 +6257,13 @@
       </p:sp>
       <p:sp>
         <p:nvSpPr>
-          <p:cNvPr id="8" name="Text 6"/>
-          <p:cNvSpPr/>
-          <p:nvPr/>
-        </p:nvSpPr>
-        <p:spPr>
-          <a:xfrm>
-            <a:off x="5120640" y="2377440"/>
+          <p:cNvPr id="11" name="Text 9"/>
+          <p:cNvSpPr/>
+          <p:nvPr/>
+        </p:nvSpPr>
+        <p:spPr>
+          <a:xfrm>
+            <a:off x="548640" y="2926080"/>
             <a:ext cx="274320" cy="274320"/>
           </a:xfrm>
           <a:prstGeom prst="rect">
@@ -6031,7 +6287,7 @@
                   <a:srgbClr val="FFFFFF"/>
                 </a:solidFill>
               </a:rPr>
-              <a:t>B</a:t>
+              <a:t>C</a:t>
             </a:r>
             <a:endParaRPr lang="en-US" sz="1600" dirty="0"/>
           </a:p>
@@ -6039,14 +6295,14 @@
       </p:sp>
       <p:sp>
         <p:nvSpPr>
-          <p:cNvPr id="9" name="Text 7"/>
-          <p:cNvSpPr/>
-          <p:nvPr/>
-        </p:nvSpPr>
-        <p:spPr>
-          <a:xfrm>
-            <a:off x="5486400" y="2606040"/>
-            <a:ext cx="1645920" cy="365760"/>
+          <p:cNvPr id="12" name="Text 10"/>
+          <p:cNvSpPr/>
+          <p:nvPr/>
+        </p:nvSpPr>
+        <p:spPr>
+          <a:xfrm>
+            <a:off x="914400" y="3200400"/>
+            <a:ext cx="3200400" cy="457200"/>
           </a:xfrm>
           <a:prstGeom prst="rect">
             <a:avLst/>
@@ -6062,12 +6318,75 @@
               <a:buNone/>
             </a:pPr>
             <a:r>
-              <a:rPr lang="en-US" sz="1600" dirty="0">
+              <a:rPr lang="en-US" sz="1200" dirty="0">
                 <a:solidFill>
                   <a:srgbClr val="E0E0E0"/>
                 </a:solidFill>
               </a:rPr>
-              <a:t>No</a:t>
+              <a:t>Transformation 3 (Correct)</a:t>
+            </a:r>
+            <a:endParaRPr lang="en-US" sz="1200" dirty="0"/>
+          </a:p>
+        </p:txBody>
+      </p:sp>
+      <p:sp>
+        <p:nvSpPr>
+          <p:cNvPr id="13" name="Shape 11"/>
+          <p:cNvSpPr/>
+          <p:nvPr/>
+        </p:nvSpPr>
+        <p:spPr>
+          <a:xfrm>
+            <a:off x="4754880" y="2834640"/>
+            <a:ext cx="3840480" cy="1005840"/>
+          </a:xfrm>
+          <a:prstGeom prst="rect">
+            <a:avLst/>
+          </a:prstGeom>
+          <a:solidFill>
+            <a:srgbClr val="2A2A2A"/>
+          </a:solidFill>
+          <a:ln w="12700">
+            <a:solidFill>
+              <a:srgbClr val="555555"/>
+            </a:solidFill>
+            <a:prstDash val="solid"/>
+          </a:ln>
+        </p:spPr>
+      </p:sp>
+      <p:sp>
+        <p:nvSpPr>
+          <p:cNvPr id="14" name="Text 12"/>
+          <p:cNvSpPr/>
+          <p:nvPr/>
+        </p:nvSpPr>
+        <p:spPr>
+          <a:xfrm>
+            <a:off x="4846320" y="2926080"/>
+            <a:ext cx="274320" cy="274320"/>
+          </a:xfrm>
+          <a:prstGeom prst="rect">
+            <a:avLst/>
+          </a:prstGeom>
+          <a:solidFill>
+            <a:srgbClr val="FF9999"/>
+          </a:solidFill>
+          <a:ln/>
+        </p:spPr>
+        <p:txBody>
+          <a:bodyPr wrap="square" rtlCol="0" anchor="ctr"/>
+          <a:lstStyle/>
+          <a:p>
+            <a:pPr algn="ctr" indent="0" marL="0">
+              <a:buNone/>
+            </a:pPr>
+            <a:r>
+              <a:rPr lang="en-US" sz="1600" b="1" dirty="0">
+                <a:solidFill>
+                  <a:srgbClr val="FFFFFF"/>
+                </a:solidFill>
+              </a:rPr>
+              <a:t>D</a:t>
             </a:r>
             <a:endParaRPr lang="en-US" sz="1600" dirty="0"/>
           </a:p>
@@ -6075,7 +6394,43 @@
       </p:sp>
       <p:sp>
         <p:nvSpPr>
-          <p:cNvPr id="10" name="Shape 8">
+          <p:cNvPr id="15" name="Text 13"/>
+          <p:cNvSpPr/>
+          <p:nvPr/>
+        </p:nvSpPr>
+        <p:spPr>
+          <a:xfrm>
+            <a:off x="5212080" y="3200400"/>
+            <a:ext cx="3200400" cy="457200"/>
+          </a:xfrm>
+          <a:prstGeom prst="rect">
+            <a:avLst/>
+          </a:prstGeom>
+          <a:noFill/>
+          <a:ln/>
+        </p:spPr>
+        <p:txBody>
+          <a:bodyPr wrap="square" rtlCol="0" anchor="ctr"/>
+          <a:lstStyle/>
+          <a:p>
+            <a:pPr algn="ctr" indent="0" marL="0">
+              <a:buNone/>
+            </a:pPr>
+            <a:r>
+              <a:rPr lang="en-US" sz="1200" dirty="0">
+                <a:solidFill>
+                  <a:srgbClr val="E0E0E0"/>
+                </a:solidFill>
+              </a:rPr>
+              <a:t>Transformation 4</a:t>
+            </a:r>
+            <a:endParaRPr lang="en-US" sz="1200" dirty="0"/>
+          </a:p>
+        </p:txBody>
+      </p:sp>
+      <p:sp>
+        <p:nvSpPr>
+          <p:cNvPr id="16" name="Shape 14">
             <a:hlinkClick r:id="rId1" tooltip="" action="ppaction://hlinksldjump"/>
           </p:cNvPr>
           <p:cNvSpPr/>
@@ -6083,8 +6438,8 @@
         </p:nvSpPr>
         <p:spPr>
           <a:xfrm>
-            <a:off x="1828800" y="2286000"/>
-            <a:ext cx="2286000" cy="914400"/>
+            <a:off x="457200" y="1645920"/>
+            <a:ext cx="3840480" cy="1005840"/>
           </a:xfrm>
           <a:prstGeom prst="rect">
             <a:avLst/>
@@ -6104,7 +6459,7 @@
       </p:sp>
       <p:sp>
         <p:nvSpPr>
-          <p:cNvPr id="11" name="Shape 9">
+          <p:cNvPr id="17" name="Shape 15">
             <a:hlinkClick r:id="rId2" tooltip="" action="ppaction://hlinksldjump"/>
           </p:cNvPr>
           <p:cNvSpPr/>
@@ -6112,8 +6467,66 @@
         </p:nvSpPr>
         <p:spPr>
           <a:xfrm>
-            <a:off x="5029200" y="2286000"/>
-            <a:ext cx="2286000" cy="914400"/>
+            <a:off x="4754880" y="1645920"/>
+            <a:ext cx="3840480" cy="1005840"/>
+          </a:xfrm>
+          <a:prstGeom prst="rect">
+            <a:avLst/>
+          </a:prstGeom>
+          <a:solidFill>
+            <a:srgbClr val="000000">
+              <a:alpha val="0"/>
+            </a:srgbClr>
+          </a:solidFill>
+          <a:ln w="12700">
+            <a:solidFill>
+              <a:srgbClr val="333333"/>
+            </a:solidFill>
+            <a:prstDash val="solid"/>
+          </a:ln>
+        </p:spPr>
+      </p:sp>
+      <p:sp>
+        <p:nvSpPr>
+          <p:cNvPr id="18" name="Shape 16">
+            <a:hlinkClick r:id="rId3" tooltip="" action="ppaction://hlinksldjump"/>
+          </p:cNvPr>
+          <p:cNvSpPr/>
+          <p:nvPr/>
+        </p:nvSpPr>
+        <p:spPr>
+          <a:xfrm>
+            <a:off x="457200" y="2834640"/>
+            <a:ext cx="3840480" cy="1005840"/>
+          </a:xfrm>
+          <a:prstGeom prst="rect">
+            <a:avLst/>
+          </a:prstGeom>
+          <a:solidFill>
+            <a:srgbClr val="000000">
+              <a:alpha val="0"/>
+            </a:srgbClr>
+          </a:solidFill>
+          <a:ln w="12700">
+            <a:solidFill>
+              <a:srgbClr val="333333"/>
+            </a:solidFill>
+            <a:prstDash val="solid"/>
+          </a:ln>
+        </p:spPr>
+      </p:sp>
+      <p:sp>
+        <p:nvSpPr>
+          <p:cNvPr id="19" name="Shape 17">
+            <a:hlinkClick r:id="rId4" tooltip="" action="ppaction://hlinksldjump"/>
+          </p:cNvPr>
+          <p:cNvSpPr/>
+          <p:nvPr/>
+        </p:nvSpPr>
+        <p:spPr>
+          <a:xfrm>
+            <a:off x="4754880" y="2834640"/>
+            <a:ext cx="3840480" cy="1005840"/>
           </a:xfrm>
           <a:prstGeom prst="rect">
             <a:avLst/>
@@ -6210,7 +6623,7 @@
         <p:spPr>
           <a:xfrm>
             <a:off x="2011680" y="320040"/>
-            <a:ext cx="6400800" cy="457200"/>
+            <a:ext cx="6400800" cy="365760"/>
           </a:xfrm>
           <a:prstGeom prst="rect">
             <a:avLst/>
@@ -6231,7 +6644,7 @@
                   <a:srgbClr val="66B3FF"/>
                 </a:solidFill>
               </a:rPr>
-              <a:t>Transformation: Parallelogram + Square - Can you rearrange?</a:t>
+              <a:t>How can you make a different shape using the same parts? (Parallelogram + Square)</a:t>
             </a:r>
             <a:endParaRPr lang="en-US" sz="1800" dirty="0"/>
           </a:p>
@@ -6245,18 +6658,18 @@
         </p:nvSpPr>
         <p:spPr>
           <a:xfrm>
-            <a:off x="1828800" y="2286000"/>
-            <a:ext cx="2286000" cy="914400"/>
-          </a:xfrm>
-          <a:prstGeom prst="rect">
-            <a:avLst/>
-          </a:prstGeom>
-          <a:solidFill>
-            <a:srgbClr val="2A2A2A"/>
-          </a:solidFill>
-          <a:ln w="12700">
-            <a:solidFill>
-              <a:srgbClr val="555555"/>
+            <a:off x="457200" y="2834640"/>
+            <a:ext cx="3840480" cy="1005840"/>
+          </a:xfrm>
+          <a:prstGeom prst="rect">
+            <a:avLst/>
+          </a:prstGeom>
+          <a:solidFill>
+            <a:srgbClr val="1A4D2E"/>
+          </a:solidFill>
+          <a:ln w="38100">
+            <a:solidFill>
+              <a:srgbClr val="2ECC71"/>
             </a:solidFill>
             <a:prstDash val="solid"/>
           </a:ln>
@@ -6270,14 +6683,14 @@
         </p:nvSpPr>
         <p:spPr>
           <a:xfrm>
-            <a:off x="1920240" y="2377440"/>
+            <a:off x="548640" y="2926080"/>
             <a:ext cx="274320" cy="274320"/>
           </a:xfrm>
           <a:prstGeom prst="rect">
             <a:avLst/>
           </a:prstGeom>
           <a:solidFill>
-            <a:srgbClr val="FF9999"/>
+            <a:srgbClr val="2ECC71"/>
           </a:solidFill>
           <a:ln/>
         </p:spPr>
@@ -6294,7 +6707,7 @@
                   <a:srgbClr val="FFFFFF"/>
                 </a:solidFill>
               </a:rPr>
-              <a:t>A</a:t>
+              <a:t>C</a:t>
             </a:r>
             <a:endParaRPr lang="en-US" sz="1600" dirty="0"/>
           </a:p>
@@ -6308,8 +6721,8 @@
         </p:nvSpPr>
         <p:spPr>
           <a:xfrm>
-            <a:off x="2286000" y="2606040"/>
-            <a:ext cx="1645920" cy="365760"/>
+            <a:off x="914400" y="3200400"/>
+            <a:ext cx="3200400" cy="457200"/>
           </a:xfrm>
           <a:prstGeom prst="rect">
             <a:avLst/>
@@ -6325,119 +6738,20 @@
               <a:buNone/>
             </a:pPr>
             <a:r>
-              <a:rPr lang="en-US" sz="1600" dirty="0">
-                <a:solidFill>
-                  <a:srgbClr val="888888"/>
-                </a:solidFill>
-              </a:rPr>
-              <a:t>Yes</a:t>
-            </a:r>
-            <a:endParaRPr lang="en-US" sz="1600" dirty="0"/>
+              <a:rPr lang="en-US" sz="1200" b="1" dirty="0">
+                <a:solidFill>
+                  <a:srgbClr val="2ECC71"/>
+                </a:solidFill>
+              </a:rPr>
+              <a:t>✓ Transformation 3 (Correct)</a:t>
+            </a:r>
+            <a:endParaRPr lang="en-US" sz="1200" dirty="0"/>
           </a:p>
         </p:txBody>
       </p:sp>
       <p:sp>
         <p:nvSpPr>
           <p:cNvPr id="7" name="Shape 5"/>
-          <p:cNvSpPr/>
-          <p:nvPr/>
-        </p:nvSpPr>
-        <p:spPr>
-          <a:xfrm>
-            <a:off x="5029200" y="2286000"/>
-            <a:ext cx="2286000" cy="914400"/>
-          </a:xfrm>
-          <a:prstGeom prst="rect">
-            <a:avLst/>
-          </a:prstGeom>
-          <a:solidFill>
-            <a:srgbClr val="1A4D2E"/>
-          </a:solidFill>
-          <a:ln w="38100">
-            <a:solidFill>
-              <a:srgbClr val="2ECC71"/>
-            </a:solidFill>
-            <a:prstDash val="solid"/>
-          </a:ln>
-        </p:spPr>
-      </p:sp>
-      <p:sp>
-        <p:nvSpPr>
-          <p:cNvPr id="8" name="Text 6"/>
-          <p:cNvSpPr/>
-          <p:nvPr/>
-        </p:nvSpPr>
-        <p:spPr>
-          <a:xfrm>
-            <a:off x="5120640" y="2377440"/>
-            <a:ext cx="274320" cy="274320"/>
-          </a:xfrm>
-          <a:prstGeom prst="rect">
-            <a:avLst/>
-          </a:prstGeom>
-          <a:solidFill>
-            <a:srgbClr val="2ECC71"/>
-          </a:solidFill>
-          <a:ln/>
-        </p:spPr>
-        <p:txBody>
-          <a:bodyPr wrap="square" rtlCol="0" anchor="ctr"/>
-          <a:lstStyle/>
-          <a:p>
-            <a:pPr algn="ctr" indent="0" marL="0">
-              <a:buNone/>
-            </a:pPr>
-            <a:r>
-              <a:rPr lang="en-US" sz="1600" b="1" dirty="0">
-                <a:solidFill>
-                  <a:srgbClr val="FFFFFF"/>
-                </a:solidFill>
-              </a:rPr>
-              <a:t>B</a:t>
-            </a:r>
-            <a:endParaRPr lang="en-US" sz="1600" dirty="0"/>
-          </a:p>
-        </p:txBody>
-      </p:sp>
-      <p:sp>
-        <p:nvSpPr>
-          <p:cNvPr id="9" name="Text 7"/>
-          <p:cNvSpPr/>
-          <p:nvPr/>
-        </p:nvSpPr>
-        <p:spPr>
-          <a:xfrm>
-            <a:off x="5486400" y="2606040"/>
-            <a:ext cx="1645920" cy="365760"/>
-          </a:xfrm>
-          <a:prstGeom prst="rect">
-            <a:avLst/>
-          </a:prstGeom>
-          <a:noFill/>
-          <a:ln/>
-        </p:spPr>
-        <p:txBody>
-          <a:bodyPr wrap="square" rtlCol="0" anchor="ctr"/>
-          <a:lstStyle/>
-          <a:p>
-            <a:pPr algn="ctr" indent="0" marL="0">
-              <a:buNone/>
-            </a:pPr>
-            <a:r>
-              <a:rPr lang="en-US" sz="1600" b="1" dirty="0">
-                <a:solidFill>
-                  <a:srgbClr val="2ECC71"/>
-                </a:solidFill>
-              </a:rPr>
-              <a:t>✓ No</a:t>
-            </a:r>
-            <a:endParaRPr lang="en-US" sz="1600" dirty="0"/>
-          </a:p>
-        </p:txBody>
-      </p:sp>
-      <p:sp>
-        <p:nvSpPr>
-          <p:cNvPr id="10" name="Shape 8"/>
           <p:cNvSpPr/>
           <p:nvPr/>
         </p:nvSpPr>
@@ -6462,7 +6776,7 @@
       </p:sp>
       <p:sp>
         <p:nvSpPr>
-          <p:cNvPr id="11" name="Text 9">
+          <p:cNvPr id="8" name="Text 6">
             <a:hlinkClick r:id="rId1" tooltip="" action="ppaction://hlinksldjump"/>
           </p:cNvPr>
           <p:cNvSpPr/>
@@ -7320,7 +7634,7 @@
         <p:spPr>
           <a:xfrm>
             <a:off x="1097280" y="320040"/>
-            <a:ext cx="7315200" cy="457200"/>
+            <a:ext cx="7315200" cy="365760"/>
           </a:xfrm>
           <a:prstGeom prst="rect">
             <a:avLst/>
@@ -7341,7 +7655,7 @@
                   <a:srgbClr val="66B3FF"/>
                 </a:solidFill>
               </a:rPr>
-              <a:t>Does the shape have fewer than 4 sides?</a:t>
+              <a:t>How do you know the shape is NOT a rectangle? Match with one reason only.</a:t>
             </a:r>
             <a:endParaRPr lang="en-US" sz="1800" dirty="0"/>
           </a:p>
@@ -7355,8 +7669,8 @@
         </p:nvSpPr>
         <p:spPr>
           <a:xfrm>
-            <a:off x="1828800" y="2286000"/>
-            <a:ext cx="2286000" cy="914400"/>
+            <a:off x="457200" y="1645920"/>
+            <a:ext cx="3840480" cy="1005840"/>
           </a:xfrm>
           <a:prstGeom prst="rect">
             <a:avLst/>
@@ -7380,13 +7694,310 @@
         </p:nvSpPr>
         <p:spPr>
           <a:xfrm>
-            <a:off x="1920240" y="2377440"/>
+            <a:off x="548640" y="1737360"/>
             <a:ext cx="274320" cy="274320"/>
           </a:xfrm>
           <a:prstGeom prst="rect">
             <a:avLst/>
           </a:prstGeom>
           <a:solidFill>
+            <a:srgbClr val="FF9999"/>
+          </a:solidFill>
+          <a:ln/>
+        </p:spPr>
+        <p:txBody>
+          <a:bodyPr wrap="square" rtlCol="0" anchor="ctr"/>
+          <a:lstStyle/>
+          <a:p>
+            <a:pPr algn="ctr" indent="0" marL="0">
+              <a:buNone/>
+            </a:pPr>
+            <a:r>
+              <a:rPr lang="en-US" sz="1600" b="1" dirty="0">
+                <a:solidFill>
+                  <a:srgbClr val="FFFFFF"/>
+                </a:solidFill>
+              </a:rPr>
+              <a:t>A</a:t>
+            </a:r>
+            <a:endParaRPr lang="en-US" sz="1600" dirty="0"/>
+          </a:p>
+        </p:txBody>
+      </p:sp>
+      <p:sp>
+        <p:nvSpPr>
+          <p:cNvPr id="6" name="Text 4"/>
+          <p:cNvSpPr/>
+          <p:nvPr/>
+        </p:nvSpPr>
+        <p:spPr>
+          <a:xfrm>
+            <a:off x="914400" y="2011680"/>
+            <a:ext cx="3200400" cy="457200"/>
+          </a:xfrm>
+          <a:prstGeom prst="rect">
+            <a:avLst/>
+          </a:prstGeom>
+          <a:noFill/>
+          <a:ln/>
+        </p:spPr>
+        <p:txBody>
+          <a:bodyPr wrap="square" rtlCol="0" anchor="ctr"/>
+          <a:lstStyle/>
+          <a:p>
+            <a:pPr algn="ctr" indent="0" marL="0">
+              <a:buNone/>
+            </a:pPr>
+            <a:r>
+              <a:rPr lang="en-US" sz="1200" dirty="0">
+                <a:solidFill>
+                  <a:srgbClr val="E0E0E0"/>
+                </a:solidFill>
+              </a:rPr>
+              <a:t>Shape is not closed</a:t>
+            </a:r>
+            <a:endParaRPr lang="en-US" sz="1200" dirty="0"/>
+          </a:p>
+        </p:txBody>
+      </p:sp>
+      <p:sp>
+        <p:nvSpPr>
+          <p:cNvPr id="7" name="Shape 5"/>
+          <p:cNvSpPr/>
+          <p:nvPr/>
+        </p:nvSpPr>
+        <p:spPr>
+          <a:xfrm>
+            <a:off x="4754880" y="1645920"/>
+            <a:ext cx="3840480" cy="1005840"/>
+          </a:xfrm>
+          <a:prstGeom prst="rect">
+            <a:avLst/>
+          </a:prstGeom>
+          <a:solidFill>
+            <a:srgbClr val="2A2A2A"/>
+          </a:solidFill>
+          <a:ln w="12700">
+            <a:solidFill>
+              <a:srgbClr val="555555"/>
+            </a:solidFill>
+            <a:prstDash val="solid"/>
+          </a:ln>
+        </p:spPr>
+      </p:sp>
+      <p:sp>
+        <p:nvSpPr>
+          <p:cNvPr id="8" name="Text 6"/>
+          <p:cNvSpPr/>
+          <p:nvPr/>
+        </p:nvSpPr>
+        <p:spPr>
+          <a:xfrm>
+            <a:off x="4846320" y="1737360"/>
+            <a:ext cx="274320" cy="274320"/>
+          </a:xfrm>
+          <a:prstGeom prst="rect">
+            <a:avLst/>
+          </a:prstGeom>
+          <a:solidFill>
+            <a:srgbClr val="FF9999"/>
+          </a:solidFill>
+          <a:ln/>
+        </p:spPr>
+        <p:txBody>
+          <a:bodyPr wrap="square" rtlCol="0" anchor="ctr"/>
+          <a:lstStyle/>
+          <a:p>
+            <a:pPr algn="ctr" indent="0" marL="0">
+              <a:buNone/>
+            </a:pPr>
+            <a:r>
+              <a:rPr lang="en-US" sz="1600" b="1" dirty="0">
+                <a:solidFill>
+                  <a:srgbClr val="FFFFFF"/>
+                </a:solidFill>
+              </a:rPr>
+              <a:t>B</a:t>
+            </a:r>
+            <a:endParaRPr lang="en-US" sz="1600" dirty="0"/>
+          </a:p>
+        </p:txBody>
+      </p:sp>
+      <p:sp>
+        <p:nvSpPr>
+          <p:cNvPr id="9" name="Text 7"/>
+          <p:cNvSpPr/>
+          <p:nvPr/>
+        </p:nvSpPr>
+        <p:spPr>
+          <a:xfrm>
+            <a:off x="5212080" y="2011680"/>
+            <a:ext cx="3200400" cy="457200"/>
+          </a:xfrm>
+          <a:prstGeom prst="rect">
+            <a:avLst/>
+          </a:prstGeom>
+          <a:noFill/>
+          <a:ln/>
+        </p:spPr>
+        <p:txBody>
+          <a:bodyPr wrap="square" rtlCol="0" anchor="ctr"/>
+          <a:lstStyle/>
+          <a:p>
+            <a:pPr algn="ctr" indent="0" marL="0">
+              <a:buNone/>
+            </a:pPr>
+            <a:r>
+              <a:rPr lang="en-US" sz="1200" dirty="0">
+                <a:solidFill>
+                  <a:srgbClr val="E0E0E0"/>
+                </a:solidFill>
+              </a:rPr>
+              <a:t>Shape has more than 4 sides</a:t>
+            </a:r>
+            <a:endParaRPr lang="en-US" sz="1200" dirty="0"/>
+          </a:p>
+        </p:txBody>
+      </p:sp>
+      <p:sp>
+        <p:nvSpPr>
+          <p:cNvPr id="10" name="Shape 8"/>
+          <p:cNvSpPr/>
+          <p:nvPr/>
+        </p:nvSpPr>
+        <p:spPr>
+          <a:xfrm>
+            <a:off x="457200" y="2834640"/>
+            <a:ext cx="3840480" cy="1005840"/>
+          </a:xfrm>
+          <a:prstGeom prst="rect">
+            <a:avLst/>
+          </a:prstGeom>
+          <a:solidFill>
+            <a:srgbClr val="2A2A2A"/>
+          </a:solidFill>
+          <a:ln w="12700">
+            <a:solidFill>
+              <a:srgbClr val="555555"/>
+            </a:solidFill>
+            <a:prstDash val="solid"/>
+          </a:ln>
+        </p:spPr>
+      </p:sp>
+      <p:sp>
+        <p:nvSpPr>
+          <p:cNvPr id="11" name="Text 9"/>
+          <p:cNvSpPr/>
+          <p:nvPr/>
+        </p:nvSpPr>
+        <p:spPr>
+          <a:xfrm>
+            <a:off x="548640" y="2926080"/>
+            <a:ext cx="274320" cy="274320"/>
+          </a:xfrm>
+          <a:prstGeom prst="rect">
+            <a:avLst/>
+          </a:prstGeom>
+          <a:solidFill>
+            <a:srgbClr val="FF9999"/>
+          </a:solidFill>
+          <a:ln/>
+        </p:spPr>
+        <p:txBody>
+          <a:bodyPr wrap="square" rtlCol="0" anchor="ctr"/>
+          <a:lstStyle/>
+          <a:p>
+            <a:pPr algn="ctr" indent="0" marL="0">
+              <a:buNone/>
+            </a:pPr>
+            <a:r>
+              <a:rPr lang="en-US" sz="1600" b="1" dirty="0">
+                <a:solidFill>
+                  <a:srgbClr val="FFFFFF"/>
+                </a:solidFill>
+              </a:rPr>
+              <a:t>C</a:t>
+            </a:r>
+            <a:endParaRPr lang="en-US" sz="1600" dirty="0"/>
+          </a:p>
+        </p:txBody>
+      </p:sp>
+      <p:sp>
+        <p:nvSpPr>
+          <p:cNvPr id="12" name="Text 10"/>
+          <p:cNvSpPr/>
+          <p:nvPr/>
+        </p:nvSpPr>
+        <p:spPr>
+          <a:xfrm>
+            <a:off x="914400" y="3200400"/>
+            <a:ext cx="3200400" cy="457200"/>
+          </a:xfrm>
+          <a:prstGeom prst="rect">
+            <a:avLst/>
+          </a:prstGeom>
+          <a:noFill/>
+          <a:ln/>
+        </p:spPr>
+        <p:txBody>
+          <a:bodyPr wrap="square" rtlCol="0" anchor="ctr"/>
+          <a:lstStyle/>
+          <a:p>
+            <a:pPr algn="ctr" indent="0" marL="0">
+              <a:buNone/>
+            </a:pPr>
+            <a:r>
+              <a:rPr lang="en-US" sz="1200" dirty="0">
+                <a:solidFill>
+                  <a:srgbClr val="E0E0E0"/>
+                </a:solidFill>
+              </a:rPr>
+              <a:t>Shape is not 2-dimensional</a:t>
+            </a:r>
+            <a:endParaRPr lang="en-US" sz="1200" dirty="0"/>
+          </a:p>
+        </p:txBody>
+      </p:sp>
+      <p:sp>
+        <p:nvSpPr>
+          <p:cNvPr id="13" name="Shape 11"/>
+          <p:cNvSpPr/>
+          <p:nvPr/>
+        </p:nvSpPr>
+        <p:spPr>
+          <a:xfrm>
+            <a:off x="4754880" y="2834640"/>
+            <a:ext cx="3840480" cy="1005840"/>
+          </a:xfrm>
+          <a:prstGeom prst="rect">
+            <a:avLst/>
+          </a:prstGeom>
+          <a:solidFill>
+            <a:srgbClr val="2A2A2A"/>
+          </a:solidFill>
+          <a:ln w="12700">
+            <a:solidFill>
+              <a:srgbClr val="555555"/>
+            </a:solidFill>
+            <a:prstDash val="solid"/>
+          </a:ln>
+        </p:spPr>
+      </p:sp>
+      <p:sp>
+        <p:nvSpPr>
+          <p:cNvPr id="14" name="Text 12"/>
+          <p:cNvSpPr/>
+          <p:nvPr/>
+        </p:nvSpPr>
+        <p:spPr>
+          <a:xfrm>
+            <a:off x="4846320" y="2926080"/>
+            <a:ext cx="274320" cy="274320"/>
+          </a:xfrm>
+          <a:prstGeom prst="rect">
+            <a:avLst/>
+          </a:prstGeom>
+          <a:solidFill>
             <a:srgbClr val="66B3FF"/>
           </a:solidFill>
           <a:ln/>
@@ -7404,7 +8015,7 @@
                   <a:srgbClr val="FFFFFF"/>
                 </a:solidFill>
               </a:rPr>
-              <a:t>A</a:t>
+              <a:t>D</a:t>
             </a:r>
             <a:endParaRPr lang="en-US" sz="1600" dirty="0"/>
           </a:p>
@@ -7412,14 +8023,14 @@
       </p:sp>
       <p:sp>
         <p:nvSpPr>
-          <p:cNvPr id="6" name="Text 4"/>
-          <p:cNvSpPr/>
-          <p:nvPr/>
-        </p:nvSpPr>
-        <p:spPr>
-          <a:xfrm>
-            <a:off x="2286000" y="2606040"/>
-            <a:ext cx="1645920" cy="365760"/>
+          <p:cNvPr id="15" name="Text 13"/>
+          <p:cNvSpPr/>
+          <p:nvPr/>
+        </p:nvSpPr>
+        <p:spPr>
+          <a:xfrm>
+            <a:off x="5212080" y="3200400"/>
+            <a:ext cx="3200400" cy="457200"/>
           </a:xfrm>
           <a:prstGeom prst="rect">
             <a:avLst/>
@@ -7435,119 +8046,20 @@
               <a:buNone/>
             </a:pPr>
             <a:r>
-              <a:rPr lang="en-US" sz="1600" dirty="0">
+              <a:rPr lang="en-US" sz="1200" dirty="0">
                 <a:solidFill>
                   <a:srgbClr val="E0E0E0"/>
                 </a:solidFill>
               </a:rPr>
-              <a:t>Yes</a:t>
-            </a:r>
-            <a:endParaRPr lang="en-US" sz="1600" dirty="0"/>
-          </a:p>
-        </p:txBody>
-      </p:sp>
-      <p:sp>
-        <p:nvSpPr>
-          <p:cNvPr id="7" name="Shape 5"/>
-          <p:cNvSpPr/>
-          <p:nvPr/>
-        </p:nvSpPr>
-        <p:spPr>
-          <a:xfrm>
-            <a:off x="5029200" y="2286000"/>
-            <a:ext cx="2286000" cy="914400"/>
-          </a:xfrm>
-          <a:prstGeom prst="rect">
-            <a:avLst/>
-          </a:prstGeom>
-          <a:solidFill>
-            <a:srgbClr val="2A2A2A"/>
-          </a:solidFill>
-          <a:ln w="12700">
-            <a:solidFill>
-              <a:srgbClr val="555555"/>
-            </a:solidFill>
-            <a:prstDash val="solid"/>
-          </a:ln>
-        </p:spPr>
-      </p:sp>
-      <p:sp>
-        <p:nvSpPr>
-          <p:cNvPr id="8" name="Text 6"/>
-          <p:cNvSpPr/>
-          <p:nvPr/>
-        </p:nvSpPr>
-        <p:spPr>
-          <a:xfrm>
-            <a:off x="5120640" y="2377440"/>
-            <a:ext cx="274320" cy="274320"/>
-          </a:xfrm>
-          <a:prstGeom prst="rect">
-            <a:avLst/>
-          </a:prstGeom>
-          <a:solidFill>
-            <a:srgbClr val="FF9999"/>
-          </a:solidFill>
-          <a:ln/>
-        </p:spPr>
-        <p:txBody>
-          <a:bodyPr wrap="square" rtlCol="0" anchor="ctr"/>
-          <a:lstStyle/>
-          <a:p>
-            <a:pPr algn="ctr" indent="0" marL="0">
-              <a:buNone/>
-            </a:pPr>
-            <a:r>
-              <a:rPr lang="en-US" sz="1600" b="1" dirty="0">
-                <a:solidFill>
-                  <a:srgbClr val="FFFFFF"/>
-                </a:solidFill>
-              </a:rPr>
-              <a:t>B</a:t>
-            </a:r>
-            <a:endParaRPr lang="en-US" sz="1600" dirty="0"/>
-          </a:p>
-        </p:txBody>
-      </p:sp>
-      <p:sp>
-        <p:nvSpPr>
-          <p:cNvPr id="9" name="Text 7"/>
-          <p:cNvSpPr/>
-          <p:nvPr/>
-        </p:nvSpPr>
-        <p:spPr>
-          <a:xfrm>
-            <a:off x="5486400" y="2606040"/>
-            <a:ext cx="1645920" cy="365760"/>
-          </a:xfrm>
-          <a:prstGeom prst="rect">
-            <a:avLst/>
-          </a:prstGeom>
-          <a:noFill/>
-          <a:ln/>
-        </p:spPr>
-        <p:txBody>
-          <a:bodyPr wrap="square" rtlCol="0" anchor="ctr"/>
-          <a:lstStyle/>
-          <a:p>
-            <a:pPr algn="ctr" indent="0" marL="0">
-              <a:buNone/>
-            </a:pPr>
-            <a:r>
-              <a:rPr lang="en-US" sz="1600" dirty="0">
-                <a:solidFill>
-                  <a:srgbClr val="E0E0E0"/>
-                </a:solidFill>
-              </a:rPr>
-              <a:t>No</a:t>
-            </a:r>
-            <a:endParaRPr lang="en-US" sz="1600" dirty="0"/>
-          </a:p>
-        </p:txBody>
-      </p:sp>
-      <p:sp>
-        <p:nvSpPr>
-          <p:cNvPr id="10" name="Shape 8">
+              <a:t>Shape has fewer than 4 sides (Correct)</a:t>
+            </a:r>
+            <a:endParaRPr lang="en-US" sz="1200" dirty="0"/>
+          </a:p>
+        </p:txBody>
+      </p:sp>
+      <p:sp>
+        <p:nvSpPr>
+          <p:cNvPr id="16" name="Shape 14">
             <a:hlinkClick r:id="rId1" tooltip="" action="ppaction://hlinksldjump"/>
           </p:cNvPr>
           <p:cNvSpPr/>
@@ -7555,8 +8067,8 @@
         </p:nvSpPr>
         <p:spPr>
           <a:xfrm>
-            <a:off x="1828800" y="2286000"/>
-            <a:ext cx="2286000" cy="914400"/>
+            <a:off x="457200" y="1645920"/>
+            <a:ext cx="3840480" cy="1005840"/>
           </a:xfrm>
           <a:prstGeom prst="rect">
             <a:avLst/>
@@ -7576,7 +8088,7 @@
       </p:sp>
       <p:sp>
         <p:nvSpPr>
-          <p:cNvPr id="11" name="Shape 9">
+          <p:cNvPr id="17" name="Shape 15">
             <a:hlinkClick r:id="rId2" tooltip="" action="ppaction://hlinksldjump"/>
           </p:cNvPr>
           <p:cNvSpPr/>
@@ -7584,8 +8096,66 @@
         </p:nvSpPr>
         <p:spPr>
           <a:xfrm>
-            <a:off x="5029200" y="2286000"/>
-            <a:ext cx="2286000" cy="914400"/>
+            <a:off x="4754880" y="1645920"/>
+            <a:ext cx="3840480" cy="1005840"/>
+          </a:xfrm>
+          <a:prstGeom prst="rect">
+            <a:avLst/>
+          </a:prstGeom>
+          <a:solidFill>
+            <a:srgbClr val="000000">
+              <a:alpha val="0"/>
+            </a:srgbClr>
+          </a:solidFill>
+          <a:ln w="12700">
+            <a:solidFill>
+              <a:srgbClr val="333333"/>
+            </a:solidFill>
+            <a:prstDash val="solid"/>
+          </a:ln>
+        </p:spPr>
+      </p:sp>
+      <p:sp>
+        <p:nvSpPr>
+          <p:cNvPr id="18" name="Shape 16">
+            <a:hlinkClick r:id="rId3" tooltip="" action="ppaction://hlinksldjump"/>
+          </p:cNvPr>
+          <p:cNvSpPr/>
+          <p:nvPr/>
+        </p:nvSpPr>
+        <p:spPr>
+          <a:xfrm>
+            <a:off x="457200" y="2834640"/>
+            <a:ext cx="3840480" cy="1005840"/>
+          </a:xfrm>
+          <a:prstGeom prst="rect">
+            <a:avLst/>
+          </a:prstGeom>
+          <a:solidFill>
+            <a:srgbClr val="000000">
+              <a:alpha val="0"/>
+            </a:srgbClr>
+          </a:solidFill>
+          <a:ln w="12700">
+            <a:solidFill>
+              <a:srgbClr val="333333"/>
+            </a:solidFill>
+            <a:prstDash val="solid"/>
+          </a:ln>
+        </p:spPr>
+      </p:sp>
+      <p:sp>
+        <p:nvSpPr>
+          <p:cNvPr id="19" name="Shape 17">
+            <a:hlinkClick r:id="rId4" tooltip="" action="ppaction://hlinksldjump"/>
+          </p:cNvPr>
+          <p:cNvSpPr/>
+          <p:nvPr/>
+        </p:nvSpPr>
+        <p:spPr>
+          <a:xfrm>
+            <a:off x="4754880" y="2834640"/>
+            <a:ext cx="3840480" cy="1005840"/>
           </a:xfrm>
           <a:prstGeom prst="rect">
             <a:avLst/>
@@ -7682,7 +8252,7 @@
         <p:spPr>
           <a:xfrm>
             <a:off x="2011680" y="320040"/>
-            <a:ext cx="6400800" cy="457200"/>
+            <a:ext cx="6400800" cy="365760"/>
           </a:xfrm>
           <a:prstGeom prst="rect">
             <a:avLst/>
@@ -7703,7 +8273,7 @@
                   <a:srgbClr val="66B3FF"/>
                 </a:solidFill>
               </a:rPr>
-              <a:t>Does the shape have fewer than 4 sides?</a:t>
+              <a:t>How do you know the shape is NOT a rectangle? Match with one reason only.</a:t>
             </a:r>
             <a:endParaRPr lang="en-US" sz="1800" dirty="0"/>
           </a:p>
@@ -7717,8 +8287,8 @@
         </p:nvSpPr>
         <p:spPr>
           <a:xfrm>
-            <a:off x="1828800" y="2286000"/>
-            <a:ext cx="2286000" cy="914400"/>
+            <a:off x="4754880" y="2834640"/>
+            <a:ext cx="3840480" cy="1005840"/>
           </a:xfrm>
           <a:prstGeom prst="rect">
             <a:avLst/>
@@ -7742,7 +8312,7 @@
         </p:nvSpPr>
         <p:spPr>
           <a:xfrm>
-            <a:off x="1920240" y="2377440"/>
+            <a:off x="4846320" y="2926080"/>
             <a:ext cx="274320" cy="274320"/>
           </a:xfrm>
           <a:prstGeom prst="rect">
@@ -7766,7 +8336,7 @@
                   <a:srgbClr val="FFFFFF"/>
                 </a:solidFill>
               </a:rPr>
-              <a:t>A</a:t>
+              <a:t>D</a:t>
             </a:r>
             <a:endParaRPr lang="en-US" sz="1600" dirty="0"/>
           </a:p>
@@ -7780,8 +8350,8 @@
         </p:nvSpPr>
         <p:spPr>
           <a:xfrm>
-            <a:off x="2286000" y="2606040"/>
-            <a:ext cx="1645920" cy="365760"/>
+            <a:off x="5212080" y="3200400"/>
+            <a:ext cx="3200400" cy="457200"/>
           </a:xfrm>
           <a:prstGeom prst="rect">
             <a:avLst/>
@@ -7797,119 +8367,20 @@
               <a:buNone/>
             </a:pPr>
             <a:r>
-              <a:rPr lang="en-US" sz="1600" b="1" dirty="0">
+              <a:rPr lang="en-US" sz="1200" b="1" dirty="0">
                 <a:solidFill>
                   <a:srgbClr val="2ECC71"/>
                 </a:solidFill>
               </a:rPr>
-              <a:t>✓ Yes</a:t>
-            </a:r>
-            <a:endParaRPr lang="en-US" sz="1600" dirty="0"/>
+              <a:t>✓ Shape has fewer than 4 sides (Correct)</a:t>
+            </a:r>
+            <a:endParaRPr lang="en-US" sz="1200" dirty="0"/>
           </a:p>
         </p:txBody>
       </p:sp>
       <p:sp>
         <p:nvSpPr>
           <p:cNvPr id="7" name="Shape 5"/>
-          <p:cNvSpPr/>
-          <p:nvPr/>
-        </p:nvSpPr>
-        <p:spPr>
-          <a:xfrm>
-            <a:off x="5029200" y="2286000"/>
-            <a:ext cx="2286000" cy="914400"/>
-          </a:xfrm>
-          <a:prstGeom prst="rect">
-            <a:avLst/>
-          </a:prstGeom>
-          <a:solidFill>
-            <a:srgbClr val="2A2A2A"/>
-          </a:solidFill>
-          <a:ln w="12700">
-            <a:solidFill>
-              <a:srgbClr val="555555"/>
-            </a:solidFill>
-            <a:prstDash val="solid"/>
-          </a:ln>
-        </p:spPr>
-      </p:sp>
-      <p:sp>
-        <p:nvSpPr>
-          <p:cNvPr id="8" name="Text 6"/>
-          <p:cNvSpPr/>
-          <p:nvPr/>
-        </p:nvSpPr>
-        <p:spPr>
-          <a:xfrm>
-            <a:off x="5120640" y="2377440"/>
-            <a:ext cx="274320" cy="274320"/>
-          </a:xfrm>
-          <a:prstGeom prst="rect">
-            <a:avLst/>
-          </a:prstGeom>
-          <a:solidFill>
-            <a:srgbClr val="FF9999"/>
-          </a:solidFill>
-          <a:ln/>
-        </p:spPr>
-        <p:txBody>
-          <a:bodyPr wrap="square" rtlCol="0" anchor="ctr"/>
-          <a:lstStyle/>
-          <a:p>
-            <a:pPr algn="ctr" indent="0" marL="0">
-              <a:buNone/>
-            </a:pPr>
-            <a:r>
-              <a:rPr lang="en-US" sz="1600" b="1" dirty="0">
-                <a:solidFill>
-                  <a:srgbClr val="FFFFFF"/>
-                </a:solidFill>
-              </a:rPr>
-              <a:t>B</a:t>
-            </a:r>
-            <a:endParaRPr lang="en-US" sz="1600" dirty="0"/>
-          </a:p>
-        </p:txBody>
-      </p:sp>
-      <p:sp>
-        <p:nvSpPr>
-          <p:cNvPr id="9" name="Text 7"/>
-          <p:cNvSpPr/>
-          <p:nvPr/>
-        </p:nvSpPr>
-        <p:spPr>
-          <a:xfrm>
-            <a:off x="5486400" y="2606040"/>
-            <a:ext cx="1645920" cy="365760"/>
-          </a:xfrm>
-          <a:prstGeom prst="rect">
-            <a:avLst/>
-          </a:prstGeom>
-          <a:noFill/>
-          <a:ln/>
-        </p:spPr>
-        <p:txBody>
-          <a:bodyPr wrap="square" rtlCol="0" anchor="ctr"/>
-          <a:lstStyle/>
-          <a:p>
-            <a:pPr algn="ctr" indent="0" marL="0">
-              <a:buNone/>
-            </a:pPr>
-            <a:r>
-              <a:rPr lang="en-US" sz="1600" dirty="0">
-                <a:solidFill>
-                  <a:srgbClr val="888888"/>
-                </a:solidFill>
-              </a:rPr>
-              <a:t>No</a:t>
-            </a:r>
-            <a:endParaRPr lang="en-US" sz="1600" dirty="0"/>
-          </a:p>
-        </p:txBody>
-      </p:sp>
-      <p:sp>
-        <p:nvSpPr>
-          <p:cNvPr id="10" name="Shape 8"/>
           <p:cNvSpPr/>
           <p:nvPr/>
         </p:nvSpPr>
@@ -7934,7 +8405,7 @@
       </p:sp>
       <p:sp>
         <p:nvSpPr>
-          <p:cNvPr id="11" name="Text 9">
+          <p:cNvPr id="8" name="Text 6">
             <a:hlinkClick r:id="rId1" tooltip="" action="ppaction://hlinksldjump"/>
           </p:cNvPr>
           <p:cNvSpPr/>
@@ -8056,7 +8527,7 @@
         <p:spPr>
           <a:xfrm>
             <a:off x="1097280" y="320040"/>
-            <a:ext cx="7315200" cy="457200"/>
+            <a:ext cx="7315200" cy="365760"/>
           </a:xfrm>
           <a:prstGeom prst="rect">
             <a:avLst/>
@@ -8077,7 +8548,7 @@
                   <a:srgbClr val="66B3FF"/>
                 </a:solidFill>
               </a:rPr>
-              <a:t>Can you make a rectangle from this L-shaped figure?</a:t>
+              <a:t>How can you use the parts of this shape to make a rectangle? (L-shaped figure)</a:t>
             </a:r>
             <a:endParaRPr lang="en-US" sz="1800" dirty="0"/>
           </a:p>
@@ -8091,8 +8562,8 @@
         </p:nvSpPr>
         <p:spPr>
           <a:xfrm>
-            <a:off x="1828800" y="2286000"/>
-            <a:ext cx="2286000" cy="914400"/>
+            <a:off x="457200" y="1645920"/>
+            <a:ext cx="3840480" cy="1005840"/>
           </a:xfrm>
           <a:prstGeom prst="rect">
             <a:avLst/>
@@ -8116,13 +8587,211 @@
         </p:nvSpPr>
         <p:spPr>
           <a:xfrm>
-            <a:off x="1920240" y="2377440"/>
+            <a:off x="548640" y="1737360"/>
             <a:ext cx="274320" cy="274320"/>
           </a:xfrm>
           <a:prstGeom prst="rect">
             <a:avLst/>
           </a:prstGeom>
           <a:solidFill>
+            <a:srgbClr val="FF9999"/>
+          </a:solidFill>
+          <a:ln/>
+        </p:spPr>
+        <p:txBody>
+          <a:bodyPr wrap="square" rtlCol="0" anchor="ctr"/>
+          <a:lstStyle/>
+          <a:p>
+            <a:pPr algn="ctr" indent="0" marL="0">
+              <a:buNone/>
+            </a:pPr>
+            <a:r>
+              <a:rPr lang="en-US" sz="1600" b="1" dirty="0">
+                <a:solidFill>
+                  <a:srgbClr val="FFFFFF"/>
+                </a:solidFill>
+              </a:rPr>
+              <a:t>A</a:t>
+            </a:r>
+            <a:endParaRPr lang="en-US" sz="1600" dirty="0"/>
+          </a:p>
+        </p:txBody>
+      </p:sp>
+      <p:sp>
+        <p:nvSpPr>
+          <p:cNvPr id="6" name="Text 4"/>
+          <p:cNvSpPr/>
+          <p:nvPr/>
+        </p:nvSpPr>
+        <p:spPr>
+          <a:xfrm>
+            <a:off x="914400" y="2011680"/>
+            <a:ext cx="3200400" cy="457200"/>
+          </a:xfrm>
+          <a:prstGeom prst="rect">
+            <a:avLst/>
+          </a:prstGeom>
+          <a:noFill/>
+          <a:ln/>
+        </p:spPr>
+        <p:txBody>
+          <a:bodyPr wrap="square" rtlCol="0" anchor="ctr"/>
+          <a:lstStyle/>
+          <a:p>
+            <a:pPr algn="ctr" indent="0" marL="0">
+              <a:buNone/>
+            </a:pPr>
+            <a:r>
+              <a:rPr lang="en-US" sz="1200" dirty="0">
+                <a:solidFill>
+                  <a:srgbClr val="E0E0E0"/>
+                </a:solidFill>
+              </a:rPr>
+              <a:t>Configuration 1</a:t>
+            </a:r>
+            <a:endParaRPr lang="en-US" sz="1200" dirty="0"/>
+          </a:p>
+        </p:txBody>
+      </p:sp>
+      <p:sp>
+        <p:nvSpPr>
+          <p:cNvPr id="7" name="Shape 5"/>
+          <p:cNvSpPr/>
+          <p:nvPr/>
+        </p:nvSpPr>
+        <p:spPr>
+          <a:xfrm>
+            <a:off x="4754880" y="1645920"/>
+            <a:ext cx="3840480" cy="1005840"/>
+          </a:xfrm>
+          <a:prstGeom prst="rect">
+            <a:avLst/>
+          </a:prstGeom>
+          <a:solidFill>
+            <a:srgbClr val="2A2A2A"/>
+          </a:solidFill>
+          <a:ln w="12700">
+            <a:solidFill>
+              <a:srgbClr val="555555"/>
+            </a:solidFill>
+            <a:prstDash val="solid"/>
+          </a:ln>
+        </p:spPr>
+      </p:sp>
+      <p:sp>
+        <p:nvSpPr>
+          <p:cNvPr id="8" name="Text 6"/>
+          <p:cNvSpPr/>
+          <p:nvPr/>
+        </p:nvSpPr>
+        <p:spPr>
+          <a:xfrm>
+            <a:off x="4846320" y="1737360"/>
+            <a:ext cx="274320" cy="274320"/>
+          </a:xfrm>
+          <a:prstGeom prst="rect">
+            <a:avLst/>
+          </a:prstGeom>
+          <a:solidFill>
+            <a:srgbClr val="FF9999"/>
+          </a:solidFill>
+          <a:ln/>
+        </p:spPr>
+        <p:txBody>
+          <a:bodyPr wrap="square" rtlCol="0" anchor="ctr"/>
+          <a:lstStyle/>
+          <a:p>
+            <a:pPr algn="ctr" indent="0" marL="0">
+              <a:buNone/>
+            </a:pPr>
+            <a:r>
+              <a:rPr lang="en-US" sz="1600" b="1" dirty="0">
+                <a:solidFill>
+                  <a:srgbClr val="FFFFFF"/>
+                </a:solidFill>
+              </a:rPr>
+              <a:t>B</a:t>
+            </a:r>
+            <a:endParaRPr lang="en-US" sz="1600" dirty="0"/>
+          </a:p>
+        </p:txBody>
+      </p:sp>
+      <p:sp>
+        <p:nvSpPr>
+          <p:cNvPr id="9" name="Text 7"/>
+          <p:cNvSpPr/>
+          <p:nvPr/>
+        </p:nvSpPr>
+        <p:spPr>
+          <a:xfrm>
+            <a:off x="5212080" y="2011680"/>
+            <a:ext cx="3200400" cy="457200"/>
+          </a:xfrm>
+          <a:prstGeom prst="rect">
+            <a:avLst/>
+          </a:prstGeom>
+          <a:noFill/>
+          <a:ln/>
+        </p:spPr>
+        <p:txBody>
+          <a:bodyPr wrap="square" rtlCol="0" anchor="ctr"/>
+          <a:lstStyle/>
+          <a:p>
+            <a:pPr algn="ctr" indent="0" marL="0">
+              <a:buNone/>
+            </a:pPr>
+            <a:r>
+              <a:rPr lang="en-US" sz="1200" dirty="0">
+                <a:solidFill>
+                  <a:srgbClr val="E0E0E0"/>
+                </a:solidFill>
+              </a:rPr>
+              <a:t>Configuration 2</a:t>
+            </a:r>
+            <a:endParaRPr lang="en-US" sz="1200" dirty="0"/>
+          </a:p>
+        </p:txBody>
+      </p:sp>
+      <p:sp>
+        <p:nvSpPr>
+          <p:cNvPr id="10" name="Shape 8"/>
+          <p:cNvSpPr/>
+          <p:nvPr/>
+        </p:nvSpPr>
+        <p:spPr>
+          <a:xfrm>
+            <a:off x="457200" y="2834640"/>
+            <a:ext cx="3840480" cy="1005840"/>
+          </a:xfrm>
+          <a:prstGeom prst="rect">
+            <a:avLst/>
+          </a:prstGeom>
+          <a:solidFill>
+            <a:srgbClr val="2A2A2A"/>
+          </a:solidFill>
+          <a:ln w="12700">
+            <a:solidFill>
+              <a:srgbClr val="555555"/>
+            </a:solidFill>
+            <a:prstDash val="solid"/>
+          </a:ln>
+        </p:spPr>
+      </p:sp>
+      <p:sp>
+        <p:nvSpPr>
+          <p:cNvPr id="11" name="Text 9"/>
+          <p:cNvSpPr/>
+          <p:nvPr/>
+        </p:nvSpPr>
+        <p:spPr>
+          <a:xfrm>
+            <a:off x="548640" y="2926080"/>
+            <a:ext cx="274320" cy="274320"/>
+          </a:xfrm>
+          <a:prstGeom prst="rect">
+            <a:avLst/>
+          </a:prstGeom>
+          <a:solidFill>
             <a:srgbClr val="66B3FF"/>
           </a:solidFill>
           <a:ln/>
@@ -8140,7 +8809,7 @@
                   <a:srgbClr val="FFFFFF"/>
                 </a:solidFill>
               </a:rPr>
-              <a:t>A</a:t>
+              <a:t>C</a:t>
             </a:r>
             <a:endParaRPr lang="en-US" sz="1600" dirty="0"/>
           </a:p>
@@ -8148,14 +8817,14 @@
       </p:sp>
       <p:sp>
         <p:nvSpPr>
-          <p:cNvPr id="6" name="Text 4"/>
-          <p:cNvSpPr/>
-          <p:nvPr/>
-        </p:nvSpPr>
-        <p:spPr>
-          <a:xfrm>
-            <a:off x="2286000" y="2606040"/>
-            <a:ext cx="1645920" cy="365760"/>
+          <p:cNvPr id="12" name="Text 10"/>
+          <p:cNvSpPr/>
+          <p:nvPr/>
+        </p:nvSpPr>
+        <p:spPr>
+          <a:xfrm>
+            <a:off x="914400" y="3200400"/>
+            <a:ext cx="3200400" cy="457200"/>
           </a:xfrm>
           <a:prstGeom prst="rect">
             <a:avLst/>
@@ -8171,12 +8840,75 @@
               <a:buNone/>
             </a:pPr>
             <a:r>
-              <a:rPr lang="en-US" sz="1600" dirty="0">
+              <a:rPr lang="en-US" sz="1200" dirty="0">
                 <a:solidFill>
                   <a:srgbClr val="E0E0E0"/>
                 </a:solidFill>
               </a:rPr>
-              <a:t>Yes</a:t>
+              <a:t>Configuration 3 (Correct)</a:t>
+            </a:r>
+            <a:endParaRPr lang="en-US" sz="1200" dirty="0"/>
+          </a:p>
+        </p:txBody>
+      </p:sp>
+      <p:sp>
+        <p:nvSpPr>
+          <p:cNvPr id="13" name="Shape 11"/>
+          <p:cNvSpPr/>
+          <p:nvPr/>
+        </p:nvSpPr>
+        <p:spPr>
+          <a:xfrm>
+            <a:off x="4754880" y="2834640"/>
+            <a:ext cx="3840480" cy="1005840"/>
+          </a:xfrm>
+          <a:prstGeom prst="rect">
+            <a:avLst/>
+          </a:prstGeom>
+          <a:solidFill>
+            <a:srgbClr val="2A2A2A"/>
+          </a:solidFill>
+          <a:ln w="12700">
+            <a:solidFill>
+              <a:srgbClr val="555555"/>
+            </a:solidFill>
+            <a:prstDash val="solid"/>
+          </a:ln>
+        </p:spPr>
+      </p:sp>
+      <p:sp>
+        <p:nvSpPr>
+          <p:cNvPr id="14" name="Text 12"/>
+          <p:cNvSpPr/>
+          <p:nvPr/>
+        </p:nvSpPr>
+        <p:spPr>
+          <a:xfrm>
+            <a:off x="4846320" y="2926080"/>
+            <a:ext cx="274320" cy="274320"/>
+          </a:xfrm>
+          <a:prstGeom prst="rect">
+            <a:avLst/>
+          </a:prstGeom>
+          <a:solidFill>
+            <a:srgbClr val="FF9999"/>
+          </a:solidFill>
+          <a:ln/>
+        </p:spPr>
+        <p:txBody>
+          <a:bodyPr wrap="square" rtlCol="0" anchor="ctr"/>
+          <a:lstStyle/>
+          <a:p>
+            <a:pPr algn="ctr" indent="0" marL="0">
+              <a:buNone/>
+            </a:pPr>
+            <a:r>
+              <a:rPr lang="en-US" sz="1600" b="1" dirty="0">
+                <a:solidFill>
+                  <a:srgbClr val="FFFFFF"/>
+                </a:solidFill>
+              </a:rPr>
+              <a:t>D</a:t>
             </a:r>
             <a:endParaRPr lang="en-US" sz="1600" dirty="0"/>
           </a:p>
@@ -8184,46 +8916,19 @@
       </p:sp>
       <p:sp>
         <p:nvSpPr>
-          <p:cNvPr id="7" name="Shape 5"/>
-          <p:cNvSpPr/>
-          <p:nvPr/>
-        </p:nvSpPr>
-        <p:spPr>
-          <a:xfrm>
-            <a:off x="5029200" y="2286000"/>
-            <a:ext cx="2286000" cy="914400"/>
-          </a:xfrm>
-          <a:prstGeom prst="rect">
-            <a:avLst/>
-          </a:prstGeom>
-          <a:solidFill>
-            <a:srgbClr val="2A2A2A"/>
-          </a:solidFill>
-          <a:ln w="12700">
-            <a:solidFill>
-              <a:srgbClr val="555555"/>
-            </a:solidFill>
-            <a:prstDash val="solid"/>
-          </a:ln>
-        </p:spPr>
-      </p:sp>
-      <p:sp>
-        <p:nvSpPr>
-          <p:cNvPr id="8" name="Text 6"/>
-          <p:cNvSpPr/>
-          <p:nvPr/>
-        </p:nvSpPr>
-        <p:spPr>
-          <a:xfrm>
-            <a:off x="5120640" y="2377440"/>
-            <a:ext cx="274320" cy="274320"/>
-          </a:xfrm>
-          <a:prstGeom prst="rect">
-            <a:avLst/>
-          </a:prstGeom>
-          <a:solidFill>
-            <a:srgbClr val="FF9999"/>
-          </a:solidFill>
+          <p:cNvPr id="15" name="Text 13"/>
+          <p:cNvSpPr/>
+          <p:nvPr/>
+        </p:nvSpPr>
+        <p:spPr>
+          <a:xfrm>
+            <a:off x="5212080" y="3200400"/>
+            <a:ext cx="3200400" cy="457200"/>
+          </a:xfrm>
+          <a:prstGeom prst="rect">
+            <a:avLst/>
+          </a:prstGeom>
+          <a:noFill/>
           <a:ln/>
         </p:spPr>
         <p:txBody>
@@ -8234,56 +8939,20 @@
               <a:buNone/>
             </a:pPr>
             <a:r>
-              <a:rPr lang="en-US" sz="1600" b="1" dirty="0">
-                <a:solidFill>
-                  <a:srgbClr val="FFFFFF"/>
-                </a:solidFill>
-              </a:rPr>
-              <a:t>B</a:t>
-            </a:r>
-            <a:endParaRPr lang="en-US" sz="1600" dirty="0"/>
-          </a:p>
-        </p:txBody>
-      </p:sp>
-      <p:sp>
-        <p:nvSpPr>
-          <p:cNvPr id="9" name="Text 7"/>
-          <p:cNvSpPr/>
-          <p:nvPr/>
-        </p:nvSpPr>
-        <p:spPr>
-          <a:xfrm>
-            <a:off x="5486400" y="2606040"/>
-            <a:ext cx="1645920" cy="365760"/>
-          </a:xfrm>
-          <a:prstGeom prst="rect">
-            <a:avLst/>
-          </a:prstGeom>
-          <a:noFill/>
-          <a:ln/>
-        </p:spPr>
-        <p:txBody>
-          <a:bodyPr wrap="square" rtlCol="0" anchor="ctr"/>
-          <a:lstStyle/>
-          <a:p>
-            <a:pPr algn="ctr" indent="0" marL="0">
-              <a:buNone/>
-            </a:pPr>
-            <a:r>
-              <a:rPr lang="en-US" sz="1600" dirty="0">
+              <a:rPr lang="en-US" sz="1200" dirty="0">
                 <a:solidFill>
                   <a:srgbClr val="E0E0E0"/>
                 </a:solidFill>
               </a:rPr>
-              <a:t>No</a:t>
-            </a:r>
-            <a:endParaRPr lang="en-US" sz="1600" dirty="0"/>
-          </a:p>
-        </p:txBody>
-      </p:sp>
-      <p:sp>
-        <p:nvSpPr>
-          <p:cNvPr id="10" name="Shape 8">
+              <a:t>Configuration 4</a:t>
+            </a:r>
+            <a:endParaRPr lang="en-US" sz="1200" dirty="0"/>
+          </a:p>
+        </p:txBody>
+      </p:sp>
+      <p:sp>
+        <p:nvSpPr>
+          <p:cNvPr id="16" name="Shape 14">
             <a:hlinkClick r:id="rId1" tooltip="" action="ppaction://hlinksldjump"/>
           </p:cNvPr>
           <p:cNvSpPr/>
@@ -8291,8 +8960,8 @@
         </p:nvSpPr>
         <p:spPr>
           <a:xfrm>
-            <a:off x="1828800" y="2286000"/>
-            <a:ext cx="2286000" cy="914400"/>
+            <a:off x="457200" y="1645920"/>
+            <a:ext cx="3840480" cy="1005840"/>
           </a:xfrm>
           <a:prstGeom prst="rect">
             <a:avLst/>
@@ -8312,7 +8981,7 @@
       </p:sp>
       <p:sp>
         <p:nvSpPr>
-          <p:cNvPr id="11" name="Shape 9">
+          <p:cNvPr id="17" name="Shape 15">
             <a:hlinkClick r:id="rId2" tooltip="" action="ppaction://hlinksldjump"/>
           </p:cNvPr>
           <p:cNvSpPr/>
@@ -8320,8 +8989,66 @@
         </p:nvSpPr>
         <p:spPr>
           <a:xfrm>
-            <a:off x="5029200" y="2286000"/>
-            <a:ext cx="2286000" cy="914400"/>
+            <a:off x="4754880" y="1645920"/>
+            <a:ext cx="3840480" cy="1005840"/>
+          </a:xfrm>
+          <a:prstGeom prst="rect">
+            <a:avLst/>
+          </a:prstGeom>
+          <a:solidFill>
+            <a:srgbClr val="000000">
+              <a:alpha val="0"/>
+            </a:srgbClr>
+          </a:solidFill>
+          <a:ln w="12700">
+            <a:solidFill>
+              <a:srgbClr val="333333"/>
+            </a:solidFill>
+            <a:prstDash val="solid"/>
+          </a:ln>
+        </p:spPr>
+      </p:sp>
+      <p:sp>
+        <p:nvSpPr>
+          <p:cNvPr id="18" name="Shape 16">
+            <a:hlinkClick r:id="rId3" tooltip="" action="ppaction://hlinksldjump"/>
+          </p:cNvPr>
+          <p:cNvSpPr/>
+          <p:nvPr/>
+        </p:nvSpPr>
+        <p:spPr>
+          <a:xfrm>
+            <a:off x="457200" y="2834640"/>
+            <a:ext cx="3840480" cy="1005840"/>
+          </a:xfrm>
+          <a:prstGeom prst="rect">
+            <a:avLst/>
+          </a:prstGeom>
+          <a:solidFill>
+            <a:srgbClr val="000000">
+              <a:alpha val="0"/>
+            </a:srgbClr>
+          </a:solidFill>
+          <a:ln w="12700">
+            <a:solidFill>
+              <a:srgbClr val="333333"/>
+            </a:solidFill>
+            <a:prstDash val="solid"/>
+          </a:ln>
+        </p:spPr>
+      </p:sp>
+      <p:sp>
+        <p:nvSpPr>
+          <p:cNvPr id="19" name="Shape 17">
+            <a:hlinkClick r:id="rId4" tooltip="" action="ppaction://hlinksldjump"/>
+          </p:cNvPr>
+          <p:cNvSpPr/>
+          <p:nvPr/>
+        </p:nvSpPr>
+        <p:spPr>
+          <a:xfrm>
+            <a:off x="4754880" y="2834640"/>
+            <a:ext cx="3840480" cy="1005840"/>
           </a:xfrm>
           <a:prstGeom prst="rect">
             <a:avLst/>
@@ -9518,7 +10245,7 @@
         <p:spPr>
           <a:xfrm>
             <a:off x="2011680" y="320040"/>
-            <a:ext cx="6400800" cy="457200"/>
+            <a:ext cx="6400800" cy="365760"/>
           </a:xfrm>
           <a:prstGeom prst="rect">
             <a:avLst/>
@@ -9539,7 +10266,7 @@
                   <a:srgbClr val="66B3FF"/>
                 </a:solidFill>
               </a:rPr>
-              <a:t>Can you make a rectangle from this L-shaped figure?</a:t>
+              <a:t>How can you use the parts of this shape to make a rectangle? (L-shaped figure)</a:t>
             </a:r>
             <a:endParaRPr lang="en-US" sz="1800" dirty="0"/>
           </a:p>
@@ -9553,8 +10280,8 @@
         </p:nvSpPr>
         <p:spPr>
           <a:xfrm>
-            <a:off x="1828800" y="2286000"/>
-            <a:ext cx="2286000" cy="914400"/>
+            <a:off x="457200" y="2834640"/>
+            <a:ext cx="3840480" cy="1005840"/>
           </a:xfrm>
           <a:prstGeom prst="rect">
             <a:avLst/>
@@ -9578,7 +10305,7 @@
         </p:nvSpPr>
         <p:spPr>
           <a:xfrm>
-            <a:off x="1920240" y="2377440"/>
+            <a:off x="548640" y="2926080"/>
             <a:ext cx="274320" cy="274320"/>
           </a:xfrm>
           <a:prstGeom prst="rect">
@@ -9602,7 +10329,7 @@
                   <a:srgbClr val="FFFFFF"/>
                 </a:solidFill>
               </a:rPr>
-              <a:t>A</a:t>
+              <a:t>C</a:t>
             </a:r>
             <a:endParaRPr lang="en-US" sz="1600" dirty="0"/>
           </a:p>
@@ -9616,8 +10343,8 @@
         </p:nvSpPr>
         <p:spPr>
           <a:xfrm>
-            <a:off x="2286000" y="2606040"/>
-            <a:ext cx="1645920" cy="365760"/>
+            <a:off x="914400" y="3200400"/>
+            <a:ext cx="3200400" cy="457200"/>
           </a:xfrm>
           <a:prstGeom prst="rect">
             <a:avLst/>
@@ -9633,119 +10360,20 @@
               <a:buNone/>
             </a:pPr>
             <a:r>
-              <a:rPr lang="en-US" sz="1600" b="1" dirty="0">
+              <a:rPr lang="en-US" sz="1200" b="1" dirty="0">
                 <a:solidFill>
                   <a:srgbClr val="2ECC71"/>
                 </a:solidFill>
               </a:rPr>
-              <a:t>✓ Yes</a:t>
-            </a:r>
-            <a:endParaRPr lang="en-US" sz="1600" dirty="0"/>
+              <a:t>✓ Configuration 3 (Correct)</a:t>
+            </a:r>
+            <a:endParaRPr lang="en-US" sz="1200" dirty="0"/>
           </a:p>
         </p:txBody>
       </p:sp>
       <p:sp>
         <p:nvSpPr>
           <p:cNvPr id="7" name="Shape 5"/>
-          <p:cNvSpPr/>
-          <p:nvPr/>
-        </p:nvSpPr>
-        <p:spPr>
-          <a:xfrm>
-            <a:off x="5029200" y="2286000"/>
-            <a:ext cx="2286000" cy="914400"/>
-          </a:xfrm>
-          <a:prstGeom prst="rect">
-            <a:avLst/>
-          </a:prstGeom>
-          <a:solidFill>
-            <a:srgbClr val="2A2A2A"/>
-          </a:solidFill>
-          <a:ln w="12700">
-            <a:solidFill>
-              <a:srgbClr val="555555"/>
-            </a:solidFill>
-            <a:prstDash val="solid"/>
-          </a:ln>
-        </p:spPr>
-      </p:sp>
-      <p:sp>
-        <p:nvSpPr>
-          <p:cNvPr id="8" name="Text 6"/>
-          <p:cNvSpPr/>
-          <p:nvPr/>
-        </p:nvSpPr>
-        <p:spPr>
-          <a:xfrm>
-            <a:off x="5120640" y="2377440"/>
-            <a:ext cx="274320" cy="274320"/>
-          </a:xfrm>
-          <a:prstGeom prst="rect">
-            <a:avLst/>
-          </a:prstGeom>
-          <a:solidFill>
-            <a:srgbClr val="FF9999"/>
-          </a:solidFill>
-          <a:ln/>
-        </p:spPr>
-        <p:txBody>
-          <a:bodyPr wrap="square" rtlCol="0" anchor="ctr"/>
-          <a:lstStyle/>
-          <a:p>
-            <a:pPr algn="ctr" indent="0" marL="0">
-              <a:buNone/>
-            </a:pPr>
-            <a:r>
-              <a:rPr lang="en-US" sz="1600" b="1" dirty="0">
-                <a:solidFill>
-                  <a:srgbClr val="FFFFFF"/>
-                </a:solidFill>
-              </a:rPr>
-              <a:t>B</a:t>
-            </a:r>
-            <a:endParaRPr lang="en-US" sz="1600" dirty="0"/>
-          </a:p>
-        </p:txBody>
-      </p:sp>
-      <p:sp>
-        <p:nvSpPr>
-          <p:cNvPr id="9" name="Text 7"/>
-          <p:cNvSpPr/>
-          <p:nvPr/>
-        </p:nvSpPr>
-        <p:spPr>
-          <a:xfrm>
-            <a:off x="5486400" y="2606040"/>
-            <a:ext cx="1645920" cy="365760"/>
-          </a:xfrm>
-          <a:prstGeom prst="rect">
-            <a:avLst/>
-          </a:prstGeom>
-          <a:noFill/>
-          <a:ln/>
-        </p:spPr>
-        <p:txBody>
-          <a:bodyPr wrap="square" rtlCol="0" anchor="ctr"/>
-          <a:lstStyle/>
-          <a:p>
-            <a:pPr algn="ctr" indent="0" marL="0">
-              <a:buNone/>
-            </a:pPr>
-            <a:r>
-              <a:rPr lang="en-US" sz="1600" dirty="0">
-                <a:solidFill>
-                  <a:srgbClr val="888888"/>
-                </a:solidFill>
-              </a:rPr>
-              <a:t>No</a:t>
-            </a:r>
-            <a:endParaRPr lang="en-US" sz="1600" dirty="0"/>
-          </a:p>
-        </p:txBody>
-      </p:sp>
-      <p:sp>
-        <p:nvSpPr>
-          <p:cNvPr id="10" name="Shape 8"/>
           <p:cNvSpPr/>
           <p:nvPr/>
         </p:nvSpPr>
@@ -9770,7 +10398,7 @@
       </p:sp>
       <p:sp>
         <p:nvSpPr>
-          <p:cNvPr id="11" name="Text 9">
+          <p:cNvPr id="8" name="Text 6">
             <a:hlinkClick r:id="rId1" tooltip="" action="ppaction://hlinksldjump"/>
           </p:cNvPr>
           <p:cNvSpPr/>
@@ -9892,7 +10520,7 @@
         <p:spPr>
           <a:xfrm>
             <a:off x="1097280" y="320040"/>
-            <a:ext cx="7315200" cy="457200"/>
+            <a:ext cx="7315200" cy="365760"/>
           </a:xfrm>
           <a:prstGeom prst="rect">
             <a:avLst/>
@@ -9913,7 +10541,7 @@
                   <a:srgbClr val="66B3FF"/>
                 </a:solidFill>
               </a:rPr>
-              <a:t>Can you stack Cylinder + Cone to make this shape?</a:t>
+              <a:t>Put all the shapes together. Circle the shape they can make. (Cylinder + Cone)</a:t>
             </a:r>
             <a:endParaRPr lang="en-US" sz="1800" dirty="0"/>
           </a:p>
@@ -9927,8 +10555,8 @@
         </p:nvSpPr>
         <p:spPr>
           <a:xfrm>
-            <a:off x="1828800" y="2286000"/>
-            <a:ext cx="2286000" cy="914400"/>
+            <a:off x="457200" y="1645920"/>
+            <a:ext cx="3840480" cy="1005840"/>
           </a:xfrm>
           <a:prstGeom prst="rect">
             <a:avLst/>
@@ -9952,7 +10580,7 @@
         </p:nvSpPr>
         <p:spPr>
           <a:xfrm>
-            <a:off x="1920240" y="2377440"/>
+            <a:off x="548640" y="1737360"/>
             <a:ext cx="274320" cy="274320"/>
           </a:xfrm>
           <a:prstGeom prst="rect">
@@ -9990,8 +10618,8 @@
         </p:nvSpPr>
         <p:spPr>
           <a:xfrm>
-            <a:off x="2286000" y="2606040"/>
-            <a:ext cx="1645920" cy="365760"/>
+            <a:off x="914400" y="2011680"/>
+            <a:ext cx="3200400" cy="457200"/>
           </a:xfrm>
           <a:prstGeom prst="rect">
             <a:avLst/>
@@ -10007,12 +10635,75 @@
               <a:buNone/>
             </a:pPr>
             <a:r>
-              <a:rPr lang="en-US" sz="1600" dirty="0">
+              <a:rPr lang="en-US" sz="1200" dirty="0">
                 <a:solidFill>
                   <a:srgbClr val="E0E0E0"/>
                 </a:solidFill>
               </a:rPr>
-              <a:t>Yes</a:t>
+              <a:t>Stacked cylinder and cone (Correct)</a:t>
+            </a:r>
+            <a:endParaRPr lang="en-US" sz="1200" dirty="0"/>
+          </a:p>
+        </p:txBody>
+      </p:sp>
+      <p:sp>
+        <p:nvSpPr>
+          <p:cNvPr id="7" name="Shape 5"/>
+          <p:cNvSpPr/>
+          <p:nvPr/>
+        </p:nvSpPr>
+        <p:spPr>
+          <a:xfrm>
+            <a:off x="4754880" y="1645920"/>
+            <a:ext cx="3840480" cy="1005840"/>
+          </a:xfrm>
+          <a:prstGeom prst="rect">
+            <a:avLst/>
+          </a:prstGeom>
+          <a:solidFill>
+            <a:srgbClr val="2A2A2A"/>
+          </a:solidFill>
+          <a:ln w="12700">
+            <a:solidFill>
+              <a:srgbClr val="555555"/>
+            </a:solidFill>
+            <a:prstDash val="solid"/>
+          </a:ln>
+        </p:spPr>
+      </p:sp>
+      <p:sp>
+        <p:nvSpPr>
+          <p:cNvPr id="8" name="Text 6"/>
+          <p:cNvSpPr/>
+          <p:nvPr/>
+        </p:nvSpPr>
+        <p:spPr>
+          <a:xfrm>
+            <a:off x="4846320" y="1737360"/>
+            <a:ext cx="274320" cy="274320"/>
+          </a:xfrm>
+          <a:prstGeom prst="rect">
+            <a:avLst/>
+          </a:prstGeom>
+          <a:solidFill>
+            <a:srgbClr val="FF9999"/>
+          </a:solidFill>
+          <a:ln/>
+        </p:spPr>
+        <p:txBody>
+          <a:bodyPr wrap="square" rtlCol="0" anchor="ctr"/>
+          <a:lstStyle/>
+          <a:p>
+            <a:pPr algn="ctr" indent="0" marL="0">
+              <a:buNone/>
+            </a:pPr>
+            <a:r>
+              <a:rPr lang="en-US" sz="1600" b="1" dirty="0">
+                <a:solidFill>
+                  <a:srgbClr val="FFFFFF"/>
+                </a:solidFill>
+              </a:rPr>
+              <a:t>B</a:t>
             </a:r>
             <a:endParaRPr lang="en-US" sz="1600" dirty="0"/>
           </a:p>
@@ -10020,14 +10711,50 @@
       </p:sp>
       <p:sp>
         <p:nvSpPr>
-          <p:cNvPr id="7" name="Shape 5"/>
-          <p:cNvSpPr/>
-          <p:nvPr/>
-        </p:nvSpPr>
-        <p:spPr>
-          <a:xfrm>
-            <a:off x="5029200" y="2286000"/>
-            <a:ext cx="2286000" cy="914400"/>
+          <p:cNvPr id="9" name="Text 7"/>
+          <p:cNvSpPr/>
+          <p:nvPr/>
+        </p:nvSpPr>
+        <p:spPr>
+          <a:xfrm>
+            <a:off x="5212080" y="2011680"/>
+            <a:ext cx="3200400" cy="457200"/>
+          </a:xfrm>
+          <a:prstGeom prst="rect">
+            <a:avLst/>
+          </a:prstGeom>
+          <a:noFill/>
+          <a:ln/>
+        </p:spPr>
+        <p:txBody>
+          <a:bodyPr wrap="square" rtlCol="0" anchor="ctr"/>
+          <a:lstStyle/>
+          <a:p>
+            <a:pPr algn="ctr" indent="0" marL="0">
+              <a:buNone/>
+            </a:pPr>
+            <a:r>
+              <a:rPr lang="en-US" sz="1200" dirty="0">
+                <a:solidFill>
+                  <a:srgbClr val="E0E0E0"/>
+                </a:solidFill>
+              </a:rPr>
+              <a:t>Merged into sphere</a:t>
+            </a:r>
+            <a:endParaRPr lang="en-US" sz="1200" dirty="0"/>
+          </a:p>
+        </p:txBody>
+      </p:sp>
+      <p:sp>
+        <p:nvSpPr>
+          <p:cNvPr id="10" name="Shape 8"/>
+          <p:cNvSpPr/>
+          <p:nvPr/>
+        </p:nvSpPr>
+        <p:spPr>
+          <a:xfrm>
+            <a:off x="457200" y="2834640"/>
+            <a:ext cx="3840480" cy="1005840"/>
           </a:xfrm>
           <a:prstGeom prst="rect">
             <a:avLst/>
@@ -10045,13 +10772,13 @@
       </p:sp>
       <p:sp>
         <p:nvSpPr>
-          <p:cNvPr id="8" name="Text 6"/>
-          <p:cNvSpPr/>
-          <p:nvPr/>
-        </p:nvSpPr>
-        <p:spPr>
-          <a:xfrm>
-            <a:off x="5120640" y="2377440"/>
+          <p:cNvPr id="11" name="Text 9"/>
+          <p:cNvSpPr/>
+          <p:nvPr/>
+        </p:nvSpPr>
+        <p:spPr>
+          <a:xfrm>
+            <a:off x="548640" y="2926080"/>
             <a:ext cx="274320" cy="274320"/>
           </a:xfrm>
           <a:prstGeom prst="rect">
@@ -10075,7 +10802,7 @@
                   <a:srgbClr val="FFFFFF"/>
                 </a:solidFill>
               </a:rPr>
-              <a:t>B</a:t>
+              <a:t>C</a:t>
             </a:r>
             <a:endParaRPr lang="en-US" sz="1600" dirty="0"/>
           </a:p>
@@ -10083,14 +10810,14 @@
       </p:sp>
       <p:sp>
         <p:nvSpPr>
-          <p:cNvPr id="9" name="Text 7"/>
-          <p:cNvSpPr/>
-          <p:nvPr/>
-        </p:nvSpPr>
-        <p:spPr>
-          <a:xfrm>
-            <a:off x="5486400" y="2606040"/>
-            <a:ext cx="1645920" cy="365760"/>
+          <p:cNvPr id="12" name="Text 10"/>
+          <p:cNvSpPr/>
+          <p:nvPr/>
+        </p:nvSpPr>
+        <p:spPr>
+          <a:xfrm>
+            <a:off x="914400" y="3200400"/>
+            <a:ext cx="3200400" cy="457200"/>
           </a:xfrm>
           <a:prstGeom prst="rect">
             <a:avLst/>
@@ -10106,12 +10833,75 @@
               <a:buNone/>
             </a:pPr>
             <a:r>
-              <a:rPr lang="en-US" sz="1600" dirty="0">
+              <a:rPr lang="en-US" sz="1200" dirty="0">
                 <a:solidFill>
                   <a:srgbClr val="E0E0E0"/>
                 </a:solidFill>
               </a:rPr>
-              <a:t>No</a:t>
+              <a:t>Separate shapes</a:t>
+            </a:r>
+            <a:endParaRPr lang="en-US" sz="1200" dirty="0"/>
+          </a:p>
+        </p:txBody>
+      </p:sp>
+      <p:sp>
+        <p:nvSpPr>
+          <p:cNvPr id="13" name="Shape 11"/>
+          <p:cNvSpPr/>
+          <p:nvPr/>
+        </p:nvSpPr>
+        <p:spPr>
+          <a:xfrm>
+            <a:off x="4754880" y="2834640"/>
+            <a:ext cx="3840480" cy="1005840"/>
+          </a:xfrm>
+          <a:prstGeom prst="rect">
+            <a:avLst/>
+          </a:prstGeom>
+          <a:solidFill>
+            <a:srgbClr val="2A2A2A"/>
+          </a:solidFill>
+          <a:ln w="12700">
+            <a:solidFill>
+              <a:srgbClr val="555555"/>
+            </a:solidFill>
+            <a:prstDash val="solid"/>
+          </a:ln>
+        </p:spPr>
+      </p:sp>
+      <p:sp>
+        <p:nvSpPr>
+          <p:cNvPr id="14" name="Text 12"/>
+          <p:cNvSpPr/>
+          <p:nvPr/>
+        </p:nvSpPr>
+        <p:spPr>
+          <a:xfrm>
+            <a:off x="4846320" y="2926080"/>
+            <a:ext cx="274320" cy="274320"/>
+          </a:xfrm>
+          <a:prstGeom prst="rect">
+            <a:avLst/>
+          </a:prstGeom>
+          <a:solidFill>
+            <a:srgbClr val="FF9999"/>
+          </a:solidFill>
+          <a:ln/>
+        </p:spPr>
+        <p:txBody>
+          <a:bodyPr wrap="square" rtlCol="0" anchor="ctr"/>
+          <a:lstStyle/>
+          <a:p>
+            <a:pPr algn="ctr" indent="0" marL="0">
+              <a:buNone/>
+            </a:pPr>
+            <a:r>
+              <a:rPr lang="en-US" sz="1600" b="1" dirty="0">
+                <a:solidFill>
+                  <a:srgbClr val="FFFFFF"/>
+                </a:solidFill>
+              </a:rPr>
+              <a:t>D</a:t>
             </a:r>
             <a:endParaRPr lang="en-US" sz="1600" dirty="0"/>
           </a:p>
@@ -10119,7 +10909,43 @@
       </p:sp>
       <p:sp>
         <p:nvSpPr>
-          <p:cNvPr id="10" name="Shape 8">
+          <p:cNvPr id="15" name="Text 13"/>
+          <p:cNvSpPr/>
+          <p:nvPr/>
+        </p:nvSpPr>
+        <p:spPr>
+          <a:xfrm>
+            <a:off x="5212080" y="3200400"/>
+            <a:ext cx="3200400" cy="457200"/>
+          </a:xfrm>
+          <a:prstGeom prst="rect">
+            <a:avLst/>
+          </a:prstGeom>
+          <a:noFill/>
+          <a:ln/>
+        </p:spPr>
+        <p:txBody>
+          <a:bodyPr wrap="square" rtlCol="0" anchor="ctr"/>
+          <a:lstStyle/>
+          <a:p>
+            <a:pPr algn="ctr" indent="0" marL="0">
+              <a:buNone/>
+            </a:pPr>
+            <a:r>
+              <a:rPr lang="en-US" sz="1200" dirty="0">
+                <a:solidFill>
+                  <a:srgbClr val="E0E0E0"/>
+                </a:solidFill>
+              </a:rPr>
+              <a:t>Different configuration</a:t>
+            </a:r>
+            <a:endParaRPr lang="en-US" sz="1200" dirty="0"/>
+          </a:p>
+        </p:txBody>
+      </p:sp>
+      <p:sp>
+        <p:nvSpPr>
+          <p:cNvPr id="16" name="Shape 14">
             <a:hlinkClick r:id="rId1" tooltip="" action="ppaction://hlinksldjump"/>
           </p:cNvPr>
           <p:cNvSpPr/>
@@ -10127,8 +10953,8 @@
         </p:nvSpPr>
         <p:spPr>
           <a:xfrm>
-            <a:off x="1828800" y="2286000"/>
-            <a:ext cx="2286000" cy="914400"/>
+            <a:off x="457200" y="1645920"/>
+            <a:ext cx="3840480" cy="1005840"/>
           </a:xfrm>
           <a:prstGeom prst="rect">
             <a:avLst/>
@@ -10148,7 +10974,7 @@
       </p:sp>
       <p:sp>
         <p:nvSpPr>
-          <p:cNvPr id="11" name="Shape 9">
+          <p:cNvPr id="17" name="Shape 15">
             <a:hlinkClick r:id="rId2" tooltip="" action="ppaction://hlinksldjump"/>
           </p:cNvPr>
           <p:cNvSpPr/>
@@ -10156,8 +10982,66 @@
         </p:nvSpPr>
         <p:spPr>
           <a:xfrm>
-            <a:off x="5029200" y="2286000"/>
-            <a:ext cx="2286000" cy="914400"/>
+            <a:off x="4754880" y="1645920"/>
+            <a:ext cx="3840480" cy="1005840"/>
+          </a:xfrm>
+          <a:prstGeom prst="rect">
+            <a:avLst/>
+          </a:prstGeom>
+          <a:solidFill>
+            <a:srgbClr val="000000">
+              <a:alpha val="0"/>
+            </a:srgbClr>
+          </a:solidFill>
+          <a:ln w="12700">
+            <a:solidFill>
+              <a:srgbClr val="333333"/>
+            </a:solidFill>
+            <a:prstDash val="solid"/>
+          </a:ln>
+        </p:spPr>
+      </p:sp>
+      <p:sp>
+        <p:nvSpPr>
+          <p:cNvPr id="18" name="Shape 16">
+            <a:hlinkClick r:id="rId3" tooltip="" action="ppaction://hlinksldjump"/>
+          </p:cNvPr>
+          <p:cNvSpPr/>
+          <p:nvPr/>
+        </p:nvSpPr>
+        <p:spPr>
+          <a:xfrm>
+            <a:off x="457200" y="2834640"/>
+            <a:ext cx="3840480" cy="1005840"/>
+          </a:xfrm>
+          <a:prstGeom prst="rect">
+            <a:avLst/>
+          </a:prstGeom>
+          <a:solidFill>
+            <a:srgbClr val="000000">
+              <a:alpha val="0"/>
+            </a:srgbClr>
+          </a:solidFill>
+          <a:ln w="12700">
+            <a:solidFill>
+              <a:srgbClr val="333333"/>
+            </a:solidFill>
+            <a:prstDash val="solid"/>
+          </a:ln>
+        </p:spPr>
+      </p:sp>
+      <p:sp>
+        <p:nvSpPr>
+          <p:cNvPr id="19" name="Shape 17">
+            <a:hlinkClick r:id="rId4" tooltip="" action="ppaction://hlinksldjump"/>
+          </p:cNvPr>
+          <p:cNvSpPr/>
+          <p:nvPr/>
+        </p:nvSpPr>
+        <p:spPr>
+          <a:xfrm>
+            <a:off x="4754880" y="2834640"/>
+            <a:ext cx="3840480" cy="1005840"/>
           </a:xfrm>
           <a:prstGeom prst="rect">
             <a:avLst/>
@@ -10254,7 +11138,7 @@
         <p:spPr>
           <a:xfrm>
             <a:off x="2011680" y="320040"/>
-            <a:ext cx="6400800" cy="457200"/>
+            <a:ext cx="6400800" cy="365760"/>
           </a:xfrm>
           <a:prstGeom prst="rect">
             <a:avLst/>
@@ -10275,7 +11159,7 @@
                   <a:srgbClr val="66B3FF"/>
                 </a:solidFill>
               </a:rPr>
-              <a:t>Can you stack Cylinder + Cone to make this shape?</a:t>
+              <a:t>Put all the shapes together. Circle the shape they can make. (Cylinder + Cone)</a:t>
             </a:r>
             <a:endParaRPr lang="en-US" sz="1800" dirty="0"/>
           </a:p>
@@ -10289,8 +11173,8 @@
         </p:nvSpPr>
         <p:spPr>
           <a:xfrm>
-            <a:off x="1828800" y="2286000"/>
-            <a:ext cx="2286000" cy="914400"/>
+            <a:off x="457200" y="1645920"/>
+            <a:ext cx="3840480" cy="1005840"/>
           </a:xfrm>
           <a:prstGeom prst="rect">
             <a:avLst/>
@@ -10314,7 +11198,7 @@
         </p:nvSpPr>
         <p:spPr>
           <a:xfrm>
-            <a:off x="1920240" y="2377440"/>
+            <a:off x="548640" y="1737360"/>
             <a:ext cx="274320" cy="274320"/>
           </a:xfrm>
           <a:prstGeom prst="rect">
@@ -10352,8 +11236,8 @@
         </p:nvSpPr>
         <p:spPr>
           <a:xfrm>
-            <a:off x="2286000" y="2606040"/>
-            <a:ext cx="1645920" cy="365760"/>
+            <a:off x="914400" y="2011680"/>
+            <a:ext cx="3200400" cy="457200"/>
           </a:xfrm>
           <a:prstGeom prst="rect">
             <a:avLst/>
@@ -10369,119 +11253,20 @@
               <a:buNone/>
             </a:pPr>
             <a:r>
-              <a:rPr lang="en-US" sz="1600" b="1" dirty="0">
+              <a:rPr lang="en-US" sz="1200" b="1" dirty="0">
                 <a:solidFill>
                   <a:srgbClr val="2ECC71"/>
                 </a:solidFill>
               </a:rPr>
-              <a:t>✓ Yes</a:t>
-            </a:r>
-            <a:endParaRPr lang="en-US" sz="1600" dirty="0"/>
+              <a:t>✓ Stacked cylinder and cone (Correct)</a:t>
+            </a:r>
+            <a:endParaRPr lang="en-US" sz="1200" dirty="0"/>
           </a:p>
         </p:txBody>
       </p:sp>
       <p:sp>
         <p:nvSpPr>
           <p:cNvPr id="7" name="Shape 5"/>
-          <p:cNvSpPr/>
-          <p:nvPr/>
-        </p:nvSpPr>
-        <p:spPr>
-          <a:xfrm>
-            <a:off x="5029200" y="2286000"/>
-            <a:ext cx="2286000" cy="914400"/>
-          </a:xfrm>
-          <a:prstGeom prst="rect">
-            <a:avLst/>
-          </a:prstGeom>
-          <a:solidFill>
-            <a:srgbClr val="2A2A2A"/>
-          </a:solidFill>
-          <a:ln w="12700">
-            <a:solidFill>
-              <a:srgbClr val="555555"/>
-            </a:solidFill>
-            <a:prstDash val="solid"/>
-          </a:ln>
-        </p:spPr>
-      </p:sp>
-      <p:sp>
-        <p:nvSpPr>
-          <p:cNvPr id="8" name="Text 6"/>
-          <p:cNvSpPr/>
-          <p:nvPr/>
-        </p:nvSpPr>
-        <p:spPr>
-          <a:xfrm>
-            <a:off x="5120640" y="2377440"/>
-            <a:ext cx="274320" cy="274320"/>
-          </a:xfrm>
-          <a:prstGeom prst="rect">
-            <a:avLst/>
-          </a:prstGeom>
-          <a:solidFill>
-            <a:srgbClr val="FF9999"/>
-          </a:solidFill>
-          <a:ln/>
-        </p:spPr>
-        <p:txBody>
-          <a:bodyPr wrap="square" rtlCol="0" anchor="ctr"/>
-          <a:lstStyle/>
-          <a:p>
-            <a:pPr algn="ctr" indent="0" marL="0">
-              <a:buNone/>
-            </a:pPr>
-            <a:r>
-              <a:rPr lang="en-US" sz="1600" b="1" dirty="0">
-                <a:solidFill>
-                  <a:srgbClr val="FFFFFF"/>
-                </a:solidFill>
-              </a:rPr>
-              <a:t>B</a:t>
-            </a:r>
-            <a:endParaRPr lang="en-US" sz="1600" dirty="0"/>
-          </a:p>
-        </p:txBody>
-      </p:sp>
-      <p:sp>
-        <p:nvSpPr>
-          <p:cNvPr id="9" name="Text 7"/>
-          <p:cNvSpPr/>
-          <p:nvPr/>
-        </p:nvSpPr>
-        <p:spPr>
-          <a:xfrm>
-            <a:off x="5486400" y="2606040"/>
-            <a:ext cx="1645920" cy="365760"/>
-          </a:xfrm>
-          <a:prstGeom prst="rect">
-            <a:avLst/>
-          </a:prstGeom>
-          <a:noFill/>
-          <a:ln/>
-        </p:spPr>
-        <p:txBody>
-          <a:bodyPr wrap="square" rtlCol="0" anchor="ctr"/>
-          <a:lstStyle/>
-          <a:p>
-            <a:pPr algn="ctr" indent="0" marL="0">
-              <a:buNone/>
-            </a:pPr>
-            <a:r>
-              <a:rPr lang="en-US" sz="1600" dirty="0">
-                <a:solidFill>
-                  <a:srgbClr val="888888"/>
-                </a:solidFill>
-              </a:rPr>
-              <a:t>No</a:t>
-            </a:r>
-            <a:endParaRPr lang="en-US" sz="1600" dirty="0"/>
-          </a:p>
-        </p:txBody>
-      </p:sp>
-      <p:sp>
-        <p:nvSpPr>
-          <p:cNvPr id="10" name="Shape 8"/>
           <p:cNvSpPr/>
           <p:nvPr/>
         </p:nvSpPr>
@@ -10506,7 +11291,7 @@
       </p:sp>
       <p:sp>
         <p:nvSpPr>
-          <p:cNvPr id="11" name="Text 9">
+          <p:cNvPr id="8" name="Text 6">
             <a:hlinkClick r:id="rId1" tooltip="" action="ppaction://hlinksldjump"/>
           </p:cNvPr>
           <p:cNvSpPr/>
@@ -12100,7 +12885,7 @@
         <p:spPr>
           <a:xfrm>
             <a:off x="1097280" y="320040"/>
-            <a:ext cx="7315200" cy="457200"/>
+            <a:ext cx="7315200" cy="365760"/>
           </a:xfrm>
           <a:prstGeom prst="rect">
             <a:avLst/>
@@ -12121,7 +12906,7 @@
                   <a:srgbClr val="66B3FF"/>
                 </a:solidFill>
               </a:rPr>
-              <a:t>Are these 3-dimensional shapes? (Pencil, Box, Basketball)</a:t>
+              <a:t>What 3 items around you are 3-dimensional shapes?</a:t>
             </a:r>
             <a:endParaRPr lang="en-US" sz="1800" dirty="0"/>
           </a:p>
@@ -12135,8 +12920,8 @@
         </p:nvSpPr>
         <p:spPr>
           <a:xfrm>
-            <a:off x="1828800" y="2286000"/>
-            <a:ext cx="2286000" cy="914400"/>
+            <a:off x="457200" y="1645920"/>
+            <a:ext cx="3840480" cy="1005840"/>
           </a:xfrm>
           <a:prstGeom prst="rect">
             <a:avLst/>
@@ -12160,13 +12945,112 @@
         </p:nvSpPr>
         <p:spPr>
           <a:xfrm>
-            <a:off x="1920240" y="2377440"/>
+            <a:off x="548640" y="1737360"/>
             <a:ext cx="274320" cy="274320"/>
           </a:xfrm>
           <a:prstGeom prst="rect">
             <a:avLst/>
           </a:prstGeom>
           <a:solidFill>
+            <a:srgbClr val="FF9999"/>
+          </a:solidFill>
+          <a:ln/>
+        </p:spPr>
+        <p:txBody>
+          <a:bodyPr wrap="square" rtlCol="0" anchor="ctr"/>
+          <a:lstStyle/>
+          <a:p>
+            <a:pPr algn="ctr" indent="0" marL="0">
+              <a:buNone/>
+            </a:pPr>
+            <a:r>
+              <a:rPr lang="en-US" sz="1600" b="1" dirty="0">
+                <a:solidFill>
+                  <a:srgbClr val="FFFFFF"/>
+                </a:solidFill>
+              </a:rPr>
+              <a:t>A</a:t>
+            </a:r>
+            <a:endParaRPr lang="en-US" sz="1600" dirty="0"/>
+          </a:p>
+        </p:txBody>
+      </p:sp>
+      <p:sp>
+        <p:nvSpPr>
+          <p:cNvPr id="6" name="Text 4"/>
+          <p:cNvSpPr/>
+          <p:nvPr/>
+        </p:nvSpPr>
+        <p:spPr>
+          <a:xfrm>
+            <a:off x="914400" y="2011680"/>
+            <a:ext cx="3200400" cy="457200"/>
+          </a:xfrm>
+          <a:prstGeom prst="rect">
+            <a:avLst/>
+          </a:prstGeom>
+          <a:noFill/>
+          <a:ln/>
+        </p:spPr>
+        <p:txBody>
+          <a:bodyPr wrap="square" rtlCol="0" anchor="ctr"/>
+          <a:lstStyle/>
+          <a:p>
+            <a:pPr algn="ctr" indent="0" marL="0">
+              <a:buNone/>
+            </a:pPr>
+            <a:r>
+              <a:rPr lang="en-US" sz="1200" dirty="0">
+                <a:solidFill>
+                  <a:srgbClr val="E0E0E0"/>
+                </a:solidFill>
+              </a:rPr>
+              <a:t>Ball=Sphere, Cup=Cylinder, Book=Cube</a:t>
+            </a:r>
+            <a:endParaRPr lang="en-US" sz="1200" dirty="0"/>
+          </a:p>
+        </p:txBody>
+      </p:sp>
+      <p:sp>
+        <p:nvSpPr>
+          <p:cNvPr id="7" name="Shape 5"/>
+          <p:cNvSpPr/>
+          <p:nvPr/>
+        </p:nvSpPr>
+        <p:spPr>
+          <a:xfrm>
+            <a:off x="4754880" y="1645920"/>
+            <a:ext cx="3840480" cy="1005840"/>
+          </a:xfrm>
+          <a:prstGeom prst="rect">
+            <a:avLst/>
+          </a:prstGeom>
+          <a:solidFill>
+            <a:srgbClr val="2A2A2A"/>
+          </a:solidFill>
+          <a:ln w="12700">
+            <a:solidFill>
+              <a:srgbClr val="555555"/>
+            </a:solidFill>
+            <a:prstDash val="solid"/>
+          </a:ln>
+        </p:spPr>
+      </p:sp>
+      <p:sp>
+        <p:nvSpPr>
+          <p:cNvPr id="8" name="Text 6"/>
+          <p:cNvSpPr/>
+          <p:nvPr/>
+        </p:nvSpPr>
+        <p:spPr>
+          <a:xfrm>
+            <a:off x="4846320" y="1737360"/>
+            <a:ext cx="274320" cy="274320"/>
+          </a:xfrm>
+          <a:prstGeom prst="rect">
+            <a:avLst/>
+          </a:prstGeom>
+          <a:solidFill>
             <a:srgbClr val="66B3FF"/>
           </a:solidFill>
           <a:ln/>
@@ -12184,7 +13068,7 @@
                   <a:srgbClr val="FFFFFF"/>
                 </a:solidFill>
               </a:rPr>
-              <a:t>A</a:t>
+              <a:t>B</a:t>
             </a:r>
             <a:endParaRPr lang="en-US" sz="1600" dirty="0"/>
           </a:p>
@@ -12192,14 +13076,14 @@
       </p:sp>
       <p:sp>
         <p:nvSpPr>
-          <p:cNvPr id="6" name="Text 4"/>
-          <p:cNvSpPr/>
-          <p:nvPr/>
-        </p:nvSpPr>
-        <p:spPr>
-          <a:xfrm>
-            <a:off x="2286000" y="2606040"/>
-            <a:ext cx="1645920" cy="365760"/>
+          <p:cNvPr id="9" name="Text 7"/>
+          <p:cNvSpPr/>
+          <p:nvPr/>
+        </p:nvSpPr>
+        <p:spPr>
+          <a:xfrm>
+            <a:off x="5212080" y="2011680"/>
+            <a:ext cx="3200400" cy="457200"/>
           </a:xfrm>
           <a:prstGeom prst="rect">
             <a:avLst/>
@@ -12215,12 +13099,75 @@
               <a:buNone/>
             </a:pPr>
             <a:r>
-              <a:rPr lang="en-US" sz="1600" dirty="0">
+              <a:rPr lang="en-US" sz="1200" dirty="0">
                 <a:solidFill>
                   <a:srgbClr val="E0E0E0"/>
                 </a:solidFill>
               </a:rPr>
-              <a:t>Yes</a:t>
+              <a:t>Pencil=Cylinder, Box=Rectangular Prism, Basketball=Sphere (Correct)</a:t>
+            </a:r>
+            <a:endParaRPr lang="en-US" sz="1200" dirty="0"/>
+          </a:p>
+        </p:txBody>
+      </p:sp>
+      <p:sp>
+        <p:nvSpPr>
+          <p:cNvPr id="10" name="Shape 8"/>
+          <p:cNvSpPr/>
+          <p:nvPr/>
+        </p:nvSpPr>
+        <p:spPr>
+          <a:xfrm>
+            <a:off x="457200" y="2834640"/>
+            <a:ext cx="3840480" cy="1005840"/>
+          </a:xfrm>
+          <a:prstGeom prst="rect">
+            <a:avLst/>
+          </a:prstGeom>
+          <a:solidFill>
+            <a:srgbClr val="2A2A2A"/>
+          </a:solidFill>
+          <a:ln w="12700">
+            <a:solidFill>
+              <a:srgbClr val="555555"/>
+            </a:solidFill>
+            <a:prstDash val="solid"/>
+          </a:ln>
+        </p:spPr>
+      </p:sp>
+      <p:sp>
+        <p:nvSpPr>
+          <p:cNvPr id="11" name="Text 9"/>
+          <p:cNvSpPr/>
+          <p:nvPr/>
+        </p:nvSpPr>
+        <p:spPr>
+          <a:xfrm>
+            <a:off x="548640" y="2926080"/>
+            <a:ext cx="274320" cy="274320"/>
+          </a:xfrm>
+          <a:prstGeom prst="rect">
+            <a:avLst/>
+          </a:prstGeom>
+          <a:solidFill>
+            <a:srgbClr val="FF9999"/>
+          </a:solidFill>
+          <a:ln/>
+        </p:spPr>
+        <p:txBody>
+          <a:bodyPr wrap="square" rtlCol="0" anchor="ctr"/>
+          <a:lstStyle/>
+          <a:p>
+            <a:pPr algn="ctr" indent="0" marL="0">
+              <a:buNone/>
+            </a:pPr>
+            <a:r>
+              <a:rPr lang="en-US" sz="1600" b="1" dirty="0">
+                <a:solidFill>
+                  <a:srgbClr val="FFFFFF"/>
+                </a:solidFill>
+              </a:rPr>
+              <a:t>C</a:t>
             </a:r>
             <a:endParaRPr lang="en-US" sz="1600" dirty="0"/>
           </a:p>
@@ -12228,14 +13175,50 @@
       </p:sp>
       <p:sp>
         <p:nvSpPr>
-          <p:cNvPr id="7" name="Shape 5"/>
-          <p:cNvSpPr/>
-          <p:nvPr/>
-        </p:nvSpPr>
-        <p:spPr>
-          <a:xfrm>
-            <a:off x="5029200" y="2286000"/>
-            <a:ext cx="2286000" cy="914400"/>
+          <p:cNvPr id="12" name="Text 10"/>
+          <p:cNvSpPr/>
+          <p:nvPr/>
+        </p:nvSpPr>
+        <p:spPr>
+          <a:xfrm>
+            <a:off x="914400" y="3200400"/>
+            <a:ext cx="3200400" cy="457200"/>
+          </a:xfrm>
+          <a:prstGeom prst="rect">
+            <a:avLst/>
+          </a:prstGeom>
+          <a:noFill/>
+          <a:ln/>
+        </p:spPr>
+        <p:txBody>
+          <a:bodyPr wrap="square" rtlCol="0" anchor="ctr"/>
+          <a:lstStyle/>
+          <a:p>
+            <a:pPr algn="ctr" indent="0" marL="0">
+              <a:buNone/>
+            </a:pPr>
+            <a:r>
+              <a:rPr lang="en-US" sz="1200" dirty="0">
+                <a:solidFill>
+                  <a:srgbClr val="E0E0E0"/>
+                </a:solidFill>
+              </a:rPr>
+              <a:t>Hat=Cone, Can=Cube, Ball=Circle</a:t>
+            </a:r>
+            <a:endParaRPr lang="en-US" sz="1200" dirty="0"/>
+          </a:p>
+        </p:txBody>
+      </p:sp>
+      <p:sp>
+        <p:nvSpPr>
+          <p:cNvPr id="13" name="Shape 11"/>
+          <p:cNvSpPr/>
+          <p:nvPr/>
+        </p:nvSpPr>
+        <p:spPr>
+          <a:xfrm>
+            <a:off x="4754880" y="2834640"/>
+            <a:ext cx="3840480" cy="1005840"/>
           </a:xfrm>
           <a:prstGeom prst="rect">
             <a:avLst/>
@@ -12253,13 +13236,13 @@
       </p:sp>
       <p:sp>
         <p:nvSpPr>
-          <p:cNvPr id="8" name="Text 6"/>
-          <p:cNvSpPr/>
-          <p:nvPr/>
-        </p:nvSpPr>
-        <p:spPr>
-          <a:xfrm>
-            <a:off x="5120640" y="2377440"/>
+          <p:cNvPr id="14" name="Text 12"/>
+          <p:cNvSpPr/>
+          <p:nvPr/>
+        </p:nvSpPr>
+        <p:spPr>
+          <a:xfrm>
+            <a:off x="4846320" y="2926080"/>
             <a:ext cx="274320" cy="274320"/>
           </a:xfrm>
           <a:prstGeom prst="rect">
@@ -12283,7 +13266,7 @@
                   <a:srgbClr val="FFFFFF"/>
                 </a:solidFill>
               </a:rPr>
-              <a:t>B</a:t>
+              <a:t>D</a:t>
             </a:r>
             <a:endParaRPr lang="en-US" sz="1600" dirty="0"/>
           </a:p>
@@ -12291,14 +13274,14 @@
       </p:sp>
       <p:sp>
         <p:nvSpPr>
-          <p:cNvPr id="9" name="Text 7"/>
-          <p:cNvSpPr/>
-          <p:nvPr/>
-        </p:nvSpPr>
-        <p:spPr>
-          <a:xfrm>
-            <a:off x="5486400" y="2606040"/>
-            <a:ext cx="1645920" cy="365760"/>
+          <p:cNvPr id="15" name="Text 13"/>
+          <p:cNvSpPr/>
+          <p:nvPr/>
+        </p:nvSpPr>
+        <p:spPr>
+          <a:xfrm>
+            <a:off x="5212080" y="3200400"/>
+            <a:ext cx="3200400" cy="457200"/>
           </a:xfrm>
           <a:prstGeom prst="rect">
             <a:avLst/>
@@ -12314,20 +13297,20 @@
               <a:buNone/>
             </a:pPr>
             <a:r>
-              <a:rPr lang="en-US" sz="1600" dirty="0">
+              <a:rPr lang="en-US" sz="1200" dirty="0">
                 <a:solidFill>
                   <a:srgbClr val="E0E0E0"/>
                 </a:solidFill>
               </a:rPr>
-              <a:t>No</a:t>
-            </a:r>
-            <a:endParaRPr lang="en-US" sz="1600" dirty="0"/>
-          </a:p>
-        </p:txBody>
-      </p:sp>
-      <p:sp>
-        <p:nvSpPr>
-          <p:cNvPr id="10" name="Shape 8">
+              <a:t>Block=Rectangular Prism, Apple=Sphere, Crayon=Prism</a:t>
+            </a:r>
+            <a:endParaRPr lang="en-US" sz="1200" dirty="0"/>
+          </a:p>
+        </p:txBody>
+      </p:sp>
+      <p:sp>
+        <p:nvSpPr>
+          <p:cNvPr id="16" name="Shape 14">
             <a:hlinkClick r:id="rId1" tooltip="" action="ppaction://hlinksldjump"/>
           </p:cNvPr>
           <p:cNvSpPr/>
@@ -12335,8 +13318,8 @@
         </p:nvSpPr>
         <p:spPr>
           <a:xfrm>
-            <a:off x="1828800" y="2286000"/>
-            <a:ext cx="2286000" cy="914400"/>
+            <a:off x="457200" y="1645920"/>
+            <a:ext cx="3840480" cy="1005840"/>
           </a:xfrm>
           <a:prstGeom prst="rect">
             <a:avLst/>
@@ -12356,7 +13339,7 @@
       </p:sp>
       <p:sp>
         <p:nvSpPr>
-          <p:cNvPr id="11" name="Shape 9">
+          <p:cNvPr id="17" name="Shape 15">
             <a:hlinkClick r:id="rId2" tooltip="" action="ppaction://hlinksldjump"/>
           </p:cNvPr>
           <p:cNvSpPr/>
@@ -12364,8 +13347,66 @@
         </p:nvSpPr>
         <p:spPr>
           <a:xfrm>
-            <a:off x="5029200" y="2286000"/>
-            <a:ext cx="2286000" cy="914400"/>
+            <a:off x="4754880" y="1645920"/>
+            <a:ext cx="3840480" cy="1005840"/>
+          </a:xfrm>
+          <a:prstGeom prst="rect">
+            <a:avLst/>
+          </a:prstGeom>
+          <a:solidFill>
+            <a:srgbClr val="000000">
+              <a:alpha val="0"/>
+            </a:srgbClr>
+          </a:solidFill>
+          <a:ln w="12700">
+            <a:solidFill>
+              <a:srgbClr val="333333"/>
+            </a:solidFill>
+            <a:prstDash val="solid"/>
+          </a:ln>
+        </p:spPr>
+      </p:sp>
+      <p:sp>
+        <p:nvSpPr>
+          <p:cNvPr id="18" name="Shape 16">
+            <a:hlinkClick r:id="rId3" tooltip="" action="ppaction://hlinksldjump"/>
+          </p:cNvPr>
+          <p:cNvSpPr/>
+          <p:nvPr/>
+        </p:nvSpPr>
+        <p:spPr>
+          <a:xfrm>
+            <a:off x="457200" y="2834640"/>
+            <a:ext cx="3840480" cy="1005840"/>
+          </a:xfrm>
+          <a:prstGeom prst="rect">
+            <a:avLst/>
+          </a:prstGeom>
+          <a:solidFill>
+            <a:srgbClr val="000000">
+              <a:alpha val="0"/>
+            </a:srgbClr>
+          </a:solidFill>
+          <a:ln w="12700">
+            <a:solidFill>
+              <a:srgbClr val="333333"/>
+            </a:solidFill>
+            <a:prstDash val="solid"/>
+          </a:ln>
+        </p:spPr>
+      </p:sp>
+      <p:sp>
+        <p:nvSpPr>
+          <p:cNvPr id="19" name="Shape 17">
+            <a:hlinkClick r:id="rId4" tooltip="" action="ppaction://hlinksldjump"/>
+          </p:cNvPr>
+          <p:cNvSpPr/>
+          <p:nvPr/>
+        </p:nvSpPr>
+        <p:spPr>
+          <a:xfrm>
+            <a:off x="4754880" y="2834640"/>
+            <a:ext cx="3840480" cy="1005840"/>
           </a:xfrm>
           <a:prstGeom prst="rect">
             <a:avLst/>
@@ -12462,7 +13503,7 @@
         <p:spPr>
           <a:xfrm>
             <a:off x="2011680" y="320040"/>
-            <a:ext cx="6400800" cy="457200"/>
+            <a:ext cx="6400800" cy="365760"/>
           </a:xfrm>
           <a:prstGeom prst="rect">
             <a:avLst/>
@@ -12483,7 +13524,7 @@
                   <a:srgbClr val="66B3FF"/>
                 </a:solidFill>
               </a:rPr>
-              <a:t>Are these 3-dimensional shapes? (Pencil, Box, Basketball)</a:t>
+              <a:t>What 3 items around you are 3-dimensional shapes?</a:t>
             </a:r>
             <a:endParaRPr lang="en-US" sz="1800" dirty="0"/>
           </a:p>
@@ -12497,8 +13538,8 @@
         </p:nvSpPr>
         <p:spPr>
           <a:xfrm>
-            <a:off x="1828800" y="2286000"/>
-            <a:ext cx="2286000" cy="914400"/>
+            <a:off x="4754880" y="1645920"/>
+            <a:ext cx="3840480" cy="1005840"/>
           </a:xfrm>
           <a:prstGeom prst="rect">
             <a:avLst/>
@@ -12522,7 +13563,7 @@
         </p:nvSpPr>
         <p:spPr>
           <a:xfrm>
-            <a:off x="1920240" y="2377440"/>
+            <a:off x="4846320" y="1737360"/>
             <a:ext cx="274320" cy="274320"/>
           </a:xfrm>
           <a:prstGeom prst="rect">
@@ -12546,7 +13587,7 @@
                   <a:srgbClr val="FFFFFF"/>
                 </a:solidFill>
               </a:rPr>
-              <a:t>A</a:t>
+              <a:t>B</a:t>
             </a:r>
             <a:endParaRPr lang="en-US" sz="1600" dirty="0"/>
           </a:p>
@@ -12560,8 +13601,8 @@
         </p:nvSpPr>
         <p:spPr>
           <a:xfrm>
-            <a:off x="2286000" y="2606040"/>
-            <a:ext cx="1645920" cy="365760"/>
+            <a:off x="5212080" y="2011680"/>
+            <a:ext cx="3200400" cy="457200"/>
           </a:xfrm>
           <a:prstGeom prst="rect">
             <a:avLst/>
@@ -12577,119 +13618,20 @@
               <a:buNone/>
             </a:pPr>
             <a:r>
-              <a:rPr lang="en-US" sz="1600" b="1" dirty="0">
+              <a:rPr lang="en-US" sz="1200" b="1" dirty="0">
                 <a:solidFill>
                   <a:srgbClr val="2ECC71"/>
                 </a:solidFill>
               </a:rPr>
-              <a:t>✓ Yes</a:t>
-            </a:r>
-            <a:endParaRPr lang="en-US" sz="1600" dirty="0"/>
+              <a:t>✓ Pencil=Cylinder, Box=Rectangular Prism, Basketball=Sphere (Correct)</a:t>
+            </a:r>
+            <a:endParaRPr lang="en-US" sz="1200" dirty="0"/>
           </a:p>
         </p:txBody>
       </p:sp>
       <p:sp>
         <p:nvSpPr>
           <p:cNvPr id="7" name="Shape 5"/>
-          <p:cNvSpPr/>
-          <p:nvPr/>
-        </p:nvSpPr>
-        <p:spPr>
-          <a:xfrm>
-            <a:off x="5029200" y="2286000"/>
-            <a:ext cx="2286000" cy="914400"/>
-          </a:xfrm>
-          <a:prstGeom prst="rect">
-            <a:avLst/>
-          </a:prstGeom>
-          <a:solidFill>
-            <a:srgbClr val="2A2A2A"/>
-          </a:solidFill>
-          <a:ln w="12700">
-            <a:solidFill>
-              <a:srgbClr val="555555"/>
-            </a:solidFill>
-            <a:prstDash val="solid"/>
-          </a:ln>
-        </p:spPr>
-      </p:sp>
-      <p:sp>
-        <p:nvSpPr>
-          <p:cNvPr id="8" name="Text 6"/>
-          <p:cNvSpPr/>
-          <p:nvPr/>
-        </p:nvSpPr>
-        <p:spPr>
-          <a:xfrm>
-            <a:off x="5120640" y="2377440"/>
-            <a:ext cx="274320" cy="274320"/>
-          </a:xfrm>
-          <a:prstGeom prst="rect">
-            <a:avLst/>
-          </a:prstGeom>
-          <a:solidFill>
-            <a:srgbClr val="FF9999"/>
-          </a:solidFill>
-          <a:ln/>
-        </p:spPr>
-        <p:txBody>
-          <a:bodyPr wrap="square" rtlCol="0" anchor="ctr"/>
-          <a:lstStyle/>
-          <a:p>
-            <a:pPr algn="ctr" indent="0" marL="0">
-              <a:buNone/>
-            </a:pPr>
-            <a:r>
-              <a:rPr lang="en-US" sz="1600" b="1" dirty="0">
-                <a:solidFill>
-                  <a:srgbClr val="FFFFFF"/>
-                </a:solidFill>
-              </a:rPr>
-              <a:t>B</a:t>
-            </a:r>
-            <a:endParaRPr lang="en-US" sz="1600" dirty="0"/>
-          </a:p>
-        </p:txBody>
-      </p:sp>
-      <p:sp>
-        <p:nvSpPr>
-          <p:cNvPr id="9" name="Text 7"/>
-          <p:cNvSpPr/>
-          <p:nvPr/>
-        </p:nvSpPr>
-        <p:spPr>
-          <a:xfrm>
-            <a:off x="5486400" y="2606040"/>
-            <a:ext cx="1645920" cy="365760"/>
-          </a:xfrm>
-          <a:prstGeom prst="rect">
-            <a:avLst/>
-          </a:prstGeom>
-          <a:noFill/>
-          <a:ln/>
-        </p:spPr>
-        <p:txBody>
-          <a:bodyPr wrap="square" rtlCol="0" anchor="ctr"/>
-          <a:lstStyle/>
-          <a:p>
-            <a:pPr algn="ctr" indent="0" marL="0">
-              <a:buNone/>
-            </a:pPr>
-            <a:r>
-              <a:rPr lang="en-US" sz="1600" dirty="0">
-                <a:solidFill>
-                  <a:srgbClr val="888888"/>
-                </a:solidFill>
-              </a:rPr>
-              <a:t>No</a:t>
-            </a:r>
-            <a:endParaRPr lang="en-US" sz="1600" dirty="0"/>
-          </a:p>
-        </p:txBody>
-      </p:sp>
-      <p:sp>
-        <p:nvSpPr>
-          <p:cNvPr id="10" name="Shape 8"/>
           <p:cNvSpPr/>
           <p:nvPr/>
         </p:nvSpPr>
@@ -12714,7 +13656,7 @@
       </p:sp>
       <p:sp>
         <p:nvSpPr>
-          <p:cNvPr id="11" name="Text 9">
+          <p:cNvPr id="8" name="Text 6">
             <a:hlinkClick r:id="rId1" tooltip="" action="ppaction://hlinksldjump"/>
           </p:cNvPr>
           <p:cNvSpPr/>
@@ -12821,7 +13763,7 @@
                   <a:srgbClr val="FFFFFF"/>
                 </a:solidFill>
               </a:rPr>
-              <a:t>Q2</a:t>
+              <a:t>Q15</a:t>
             </a:r>
             <a:endParaRPr lang="en-US" sz="2000" dirty="0"/>
           </a:p>
@@ -12871,8 +13813,8 @@
         </p:nvSpPr>
         <p:spPr>
           <a:xfrm>
-            <a:off x="457200" y="1371600"/>
-            <a:ext cx="3840480" cy="1371600"/>
+            <a:off x="457200" y="1645920"/>
+            <a:ext cx="3840480" cy="1005840"/>
           </a:xfrm>
           <a:prstGeom prst="rect">
             <a:avLst/>
@@ -12896,7 +13838,7 @@
         </p:nvSpPr>
         <p:spPr>
           <a:xfrm>
-            <a:off x="548640" y="1463040"/>
+            <a:off x="548640" y="1737360"/>
             <a:ext cx="274320" cy="274320"/>
           </a:xfrm>
           <a:prstGeom prst="rect">
@@ -12934,8 +13876,8 @@
         </p:nvSpPr>
         <p:spPr>
           <a:xfrm>
-            <a:off x="914400" y="1508760"/>
-            <a:ext cx="3200400" cy="274320"/>
+            <a:off x="914400" y="2011680"/>
+            <a:ext cx="3200400" cy="457200"/>
           </a:xfrm>
           <a:prstGeom prst="rect">
             <a:avLst/>
@@ -12947,7 +13889,7 @@
           <a:bodyPr wrap="square" rtlCol="0" anchor="ctr"/>
           <a:lstStyle/>
           <a:p>
-            <a:pPr indent="0" marL="0">
+            <a:pPr algn="ctr" indent="0" marL="0">
               <a:buNone/>
             </a:pPr>
             <a:r>
@@ -12956,7 +13898,7 @@
                   <a:srgbClr val="E0E0E0"/>
                 </a:solidFill>
               </a:rPr>
-              <a:t>Animal arrangement 1 (incorrect)</a:t>
+              <a:t>Animal arrangement 1</a:t>
             </a:r>
             <a:endParaRPr lang="en-US" sz="1200" dirty="0"/>
           </a:p>
@@ -12970,140 +13912,238 @@
         </p:nvSpPr>
         <p:spPr>
           <a:xfrm>
-            <a:off x="1828800" y="1828800"/>
-            <a:ext cx="365760" cy="365760"/>
-          </a:xfrm>
-          <a:prstGeom prst="ellipse">
+            <a:off x="4754880" y="1645920"/>
+            <a:ext cx="3840480" cy="1005840"/>
+          </a:xfrm>
+          <a:prstGeom prst="rect">
+            <a:avLst/>
+          </a:prstGeom>
+          <a:solidFill>
+            <a:srgbClr val="2A2A2A"/>
+          </a:solidFill>
+          <a:ln w="12700">
+            <a:solidFill>
+              <a:srgbClr val="555555"/>
+            </a:solidFill>
+            <a:prstDash val="solid"/>
+          </a:ln>
+        </p:spPr>
+      </p:sp>
+      <p:sp>
+        <p:nvSpPr>
+          <p:cNvPr id="8" name="Text 6"/>
+          <p:cNvSpPr/>
+          <p:nvPr/>
+        </p:nvSpPr>
+        <p:spPr>
+          <a:xfrm>
+            <a:off x="4846320" y="1737360"/>
+            <a:ext cx="274320" cy="274320"/>
+          </a:xfrm>
+          <a:prstGeom prst="rect">
             <a:avLst/>
           </a:prstGeom>
           <a:solidFill>
             <a:srgbClr val="FF9999"/>
           </a:solidFill>
-          <a:ln w="12700">
-            <a:solidFill>
-              <a:srgbClr val="000000"/>
-            </a:solidFill>
-            <a:prstDash val="solid"/>
-          </a:ln>
-        </p:spPr>
-      </p:sp>
-      <p:sp>
-        <p:nvSpPr>
-          <p:cNvPr id="8" name="Shape 6"/>
-          <p:cNvSpPr/>
-          <p:nvPr/>
-        </p:nvSpPr>
-        <p:spPr>
-          <a:xfrm>
-            <a:off x="1737360" y="2103120"/>
-            <a:ext cx="548640" cy="548640"/>
-          </a:xfrm>
-          <a:prstGeom prst="triangle">
+          <a:ln/>
+        </p:spPr>
+        <p:txBody>
+          <a:bodyPr wrap="square" rtlCol="0" anchor="ctr"/>
+          <a:lstStyle/>
+          <a:p>
+            <a:pPr algn="ctr" indent="0" marL="0">
+              <a:buNone/>
+            </a:pPr>
+            <a:r>
+              <a:rPr lang="en-US" sz="1600" b="1" dirty="0">
+                <a:solidFill>
+                  <a:srgbClr val="FFFFFF"/>
+                </a:solidFill>
+              </a:rPr>
+              <a:t>B</a:t>
+            </a:r>
+            <a:endParaRPr lang="en-US" sz="1600" dirty="0"/>
+          </a:p>
+        </p:txBody>
+      </p:sp>
+      <p:sp>
+        <p:nvSpPr>
+          <p:cNvPr id="9" name="Text 7"/>
+          <p:cNvSpPr/>
+          <p:nvPr/>
+        </p:nvSpPr>
+        <p:spPr>
+          <a:xfrm>
+            <a:off x="5212080" y="2011680"/>
+            <a:ext cx="3200400" cy="457200"/>
+          </a:xfrm>
+          <a:prstGeom prst="rect">
+            <a:avLst/>
+          </a:prstGeom>
+          <a:noFill/>
+          <a:ln/>
+        </p:spPr>
+        <p:txBody>
+          <a:bodyPr wrap="square" rtlCol="0" anchor="ctr"/>
+          <a:lstStyle/>
+          <a:p>
+            <a:pPr algn="ctr" indent="0" marL="0">
+              <a:buNone/>
+            </a:pPr>
+            <a:r>
+              <a:rPr lang="en-US" sz="1200" dirty="0">
+                <a:solidFill>
+                  <a:srgbClr val="E0E0E0"/>
+                </a:solidFill>
+              </a:rPr>
+              <a:t>Animal arrangement 2</a:t>
+            </a:r>
+            <a:endParaRPr lang="en-US" sz="1200" dirty="0"/>
+          </a:p>
+        </p:txBody>
+      </p:sp>
+      <p:sp>
+        <p:nvSpPr>
+          <p:cNvPr id="10" name="Shape 8"/>
+          <p:cNvSpPr/>
+          <p:nvPr/>
+        </p:nvSpPr>
+        <p:spPr>
+          <a:xfrm>
+            <a:off x="457200" y="2834640"/>
+            <a:ext cx="3840480" cy="1005840"/>
+          </a:xfrm>
+          <a:prstGeom prst="rect">
+            <a:avLst/>
+          </a:prstGeom>
+          <a:solidFill>
+            <a:srgbClr val="2A2A2A"/>
+          </a:solidFill>
+          <a:ln w="12700">
+            <a:solidFill>
+              <a:srgbClr val="555555"/>
+            </a:solidFill>
+            <a:prstDash val="solid"/>
+          </a:ln>
+        </p:spPr>
+      </p:sp>
+      <p:sp>
+        <p:nvSpPr>
+          <p:cNvPr id="11" name="Text 9"/>
+          <p:cNvSpPr/>
+          <p:nvPr/>
+        </p:nvSpPr>
+        <p:spPr>
+          <a:xfrm>
+            <a:off x="548640" y="2926080"/>
+            <a:ext cx="274320" cy="274320"/>
+          </a:xfrm>
+          <a:prstGeom prst="rect">
+            <a:avLst/>
+          </a:prstGeom>
+          <a:solidFill>
+            <a:srgbClr val="66B3FF"/>
+          </a:solidFill>
+          <a:ln/>
+        </p:spPr>
+        <p:txBody>
+          <a:bodyPr wrap="square" rtlCol="0" anchor="ctr"/>
+          <a:lstStyle/>
+          <a:p>
+            <a:pPr algn="ctr" indent="0" marL="0">
+              <a:buNone/>
+            </a:pPr>
+            <a:r>
+              <a:rPr lang="en-US" sz="1600" b="1" dirty="0">
+                <a:solidFill>
+                  <a:srgbClr val="FFFFFF"/>
+                </a:solidFill>
+              </a:rPr>
+              <a:t>C</a:t>
+            </a:r>
+            <a:endParaRPr lang="en-US" sz="1600" dirty="0"/>
+          </a:p>
+        </p:txBody>
+      </p:sp>
+      <p:sp>
+        <p:nvSpPr>
+          <p:cNvPr id="12" name="Text 10"/>
+          <p:cNvSpPr/>
+          <p:nvPr/>
+        </p:nvSpPr>
+        <p:spPr>
+          <a:xfrm>
+            <a:off x="914400" y="3200400"/>
+            <a:ext cx="3200400" cy="457200"/>
+          </a:xfrm>
+          <a:prstGeom prst="rect">
+            <a:avLst/>
+          </a:prstGeom>
+          <a:noFill/>
+          <a:ln/>
+        </p:spPr>
+        <p:txBody>
+          <a:bodyPr wrap="square" rtlCol="0" anchor="ctr"/>
+          <a:lstStyle/>
+          <a:p>
+            <a:pPr algn="ctr" indent="0" marL="0">
+              <a:buNone/>
+            </a:pPr>
+            <a:r>
+              <a:rPr lang="en-US" sz="1200" dirty="0">
+                <a:solidFill>
+                  <a:srgbClr val="E0E0E0"/>
+                </a:solidFill>
+              </a:rPr>
+              <a:t>Animal arrangement 3 (Correct)</a:t>
+            </a:r>
+            <a:endParaRPr lang="en-US" sz="1200" dirty="0"/>
+          </a:p>
+        </p:txBody>
+      </p:sp>
+      <p:sp>
+        <p:nvSpPr>
+          <p:cNvPr id="13" name="Shape 11"/>
+          <p:cNvSpPr/>
+          <p:nvPr/>
+        </p:nvSpPr>
+        <p:spPr>
+          <a:xfrm>
+            <a:off x="4754880" y="2834640"/>
+            <a:ext cx="3840480" cy="1005840"/>
+          </a:xfrm>
+          <a:prstGeom prst="rect">
+            <a:avLst/>
+          </a:prstGeom>
+          <a:solidFill>
+            <a:srgbClr val="2A2A2A"/>
+          </a:solidFill>
+          <a:ln w="12700">
+            <a:solidFill>
+              <a:srgbClr val="555555"/>
+            </a:solidFill>
+            <a:prstDash val="solid"/>
+          </a:ln>
+        </p:spPr>
+      </p:sp>
+      <p:sp>
+        <p:nvSpPr>
+          <p:cNvPr id="14" name="Text 12"/>
+          <p:cNvSpPr/>
+          <p:nvPr/>
+        </p:nvSpPr>
+        <p:spPr>
+          <a:xfrm>
+            <a:off x="4846320" y="2926080"/>
+            <a:ext cx="274320" cy="274320"/>
+          </a:xfrm>
+          <a:prstGeom prst="rect">
             <a:avLst/>
           </a:prstGeom>
           <a:solidFill>
             <a:srgbClr val="FF9999"/>
           </a:solidFill>
-          <a:ln w="12700">
-            <a:solidFill>
-              <a:srgbClr val="000000"/>
-            </a:solidFill>
-            <a:prstDash val="solid"/>
-          </a:ln>
-        </p:spPr>
-      </p:sp>
-      <p:sp>
-        <p:nvSpPr>
-          <p:cNvPr id="9" name="Shape 7"/>
-          <p:cNvSpPr/>
-          <p:nvPr/>
-        </p:nvSpPr>
-        <p:spPr>
-          <a:xfrm>
-            <a:off x="1828800" y="2468880"/>
-            <a:ext cx="91440" cy="274320"/>
-          </a:xfrm>
-          <a:prstGeom prst="rect">
-            <a:avLst/>
-          </a:prstGeom>
-          <a:solidFill>
-            <a:srgbClr val="FF9999"/>
-          </a:solidFill>
-          <a:ln w="12700">
-            <a:solidFill>
-              <a:srgbClr val="000000"/>
-            </a:solidFill>
-            <a:prstDash val="solid"/>
-          </a:ln>
-        </p:spPr>
-      </p:sp>
-      <p:sp>
-        <p:nvSpPr>
-          <p:cNvPr id="10" name="Shape 8"/>
-          <p:cNvSpPr/>
-          <p:nvPr/>
-        </p:nvSpPr>
-        <p:spPr>
-          <a:xfrm>
-            <a:off x="2057400" y="2468880"/>
-            <a:ext cx="91440" cy="274320"/>
-          </a:xfrm>
-          <a:prstGeom prst="rect">
-            <a:avLst/>
-          </a:prstGeom>
-          <a:solidFill>
-            <a:srgbClr val="FF9999"/>
-          </a:solidFill>
-          <a:ln w="12700">
-            <a:solidFill>
-              <a:srgbClr val="000000"/>
-            </a:solidFill>
-            <a:prstDash val="solid"/>
-          </a:ln>
-        </p:spPr>
-      </p:sp>
-      <p:sp>
-        <p:nvSpPr>
-          <p:cNvPr id="11" name="Shape 9"/>
-          <p:cNvSpPr/>
-          <p:nvPr/>
-        </p:nvSpPr>
-        <p:spPr>
-          <a:xfrm>
-            <a:off x="4754880" y="1371600"/>
-            <a:ext cx="3840480" cy="1371600"/>
-          </a:xfrm>
-          <a:prstGeom prst="rect">
-            <a:avLst/>
-          </a:prstGeom>
-          <a:solidFill>
-            <a:srgbClr val="2A2A2A"/>
-          </a:solidFill>
-          <a:ln w="12700">
-            <a:solidFill>
-              <a:srgbClr val="555555"/>
-            </a:solidFill>
-            <a:prstDash val="solid"/>
-          </a:ln>
-        </p:spPr>
-      </p:sp>
-      <p:sp>
-        <p:nvSpPr>
-          <p:cNvPr id="12" name="Text 10"/>
-          <p:cNvSpPr/>
-          <p:nvPr/>
-        </p:nvSpPr>
-        <p:spPr>
-          <a:xfrm>
-            <a:off x="4846320" y="1463040"/>
-            <a:ext cx="274320" cy="274320"/>
-          </a:xfrm>
-          <a:prstGeom prst="rect">
-            <a:avLst/>
-          </a:prstGeom>
-          <a:solidFill>
-            <a:srgbClr val="66B3FF"/>
-          </a:solidFill>
           <a:ln/>
         </p:spPr>
         <p:txBody>
@@ -13119,7 +14159,7 @@
                   <a:srgbClr val="FFFFFF"/>
                 </a:solidFill>
               </a:rPr>
-              <a:t>B</a:t>
+              <a:t>D</a:t>
             </a:r>
             <a:endParaRPr lang="en-US" sz="1600" dirty="0"/>
           </a:p>
@@ -13127,14 +14167,14 @@
       </p:sp>
       <p:sp>
         <p:nvSpPr>
-          <p:cNvPr id="13" name="Text 11"/>
-          <p:cNvSpPr/>
-          <p:nvPr/>
-        </p:nvSpPr>
-        <p:spPr>
-          <a:xfrm>
-            <a:off x="5212080" y="1508760"/>
-            <a:ext cx="3200400" cy="274320"/>
+          <p:cNvPr id="15" name="Text 13"/>
+          <p:cNvSpPr/>
+          <p:nvPr/>
+        </p:nvSpPr>
+        <p:spPr>
+          <a:xfrm>
+            <a:off x="5212080" y="3200400"/>
+            <a:ext cx="3200400" cy="457200"/>
           </a:xfrm>
           <a:prstGeom prst="rect">
             <a:avLst/>
@@ -13146,7 +14186,7 @@
           <a:bodyPr wrap="square" rtlCol="0" anchor="ctr"/>
           <a:lstStyle/>
           <a:p>
-            <a:pPr indent="0" marL="0">
+            <a:pPr algn="ctr" indent="0" marL="0">
               <a:buNone/>
             </a:pPr>
             <a:r>
@@ -13155,7 +14195,7 @@
                   <a:srgbClr val="E0E0E0"/>
                 </a:solidFill>
               </a:rPr>
-              <a:t>Animal arrangement 2 (Correct)</a:t>
+              <a:t>Animal arrangement 4</a:t>
             </a:r>
             <a:endParaRPr lang="en-US" sz="1200" dirty="0"/>
           </a:p>
@@ -13163,580 +14203,7 @@
       </p:sp>
       <p:sp>
         <p:nvSpPr>
-          <p:cNvPr id="14" name="Shape 12"/>
-          <p:cNvSpPr/>
-          <p:nvPr/>
-        </p:nvSpPr>
-        <p:spPr>
-          <a:xfrm>
-            <a:off x="6080760" y="1828800"/>
-            <a:ext cx="320040" cy="320040"/>
-          </a:xfrm>
-          <a:prstGeom prst="ellipse">
-            <a:avLst/>
-          </a:prstGeom>
-          <a:solidFill>
-            <a:srgbClr val="66B3FF"/>
-          </a:solidFill>
-          <a:ln w="12700">
-            <a:solidFill>
-              <a:srgbClr val="000000"/>
-            </a:solidFill>
-            <a:prstDash val="solid"/>
-          </a:ln>
-        </p:spPr>
-      </p:sp>
-      <p:sp>
-        <p:nvSpPr>
-          <p:cNvPr id="15" name="Shape 13"/>
-          <p:cNvSpPr/>
-          <p:nvPr/>
-        </p:nvSpPr>
-        <p:spPr>
-          <a:xfrm>
-            <a:off x="6053328" y="1755648"/>
-            <a:ext cx="137160" cy="137160"/>
-          </a:xfrm>
-          <a:prstGeom prst="triangle">
-            <a:avLst/>
-          </a:prstGeom>
-          <a:solidFill>
-            <a:srgbClr val="66B3FF"/>
-          </a:solidFill>
-          <a:ln w="12700">
-            <a:solidFill>
-              <a:srgbClr val="000000"/>
-            </a:solidFill>
-            <a:prstDash val="solid"/>
-          </a:ln>
-        </p:spPr>
-      </p:sp>
-      <p:sp>
-        <p:nvSpPr>
-          <p:cNvPr id="16" name="Shape 14"/>
-          <p:cNvSpPr/>
-          <p:nvPr/>
-        </p:nvSpPr>
-        <p:spPr>
-          <a:xfrm>
-            <a:off x="6199632" y="1755648"/>
-            <a:ext cx="137160" cy="137160"/>
-          </a:xfrm>
-          <a:prstGeom prst="triangle">
-            <a:avLst/>
-          </a:prstGeom>
-          <a:solidFill>
-            <a:srgbClr val="66B3FF"/>
-          </a:solidFill>
-          <a:ln w="12700">
-            <a:solidFill>
-              <a:srgbClr val="000000"/>
-            </a:solidFill>
-            <a:prstDash val="solid"/>
-          </a:ln>
-        </p:spPr>
-      </p:sp>
-      <p:sp>
-        <p:nvSpPr>
-          <p:cNvPr id="17" name="Shape 15"/>
-          <p:cNvSpPr/>
-          <p:nvPr/>
-        </p:nvSpPr>
-        <p:spPr>
-          <a:xfrm>
-            <a:off x="5943600" y="2084832"/>
-            <a:ext cx="548640" cy="320040"/>
-          </a:xfrm>
-          <a:prstGeom prst="rect">
-            <a:avLst/>
-          </a:prstGeom>
-          <a:solidFill>
-            <a:srgbClr val="66B3FF"/>
-          </a:solidFill>
-          <a:ln w="12700">
-            <a:solidFill>
-              <a:srgbClr val="000000"/>
-            </a:solidFill>
-            <a:prstDash val="solid"/>
-          </a:ln>
-        </p:spPr>
-      </p:sp>
-      <p:sp>
-        <p:nvSpPr>
-          <p:cNvPr id="18" name="Shape 16"/>
-          <p:cNvSpPr/>
-          <p:nvPr/>
-        </p:nvSpPr>
-        <p:spPr>
-          <a:xfrm>
-            <a:off x="5989320" y="2377440"/>
-            <a:ext cx="91440" cy="274320"/>
-          </a:xfrm>
-          <a:prstGeom prst="rect">
-            <a:avLst/>
-          </a:prstGeom>
-          <a:solidFill>
-            <a:srgbClr val="66B3FF"/>
-          </a:solidFill>
-          <a:ln w="12700">
-            <a:solidFill>
-              <a:srgbClr val="000000"/>
-            </a:solidFill>
-            <a:prstDash val="solid"/>
-          </a:ln>
-        </p:spPr>
-      </p:sp>
-      <p:sp>
-        <p:nvSpPr>
-          <p:cNvPr id="19" name="Shape 17"/>
-          <p:cNvSpPr/>
-          <p:nvPr/>
-        </p:nvSpPr>
-        <p:spPr>
-          <a:xfrm>
-            <a:off x="6126480" y="2377440"/>
-            <a:ext cx="91440" cy="274320"/>
-          </a:xfrm>
-          <a:prstGeom prst="rect">
-            <a:avLst/>
-          </a:prstGeom>
-          <a:solidFill>
-            <a:srgbClr val="66B3FF"/>
-          </a:solidFill>
-          <a:ln w="12700">
-            <a:solidFill>
-              <a:srgbClr val="000000"/>
-            </a:solidFill>
-            <a:prstDash val="solid"/>
-          </a:ln>
-        </p:spPr>
-      </p:sp>
-      <p:sp>
-        <p:nvSpPr>
-          <p:cNvPr id="20" name="Shape 18"/>
-          <p:cNvSpPr/>
-          <p:nvPr/>
-        </p:nvSpPr>
-        <p:spPr>
-          <a:xfrm>
-            <a:off x="6217920" y="2377440"/>
-            <a:ext cx="91440" cy="274320"/>
-          </a:xfrm>
-          <a:prstGeom prst="rect">
-            <a:avLst/>
-          </a:prstGeom>
-          <a:solidFill>
-            <a:srgbClr val="66B3FF"/>
-          </a:solidFill>
-          <a:ln w="12700">
-            <a:solidFill>
-              <a:srgbClr val="000000"/>
-            </a:solidFill>
-            <a:prstDash val="solid"/>
-          </a:ln>
-        </p:spPr>
-      </p:sp>
-      <p:sp>
-        <p:nvSpPr>
-          <p:cNvPr id="21" name="Shape 19"/>
-          <p:cNvSpPr/>
-          <p:nvPr/>
-        </p:nvSpPr>
-        <p:spPr>
-          <a:xfrm>
-            <a:off x="6355080" y="2377440"/>
-            <a:ext cx="91440" cy="274320"/>
-          </a:xfrm>
-          <a:prstGeom prst="rect">
-            <a:avLst/>
-          </a:prstGeom>
-          <a:solidFill>
-            <a:srgbClr val="66B3FF"/>
-          </a:solidFill>
-          <a:ln w="12700">
-            <a:solidFill>
-              <a:srgbClr val="000000"/>
-            </a:solidFill>
-            <a:prstDash val="solid"/>
-          </a:ln>
-        </p:spPr>
-      </p:sp>
-      <p:sp>
-        <p:nvSpPr>
-          <p:cNvPr id="22" name="Shape 20"/>
-          <p:cNvSpPr/>
-          <p:nvPr/>
-        </p:nvSpPr>
-        <p:spPr>
-          <a:xfrm>
-            <a:off x="457200" y="2926080"/>
-            <a:ext cx="3840480" cy="1371600"/>
-          </a:xfrm>
-          <a:prstGeom prst="rect">
-            <a:avLst/>
-          </a:prstGeom>
-          <a:solidFill>
-            <a:srgbClr val="2A2A2A"/>
-          </a:solidFill>
-          <a:ln w="12700">
-            <a:solidFill>
-              <a:srgbClr val="555555"/>
-            </a:solidFill>
-            <a:prstDash val="solid"/>
-          </a:ln>
-        </p:spPr>
-      </p:sp>
-      <p:sp>
-        <p:nvSpPr>
-          <p:cNvPr id="23" name="Text 21"/>
-          <p:cNvSpPr/>
-          <p:nvPr/>
-        </p:nvSpPr>
-        <p:spPr>
-          <a:xfrm>
-            <a:off x="548640" y="3017520"/>
-            <a:ext cx="274320" cy="274320"/>
-          </a:xfrm>
-          <a:prstGeom prst="rect">
-            <a:avLst/>
-          </a:prstGeom>
-          <a:solidFill>
-            <a:srgbClr val="FF9999"/>
-          </a:solidFill>
-          <a:ln/>
-        </p:spPr>
-        <p:txBody>
-          <a:bodyPr wrap="square" rtlCol="0" anchor="ctr"/>
-          <a:lstStyle/>
-          <a:p>
-            <a:pPr algn="ctr" indent="0" marL="0">
-              <a:buNone/>
-            </a:pPr>
-            <a:r>
-              <a:rPr lang="en-US" sz="1600" b="1" dirty="0">
-                <a:solidFill>
-                  <a:srgbClr val="FFFFFF"/>
-                </a:solidFill>
-              </a:rPr>
-              <a:t>C</a:t>
-            </a:r>
-            <a:endParaRPr lang="en-US" sz="1600" dirty="0"/>
-          </a:p>
-        </p:txBody>
-      </p:sp>
-      <p:sp>
-        <p:nvSpPr>
-          <p:cNvPr id="24" name="Text 22"/>
-          <p:cNvSpPr/>
-          <p:nvPr/>
-        </p:nvSpPr>
-        <p:spPr>
-          <a:xfrm>
-            <a:off x="914400" y="3063240"/>
-            <a:ext cx="3200400" cy="274320"/>
-          </a:xfrm>
-          <a:prstGeom prst="rect">
-            <a:avLst/>
-          </a:prstGeom>
-          <a:noFill/>
-          <a:ln/>
-        </p:spPr>
-        <p:txBody>
-          <a:bodyPr wrap="square" rtlCol="0" anchor="ctr"/>
-          <a:lstStyle/>
-          <a:p>
-            <a:pPr indent="0" marL="0">
-              <a:buNone/>
-            </a:pPr>
-            <a:r>
-              <a:rPr lang="en-US" sz="1200" dirty="0">
-                <a:solidFill>
-                  <a:srgbClr val="E0E0E0"/>
-                </a:solidFill>
-              </a:rPr>
-              <a:t>Animal arrangement 3 (incorrect)</a:t>
-            </a:r>
-            <a:endParaRPr lang="en-US" sz="1200" dirty="0"/>
-          </a:p>
-        </p:txBody>
-      </p:sp>
-      <p:sp>
-        <p:nvSpPr>
-          <p:cNvPr id="25" name="Shape 23"/>
-          <p:cNvSpPr/>
-          <p:nvPr/>
-        </p:nvSpPr>
-        <p:spPr>
-          <a:xfrm>
-            <a:off x="1828800" y="3566160"/>
-            <a:ext cx="457200" cy="274320"/>
-          </a:xfrm>
-          <a:prstGeom prst="rect">
-            <a:avLst/>
-          </a:prstGeom>
-          <a:solidFill>
-            <a:srgbClr val="FF9999"/>
-          </a:solidFill>
-          <a:ln w="12700">
-            <a:solidFill>
-              <a:srgbClr val="000000"/>
-            </a:solidFill>
-            <a:prstDash val="solid"/>
-          </a:ln>
-        </p:spPr>
-      </p:sp>
-      <p:sp>
-        <p:nvSpPr>
-          <p:cNvPr id="26" name="Shape 24"/>
-          <p:cNvSpPr/>
-          <p:nvPr/>
-        </p:nvSpPr>
-        <p:spPr>
-          <a:xfrm>
-            <a:off x="1920240" y="3383280"/>
-            <a:ext cx="274320" cy="274320"/>
-          </a:xfrm>
-          <a:prstGeom prst="ellipse">
-            <a:avLst/>
-          </a:prstGeom>
-          <a:solidFill>
-            <a:srgbClr val="FF9999"/>
-          </a:solidFill>
-          <a:ln w="12700">
-            <a:solidFill>
-              <a:srgbClr val="000000"/>
-            </a:solidFill>
-            <a:prstDash val="solid"/>
-          </a:ln>
-        </p:spPr>
-      </p:sp>
-      <p:sp>
-        <p:nvSpPr>
-          <p:cNvPr id="27" name="Shape 25"/>
-          <p:cNvSpPr/>
-          <p:nvPr/>
-        </p:nvSpPr>
-        <p:spPr>
-          <a:xfrm>
-            <a:off x="1828800" y="3794760"/>
-            <a:ext cx="91440" cy="274320"/>
-          </a:xfrm>
-          <a:prstGeom prst="rect">
-            <a:avLst/>
-          </a:prstGeom>
-          <a:solidFill>
-            <a:srgbClr val="FF9999"/>
-          </a:solidFill>
-          <a:ln w="12700">
-            <a:solidFill>
-              <a:srgbClr val="000000"/>
-            </a:solidFill>
-            <a:prstDash val="solid"/>
-          </a:ln>
-        </p:spPr>
-      </p:sp>
-      <p:sp>
-        <p:nvSpPr>
-          <p:cNvPr id="28" name="Shape 26"/>
-          <p:cNvSpPr/>
-          <p:nvPr/>
-        </p:nvSpPr>
-        <p:spPr>
-          <a:xfrm>
-            <a:off x="2148840" y="3794760"/>
-            <a:ext cx="91440" cy="274320"/>
-          </a:xfrm>
-          <a:prstGeom prst="rect">
-            <a:avLst/>
-          </a:prstGeom>
-          <a:solidFill>
-            <a:srgbClr val="FF9999"/>
-          </a:solidFill>
-          <a:ln w="12700">
-            <a:solidFill>
-              <a:srgbClr val="000000"/>
-            </a:solidFill>
-            <a:prstDash val="solid"/>
-          </a:ln>
-        </p:spPr>
-      </p:sp>
-      <p:sp>
-        <p:nvSpPr>
-          <p:cNvPr id="29" name="Shape 27"/>
-          <p:cNvSpPr/>
-          <p:nvPr/>
-        </p:nvSpPr>
-        <p:spPr>
-          <a:xfrm>
-            <a:off x="4754880" y="2926080"/>
-            <a:ext cx="3840480" cy="1371600"/>
-          </a:xfrm>
-          <a:prstGeom prst="rect">
-            <a:avLst/>
-          </a:prstGeom>
-          <a:solidFill>
-            <a:srgbClr val="2A2A2A"/>
-          </a:solidFill>
-          <a:ln w="12700">
-            <a:solidFill>
-              <a:srgbClr val="555555"/>
-            </a:solidFill>
-            <a:prstDash val="solid"/>
-          </a:ln>
-        </p:spPr>
-      </p:sp>
-      <p:sp>
-        <p:nvSpPr>
-          <p:cNvPr id="30" name="Text 28"/>
-          <p:cNvSpPr/>
-          <p:nvPr/>
-        </p:nvSpPr>
-        <p:spPr>
-          <a:xfrm>
-            <a:off x="4846320" y="3017520"/>
-            <a:ext cx="274320" cy="274320"/>
-          </a:xfrm>
-          <a:prstGeom prst="rect">
-            <a:avLst/>
-          </a:prstGeom>
-          <a:solidFill>
-            <a:srgbClr val="FF9999"/>
-          </a:solidFill>
-          <a:ln/>
-        </p:spPr>
-        <p:txBody>
-          <a:bodyPr wrap="square" rtlCol="0" anchor="ctr"/>
-          <a:lstStyle/>
-          <a:p>
-            <a:pPr algn="ctr" indent="0" marL="0">
-              <a:buNone/>
-            </a:pPr>
-            <a:r>
-              <a:rPr lang="en-US" sz="1600" b="1" dirty="0">
-                <a:solidFill>
-                  <a:srgbClr val="FFFFFF"/>
-                </a:solidFill>
-              </a:rPr>
-              <a:t>D</a:t>
-            </a:r>
-            <a:endParaRPr lang="en-US" sz="1600" dirty="0"/>
-          </a:p>
-        </p:txBody>
-      </p:sp>
-      <p:sp>
-        <p:nvSpPr>
-          <p:cNvPr id="31" name="Text 29"/>
-          <p:cNvSpPr/>
-          <p:nvPr/>
-        </p:nvSpPr>
-        <p:spPr>
-          <a:xfrm>
-            <a:off x="5212080" y="3063240"/>
-            <a:ext cx="3200400" cy="274320"/>
-          </a:xfrm>
-          <a:prstGeom prst="rect">
-            <a:avLst/>
-          </a:prstGeom>
-          <a:noFill/>
-          <a:ln/>
-        </p:spPr>
-        <p:txBody>
-          <a:bodyPr wrap="square" rtlCol="0" anchor="ctr"/>
-          <a:lstStyle/>
-          <a:p>
-            <a:pPr indent="0" marL="0">
-              <a:buNone/>
-            </a:pPr>
-            <a:r>
-              <a:rPr lang="en-US" sz="1200" dirty="0">
-                <a:solidFill>
-                  <a:srgbClr val="E0E0E0"/>
-                </a:solidFill>
-              </a:rPr>
-              <a:t>Animal arrangement 4 (incorrect)</a:t>
-            </a:r>
-            <a:endParaRPr lang="en-US" sz="1200" dirty="0"/>
-          </a:p>
-        </p:txBody>
-      </p:sp>
-      <p:sp>
-        <p:nvSpPr>
-          <p:cNvPr id="32" name="Shape 30"/>
-          <p:cNvSpPr/>
-          <p:nvPr/>
-        </p:nvSpPr>
-        <p:spPr>
-          <a:xfrm>
-            <a:off x="6400800" y="3474720"/>
-            <a:ext cx="274320" cy="274320"/>
-          </a:xfrm>
-          <a:prstGeom prst="ellipse">
-            <a:avLst/>
-          </a:prstGeom>
-          <a:solidFill>
-            <a:srgbClr val="FF9999"/>
-          </a:solidFill>
-          <a:ln w="12700">
-            <a:solidFill>
-              <a:srgbClr val="000000"/>
-            </a:solidFill>
-            <a:prstDash val="solid"/>
-          </a:ln>
-        </p:spPr>
-      </p:sp>
-      <p:sp>
-        <p:nvSpPr>
-          <p:cNvPr id="33" name="Shape 31"/>
-          <p:cNvSpPr/>
-          <p:nvPr/>
-        </p:nvSpPr>
-        <p:spPr>
-          <a:xfrm>
-            <a:off x="6217920" y="3703320"/>
-            <a:ext cx="548640" cy="320040"/>
-          </a:xfrm>
-          <a:prstGeom prst="rect">
-            <a:avLst/>
-          </a:prstGeom>
-          <a:solidFill>
-            <a:srgbClr val="FF9999"/>
-          </a:solidFill>
-          <a:ln w="12700">
-            <a:solidFill>
-              <a:srgbClr val="000000"/>
-            </a:solidFill>
-            <a:prstDash val="solid"/>
-          </a:ln>
-        </p:spPr>
-      </p:sp>
-      <p:sp>
-        <p:nvSpPr>
-          <p:cNvPr id="34" name="Shape 32"/>
-          <p:cNvSpPr/>
-          <p:nvPr/>
-        </p:nvSpPr>
-        <p:spPr>
-          <a:xfrm>
-            <a:off x="6126480" y="3931920"/>
-            <a:ext cx="182880" cy="182880"/>
-          </a:xfrm>
-          <a:prstGeom prst="triangle">
-            <a:avLst/>
-          </a:prstGeom>
-          <a:solidFill>
-            <a:srgbClr val="FF9999"/>
-          </a:solidFill>
-          <a:ln w="12700">
-            <a:solidFill>
-              <a:srgbClr val="000000"/>
-            </a:solidFill>
-            <a:prstDash val="solid"/>
-          </a:ln>
-        </p:spPr>
-      </p:sp>
-      <p:sp>
-        <p:nvSpPr>
-          <p:cNvPr id="35" name="Shape 33">
+          <p:cNvPr id="16" name="Shape 14">
             <a:hlinkClick r:id="rId1" tooltip="" action="ppaction://hlinksldjump"/>
           </p:cNvPr>
           <p:cNvSpPr/>
@@ -13744,8 +14211,8 @@
         </p:nvSpPr>
         <p:spPr>
           <a:xfrm>
-            <a:off x="457200" y="1371600"/>
-            <a:ext cx="3840480" cy="1371600"/>
+            <a:off x="457200" y="1645920"/>
+            <a:ext cx="3840480" cy="1005840"/>
           </a:xfrm>
           <a:prstGeom prst="rect">
             <a:avLst/>
@@ -13765,7 +14232,7 @@
       </p:sp>
       <p:sp>
         <p:nvSpPr>
-          <p:cNvPr id="36" name="Shape 34">
+          <p:cNvPr id="17" name="Shape 15">
             <a:hlinkClick r:id="rId2" tooltip="" action="ppaction://hlinksldjump"/>
           </p:cNvPr>
           <p:cNvSpPr/>
@@ -13773,8 +14240,8 @@
         </p:nvSpPr>
         <p:spPr>
           <a:xfrm>
-            <a:off x="4754880" y="1371600"/>
-            <a:ext cx="3840480" cy="1371600"/>
+            <a:off x="4754880" y="1645920"/>
+            <a:ext cx="3840480" cy="1005840"/>
           </a:xfrm>
           <a:prstGeom prst="rect">
             <a:avLst/>
@@ -13794,7 +14261,7 @@
       </p:sp>
       <p:sp>
         <p:nvSpPr>
-          <p:cNvPr id="37" name="Shape 35">
+          <p:cNvPr id="18" name="Shape 16">
             <a:hlinkClick r:id="rId3" tooltip="" action="ppaction://hlinksldjump"/>
           </p:cNvPr>
           <p:cNvSpPr/>
@@ -13802,8 +14269,8 @@
         </p:nvSpPr>
         <p:spPr>
           <a:xfrm>
-            <a:off x="457200" y="2926080"/>
-            <a:ext cx="3840480" cy="1371600"/>
+            <a:off x="457200" y="2834640"/>
+            <a:ext cx="3840480" cy="1005840"/>
           </a:xfrm>
           <a:prstGeom prst="rect">
             <a:avLst/>
@@ -13823,7 +14290,7 @@
       </p:sp>
       <p:sp>
         <p:nvSpPr>
-          <p:cNvPr id="38" name="Shape 36">
+          <p:cNvPr id="19" name="Shape 17">
             <a:hlinkClick r:id="rId4" tooltip="" action="ppaction://hlinksldjump"/>
           </p:cNvPr>
           <p:cNvSpPr/>
@@ -13831,8 +14298,8 @@
         </p:nvSpPr>
         <p:spPr>
           <a:xfrm>
-            <a:off x="4754880" y="2926080"/>
-            <a:ext cx="3840480" cy="1371600"/>
+            <a:off x="4754880" y="2834640"/>
+            <a:ext cx="3840480" cy="1005840"/>
           </a:xfrm>
           <a:prstGeom prst="rect">
             <a:avLst/>
@@ -15007,7 +15474,7 @@
                   <a:srgbClr val="FFFFFF"/>
                 </a:solidFill>
               </a:rPr>
-              <a:t>Q2 - Answer</a:t>
+              <a:t>Q15 - Answer</a:t>
             </a:r>
             <a:endParaRPr lang="en-US" sz="2000" dirty="0"/>
           </a:p>
@@ -15057,18 +15524,18 @@
         </p:nvSpPr>
         <p:spPr>
           <a:xfrm>
-            <a:off x="457200" y="1371600"/>
-            <a:ext cx="3840480" cy="1371600"/>
-          </a:xfrm>
-          <a:prstGeom prst="rect">
-            <a:avLst/>
-          </a:prstGeom>
-          <a:solidFill>
-            <a:srgbClr val="2A2A2A"/>
-          </a:solidFill>
-          <a:ln w="12700">
-            <a:solidFill>
-              <a:srgbClr val="555555"/>
+            <a:off x="457200" y="2834640"/>
+            <a:ext cx="3840480" cy="1005840"/>
+          </a:xfrm>
+          <a:prstGeom prst="rect">
+            <a:avLst/>
+          </a:prstGeom>
+          <a:solidFill>
+            <a:srgbClr val="1A4D2E"/>
+          </a:solidFill>
+          <a:ln w="38100">
+            <a:solidFill>
+              <a:srgbClr val="2ECC71"/>
             </a:solidFill>
             <a:prstDash val="solid"/>
           </a:ln>
@@ -15082,14 +15549,14 @@
         </p:nvSpPr>
         <p:spPr>
           <a:xfrm>
-            <a:off x="548640" y="1463040"/>
+            <a:off x="548640" y="2926080"/>
             <a:ext cx="274320" cy="274320"/>
           </a:xfrm>
           <a:prstGeom prst="rect">
             <a:avLst/>
           </a:prstGeom>
           <a:solidFill>
-            <a:srgbClr val="FF9999"/>
+            <a:srgbClr val="2ECC71"/>
           </a:solidFill>
           <a:ln/>
         </p:spPr>
@@ -15106,7 +15573,7 @@
                   <a:srgbClr val="FFFFFF"/>
                 </a:solidFill>
               </a:rPr>
-              <a:t>A</a:t>
+              <a:t>C</a:t>
             </a:r>
             <a:endParaRPr lang="en-US" sz="1600" dirty="0"/>
           </a:p>
@@ -15120,8 +15587,8 @@
         </p:nvSpPr>
         <p:spPr>
           <a:xfrm>
-            <a:off x="914400" y="1508760"/>
-            <a:ext cx="3200400" cy="274320"/>
+            <a:off x="914400" y="3200400"/>
+            <a:ext cx="3200400" cy="457200"/>
           </a:xfrm>
           <a:prstGeom prst="rect">
             <a:avLst/>
@@ -15133,16 +15600,16 @@
           <a:bodyPr wrap="square" rtlCol="0" anchor="ctr"/>
           <a:lstStyle/>
           <a:p>
-            <a:pPr indent="0" marL="0">
-              <a:buNone/>
-            </a:pPr>
-            <a:r>
-              <a:rPr lang="en-US" sz="1200" dirty="0">
-                <a:solidFill>
-                  <a:srgbClr val="888888"/>
-                </a:solidFill>
-              </a:rPr>
-              <a:t>Animal arrangement 1 (incorrect)</a:t>
+            <a:pPr algn="ctr" indent="0" marL="0">
+              <a:buNone/>
+            </a:pPr>
+            <a:r>
+              <a:rPr lang="en-US" sz="1200" b="1" dirty="0">
+                <a:solidFill>
+                  <a:srgbClr val="2ECC71"/>
+                </a:solidFill>
+              </a:rPr>
+              <a:t>✓ Animal arrangement 3 (Correct)</a:t>
             </a:r>
             <a:endParaRPr lang="en-US" sz="1200" dirty="0"/>
           </a:p>
@@ -15151,503 +15618,6 @@
       <p:sp>
         <p:nvSpPr>
           <p:cNvPr id="7" name="Shape 5"/>
-          <p:cNvSpPr/>
-          <p:nvPr/>
-        </p:nvSpPr>
-        <p:spPr>
-          <a:xfrm>
-            <a:off x="4754880" y="1371600"/>
-            <a:ext cx="3840480" cy="1371600"/>
-          </a:xfrm>
-          <a:prstGeom prst="rect">
-            <a:avLst/>
-          </a:prstGeom>
-          <a:solidFill>
-            <a:srgbClr val="1A4D2E"/>
-          </a:solidFill>
-          <a:ln w="38100">
-            <a:solidFill>
-              <a:srgbClr val="2ECC71"/>
-            </a:solidFill>
-            <a:prstDash val="solid"/>
-          </a:ln>
-        </p:spPr>
-      </p:sp>
-      <p:sp>
-        <p:nvSpPr>
-          <p:cNvPr id="8" name="Text 6"/>
-          <p:cNvSpPr/>
-          <p:nvPr/>
-        </p:nvSpPr>
-        <p:spPr>
-          <a:xfrm>
-            <a:off x="4846320" y="1463040"/>
-            <a:ext cx="274320" cy="274320"/>
-          </a:xfrm>
-          <a:prstGeom prst="rect">
-            <a:avLst/>
-          </a:prstGeom>
-          <a:solidFill>
-            <a:srgbClr val="2ECC71"/>
-          </a:solidFill>
-          <a:ln/>
-        </p:spPr>
-        <p:txBody>
-          <a:bodyPr wrap="square" rtlCol="0" anchor="ctr"/>
-          <a:lstStyle/>
-          <a:p>
-            <a:pPr algn="ctr" indent="0" marL="0">
-              <a:buNone/>
-            </a:pPr>
-            <a:r>
-              <a:rPr lang="en-US" sz="1600" b="1" dirty="0">
-                <a:solidFill>
-                  <a:srgbClr val="FFFFFF"/>
-                </a:solidFill>
-              </a:rPr>
-              <a:t>B</a:t>
-            </a:r>
-            <a:endParaRPr lang="en-US" sz="1600" dirty="0"/>
-          </a:p>
-        </p:txBody>
-      </p:sp>
-      <p:sp>
-        <p:nvSpPr>
-          <p:cNvPr id="9" name="Text 7"/>
-          <p:cNvSpPr/>
-          <p:nvPr/>
-        </p:nvSpPr>
-        <p:spPr>
-          <a:xfrm>
-            <a:off x="5212080" y="1508760"/>
-            <a:ext cx="3200400" cy="274320"/>
-          </a:xfrm>
-          <a:prstGeom prst="rect">
-            <a:avLst/>
-          </a:prstGeom>
-          <a:noFill/>
-          <a:ln/>
-        </p:spPr>
-        <p:txBody>
-          <a:bodyPr wrap="square" rtlCol="0" anchor="ctr"/>
-          <a:lstStyle/>
-          <a:p>
-            <a:pPr indent="0" marL="0">
-              <a:buNone/>
-            </a:pPr>
-            <a:r>
-              <a:rPr lang="en-US" sz="1200" b="1" dirty="0">
-                <a:solidFill>
-                  <a:srgbClr val="2ECC71"/>
-                </a:solidFill>
-              </a:rPr>
-              <a:t>✓ Animal arrangement 2 (Correct)</a:t>
-            </a:r>
-            <a:endParaRPr lang="en-US" sz="1200" dirty="0"/>
-          </a:p>
-        </p:txBody>
-      </p:sp>
-      <p:sp>
-        <p:nvSpPr>
-          <p:cNvPr id="10" name="Shape 8"/>
-          <p:cNvSpPr/>
-          <p:nvPr/>
-        </p:nvSpPr>
-        <p:spPr>
-          <a:xfrm>
-            <a:off x="6080760" y="1828800"/>
-            <a:ext cx="320040" cy="320040"/>
-          </a:xfrm>
-          <a:prstGeom prst="ellipse">
-            <a:avLst/>
-          </a:prstGeom>
-          <a:solidFill>
-            <a:srgbClr val="66B3FF"/>
-          </a:solidFill>
-          <a:ln w="12700">
-            <a:solidFill>
-              <a:srgbClr val="000000"/>
-            </a:solidFill>
-            <a:prstDash val="solid"/>
-          </a:ln>
-        </p:spPr>
-      </p:sp>
-      <p:sp>
-        <p:nvSpPr>
-          <p:cNvPr id="11" name="Shape 9"/>
-          <p:cNvSpPr/>
-          <p:nvPr/>
-        </p:nvSpPr>
-        <p:spPr>
-          <a:xfrm>
-            <a:off x="6053328" y="1755648"/>
-            <a:ext cx="137160" cy="137160"/>
-          </a:xfrm>
-          <a:prstGeom prst="triangle">
-            <a:avLst/>
-          </a:prstGeom>
-          <a:solidFill>
-            <a:srgbClr val="66B3FF"/>
-          </a:solidFill>
-          <a:ln w="12700">
-            <a:solidFill>
-              <a:srgbClr val="000000"/>
-            </a:solidFill>
-            <a:prstDash val="solid"/>
-          </a:ln>
-        </p:spPr>
-      </p:sp>
-      <p:sp>
-        <p:nvSpPr>
-          <p:cNvPr id="12" name="Shape 10"/>
-          <p:cNvSpPr/>
-          <p:nvPr/>
-        </p:nvSpPr>
-        <p:spPr>
-          <a:xfrm>
-            <a:off x="6199632" y="1755648"/>
-            <a:ext cx="137160" cy="137160"/>
-          </a:xfrm>
-          <a:prstGeom prst="triangle">
-            <a:avLst/>
-          </a:prstGeom>
-          <a:solidFill>
-            <a:srgbClr val="66B3FF"/>
-          </a:solidFill>
-          <a:ln w="12700">
-            <a:solidFill>
-              <a:srgbClr val="000000"/>
-            </a:solidFill>
-            <a:prstDash val="solid"/>
-          </a:ln>
-        </p:spPr>
-      </p:sp>
-      <p:sp>
-        <p:nvSpPr>
-          <p:cNvPr id="13" name="Shape 11"/>
-          <p:cNvSpPr/>
-          <p:nvPr/>
-        </p:nvSpPr>
-        <p:spPr>
-          <a:xfrm>
-            <a:off x="5943600" y="2084832"/>
-            <a:ext cx="548640" cy="320040"/>
-          </a:xfrm>
-          <a:prstGeom prst="rect">
-            <a:avLst/>
-          </a:prstGeom>
-          <a:solidFill>
-            <a:srgbClr val="66B3FF"/>
-          </a:solidFill>
-          <a:ln w="12700">
-            <a:solidFill>
-              <a:srgbClr val="000000"/>
-            </a:solidFill>
-            <a:prstDash val="solid"/>
-          </a:ln>
-        </p:spPr>
-      </p:sp>
-      <p:sp>
-        <p:nvSpPr>
-          <p:cNvPr id="14" name="Shape 12"/>
-          <p:cNvSpPr/>
-          <p:nvPr/>
-        </p:nvSpPr>
-        <p:spPr>
-          <a:xfrm>
-            <a:off x="5989320" y="2377440"/>
-            <a:ext cx="91440" cy="274320"/>
-          </a:xfrm>
-          <a:prstGeom prst="rect">
-            <a:avLst/>
-          </a:prstGeom>
-          <a:solidFill>
-            <a:srgbClr val="66B3FF"/>
-          </a:solidFill>
-          <a:ln w="12700">
-            <a:solidFill>
-              <a:srgbClr val="000000"/>
-            </a:solidFill>
-            <a:prstDash val="solid"/>
-          </a:ln>
-        </p:spPr>
-      </p:sp>
-      <p:sp>
-        <p:nvSpPr>
-          <p:cNvPr id="15" name="Shape 13"/>
-          <p:cNvSpPr/>
-          <p:nvPr/>
-        </p:nvSpPr>
-        <p:spPr>
-          <a:xfrm>
-            <a:off x="6126480" y="2377440"/>
-            <a:ext cx="91440" cy="274320"/>
-          </a:xfrm>
-          <a:prstGeom prst="rect">
-            <a:avLst/>
-          </a:prstGeom>
-          <a:solidFill>
-            <a:srgbClr val="66B3FF"/>
-          </a:solidFill>
-          <a:ln w="12700">
-            <a:solidFill>
-              <a:srgbClr val="000000"/>
-            </a:solidFill>
-            <a:prstDash val="solid"/>
-          </a:ln>
-        </p:spPr>
-      </p:sp>
-      <p:sp>
-        <p:nvSpPr>
-          <p:cNvPr id="16" name="Shape 14"/>
-          <p:cNvSpPr/>
-          <p:nvPr/>
-        </p:nvSpPr>
-        <p:spPr>
-          <a:xfrm>
-            <a:off x="6217920" y="2377440"/>
-            <a:ext cx="91440" cy="274320"/>
-          </a:xfrm>
-          <a:prstGeom prst="rect">
-            <a:avLst/>
-          </a:prstGeom>
-          <a:solidFill>
-            <a:srgbClr val="66B3FF"/>
-          </a:solidFill>
-          <a:ln w="12700">
-            <a:solidFill>
-              <a:srgbClr val="000000"/>
-            </a:solidFill>
-            <a:prstDash val="solid"/>
-          </a:ln>
-        </p:spPr>
-      </p:sp>
-      <p:sp>
-        <p:nvSpPr>
-          <p:cNvPr id="17" name="Shape 15"/>
-          <p:cNvSpPr/>
-          <p:nvPr/>
-        </p:nvSpPr>
-        <p:spPr>
-          <a:xfrm>
-            <a:off x="6355080" y="2377440"/>
-            <a:ext cx="91440" cy="274320"/>
-          </a:xfrm>
-          <a:prstGeom prst="rect">
-            <a:avLst/>
-          </a:prstGeom>
-          <a:solidFill>
-            <a:srgbClr val="66B3FF"/>
-          </a:solidFill>
-          <a:ln w="12700">
-            <a:solidFill>
-              <a:srgbClr val="000000"/>
-            </a:solidFill>
-            <a:prstDash val="solid"/>
-          </a:ln>
-        </p:spPr>
-      </p:sp>
-      <p:sp>
-        <p:nvSpPr>
-          <p:cNvPr id="18" name="Shape 16"/>
-          <p:cNvSpPr/>
-          <p:nvPr/>
-        </p:nvSpPr>
-        <p:spPr>
-          <a:xfrm>
-            <a:off x="457200" y="2926080"/>
-            <a:ext cx="3840480" cy="1371600"/>
-          </a:xfrm>
-          <a:prstGeom prst="rect">
-            <a:avLst/>
-          </a:prstGeom>
-          <a:solidFill>
-            <a:srgbClr val="2A2A2A"/>
-          </a:solidFill>
-          <a:ln w="12700">
-            <a:solidFill>
-              <a:srgbClr val="555555"/>
-            </a:solidFill>
-            <a:prstDash val="solid"/>
-          </a:ln>
-        </p:spPr>
-      </p:sp>
-      <p:sp>
-        <p:nvSpPr>
-          <p:cNvPr id="19" name="Text 17"/>
-          <p:cNvSpPr/>
-          <p:nvPr/>
-        </p:nvSpPr>
-        <p:spPr>
-          <a:xfrm>
-            <a:off x="548640" y="3017520"/>
-            <a:ext cx="274320" cy="274320"/>
-          </a:xfrm>
-          <a:prstGeom prst="rect">
-            <a:avLst/>
-          </a:prstGeom>
-          <a:solidFill>
-            <a:srgbClr val="FF9999"/>
-          </a:solidFill>
-          <a:ln/>
-        </p:spPr>
-        <p:txBody>
-          <a:bodyPr wrap="square" rtlCol="0" anchor="ctr"/>
-          <a:lstStyle/>
-          <a:p>
-            <a:pPr algn="ctr" indent="0" marL="0">
-              <a:buNone/>
-            </a:pPr>
-            <a:r>
-              <a:rPr lang="en-US" sz="1600" b="1" dirty="0">
-                <a:solidFill>
-                  <a:srgbClr val="FFFFFF"/>
-                </a:solidFill>
-              </a:rPr>
-              <a:t>C</a:t>
-            </a:r>
-            <a:endParaRPr lang="en-US" sz="1600" dirty="0"/>
-          </a:p>
-        </p:txBody>
-      </p:sp>
-      <p:sp>
-        <p:nvSpPr>
-          <p:cNvPr id="20" name="Text 18"/>
-          <p:cNvSpPr/>
-          <p:nvPr/>
-        </p:nvSpPr>
-        <p:spPr>
-          <a:xfrm>
-            <a:off x="914400" y="3063240"/>
-            <a:ext cx="3200400" cy="274320"/>
-          </a:xfrm>
-          <a:prstGeom prst="rect">
-            <a:avLst/>
-          </a:prstGeom>
-          <a:noFill/>
-          <a:ln/>
-        </p:spPr>
-        <p:txBody>
-          <a:bodyPr wrap="square" rtlCol="0" anchor="ctr"/>
-          <a:lstStyle/>
-          <a:p>
-            <a:pPr indent="0" marL="0">
-              <a:buNone/>
-            </a:pPr>
-            <a:r>
-              <a:rPr lang="en-US" sz="1200" dirty="0">
-                <a:solidFill>
-                  <a:srgbClr val="888888"/>
-                </a:solidFill>
-              </a:rPr>
-              <a:t>Animal arrangement 3 (incorrect)</a:t>
-            </a:r>
-            <a:endParaRPr lang="en-US" sz="1200" dirty="0"/>
-          </a:p>
-        </p:txBody>
-      </p:sp>
-      <p:sp>
-        <p:nvSpPr>
-          <p:cNvPr id="21" name="Shape 19"/>
-          <p:cNvSpPr/>
-          <p:nvPr/>
-        </p:nvSpPr>
-        <p:spPr>
-          <a:xfrm>
-            <a:off x="4754880" y="2926080"/>
-            <a:ext cx="3840480" cy="1371600"/>
-          </a:xfrm>
-          <a:prstGeom prst="rect">
-            <a:avLst/>
-          </a:prstGeom>
-          <a:solidFill>
-            <a:srgbClr val="2A2A2A"/>
-          </a:solidFill>
-          <a:ln w="12700">
-            <a:solidFill>
-              <a:srgbClr val="555555"/>
-            </a:solidFill>
-            <a:prstDash val="solid"/>
-          </a:ln>
-        </p:spPr>
-      </p:sp>
-      <p:sp>
-        <p:nvSpPr>
-          <p:cNvPr id="22" name="Text 20"/>
-          <p:cNvSpPr/>
-          <p:nvPr/>
-        </p:nvSpPr>
-        <p:spPr>
-          <a:xfrm>
-            <a:off x="4846320" y="3017520"/>
-            <a:ext cx="274320" cy="274320"/>
-          </a:xfrm>
-          <a:prstGeom prst="rect">
-            <a:avLst/>
-          </a:prstGeom>
-          <a:solidFill>
-            <a:srgbClr val="FF9999"/>
-          </a:solidFill>
-          <a:ln/>
-        </p:spPr>
-        <p:txBody>
-          <a:bodyPr wrap="square" rtlCol="0" anchor="ctr"/>
-          <a:lstStyle/>
-          <a:p>
-            <a:pPr algn="ctr" indent="0" marL="0">
-              <a:buNone/>
-            </a:pPr>
-            <a:r>
-              <a:rPr lang="en-US" sz="1600" b="1" dirty="0">
-                <a:solidFill>
-                  <a:srgbClr val="FFFFFF"/>
-                </a:solidFill>
-              </a:rPr>
-              <a:t>D</a:t>
-            </a:r>
-            <a:endParaRPr lang="en-US" sz="1600" dirty="0"/>
-          </a:p>
-        </p:txBody>
-      </p:sp>
-      <p:sp>
-        <p:nvSpPr>
-          <p:cNvPr id="23" name="Text 21"/>
-          <p:cNvSpPr/>
-          <p:nvPr/>
-        </p:nvSpPr>
-        <p:spPr>
-          <a:xfrm>
-            <a:off x="5212080" y="3063240"/>
-            <a:ext cx="3200400" cy="274320"/>
-          </a:xfrm>
-          <a:prstGeom prst="rect">
-            <a:avLst/>
-          </a:prstGeom>
-          <a:noFill/>
-          <a:ln/>
-        </p:spPr>
-        <p:txBody>
-          <a:bodyPr wrap="square" rtlCol="0" anchor="ctr"/>
-          <a:lstStyle/>
-          <a:p>
-            <a:pPr indent="0" marL="0">
-              <a:buNone/>
-            </a:pPr>
-            <a:r>
-              <a:rPr lang="en-US" sz="1200" dirty="0">
-                <a:solidFill>
-                  <a:srgbClr val="888888"/>
-                </a:solidFill>
-              </a:rPr>
-              <a:t>Animal arrangement 4 (incorrect)</a:t>
-            </a:r>
-            <a:endParaRPr lang="en-US" sz="1200" dirty="0"/>
-          </a:p>
-        </p:txBody>
-      </p:sp>
-      <p:sp>
-        <p:nvSpPr>
-          <p:cNvPr id="24" name="Shape 22"/>
           <p:cNvSpPr/>
           <p:nvPr/>
         </p:nvSpPr>
@@ -15672,7 +15642,7 @@
       </p:sp>
       <p:sp>
         <p:nvSpPr>
-          <p:cNvPr id="25" name="Text 23">
+          <p:cNvPr id="8" name="Text 6">
             <a:hlinkClick r:id="rId1" tooltip="" action="ppaction://hlinksldjump"/>
           </p:cNvPr>
           <p:cNvSpPr/>
@@ -18263,14 +18233,275 @@
       </p:sp>
       <p:sp>
         <p:nvSpPr>
-          <p:cNvPr id="4" name="Shape 2"/>
-          <p:cNvSpPr/>
-          <p:nvPr/>
-        </p:nvSpPr>
-        <p:spPr>
-          <a:xfrm>
-            <a:off x="457200" y="1645920"/>
-            <a:ext cx="3840480" cy="914400"/>
+          <p:cNvPr id="4" name="Text 2"/>
+          <p:cNvSpPr/>
+          <p:nvPr/>
+        </p:nvSpPr>
+        <p:spPr>
+          <a:xfrm>
+            <a:off x="914400" y="822960"/>
+            <a:ext cx="1828800" cy="274320"/>
+          </a:xfrm>
+          <a:prstGeom prst="rect">
+            <a:avLst/>
+          </a:prstGeom>
+          <a:noFill/>
+          <a:ln/>
+        </p:spPr>
+        <p:txBody>
+          <a:bodyPr wrap="square" rtlCol="0" anchor="ctr"/>
+          <a:lstStyle/>
+          <a:p>
+            <a:pPr indent="0" marL="0">
+              <a:buNone/>
+            </a:pPr>
+            <a:r>
+              <a:rPr lang="en-US" sz="1400" i="1" dirty="0">
+                <a:solidFill>
+                  <a:srgbClr val="E0E0E0"/>
+                </a:solidFill>
+              </a:rPr>
+              <a:t>Given shapes:</a:t>
+            </a:r>
+            <a:endParaRPr lang="en-US" sz="1400" dirty="0"/>
+          </a:p>
+        </p:txBody>
+      </p:sp>
+      <p:sp>
+        <p:nvSpPr>
+          <p:cNvPr id="5" name="Shape 3"/>
+          <p:cNvSpPr/>
+          <p:nvPr/>
+        </p:nvSpPr>
+        <p:spPr>
+          <a:xfrm>
+            <a:off x="914400" y="1216152"/>
+            <a:ext cx="411480" cy="411480"/>
+          </a:xfrm>
+          <a:prstGeom prst="rect">
+            <a:avLst/>
+          </a:prstGeom>
+          <a:solidFill>
+            <a:srgbClr val="66B3FF"/>
+          </a:solidFill>
+          <a:ln w="12700">
+            <a:solidFill>
+              <a:srgbClr val="000000"/>
+            </a:solidFill>
+            <a:prstDash val="solid"/>
+          </a:ln>
+        </p:spPr>
+      </p:sp>
+      <p:sp>
+        <p:nvSpPr>
+          <p:cNvPr id="6" name="Shape 4"/>
+          <p:cNvSpPr/>
+          <p:nvPr/>
+        </p:nvSpPr>
+        <p:spPr>
+          <a:xfrm>
+            <a:off x="1078992" y="1051560"/>
+            <a:ext cx="411480" cy="164592"/>
+          </a:xfrm>
+          <a:prstGeom prst="rect">
+            <a:avLst/>
+          </a:prstGeom>
+          <a:solidFill>
+            <a:srgbClr val="99E6FF"/>
+          </a:solidFill>
+          <a:ln w="12700">
+            <a:solidFill>
+              <a:srgbClr val="000000"/>
+            </a:solidFill>
+            <a:prstDash val="solid"/>
+          </a:ln>
+        </p:spPr>
+      </p:sp>
+      <p:sp>
+        <p:nvSpPr>
+          <p:cNvPr id="7" name="Shape 5"/>
+          <p:cNvSpPr/>
+          <p:nvPr/>
+        </p:nvSpPr>
+        <p:spPr>
+          <a:xfrm>
+            <a:off x="1325880" y="1216152"/>
+            <a:ext cx="164592" cy="411480"/>
+          </a:xfrm>
+          <a:prstGeom prst="rect">
+            <a:avLst/>
+          </a:prstGeom>
+          <a:solidFill>
+            <a:srgbClr val="3380CC"/>
+          </a:solidFill>
+          <a:ln w="12700">
+            <a:solidFill>
+              <a:srgbClr val="000000"/>
+            </a:solidFill>
+            <a:prstDash val="solid"/>
+          </a:ln>
+        </p:spPr>
+      </p:sp>
+      <p:sp>
+        <p:nvSpPr>
+          <p:cNvPr id="8" name="Shape 6"/>
+          <p:cNvSpPr/>
+          <p:nvPr/>
+        </p:nvSpPr>
+        <p:spPr>
+          <a:xfrm>
+            <a:off x="1554480" y="1216152"/>
+            <a:ext cx="411480" cy="411480"/>
+          </a:xfrm>
+          <a:prstGeom prst="rect">
+            <a:avLst/>
+          </a:prstGeom>
+          <a:solidFill>
+            <a:srgbClr val="66B3FF"/>
+          </a:solidFill>
+          <a:ln w="12700">
+            <a:solidFill>
+              <a:srgbClr val="000000"/>
+            </a:solidFill>
+            <a:prstDash val="solid"/>
+          </a:ln>
+        </p:spPr>
+      </p:sp>
+      <p:sp>
+        <p:nvSpPr>
+          <p:cNvPr id="9" name="Shape 7"/>
+          <p:cNvSpPr/>
+          <p:nvPr/>
+        </p:nvSpPr>
+        <p:spPr>
+          <a:xfrm>
+            <a:off x="1719072" y="1051560"/>
+            <a:ext cx="411480" cy="164592"/>
+          </a:xfrm>
+          <a:prstGeom prst="rect">
+            <a:avLst/>
+          </a:prstGeom>
+          <a:solidFill>
+            <a:srgbClr val="99E6FF"/>
+          </a:solidFill>
+          <a:ln w="12700">
+            <a:solidFill>
+              <a:srgbClr val="000000"/>
+            </a:solidFill>
+            <a:prstDash val="solid"/>
+          </a:ln>
+        </p:spPr>
+      </p:sp>
+      <p:sp>
+        <p:nvSpPr>
+          <p:cNvPr id="10" name="Shape 8"/>
+          <p:cNvSpPr/>
+          <p:nvPr/>
+        </p:nvSpPr>
+        <p:spPr>
+          <a:xfrm>
+            <a:off x="1965960" y="1216152"/>
+            <a:ext cx="164592" cy="411480"/>
+          </a:xfrm>
+          <a:prstGeom prst="rect">
+            <a:avLst/>
+          </a:prstGeom>
+          <a:solidFill>
+            <a:srgbClr val="3380CC"/>
+          </a:solidFill>
+          <a:ln w="12700">
+            <a:solidFill>
+              <a:srgbClr val="000000"/>
+            </a:solidFill>
+            <a:prstDash val="solid"/>
+          </a:ln>
+        </p:spPr>
+      </p:sp>
+      <p:sp>
+        <p:nvSpPr>
+          <p:cNvPr id="11" name="Shape 9"/>
+          <p:cNvSpPr/>
+          <p:nvPr/>
+        </p:nvSpPr>
+        <p:spPr>
+          <a:xfrm>
+            <a:off x="2194560" y="1216152"/>
+            <a:ext cx="411480" cy="411480"/>
+          </a:xfrm>
+          <a:prstGeom prst="rect">
+            <a:avLst/>
+          </a:prstGeom>
+          <a:solidFill>
+            <a:srgbClr val="66B3FF"/>
+          </a:solidFill>
+          <a:ln w="12700">
+            <a:solidFill>
+              <a:srgbClr val="000000"/>
+            </a:solidFill>
+            <a:prstDash val="solid"/>
+          </a:ln>
+        </p:spPr>
+      </p:sp>
+      <p:sp>
+        <p:nvSpPr>
+          <p:cNvPr id="12" name="Shape 10"/>
+          <p:cNvSpPr/>
+          <p:nvPr/>
+        </p:nvSpPr>
+        <p:spPr>
+          <a:xfrm>
+            <a:off x="2359152" y="1051560"/>
+            <a:ext cx="411480" cy="164592"/>
+          </a:xfrm>
+          <a:prstGeom prst="rect">
+            <a:avLst/>
+          </a:prstGeom>
+          <a:solidFill>
+            <a:srgbClr val="99E6FF"/>
+          </a:solidFill>
+          <a:ln w="12700">
+            <a:solidFill>
+              <a:srgbClr val="000000"/>
+            </a:solidFill>
+            <a:prstDash val="solid"/>
+          </a:ln>
+        </p:spPr>
+      </p:sp>
+      <p:sp>
+        <p:nvSpPr>
+          <p:cNvPr id="13" name="Shape 11"/>
+          <p:cNvSpPr/>
+          <p:nvPr/>
+        </p:nvSpPr>
+        <p:spPr>
+          <a:xfrm>
+            <a:off x="2606040" y="1216152"/>
+            <a:ext cx="164592" cy="411480"/>
+          </a:xfrm>
+          <a:prstGeom prst="rect">
+            <a:avLst/>
+          </a:prstGeom>
+          <a:solidFill>
+            <a:srgbClr val="3380CC"/>
+          </a:solidFill>
+          <a:ln w="12700">
+            <a:solidFill>
+              <a:srgbClr val="000000"/>
+            </a:solidFill>
+            <a:prstDash val="solid"/>
+          </a:ln>
+        </p:spPr>
+      </p:sp>
+      <p:sp>
+        <p:nvSpPr>
+          <p:cNvPr id="14" name="Shape 12"/>
+          <p:cNvSpPr/>
+          <p:nvPr/>
+        </p:nvSpPr>
+        <p:spPr>
+          <a:xfrm>
+            <a:off x="457200" y="2011680"/>
+            <a:ext cx="3840480" cy="1188720"/>
           </a:xfrm>
           <a:prstGeom prst="rect">
             <a:avLst/>
@@ -18288,13 +18519,13 @@
       </p:sp>
       <p:sp>
         <p:nvSpPr>
-          <p:cNvPr id="5" name="Text 3"/>
-          <p:cNvSpPr/>
-          <p:nvPr/>
-        </p:nvSpPr>
-        <p:spPr>
-          <a:xfrm>
-            <a:off x="548640" y="1737360"/>
+          <p:cNvPr id="15" name="Text 13"/>
+          <p:cNvSpPr/>
+          <p:nvPr/>
+        </p:nvSpPr>
+        <p:spPr>
+          <a:xfrm>
+            <a:off x="548640" y="2103120"/>
             <a:ext cx="274320" cy="274320"/>
           </a:xfrm>
           <a:prstGeom prst="rect">
@@ -18326,13 +18557,13 @@
       </p:sp>
       <p:sp>
         <p:nvSpPr>
-          <p:cNvPr id="6" name="Text 4"/>
-          <p:cNvSpPr/>
-          <p:nvPr/>
-        </p:nvSpPr>
-        <p:spPr>
-          <a:xfrm>
-            <a:off x="914400" y="1783080"/>
+          <p:cNvPr id="16" name="Text 14"/>
+          <p:cNvSpPr/>
+          <p:nvPr/>
+        </p:nvSpPr>
+        <p:spPr>
+          <a:xfrm>
+            <a:off x="914400" y="2148840"/>
             <a:ext cx="3200400" cy="274320"/>
           </a:xfrm>
           <a:prstGeom prst="rect">
@@ -18362,13 +18593,13 @@
       </p:sp>
       <p:sp>
         <p:nvSpPr>
-          <p:cNvPr id="7" name="Shape 5"/>
-          <p:cNvSpPr/>
-          <p:nvPr/>
-        </p:nvSpPr>
-        <p:spPr>
-          <a:xfrm>
-            <a:off x="1828800" y="2194560"/>
+          <p:cNvPr id="17" name="Shape 15"/>
+          <p:cNvSpPr/>
+          <p:nvPr/>
+        </p:nvSpPr>
+        <p:spPr>
+          <a:xfrm>
+            <a:off x="1828800" y="2560320"/>
             <a:ext cx="457200" cy="457200"/>
           </a:xfrm>
           <a:prstGeom prst="rect">
@@ -18387,13 +18618,13 @@
       </p:sp>
       <p:sp>
         <p:nvSpPr>
-          <p:cNvPr id="8" name="Shape 6"/>
-          <p:cNvSpPr/>
-          <p:nvPr/>
-        </p:nvSpPr>
-        <p:spPr>
-          <a:xfrm>
-            <a:off x="2011680" y="2011680"/>
+          <p:cNvPr id="18" name="Shape 16"/>
+          <p:cNvSpPr/>
+          <p:nvPr/>
+        </p:nvSpPr>
+        <p:spPr>
+          <a:xfrm>
+            <a:off x="2011680" y="2377440"/>
             <a:ext cx="457200" cy="182880"/>
           </a:xfrm>
           <a:prstGeom prst="rect">
@@ -18412,13 +18643,13 @@
       </p:sp>
       <p:sp>
         <p:nvSpPr>
-          <p:cNvPr id="9" name="Shape 7"/>
-          <p:cNvSpPr/>
-          <p:nvPr/>
-        </p:nvSpPr>
-        <p:spPr>
-          <a:xfrm>
-            <a:off x="2286000" y="2194560"/>
+          <p:cNvPr id="19" name="Shape 17"/>
+          <p:cNvSpPr/>
+          <p:nvPr/>
+        </p:nvSpPr>
+        <p:spPr>
+          <a:xfrm>
+            <a:off x="2286000" y="2560320"/>
             <a:ext cx="182880" cy="457200"/>
           </a:xfrm>
           <a:prstGeom prst="rect">
@@ -18437,14 +18668,14 @@
       </p:sp>
       <p:sp>
         <p:nvSpPr>
-          <p:cNvPr id="10" name="Shape 8"/>
-          <p:cNvSpPr/>
-          <p:nvPr/>
-        </p:nvSpPr>
-        <p:spPr>
-          <a:xfrm>
-            <a:off x="4754880" y="1645920"/>
-            <a:ext cx="3840480" cy="914400"/>
+          <p:cNvPr id="20" name="Shape 18"/>
+          <p:cNvSpPr/>
+          <p:nvPr/>
+        </p:nvSpPr>
+        <p:spPr>
+          <a:xfrm>
+            <a:off x="4754880" y="2011680"/>
+            <a:ext cx="3840480" cy="1188720"/>
           </a:xfrm>
           <a:prstGeom prst="rect">
             <a:avLst/>
@@ -18462,13 +18693,13 @@
       </p:sp>
       <p:sp>
         <p:nvSpPr>
-          <p:cNvPr id="11" name="Text 9"/>
-          <p:cNvSpPr/>
-          <p:nvPr/>
-        </p:nvSpPr>
-        <p:spPr>
-          <a:xfrm>
-            <a:off x="4846320" y="1737360"/>
+          <p:cNvPr id="21" name="Text 19"/>
+          <p:cNvSpPr/>
+          <p:nvPr/>
+        </p:nvSpPr>
+        <p:spPr>
+          <a:xfrm>
+            <a:off x="4846320" y="2103120"/>
             <a:ext cx="274320" cy="274320"/>
           </a:xfrm>
           <a:prstGeom prst="rect">
@@ -18500,13 +18731,13 @@
       </p:sp>
       <p:sp>
         <p:nvSpPr>
-          <p:cNvPr id="12" name="Text 10"/>
-          <p:cNvSpPr/>
-          <p:nvPr/>
-        </p:nvSpPr>
-        <p:spPr>
-          <a:xfrm>
-            <a:off x="5212080" y="1783080"/>
+          <p:cNvPr id="22" name="Text 20"/>
+          <p:cNvSpPr/>
+          <p:nvPr/>
+        </p:nvSpPr>
+        <p:spPr>
+          <a:xfrm>
+            <a:off x="5212080" y="2148840"/>
             <a:ext cx="3200400" cy="274320"/>
           </a:xfrm>
           <a:prstGeom prst="rect">
@@ -18536,13 +18767,13 @@
       </p:sp>
       <p:sp>
         <p:nvSpPr>
-          <p:cNvPr id="13" name="Shape 11"/>
-          <p:cNvSpPr/>
-          <p:nvPr/>
-        </p:nvSpPr>
-        <p:spPr>
-          <a:xfrm>
-            <a:off x="5669280" y="2157984"/>
+          <p:cNvPr id="23" name="Shape 21"/>
+          <p:cNvSpPr/>
+          <p:nvPr/>
+        </p:nvSpPr>
+        <p:spPr>
+          <a:xfrm>
+            <a:off x="5669280" y="2523744"/>
             <a:ext cx="365760" cy="365760"/>
           </a:xfrm>
           <a:prstGeom prst="rect">
@@ -18561,13 +18792,13 @@
       </p:sp>
       <p:sp>
         <p:nvSpPr>
-          <p:cNvPr id="14" name="Shape 12"/>
-          <p:cNvSpPr/>
-          <p:nvPr/>
-        </p:nvSpPr>
-        <p:spPr>
-          <a:xfrm>
-            <a:off x="5815584" y="2011680"/>
+          <p:cNvPr id="24" name="Shape 22"/>
+          <p:cNvSpPr/>
+          <p:nvPr/>
+        </p:nvSpPr>
+        <p:spPr>
+          <a:xfrm>
+            <a:off x="5815584" y="2377440"/>
             <a:ext cx="365760" cy="146304"/>
           </a:xfrm>
           <a:prstGeom prst="rect">
@@ -18586,13 +18817,13 @@
       </p:sp>
       <p:sp>
         <p:nvSpPr>
-          <p:cNvPr id="15" name="Shape 13"/>
-          <p:cNvSpPr/>
-          <p:nvPr/>
-        </p:nvSpPr>
-        <p:spPr>
-          <a:xfrm>
-            <a:off x="6035040" y="2157984"/>
+          <p:cNvPr id="25" name="Shape 23"/>
+          <p:cNvSpPr/>
+          <p:nvPr/>
+        </p:nvSpPr>
+        <p:spPr>
+          <a:xfrm>
+            <a:off x="6035040" y="2523744"/>
             <a:ext cx="146304" cy="365760"/>
           </a:xfrm>
           <a:prstGeom prst="rect">
@@ -18611,13 +18842,13 @@
       </p:sp>
       <p:sp>
         <p:nvSpPr>
-          <p:cNvPr id="16" name="Shape 14"/>
-          <p:cNvSpPr/>
-          <p:nvPr/>
-        </p:nvSpPr>
-        <p:spPr>
-          <a:xfrm>
-            <a:off x="6035040" y="2157984"/>
+          <p:cNvPr id="26" name="Shape 24"/>
+          <p:cNvSpPr/>
+          <p:nvPr/>
+        </p:nvSpPr>
+        <p:spPr>
+          <a:xfrm>
+            <a:off x="6035040" y="2523744"/>
             <a:ext cx="365760" cy="365760"/>
           </a:xfrm>
           <a:prstGeom prst="rect">
@@ -18636,13 +18867,13 @@
       </p:sp>
       <p:sp>
         <p:nvSpPr>
-          <p:cNvPr id="17" name="Shape 15"/>
-          <p:cNvSpPr/>
-          <p:nvPr/>
-        </p:nvSpPr>
-        <p:spPr>
-          <a:xfrm>
-            <a:off x="6181344" y="2011680"/>
+          <p:cNvPr id="27" name="Shape 25"/>
+          <p:cNvSpPr/>
+          <p:nvPr/>
+        </p:nvSpPr>
+        <p:spPr>
+          <a:xfrm>
+            <a:off x="6181344" y="2377440"/>
             <a:ext cx="365760" cy="146304"/>
           </a:xfrm>
           <a:prstGeom prst="rect">
@@ -18661,13 +18892,13 @@
       </p:sp>
       <p:sp>
         <p:nvSpPr>
-          <p:cNvPr id="18" name="Shape 16"/>
-          <p:cNvSpPr/>
-          <p:nvPr/>
-        </p:nvSpPr>
-        <p:spPr>
-          <a:xfrm>
-            <a:off x="6400800" y="2157984"/>
+          <p:cNvPr id="28" name="Shape 26"/>
+          <p:cNvSpPr/>
+          <p:nvPr/>
+        </p:nvSpPr>
+        <p:spPr>
+          <a:xfrm>
+            <a:off x="6400800" y="2523744"/>
             <a:ext cx="146304" cy="365760"/>
           </a:xfrm>
           <a:prstGeom prst="rect">
@@ -18686,13 +18917,13 @@
       </p:sp>
       <p:sp>
         <p:nvSpPr>
-          <p:cNvPr id="19" name="Shape 17"/>
-          <p:cNvSpPr/>
-          <p:nvPr/>
-        </p:nvSpPr>
-        <p:spPr>
-          <a:xfrm>
-            <a:off x="6035040" y="2304288"/>
+          <p:cNvPr id="29" name="Shape 27"/>
+          <p:cNvSpPr/>
+          <p:nvPr/>
+        </p:nvSpPr>
+        <p:spPr>
+          <a:xfrm>
+            <a:off x="6035040" y="2670048"/>
             <a:ext cx="365760" cy="365760"/>
           </a:xfrm>
           <a:prstGeom prst="rect">
@@ -18711,13 +18942,13 @@
       </p:sp>
       <p:sp>
         <p:nvSpPr>
-          <p:cNvPr id="20" name="Shape 18"/>
-          <p:cNvSpPr/>
-          <p:nvPr/>
-        </p:nvSpPr>
-        <p:spPr>
-          <a:xfrm>
-            <a:off x="6181344" y="2157984"/>
+          <p:cNvPr id="30" name="Shape 28"/>
+          <p:cNvSpPr/>
+          <p:nvPr/>
+        </p:nvSpPr>
+        <p:spPr>
+          <a:xfrm>
+            <a:off x="6181344" y="2523744"/>
             <a:ext cx="365760" cy="146304"/>
           </a:xfrm>
           <a:prstGeom prst="rect">
@@ -18736,13 +18967,13 @@
       </p:sp>
       <p:sp>
         <p:nvSpPr>
-          <p:cNvPr id="21" name="Shape 19"/>
-          <p:cNvSpPr/>
-          <p:nvPr/>
-        </p:nvSpPr>
-        <p:spPr>
-          <a:xfrm>
-            <a:off x="6400800" y="2304288"/>
+          <p:cNvPr id="31" name="Shape 29"/>
+          <p:cNvSpPr/>
+          <p:nvPr/>
+        </p:nvSpPr>
+        <p:spPr>
+          <a:xfrm>
+            <a:off x="6400800" y="2670048"/>
             <a:ext cx="146304" cy="365760"/>
           </a:xfrm>
           <a:prstGeom prst="rect">
@@ -18761,14 +18992,14 @@
       </p:sp>
       <p:sp>
         <p:nvSpPr>
-          <p:cNvPr id="22" name="Shape 20"/>
-          <p:cNvSpPr/>
-          <p:nvPr/>
-        </p:nvSpPr>
-        <p:spPr>
-          <a:xfrm>
-            <a:off x="457200" y="2743200"/>
-            <a:ext cx="3840480" cy="914400"/>
+          <p:cNvPr id="32" name="Shape 30"/>
+          <p:cNvSpPr/>
+          <p:nvPr/>
+        </p:nvSpPr>
+        <p:spPr>
+          <a:xfrm>
+            <a:off x="457200" y="3383280"/>
+            <a:ext cx="3840480" cy="1188720"/>
           </a:xfrm>
           <a:prstGeom prst="rect">
             <a:avLst/>
@@ -18786,13 +19017,13 @@
       </p:sp>
       <p:sp>
         <p:nvSpPr>
-          <p:cNvPr id="23" name="Text 21"/>
-          <p:cNvSpPr/>
-          <p:nvPr/>
-        </p:nvSpPr>
-        <p:spPr>
-          <a:xfrm>
-            <a:off x="548640" y="2834640"/>
+          <p:cNvPr id="33" name="Text 31"/>
+          <p:cNvSpPr/>
+          <p:nvPr/>
+        </p:nvSpPr>
+        <p:spPr>
+          <a:xfrm>
+            <a:off x="548640" y="3474720"/>
             <a:ext cx="274320" cy="274320"/>
           </a:xfrm>
           <a:prstGeom prst="rect">
@@ -18824,13 +19055,13 @@
       </p:sp>
       <p:sp>
         <p:nvSpPr>
-          <p:cNvPr id="24" name="Text 22"/>
-          <p:cNvSpPr/>
-          <p:nvPr/>
-        </p:nvSpPr>
-        <p:spPr>
-          <a:xfrm>
-            <a:off x="914400" y="2880360"/>
+          <p:cNvPr id="34" name="Text 32"/>
+          <p:cNvSpPr/>
+          <p:nvPr/>
+        </p:nvSpPr>
+        <p:spPr>
+          <a:xfrm>
+            <a:off x="914400" y="3520440"/>
             <a:ext cx="3200400" cy="274320"/>
           </a:xfrm>
           <a:prstGeom prst="rect">
@@ -18860,13 +19091,13 @@
       </p:sp>
       <p:sp>
         <p:nvSpPr>
-          <p:cNvPr id="25" name="Shape 23"/>
-          <p:cNvSpPr/>
-          <p:nvPr/>
-        </p:nvSpPr>
-        <p:spPr>
-          <a:xfrm>
-            <a:off x="1371600" y="3255264"/>
+          <p:cNvPr id="35" name="Shape 33"/>
+          <p:cNvSpPr/>
+          <p:nvPr/>
+        </p:nvSpPr>
+        <p:spPr>
+          <a:xfrm>
+            <a:off x="1371600" y="3895344"/>
             <a:ext cx="365760" cy="365760"/>
           </a:xfrm>
           <a:prstGeom prst="rect">
@@ -18885,13 +19116,13 @@
       </p:sp>
       <p:sp>
         <p:nvSpPr>
-          <p:cNvPr id="26" name="Shape 24"/>
-          <p:cNvSpPr/>
-          <p:nvPr/>
-        </p:nvSpPr>
-        <p:spPr>
-          <a:xfrm>
-            <a:off x="1517904" y="3108960"/>
+          <p:cNvPr id="36" name="Shape 34"/>
+          <p:cNvSpPr/>
+          <p:nvPr/>
+        </p:nvSpPr>
+        <p:spPr>
+          <a:xfrm>
+            <a:off x="1517904" y="3749040"/>
             <a:ext cx="365760" cy="146304"/>
           </a:xfrm>
           <a:prstGeom prst="rect">
@@ -18910,13 +19141,13 @@
       </p:sp>
       <p:sp>
         <p:nvSpPr>
-          <p:cNvPr id="27" name="Shape 25"/>
-          <p:cNvSpPr/>
-          <p:nvPr/>
-        </p:nvSpPr>
-        <p:spPr>
-          <a:xfrm>
-            <a:off x="1737360" y="3255264"/>
+          <p:cNvPr id="37" name="Shape 35"/>
+          <p:cNvSpPr/>
+          <p:nvPr/>
+        </p:nvSpPr>
+        <p:spPr>
+          <a:xfrm>
+            <a:off x="1737360" y="3895344"/>
             <a:ext cx="146304" cy="365760"/>
           </a:xfrm>
           <a:prstGeom prst="rect">
@@ -18935,13 +19166,13 @@
       </p:sp>
       <p:sp>
         <p:nvSpPr>
-          <p:cNvPr id="28" name="Shape 26"/>
-          <p:cNvSpPr/>
-          <p:nvPr/>
-        </p:nvSpPr>
-        <p:spPr>
-          <a:xfrm>
-            <a:off x="1737360" y="3255264"/>
+          <p:cNvPr id="38" name="Shape 36"/>
+          <p:cNvSpPr/>
+          <p:nvPr/>
+        </p:nvSpPr>
+        <p:spPr>
+          <a:xfrm>
+            <a:off x="1737360" y="3895344"/>
             <a:ext cx="365760" cy="365760"/>
           </a:xfrm>
           <a:prstGeom prst="rect">
@@ -18960,13 +19191,13 @@
       </p:sp>
       <p:sp>
         <p:nvSpPr>
-          <p:cNvPr id="29" name="Shape 27"/>
-          <p:cNvSpPr/>
-          <p:nvPr/>
-        </p:nvSpPr>
-        <p:spPr>
-          <a:xfrm>
-            <a:off x="1883664" y="3108960"/>
+          <p:cNvPr id="39" name="Shape 37"/>
+          <p:cNvSpPr/>
+          <p:nvPr/>
+        </p:nvSpPr>
+        <p:spPr>
+          <a:xfrm>
+            <a:off x="1883664" y="3749040"/>
             <a:ext cx="365760" cy="146304"/>
           </a:xfrm>
           <a:prstGeom prst="rect">
@@ -18985,13 +19216,13 @@
       </p:sp>
       <p:sp>
         <p:nvSpPr>
-          <p:cNvPr id="30" name="Shape 28"/>
-          <p:cNvSpPr/>
-          <p:nvPr/>
-        </p:nvSpPr>
-        <p:spPr>
-          <a:xfrm>
-            <a:off x="2103120" y="3255264"/>
+          <p:cNvPr id="40" name="Shape 38"/>
+          <p:cNvSpPr/>
+          <p:nvPr/>
+        </p:nvSpPr>
+        <p:spPr>
+          <a:xfrm>
+            <a:off x="2103120" y="3895344"/>
             <a:ext cx="146304" cy="365760"/>
           </a:xfrm>
           <a:prstGeom prst="rect">
@@ -19010,13 +19241,13 @@
       </p:sp>
       <p:sp>
         <p:nvSpPr>
-          <p:cNvPr id="31" name="Shape 29"/>
-          <p:cNvSpPr/>
-          <p:nvPr/>
-        </p:nvSpPr>
-        <p:spPr>
-          <a:xfrm>
-            <a:off x="2103120" y="3255264"/>
+          <p:cNvPr id="41" name="Shape 39"/>
+          <p:cNvSpPr/>
+          <p:nvPr/>
+        </p:nvSpPr>
+        <p:spPr>
+          <a:xfrm>
+            <a:off x="2103120" y="3895344"/>
             <a:ext cx="365760" cy="365760"/>
           </a:xfrm>
           <a:prstGeom prst="rect">
@@ -19035,13 +19266,13 @@
       </p:sp>
       <p:sp>
         <p:nvSpPr>
-          <p:cNvPr id="32" name="Shape 30"/>
-          <p:cNvSpPr/>
-          <p:nvPr/>
-        </p:nvSpPr>
-        <p:spPr>
-          <a:xfrm>
-            <a:off x="2249424" y="3108960"/>
+          <p:cNvPr id="42" name="Shape 40"/>
+          <p:cNvSpPr/>
+          <p:nvPr/>
+        </p:nvSpPr>
+        <p:spPr>
+          <a:xfrm>
+            <a:off x="2249424" y="3749040"/>
             <a:ext cx="365760" cy="146304"/>
           </a:xfrm>
           <a:prstGeom prst="rect">
@@ -19060,13 +19291,13 @@
       </p:sp>
       <p:sp>
         <p:nvSpPr>
-          <p:cNvPr id="33" name="Shape 31"/>
-          <p:cNvSpPr/>
-          <p:nvPr/>
-        </p:nvSpPr>
-        <p:spPr>
-          <a:xfrm>
-            <a:off x="2468880" y="3255264"/>
+          <p:cNvPr id="43" name="Shape 41"/>
+          <p:cNvSpPr/>
+          <p:nvPr/>
+        </p:nvSpPr>
+        <p:spPr>
+          <a:xfrm>
+            <a:off x="2468880" y="3895344"/>
             <a:ext cx="146304" cy="365760"/>
           </a:xfrm>
           <a:prstGeom prst="rect">
@@ -19085,14 +19316,14 @@
       </p:sp>
       <p:sp>
         <p:nvSpPr>
-          <p:cNvPr id="34" name="Shape 32"/>
-          <p:cNvSpPr/>
-          <p:nvPr/>
-        </p:nvSpPr>
-        <p:spPr>
-          <a:xfrm>
-            <a:off x="4754880" y="2743200"/>
-            <a:ext cx="3840480" cy="914400"/>
+          <p:cNvPr id="44" name="Shape 42"/>
+          <p:cNvSpPr/>
+          <p:nvPr/>
+        </p:nvSpPr>
+        <p:spPr>
+          <a:xfrm>
+            <a:off x="4754880" y="3383280"/>
+            <a:ext cx="3840480" cy="1188720"/>
           </a:xfrm>
           <a:prstGeom prst="rect">
             <a:avLst/>
@@ -19110,13 +19341,13 @@
       </p:sp>
       <p:sp>
         <p:nvSpPr>
-          <p:cNvPr id="35" name="Text 33"/>
-          <p:cNvSpPr/>
-          <p:nvPr/>
-        </p:nvSpPr>
-        <p:spPr>
-          <a:xfrm>
-            <a:off x="4846320" y="2834640"/>
+          <p:cNvPr id="45" name="Text 43"/>
+          <p:cNvSpPr/>
+          <p:nvPr/>
+        </p:nvSpPr>
+        <p:spPr>
+          <a:xfrm>
+            <a:off x="4846320" y="3474720"/>
             <a:ext cx="274320" cy="274320"/>
           </a:xfrm>
           <a:prstGeom prst="rect">
@@ -19148,13 +19379,13 @@
       </p:sp>
       <p:sp>
         <p:nvSpPr>
-          <p:cNvPr id="36" name="Text 34"/>
-          <p:cNvSpPr/>
-          <p:nvPr/>
-        </p:nvSpPr>
-        <p:spPr>
-          <a:xfrm>
-            <a:off x="5212080" y="2880360"/>
+          <p:cNvPr id="46" name="Text 44"/>
+          <p:cNvSpPr/>
+          <p:nvPr/>
+        </p:nvSpPr>
+        <p:spPr>
+          <a:xfrm>
+            <a:off x="5212080" y="3520440"/>
             <a:ext cx="3200400" cy="274320"/>
           </a:xfrm>
           <a:prstGeom prst="rect">
@@ -19184,13 +19415,13 @@
       </p:sp>
       <p:sp>
         <p:nvSpPr>
-          <p:cNvPr id="37" name="Shape 35"/>
-          <p:cNvSpPr/>
-          <p:nvPr/>
-        </p:nvSpPr>
-        <p:spPr>
-          <a:xfrm>
-            <a:off x="6035040" y="3255264"/>
+          <p:cNvPr id="47" name="Shape 45"/>
+          <p:cNvSpPr/>
+          <p:nvPr/>
+        </p:nvSpPr>
+        <p:spPr>
+          <a:xfrm>
+            <a:off x="6035040" y="3895344"/>
             <a:ext cx="365760" cy="365760"/>
           </a:xfrm>
           <a:prstGeom prst="rect">
@@ -19209,13 +19440,13 @@
       </p:sp>
       <p:sp>
         <p:nvSpPr>
-          <p:cNvPr id="38" name="Shape 36"/>
-          <p:cNvSpPr/>
-          <p:nvPr/>
-        </p:nvSpPr>
-        <p:spPr>
-          <a:xfrm>
-            <a:off x="6181344" y="3108960"/>
+          <p:cNvPr id="48" name="Shape 46"/>
+          <p:cNvSpPr/>
+          <p:nvPr/>
+        </p:nvSpPr>
+        <p:spPr>
+          <a:xfrm>
+            <a:off x="6181344" y="3749040"/>
             <a:ext cx="365760" cy="146304"/>
           </a:xfrm>
           <a:prstGeom prst="rect">
@@ -19234,13 +19465,13 @@
       </p:sp>
       <p:sp>
         <p:nvSpPr>
-          <p:cNvPr id="39" name="Shape 37"/>
-          <p:cNvSpPr/>
-          <p:nvPr/>
-        </p:nvSpPr>
-        <p:spPr>
-          <a:xfrm>
-            <a:off x="6400800" y="3255264"/>
+          <p:cNvPr id="49" name="Shape 47"/>
+          <p:cNvSpPr/>
+          <p:nvPr/>
+        </p:nvSpPr>
+        <p:spPr>
+          <a:xfrm>
+            <a:off x="6400800" y="3895344"/>
             <a:ext cx="146304" cy="365760"/>
           </a:xfrm>
           <a:prstGeom prst="rect">
@@ -19259,13 +19490,13 @@
       </p:sp>
       <p:sp>
         <p:nvSpPr>
-          <p:cNvPr id="40" name="Shape 38"/>
-          <p:cNvSpPr/>
-          <p:nvPr/>
-        </p:nvSpPr>
-        <p:spPr>
-          <a:xfrm>
-            <a:off x="6035040" y="3401568"/>
+          <p:cNvPr id="50" name="Shape 48"/>
+          <p:cNvSpPr/>
+          <p:nvPr/>
+        </p:nvSpPr>
+        <p:spPr>
+          <a:xfrm>
+            <a:off x="6035040" y="4041648"/>
             <a:ext cx="365760" cy="365760"/>
           </a:xfrm>
           <a:prstGeom prst="rect">
@@ -19284,13 +19515,13 @@
       </p:sp>
       <p:sp>
         <p:nvSpPr>
-          <p:cNvPr id="41" name="Shape 39"/>
-          <p:cNvSpPr/>
-          <p:nvPr/>
-        </p:nvSpPr>
-        <p:spPr>
-          <a:xfrm>
-            <a:off x="6181344" y="3255264"/>
+          <p:cNvPr id="51" name="Shape 49"/>
+          <p:cNvSpPr/>
+          <p:nvPr/>
+        </p:nvSpPr>
+        <p:spPr>
+          <a:xfrm>
+            <a:off x="6181344" y="3895344"/>
             <a:ext cx="365760" cy="146304"/>
           </a:xfrm>
           <a:prstGeom prst="rect">
@@ -19309,13 +19540,13 @@
       </p:sp>
       <p:sp>
         <p:nvSpPr>
-          <p:cNvPr id="42" name="Shape 40"/>
-          <p:cNvSpPr/>
-          <p:nvPr/>
-        </p:nvSpPr>
-        <p:spPr>
-          <a:xfrm>
-            <a:off x="6400800" y="3401568"/>
+          <p:cNvPr id="52" name="Shape 50"/>
+          <p:cNvSpPr/>
+          <p:nvPr/>
+        </p:nvSpPr>
+        <p:spPr>
+          <a:xfrm>
+            <a:off x="6400800" y="4041648"/>
             <a:ext cx="146304" cy="365760"/>
           </a:xfrm>
           <a:prstGeom prst="rect">
@@ -19334,13 +19565,13 @@
       </p:sp>
       <p:sp>
         <p:nvSpPr>
-          <p:cNvPr id="43" name="Shape 41"/>
-          <p:cNvSpPr/>
-          <p:nvPr/>
-        </p:nvSpPr>
-        <p:spPr>
-          <a:xfrm>
-            <a:off x="6400800" y="3401568"/>
+          <p:cNvPr id="53" name="Shape 51"/>
+          <p:cNvSpPr/>
+          <p:nvPr/>
+        </p:nvSpPr>
+        <p:spPr>
+          <a:xfrm>
+            <a:off x="6400800" y="4041648"/>
             <a:ext cx="365760" cy="365760"/>
           </a:xfrm>
           <a:prstGeom prst="rect">
@@ -19359,13 +19590,13 @@
       </p:sp>
       <p:sp>
         <p:nvSpPr>
-          <p:cNvPr id="44" name="Shape 42"/>
-          <p:cNvSpPr/>
-          <p:nvPr/>
-        </p:nvSpPr>
-        <p:spPr>
-          <a:xfrm>
-            <a:off x="6547104" y="3255264"/>
+          <p:cNvPr id="54" name="Shape 52"/>
+          <p:cNvSpPr/>
+          <p:nvPr/>
+        </p:nvSpPr>
+        <p:spPr>
+          <a:xfrm>
+            <a:off x="6547104" y="3895344"/>
             <a:ext cx="365760" cy="146304"/>
           </a:xfrm>
           <a:prstGeom prst="rect">
@@ -19384,13 +19615,13 @@
       </p:sp>
       <p:sp>
         <p:nvSpPr>
-          <p:cNvPr id="45" name="Shape 43"/>
-          <p:cNvSpPr/>
-          <p:nvPr/>
-        </p:nvSpPr>
-        <p:spPr>
-          <a:xfrm>
-            <a:off x="6766560" y="3401568"/>
+          <p:cNvPr id="55" name="Shape 53"/>
+          <p:cNvSpPr/>
+          <p:nvPr/>
+        </p:nvSpPr>
+        <p:spPr>
+          <a:xfrm>
+            <a:off x="6766560" y="4041648"/>
             <a:ext cx="146304" cy="365760"/>
           </a:xfrm>
           <a:prstGeom prst="rect">
@@ -19409,7 +19640,7 @@
       </p:sp>
       <p:sp>
         <p:nvSpPr>
-          <p:cNvPr id="46" name="Shape 44">
+          <p:cNvPr id="56" name="Shape 54">
             <a:hlinkClick r:id="rId1" tooltip="" action="ppaction://hlinksldjump"/>
           </p:cNvPr>
           <p:cNvSpPr/>
@@ -19417,8 +19648,8 @@
         </p:nvSpPr>
         <p:spPr>
           <a:xfrm>
-            <a:off x="457200" y="1645920"/>
-            <a:ext cx="3840480" cy="914400"/>
+            <a:off x="457200" y="2011680"/>
+            <a:ext cx="3840480" cy="1188720"/>
           </a:xfrm>
           <a:prstGeom prst="rect">
             <a:avLst/>
@@ -19438,7 +19669,7 @@
       </p:sp>
       <p:sp>
         <p:nvSpPr>
-          <p:cNvPr id="47" name="Shape 45">
+          <p:cNvPr id="57" name="Shape 55">
             <a:hlinkClick r:id="rId2" tooltip="" action="ppaction://hlinksldjump"/>
           </p:cNvPr>
           <p:cNvSpPr/>
@@ -19446,8 +19677,8 @@
         </p:nvSpPr>
         <p:spPr>
           <a:xfrm>
-            <a:off x="4754880" y="1645920"/>
-            <a:ext cx="3840480" cy="914400"/>
+            <a:off x="4754880" y="2011680"/>
+            <a:ext cx="3840480" cy="1188720"/>
           </a:xfrm>
           <a:prstGeom prst="rect">
             <a:avLst/>
@@ -19467,7 +19698,7 @@
       </p:sp>
       <p:sp>
         <p:nvSpPr>
-          <p:cNvPr id="48" name="Shape 46">
+          <p:cNvPr id="58" name="Shape 56">
             <a:hlinkClick r:id="rId3" tooltip="" action="ppaction://hlinksldjump"/>
           </p:cNvPr>
           <p:cNvSpPr/>
@@ -19475,8 +19706,8 @@
         </p:nvSpPr>
         <p:spPr>
           <a:xfrm>
-            <a:off x="457200" y="2743200"/>
-            <a:ext cx="3840480" cy="914400"/>
+            <a:off x="457200" y="3383280"/>
+            <a:ext cx="3840480" cy="1188720"/>
           </a:xfrm>
           <a:prstGeom prst="rect">
             <a:avLst/>
@@ -19496,7 +19727,7 @@
       </p:sp>
       <p:sp>
         <p:nvSpPr>
-          <p:cNvPr id="49" name="Shape 47">
+          <p:cNvPr id="59" name="Shape 57">
             <a:hlinkClick r:id="rId4" tooltip="" action="ppaction://hlinksldjump"/>
           </p:cNvPr>
           <p:cNvSpPr/>
@@ -19504,8 +19735,8 @@
         </p:nvSpPr>
         <p:spPr>
           <a:xfrm>
-            <a:off x="4754880" y="2743200"/>
-            <a:ext cx="3840480" cy="914400"/>
+            <a:off x="4754880" y="3383280"/>
+            <a:ext cx="3840480" cy="1188720"/>
           </a:xfrm>
           <a:prstGeom prst="rect">
             <a:avLst/>
@@ -19631,14 +19862,275 @@
       </p:sp>
       <p:sp>
         <p:nvSpPr>
-          <p:cNvPr id="4" name="Shape 2"/>
-          <p:cNvSpPr/>
-          <p:nvPr/>
-        </p:nvSpPr>
-        <p:spPr>
-          <a:xfrm>
-            <a:off x="4754880" y="1645920"/>
-            <a:ext cx="3840480" cy="914400"/>
+          <p:cNvPr id="4" name="Text 2"/>
+          <p:cNvSpPr/>
+          <p:nvPr/>
+        </p:nvSpPr>
+        <p:spPr>
+          <a:xfrm>
+            <a:off x="914400" y="822960"/>
+            <a:ext cx="1828800" cy="274320"/>
+          </a:xfrm>
+          <a:prstGeom prst="rect">
+            <a:avLst/>
+          </a:prstGeom>
+          <a:noFill/>
+          <a:ln/>
+        </p:spPr>
+        <p:txBody>
+          <a:bodyPr wrap="square" rtlCol="0" anchor="ctr"/>
+          <a:lstStyle/>
+          <a:p>
+            <a:pPr indent="0" marL="0">
+              <a:buNone/>
+            </a:pPr>
+            <a:r>
+              <a:rPr lang="en-US" sz="1400" i="1" dirty="0">
+                <a:solidFill>
+                  <a:srgbClr val="E0E0E0"/>
+                </a:solidFill>
+              </a:rPr>
+              <a:t>Given shapes:</a:t>
+            </a:r>
+            <a:endParaRPr lang="en-US" sz="1400" dirty="0"/>
+          </a:p>
+        </p:txBody>
+      </p:sp>
+      <p:sp>
+        <p:nvSpPr>
+          <p:cNvPr id="5" name="Shape 3"/>
+          <p:cNvSpPr/>
+          <p:nvPr/>
+        </p:nvSpPr>
+        <p:spPr>
+          <a:xfrm>
+            <a:off x="914400" y="1216152"/>
+            <a:ext cx="411480" cy="411480"/>
+          </a:xfrm>
+          <a:prstGeom prst="rect">
+            <a:avLst/>
+          </a:prstGeom>
+          <a:solidFill>
+            <a:srgbClr val="66B3FF"/>
+          </a:solidFill>
+          <a:ln w="12700">
+            <a:solidFill>
+              <a:srgbClr val="000000"/>
+            </a:solidFill>
+            <a:prstDash val="solid"/>
+          </a:ln>
+        </p:spPr>
+      </p:sp>
+      <p:sp>
+        <p:nvSpPr>
+          <p:cNvPr id="6" name="Shape 4"/>
+          <p:cNvSpPr/>
+          <p:nvPr/>
+        </p:nvSpPr>
+        <p:spPr>
+          <a:xfrm>
+            <a:off x="1078992" y="1051560"/>
+            <a:ext cx="411480" cy="164592"/>
+          </a:xfrm>
+          <a:prstGeom prst="rect">
+            <a:avLst/>
+          </a:prstGeom>
+          <a:solidFill>
+            <a:srgbClr val="99E6FF"/>
+          </a:solidFill>
+          <a:ln w="12700">
+            <a:solidFill>
+              <a:srgbClr val="000000"/>
+            </a:solidFill>
+            <a:prstDash val="solid"/>
+          </a:ln>
+        </p:spPr>
+      </p:sp>
+      <p:sp>
+        <p:nvSpPr>
+          <p:cNvPr id="7" name="Shape 5"/>
+          <p:cNvSpPr/>
+          <p:nvPr/>
+        </p:nvSpPr>
+        <p:spPr>
+          <a:xfrm>
+            <a:off x="1325880" y="1216152"/>
+            <a:ext cx="164592" cy="411480"/>
+          </a:xfrm>
+          <a:prstGeom prst="rect">
+            <a:avLst/>
+          </a:prstGeom>
+          <a:solidFill>
+            <a:srgbClr val="3380CC"/>
+          </a:solidFill>
+          <a:ln w="12700">
+            <a:solidFill>
+              <a:srgbClr val="000000"/>
+            </a:solidFill>
+            <a:prstDash val="solid"/>
+          </a:ln>
+        </p:spPr>
+      </p:sp>
+      <p:sp>
+        <p:nvSpPr>
+          <p:cNvPr id="8" name="Shape 6"/>
+          <p:cNvSpPr/>
+          <p:nvPr/>
+        </p:nvSpPr>
+        <p:spPr>
+          <a:xfrm>
+            <a:off x="1554480" y="1216152"/>
+            <a:ext cx="411480" cy="411480"/>
+          </a:xfrm>
+          <a:prstGeom prst="rect">
+            <a:avLst/>
+          </a:prstGeom>
+          <a:solidFill>
+            <a:srgbClr val="66B3FF"/>
+          </a:solidFill>
+          <a:ln w="12700">
+            <a:solidFill>
+              <a:srgbClr val="000000"/>
+            </a:solidFill>
+            <a:prstDash val="solid"/>
+          </a:ln>
+        </p:spPr>
+      </p:sp>
+      <p:sp>
+        <p:nvSpPr>
+          <p:cNvPr id="9" name="Shape 7"/>
+          <p:cNvSpPr/>
+          <p:nvPr/>
+        </p:nvSpPr>
+        <p:spPr>
+          <a:xfrm>
+            <a:off x="1719072" y="1051560"/>
+            <a:ext cx="411480" cy="164592"/>
+          </a:xfrm>
+          <a:prstGeom prst="rect">
+            <a:avLst/>
+          </a:prstGeom>
+          <a:solidFill>
+            <a:srgbClr val="99E6FF"/>
+          </a:solidFill>
+          <a:ln w="12700">
+            <a:solidFill>
+              <a:srgbClr val="000000"/>
+            </a:solidFill>
+            <a:prstDash val="solid"/>
+          </a:ln>
+        </p:spPr>
+      </p:sp>
+      <p:sp>
+        <p:nvSpPr>
+          <p:cNvPr id="10" name="Shape 8"/>
+          <p:cNvSpPr/>
+          <p:nvPr/>
+        </p:nvSpPr>
+        <p:spPr>
+          <a:xfrm>
+            <a:off x="1965960" y="1216152"/>
+            <a:ext cx="164592" cy="411480"/>
+          </a:xfrm>
+          <a:prstGeom prst="rect">
+            <a:avLst/>
+          </a:prstGeom>
+          <a:solidFill>
+            <a:srgbClr val="3380CC"/>
+          </a:solidFill>
+          <a:ln w="12700">
+            <a:solidFill>
+              <a:srgbClr val="000000"/>
+            </a:solidFill>
+            <a:prstDash val="solid"/>
+          </a:ln>
+        </p:spPr>
+      </p:sp>
+      <p:sp>
+        <p:nvSpPr>
+          <p:cNvPr id="11" name="Shape 9"/>
+          <p:cNvSpPr/>
+          <p:nvPr/>
+        </p:nvSpPr>
+        <p:spPr>
+          <a:xfrm>
+            <a:off x="2194560" y="1216152"/>
+            <a:ext cx="411480" cy="411480"/>
+          </a:xfrm>
+          <a:prstGeom prst="rect">
+            <a:avLst/>
+          </a:prstGeom>
+          <a:solidFill>
+            <a:srgbClr val="66B3FF"/>
+          </a:solidFill>
+          <a:ln w="12700">
+            <a:solidFill>
+              <a:srgbClr val="000000"/>
+            </a:solidFill>
+            <a:prstDash val="solid"/>
+          </a:ln>
+        </p:spPr>
+      </p:sp>
+      <p:sp>
+        <p:nvSpPr>
+          <p:cNvPr id="12" name="Shape 10"/>
+          <p:cNvSpPr/>
+          <p:nvPr/>
+        </p:nvSpPr>
+        <p:spPr>
+          <a:xfrm>
+            <a:off x="2359152" y="1051560"/>
+            <a:ext cx="411480" cy="164592"/>
+          </a:xfrm>
+          <a:prstGeom prst="rect">
+            <a:avLst/>
+          </a:prstGeom>
+          <a:solidFill>
+            <a:srgbClr val="99E6FF"/>
+          </a:solidFill>
+          <a:ln w="12700">
+            <a:solidFill>
+              <a:srgbClr val="000000"/>
+            </a:solidFill>
+            <a:prstDash val="solid"/>
+          </a:ln>
+        </p:spPr>
+      </p:sp>
+      <p:sp>
+        <p:nvSpPr>
+          <p:cNvPr id="13" name="Shape 11"/>
+          <p:cNvSpPr/>
+          <p:nvPr/>
+        </p:nvSpPr>
+        <p:spPr>
+          <a:xfrm>
+            <a:off x="2606040" y="1216152"/>
+            <a:ext cx="164592" cy="411480"/>
+          </a:xfrm>
+          <a:prstGeom prst="rect">
+            <a:avLst/>
+          </a:prstGeom>
+          <a:solidFill>
+            <a:srgbClr val="3380CC"/>
+          </a:solidFill>
+          <a:ln w="12700">
+            <a:solidFill>
+              <a:srgbClr val="000000"/>
+            </a:solidFill>
+            <a:prstDash val="solid"/>
+          </a:ln>
+        </p:spPr>
+      </p:sp>
+      <p:sp>
+        <p:nvSpPr>
+          <p:cNvPr id="14" name="Shape 12"/>
+          <p:cNvSpPr/>
+          <p:nvPr/>
+        </p:nvSpPr>
+        <p:spPr>
+          <a:xfrm>
+            <a:off x="4754880" y="2011680"/>
+            <a:ext cx="3840480" cy="1188720"/>
           </a:xfrm>
           <a:prstGeom prst="rect">
             <a:avLst/>
@@ -19656,13 +20148,13 @@
       </p:sp>
       <p:sp>
         <p:nvSpPr>
-          <p:cNvPr id="5" name="Text 3"/>
-          <p:cNvSpPr/>
-          <p:nvPr/>
-        </p:nvSpPr>
-        <p:spPr>
-          <a:xfrm>
-            <a:off x="4846320" y="1737360"/>
+          <p:cNvPr id="15" name="Text 13"/>
+          <p:cNvSpPr/>
+          <p:nvPr/>
+        </p:nvSpPr>
+        <p:spPr>
+          <a:xfrm>
+            <a:off x="4846320" y="2103120"/>
             <a:ext cx="274320" cy="274320"/>
           </a:xfrm>
           <a:prstGeom prst="rect">
@@ -19694,13 +20186,13 @@
       </p:sp>
       <p:sp>
         <p:nvSpPr>
-          <p:cNvPr id="6" name="Text 4"/>
-          <p:cNvSpPr/>
-          <p:nvPr/>
-        </p:nvSpPr>
-        <p:spPr>
-          <a:xfrm>
-            <a:off x="5212080" y="1783080"/>
+          <p:cNvPr id="16" name="Text 14"/>
+          <p:cNvSpPr/>
+          <p:nvPr/>
+        </p:nvSpPr>
+        <p:spPr>
+          <a:xfrm>
+            <a:off x="5212080" y="2148840"/>
             <a:ext cx="3200400" cy="274320"/>
           </a:xfrm>
           <a:prstGeom prst="rect">
@@ -19730,13 +20222,13 @@
       </p:sp>
       <p:sp>
         <p:nvSpPr>
-          <p:cNvPr id="7" name="Shape 5"/>
-          <p:cNvSpPr/>
-          <p:nvPr/>
-        </p:nvSpPr>
-        <p:spPr>
-          <a:xfrm>
-            <a:off x="5669280" y="2157984"/>
+          <p:cNvPr id="17" name="Shape 15"/>
+          <p:cNvSpPr/>
+          <p:nvPr/>
+        </p:nvSpPr>
+        <p:spPr>
+          <a:xfrm>
+            <a:off x="5669280" y="2523744"/>
             <a:ext cx="365760" cy="365760"/>
           </a:xfrm>
           <a:prstGeom prst="rect">
@@ -19755,13 +20247,13 @@
       </p:sp>
       <p:sp>
         <p:nvSpPr>
-          <p:cNvPr id="8" name="Shape 6"/>
-          <p:cNvSpPr/>
-          <p:nvPr/>
-        </p:nvSpPr>
-        <p:spPr>
-          <a:xfrm>
-            <a:off x="5815584" y="2011680"/>
+          <p:cNvPr id="18" name="Shape 16"/>
+          <p:cNvSpPr/>
+          <p:nvPr/>
+        </p:nvSpPr>
+        <p:spPr>
+          <a:xfrm>
+            <a:off x="5815584" y="2377440"/>
             <a:ext cx="365760" cy="146304"/>
           </a:xfrm>
           <a:prstGeom prst="rect">
@@ -19780,13 +20272,13 @@
       </p:sp>
       <p:sp>
         <p:nvSpPr>
-          <p:cNvPr id="9" name="Shape 7"/>
-          <p:cNvSpPr/>
-          <p:nvPr/>
-        </p:nvSpPr>
-        <p:spPr>
-          <a:xfrm>
-            <a:off x="6035040" y="2157984"/>
+          <p:cNvPr id="19" name="Shape 17"/>
+          <p:cNvSpPr/>
+          <p:nvPr/>
+        </p:nvSpPr>
+        <p:spPr>
+          <a:xfrm>
+            <a:off x="6035040" y="2523744"/>
             <a:ext cx="146304" cy="365760"/>
           </a:xfrm>
           <a:prstGeom prst="rect">
@@ -19805,13 +20297,13 @@
       </p:sp>
       <p:sp>
         <p:nvSpPr>
-          <p:cNvPr id="10" name="Shape 8"/>
-          <p:cNvSpPr/>
-          <p:nvPr/>
-        </p:nvSpPr>
-        <p:spPr>
-          <a:xfrm>
-            <a:off x="6035040" y="2157984"/>
+          <p:cNvPr id="20" name="Shape 18"/>
+          <p:cNvSpPr/>
+          <p:nvPr/>
+        </p:nvSpPr>
+        <p:spPr>
+          <a:xfrm>
+            <a:off x="6035040" y="2523744"/>
             <a:ext cx="365760" cy="365760"/>
           </a:xfrm>
           <a:prstGeom prst="rect">
@@ -19830,13 +20322,13 @@
       </p:sp>
       <p:sp>
         <p:nvSpPr>
-          <p:cNvPr id="11" name="Shape 9"/>
-          <p:cNvSpPr/>
-          <p:nvPr/>
-        </p:nvSpPr>
-        <p:spPr>
-          <a:xfrm>
-            <a:off x="6181344" y="2011680"/>
+          <p:cNvPr id="21" name="Shape 19"/>
+          <p:cNvSpPr/>
+          <p:nvPr/>
+        </p:nvSpPr>
+        <p:spPr>
+          <a:xfrm>
+            <a:off x="6181344" y="2377440"/>
             <a:ext cx="365760" cy="146304"/>
           </a:xfrm>
           <a:prstGeom prst="rect">
@@ -19855,13 +20347,13 @@
       </p:sp>
       <p:sp>
         <p:nvSpPr>
-          <p:cNvPr id="12" name="Shape 10"/>
-          <p:cNvSpPr/>
-          <p:nvPr/>
-        </p:nvSpPr>
-        <p:spPr>
-          <a:xfrm>
-            <a:off x="6400800" y="2157984"/>
+          <p:cNvPr id="22" name="Shape 20"/>
+          <p:cNvSpPr/>
+          <p:nvPr/>
+        </p:nvSpPr>
+        <p:spPr>
+          <a:xfrm>
+            <a:off x="6400800" y="2523744"/>
             <a:ext cx="146304" cy="365760"/>
           </a:xfrm>
           <a:prstGeom prst="rect">
@@ -19880,13 +20372,13 @@
       </p:sp>
       <p:sp>
         <p:nvSpPr>
-          <p:cNvPr id="13" name="Shape 11"/>
-          <p:cNvSpPr/>
-          <p:nvPr/>
-        </p:nvSpPr>
-        <p:spPr>
-          <a:xfrm>
-            <a:off x="6035040" y="2304288"/>
+          <p:cNvPr id="23" name="Shape 21"/>
+          <p:cNvSpPr/>
+          <p:nvPr/>
+        </p:nvSpPr>
+        <p:spPr>
+          <a:xfrm>
+            <a:off x="6035040" y="2670048"/>
             <a:ext cx="365760" cy="365760"/>
           </a:xfrm>
           <a:prstGeom prst="rect">
@@ -19905,13 +20397,13 @@
       </p:sp>
       <p:sp>
         <p:nvSpPr>
-          <p:cNvPr id="14" name="Shape 12"/>
-          <p:cNvSpPr/>
-          <p:nvPr/>
-        </p:nvSpPr>
-        <p:spPr>
-          <a:xfrm>
-            <a:off x="6181344" y="2157984"/>
+          <p:cNvPr id="24" name="Shape 22"/>
+          <p:cNvSpPr/>
+          <p:nvPr/>
+        </p:nvSpPr>
+        <p:spPr>
+          <a:xfrm>
+            <a:off x="6181344" y="2523744"/>
             <a:ext cx="365760" cy="146304"/>
           </a:xfrm>
           <a:prstGeom prst="rect">
@@ -19930,13 +20422,13 @@
       </p:sp>
       <p:sp>
         <p:nvSpPr>
-          <p:cNvPr id="15" name="Shape 13"/>
-          <p:cNvSpPr/>
-          <p:nvPr/>
-        </p:nvSpPr>
-        <p:spPr>
-          <a:xfrm>
-            <a:off x="6400800" y="2304288"/>
+          <p:cNvPr id="25" name="Shape 23"/>
+          <p:cNvSpPr/>
+          <p:nvPr/>
+        </p:nvSpPr>
+        <p:spPr>
+          <a:xfrm>
+            <a:off x="6400800" y="2670048"/>
             <a:ext cx="146304" cy="365760"/>
           </a:xfrm>
           <a:prstGeom prst="rect">
@@ -19955,7 +20447,7 @@
       </p:sp>
       <p:sp>
         <p:nvSpPr>
-          <p:cNvPr id="16" name="Shape 14"/>
+          <p:cNvPr id="26" name="Shape 24"/>
           <p:cNvSpPr/>
           <p:nvPr/>
         </p:nvSpPr>
@@ -19980,7 +20472,7 @@
       </p:sp>
       <p:sp>
         <p:nvSpPr>
-          <p:cNvPr id="17" name="Text 15">
+          <p:cNvPr id="27" name="Text 25">
             <a:hlinkClick r:id="rId1" tooltip="" action="ppaction://hlinksldjump"/>
           </p:cNvPr>
           <p:cNvSpPr/>
@@ -20131,13 +20623,160 @@
       </p:sp>
       <p:sp>
         <p:nvSpPr>
-          <p:cNvPr id="4" name="Shape 2"/>
-          <p:cNvSpPr/>
-          <p:nvPr/>
-        </p:nvSpPr>
-        <p:spPr>
-          <a:xfrm>
-            <a:off x="1828800" y="2286000"/>
+          <p:cNvPr id="4" name="Text 2"/>
+          <p:cNvSpPr/>
+          <p:nvPr/>
+        </p:nvSpPr>
+        <p:spPr>
+          <a:xfrm>
+            <a:off x="914400" y="1097280"/>
+            <a:ext cx="1371600" cy="274320"/>
+          </a:xfrm>
+          <a:prstGeom prst="rect">
+            <a:avLst/>
+          </a:prstGeom>
+          <a:noFill/>
+          <a:ln/>
+        </p:spPr>
+        <p:txBody>
+          <a:bodyPr wrap="square" rtlCol="0" anchor="ctr"/>
+          <a:lstStyle/>
+          <a:p>
+            <a:pPr indent="0" marL="0">
+              <a:buNone/>
+            </a:pPr>
+            <a:r>
+              <a:rPr lang="en-US" sz="1400" b="1" dirty="0">
+                <a:solidFill>
+                  <a:srgbClr val="E0E0E0"/>
+                </a:solidFill>
+              </a:rPr>
+              <a:t>Shape A:</a:t>
+            </a:r>
+            <a:endParaRPr lang="en-US" sz="1400" dirty="0"/>
+          </a:p>
+        </p:txBody>
+      </p:sp>
+      <p:sp>
+        <p:nvSpPr>
+          <p:cNvPr id="5" name="Shape 3"/>
+          <p:cNvSpPr/>
+          <p:nvPr/>
+        </p:nvSpPr>
+        <p:spPr>
+          <a:xfrm>
+            <a:off x="1097280" y="1371600"/>
+            <a:ext cx="457200" cy="457200"/>
+          </a:xfrm>
+          <a:prstGeom prst="triangle">
+            <a:avLst/>
+          </a:prstGeom>
+          <a:solidFill>
+            <a:srgbClr val="66B3FF"/>
+          </a:solidFill>
+          <a:ln w="12700">
+            <a:solidFill>
+              <a:srgbClr val="000000"/>
+            </a:solidFill>
+            <a:prstDash val="solid"/>
+          </a:ln>
+        </p:spPr>
+      </p:sp>
+      <p:sp>
+        <p:nvSpPr>
+          <p:cNvPr id="6" name="Shape 4"/>
+          <p:cNvSpPr/>
+          <p:nvPr/>
+        </p:nvSpPr>
+        <p:spPr>
+          <a:xfrm>
+            <a:off x="1371600" y="1554480"/>
+            <a:ext cx="548640" cy="274320"/>
+          </a:xfrm>
+          <a:prstGeom prst="rect">
+            <a:avLst/>
+          </a:prstGeom>
+          <a:solidFill>
+            <a:srgbClr val="66B3FF"/>
+          </a:solidFill>
+          <a:ln w="12700">
+            <a:solidFill>
+              <a:srgbClr val="000000"/>
+            </a:solidFill>
+            <a:prstDash val="solid"/>
+          </a:ln>
+        </p:spPr>
+      </p:sp>
+      <p:sp>
+        <p:nvSpPr>
+          <p:cNvPr id="7" name="Text 5"/>
+          <p:cNvSpPr/>
+          <p:nvPr/>
+        </p:nvSpPr>
+        <p:spPr>
+          <a:xfrm>
+            <a:off x="3200400" y="1097280"/>
+            <a:ext cx="1371600" cy="274320"/>
+          </a:xfrm>
+          <a:prstGeom prst="rect">
+            <a:avLst/>
+          </a:prstGeom>
+          <a:noFill/>
+          <a:ln/>
+        </p:spPr>
+        <p:txBody>
+          <a:bodyPr wrap="square" rtlCol="0" anchor="ctr"/>
+          <a:lstStyle/>
+          <a:p>
+            <a:pPr indent="0" marL="0">
+              <a:buNone/>
+            </a:pPr>
+            <a:r>
+              <a:rPr lang="en-US" sz="1400" b="1" dirty="0">
+                <a:solidFill>
+                  <a:srgbClr val="E0E0E0"/>
+                </a:solidFill>
+              </a:rPr>
+              <a:t>Shape B:</a:t>
+            </a:r>
+            <a:endParaRPr lang="en-US" sz="1400" dirty="0"/>
+          </a:p>
+        </p:txBody>
+      </p:sp>
+      <p:sp>
+        <p:nvSpPr>
+          <p:cNvPr id="8" name="Shape 6"/>
+          <p:cNvSpPr/>
+          <p:nvPr/>
+        </p:nvSpPr>
+        <p:spPr>
+          <a:xfrm>
+            <a:off x="3383280" y="1371600"/>
+            <a:ext cx="731520" cy="457200"/>
+          </a:xfrm>
+          <a:prstGeom prst="rect">
+            <a:avLst/>
+          </a:prstGeom>
+          <a:solidFill>
+            <a:srgbClr val="66B3FF"/>
+          </a:solidFill>
+          <a:ln w="12700">
+            <a:solidFill>
+              <a:srgbClr val="000000"/>
+            </a:solidFill>
+            <a:prstDash val="solid"/>
+          </a:ln>
+        </p:spPr>
+      </p:sp>
+      <p:sp>
+        <p:nvSpPr>
+          <p:cNvPr id="9" name="Shape 7"/>
+          <p:cNvSpPr/>
+          <p:nvPr/>
+        </p:nvSpPr>
+        <p:spPr>
+          <a:xfrm>
+            <a:off x="1828800" y="2560320"/>
             <a:ext cx="2286000" cy="914400"/>
           </a:xfrm>
           <a:prstGeom prst="rect">
@@ -20156,13 +20795,13 @@
       </p:sp>
       <p:sp>
         <p:nvSpPr>
-          <p:cNvPr id="5" name="Text 3"/>
-          <p:cNvSpPr/>
-          <p:nvPr/>
-        </p:nvSpPr>
-        <p:spPr>
-          <a:xfrm>
-            <a:off x="1920240" y="2377440"/>
+          <p:cNvPr id="10" name="Text 8"/>
+          <p:cNvSpPr/>
+          <p:nvPr/>
+        </p:nvSpPr>
+        <p:spPr>
+          <a:xfrm>
+            <a:off x="1920240" y="2651760"/>
             <a:ext cx="274320" cy="274320"/>
           </a:xfrm>
           <a:prstGeom prst="rect">
@@ -20194,13 +20833,13 @@
       </p:sp>
       <p:sp>
         <p:nvSpPr>
-          <p:cNvPr id="6" name="Text 4"/>
-          <p:cNvSpPr/>
-          <p:nvPr/>
-        </p:nvSpPr>
-        <p:spPr>
-          <a:xfrm>
-            <a:off x="2286000" y="2606040"/>
+          <p:cNvPr id="11" name="Text 9"/>
+          <p:cNvSpPr/>
+          <p:nvPr/>
+        </p:nvSpPr>
+        <p:spPr>
+          <a:xfrm>
+            <a:off x="2286000" y="2880360"/>
             <a:ext cx="1645920" cy="365760"/>
           </a:xfrm>
           <a:prstGeom prst="rect">
@@ -20230,13 +20869,13 @@
       </p:sp>
       <p:sp>
         <p:nvSpPr>
-          <p:cNvPr id="7" name="Shape 5"/>
-          <p:cNvSpPr/>
-          <p:nvPr/>
-        </p:nvSpPr>
-        <p:spPr>
-          <a:xfrm>
-            <a:off x="5029200" y="2286000"/>
+          <p:cNvPr id="12" name="Shape 10"/>
+          <p:cNvSpPr/>
+          <p:nvPr/>
+        </p:nvSpPr>
+        <p:spPr>
+          <a:xfrm>
+            <a:off x="5029200" y="2560320"/>
             <a:ext cx="2286000" cy="914400"/>
           </a:xfrm>
           <a:prstGeom prst="rect">
@@ -20255,13 +20894,13 @@
       </p:sp>
       <p:sp>
         <p:nvSpPr>
-          <p:cNvPr id="8" name="Text 6"/>
-          <p:cNvSpPr/>
-          <p:nvPr/>
-        </p:nvSpPr>
-        <p:spPr>
-          <a:xfrm>
-            <a:off x="5120640" y="2377440"/>
+          <p:cNvPr id="13" name="Text 11"/>
+          <p:cNvSpPr/>
+          <p:nvPr/>
+        </p:nvSpPr>
+        <p:spPr>
+          <a:xfrm>
+            <a:off x="5120640" y="2651760"/>
             <a:ext cx="274320" cy="274320"/>
           </a:xfrm>
           <a:prstGeom prst="rect">
@@ -20293,13 +20932,13 @@
       </p:sp>
       <p:sp>
         <p:nvSpPr>
-          <p:cNvPr id="9" name="Text 7"/>
-          <p:cNvSpPr/>
-          <p:nvPr/>
-        </p:nvSpPr>
-        <p:spPr>
-          <a:xfrm>
-            <a:off x="5486400" y="2606040"/>
+          <p:cNvPr id="14" name="Text 12"/>
+          <p:cNvSpPr/>
+          <p:nvPr/>
+        </p:nvSpPr>
+        <p:spPr>
+          <a:xfrm>
+            <a:off x="5486400" y="2880360"/>
             <a:ext cx="1645920" cy="365760"/>
           </a:xfrm>
           <a:prstGeom prst="rect">
@@ -20329,7 +20968,7 @@
       </p:sp>
       <p:sp>
         <p:nvSpPr>
-          <p:cNvPr id="10" name="Shape 8">
+          <p:cNvPr id="15" name="Shape 13">
             <a:hlinkClick r:id="rId1" tooltip="" action="ppaction://hlinksldjump"/>
           </p:cNvPr>
           <p:cNvSpPr/>
@@ -20337,7 +20976,7 @@
         </p:nvSpPr>
         <p:spPr>
           <a:xfrm>
-            <a:off x="1828800" y="2286000"/>
+            <a:off x="1828800" y="2560320"/>
             <a:ext cx="2286000" cy="914400"/>
           </a:xfrm>
           <a:prstGeom prst="rect">
@@ -20358,7 +20997,7 @@
       </p:sp>
       <p:sp>
         <p:nvSpPr>
-          <p:cNvPr id="11" name="Shape 9">
+          <p:cNvPr id="16" name="Shape 14">
             <a:hlinkClick r:id="rId2" tooltip="" action="ppaction://hlinksldjump"/>
           </p:cNvPr>
           <p:cNvSpPr/>
@@ -20366,7 +21005,7 @@
         </p:nvSpPr>
         <p:spPr>
           <a:xfrm>
-            <a:off x="5029200" y="2286000"/>
+            <a:off x="5029200" y="2560320"/>
             <a:ext cx="2286000" cy="914400"/>
           </a:xfrm>
           <a:prstGeom prst="rect">

--- a/math-shapes-quiz-complete.pptx
+++ b/math-shapes-quiz-complete.pptx
@@ -5133,7 +5133,7 @@
                   <a:srgbClr val="66B3FF"/>
                 </a:solidFill>
               </a:rPr>
-              <a:t>How can you make a different shape using the same parts? (Hexagon + Triangle)</a:t>
+              <a:t>How can you make a different shape using the same parts?</a:t>
             </a:r>
             <a:endParaRPr lang="en-US" sz="1800" dirty="0"/>
           </a:p>
@@ -5141,14 +5141,222 @@
       </p:sp>
       <p:sp>
         <p:nvSpPr>
-          <p:cNvPr id="4" name="Shape 2"/>
-          <p:cNvSpPr/>
-          <p:nvPr/>
-        </p:nvSpPr>
-        <p:spPr>
-          <a:xfrm>
-            <a:off x="457200" y="1645920"/>
-            <a:ext cx="3840480" cy="1005840"/>
+          <p:cNvPr id="4" name="Text 2"/>
+          <p:cNvSpPr/>
+          <p:nvPr/>
+        </p:nvSpPr>
+        <p:spPr>
+          <a:xfrm>
+            <a:off x="640080" y="822960"/>
+            <a:ext cx="1828800" cy="274320"/>
+          </a:xfrm>
+          <a:prstGeom prst="rect">
+            <a:avLst/>
+          </a:prstGeom>
+          <a:noFill/>
+          <a:ln/>
+        </p:spPr>
+        <p:txBody>
+          <a:bodyPr wrap="square" rtlCol="0" anchor="ctr"/>
+          <a:lstStyle/>
+          <a:p>
+            <a:pPr indent="0" marL="0">
+              <a:buNone/>
+            </a:pPr>
+            <a:r>
+              <a:rPr lang="en-US" sz="1400" i="1" dirty="0">
+                <a:solidFill>
+                  <a:srgbClr val="E0E0E0"/>
+                </a:solidFill>
+              </a:rPr>
+              <a:t>Given shapes:</a:t>
+            </a:r>
+            <a:endParaRPr lang="en-US" sz="1400" dirty="0"/>
+          </a:p>
+        </p:txBody>
+      </p:sp>
+      <p:sp>
+        <p:nvSpPr>
+          <p:cNvPr id="5" name="Shape 3"/>
+          <p:cNvSpPr/>
+          <p:nvPr/>
+        </p:nvSpPr>
+        <p:spPr>
+          <a:xfrm>
+            <a:off x="1051560" y="1129330"/>
+            <a:ext cx="274320" cy="118781"/>
+          </a:xfrm>
+          <a:prstGeom prst="rect">
+            <a:avLst/>
+          </a:prstGeom>
+          <a:solidFill>
+            <a:srgbClr val="66B3FF"/>
+          </a:solidFill>
+          <a:ln w="12700">
+            <a:solidFill>
+              <a:srgbClr val="000000"/>
+            </a:solidFill>
+            <a:prstDash val="solid"/>
+          </a:ln>
+        </p:spPr>
+      </p:sp>
+      <p:sp>
+        <p:nvSpPr>
+          <p:cNvPr id="6" name="Shape 4"/>
+          <p:cNvSpPr/>
+          <p:nvPr/>
+        </p:nvSpPr>
+        <p:spPr>
+          <a:xfrm flipV="1">
+            <a:off x="1051560" y="1069939"/>
+            <a:ext cx="274320" cy="59390"/>
+          </a:xfrm>
+          <a:prstGeom prst="triangle">
+            <a:avLst/>
+          </a:prstGeom>
+          <a:solidFill>
+            <a:srgbClr val="66B3FF"/>
+          </a:solidFill>
+          <a:ln w="12700">
+            <a:solidFill>
+              <a:srgbClr val="333333"/>
+            </a:solidFill>
+            <a:prstDash val="solid"/>
+          </a:ln>
+        </p:spPr>
+      </p:sp>
+      <p:sp>
+        <p:nvSpPr>
+          <p:cNvPr id="7" name="Shape 5"/>
+          <p:cNvSpPr/>
+          <p:nvPr/>
+        </p:nvSpPr>
+        <p:spPr>
+          <a:xfrm>
+            <a:off x="1051560" y="1248110"/>
+            <a:ext cx="274320" cy="59390"/>
+          </a:xfrm>
+          <a:prstGeom prst="triangle">
+            <a:avLst/>
+          </a:prstGeom>
+          <a:solidFill>
+            <a:srgbClr val="66B3FF"/>
+          </a:solidFill>
+          <a:ln w="12700">
+            <a:solidFill>
+              <a:srgbClr val="333333"/>
+            </a:solidFill>
+            <a:prstDash val="solid"/>
+          </a:ln>
+        </p:spPr>
+      </p:sp>
+      <p:sp>
+        <p:nvSpPr>
+          <p:cNvPr id="8" name="Text 6"/>
+          <p:cNvSpPr/>
+          <p:nvPr/>
+        </p:nvSpPr>
+        <p:spPr>
+          <a:xfrm>
+            <a:off x="1051560" y="1353221"/>
+            <a:ext cx="274320" cy="182880"/>
+          </a:xfrm>
+          <a:prstGeom prst="rect">
+            <a:avLst/>
+          </a:prstGeom>
+          <a:noFill/>
+          <a:ln/>
+        </p:spPr>
+        <p:txBody>
+          <a:bodyPr wrap="square" rtlCol="0" anchor="ctr"/>
+          <a:lstStyle/>
+          <a:p>
+            <a:pPr algn="ctr" indent="0" marL="0">
+              <a:buNone/>
+            </a:pPr>
+            <a:r>
+              <a:rPr lang="en-US" sz="1000" dirty="0">
+                <a:solidFill>
+                  <a:srgbClr val="E0E0E0"/>
+                </a:solidFill>
+              </a:rPr>
+              <a:t>Hexagon</a:t>
+            </a:r>
+            <a:endParaRPr lang="en-US" sz="1000" dirty="0"/>
+          </a:p>
+        </p:txBody>
+      </p:sp>
+      <p:sp>
+        <p:nvSpPr>
+          <p:cNvPr id="9" name="Shape 7"/>
+          <p:cNvSpPr/>
+          <p:nvPr/>
+        </p:nvSpPr>
+        <p:spPr>
+          <a:xfrm>
+            <a:off x="2103120" y="1051560"/>
+            <a:ext cx="365760" cy="365760"/>
+          </a:xfrm>
+          <a:prstGeom prst="triangle">
+            <a:avLst/>
+          </a:prstGeom>
+          <a:solidFill>
+            <a:srgbClr val="66B3FF"/>
+          </a:solidFill>
+          <a:ln w="12700">
+            <a:solidFill>
+              <a:srgbClr val="000000"/>
+            </a:solidFill>
+            <a:prstDash val="solid"/>
+          </a:ln>
+        </p:spPr>
+      </p:sp>
+      <p:sp>
+        <p:nvSpPr>
+          <p:cNvPr id="10" name="Text 8"/>
+          <p:cNvSpPr/>
+          <p:nvPr/>
+        </p:nvSpPr>
+        <p:spPr>
+          <a:xfrm>
+            <a:off x="2103120" y="1463040"/>
+            <a:ext cx="365760" cy="182880"/>
+          </a:xfrm>
+          <a:prstGeom prst="rect">
+            <a:avLst/>
+          </a:prstGeom>
+          <a:noFill/>
+          <a:ln/>
+        </p:spPr>
+        <p:txBody>
+          <a:bodyPr wrap="square" rtlCol="0" anchor="ctr"/>
+          <a:lstStyle/>
+          <a:p>
+            <a:pPr algn="ctr" indent="0" marL="0">
+              <a:buNone/>
+            </a:pPr>
+            <a:r>
+              <a:rPr lang="en-US" sz="1000" dirty="0">
+                <a:solidFill>
+                  <a:srgbClr val="E0E0E0"/>
+                </a:solidFill>
+              </a:rPr>
+              <a:t>Triangle</a:t>
+            </a:r>
+            <a:endParaRPr lang="en-US" sz="1000" dirty="0"/>
+          </a:p>
+        </p:txBody>
+      </p:sp>
+      <p:sp>
+        <p:nvSpPr>
+          <p:cNvPr id="11" name="Shape 9"/>
+          <p:cNvSpPr/>
+          <p:nvPr/>
+        </p:nvSpPr>
+        <p:spPr>
+          <a:xfrm>
+            <a:off x="457200" y="2011680"/>
+            <a:ext cx="3840480" cy="1188720"/>
           </a:xfrm>
           <a:prstGeom prst="rect">
             <a:avLst/>
@@ -5166,13 +5374,13 @@
       </p:sp>
       <p:sp>
         <p:nvSpPr>
-          <p:cNvPr id="5" name="Text 3"/>
-          <p:cNvSpPr/>
-          <p:nvPr/>
-        </p:nvSpPr>
-        <p:spPr>
-          <a:xfrm>
-            <a:off x="548640" y="1737360"/>
+          <p:cNvPr id="12" name="Text 10"/>
+          <p:cNvSpPr/>
+          <p:nvPr/>
+        </p:nvSpPr>
+        <p:spPr>
+          <a:xfrm>
+            <a:off x="548640" y="2103120"/>
             <a:ext cx="274320" cy="274320"/>
           </a:xfrm>
           <a:prstGeom prst="rect">
@@ -5204,19 +5412,146 @@
       </p:sp>
       <p:sp>
         <p:nvSpPr>
-          <p:cNvPr id="6" name="Text 4"/>
-          <p:cNvSpPr/>
-          <p:nvPr/>
-        </p:nvSpPr>
-        <p:spPr>
-          <a:xfrm>
-            <a:off x="914400" y="2011680"/>
-            <a:ext cx="3200400" cy="457200"/>
-          </a:xfrm>
-          <a:prstGeom prst="rect">
-            <a:avLst/>
-          </a:prstGeom>
-          <a:noFill/>
+          <p:cNvPr id="13" name="Shape 11"/>
+          <p:cNvSpPr/>
+          <p:nvPr/>
+        </p:nvSpPr>
+        <p:spPr>
+          <a:xfrm>
+            <a:off x="1691640" y="2500930"/>
+            <a:ext cx="274320" cy="118781"/>
+          </a:xfrm>
+          <a:prstGeom prst="rect">
+            <a:avLst/>
+          </a:prstGeom>
+          <a:solidFill>
+            <a:srgbClr val="FF9999"/>
+          </a:solidFill>
+          <a:ln w="12700">
+            <a:solidFill>
+              <a:srgbClr val="000000"/>
+            </a:solidFill>
+            <a:prstDash val="solid"/>
+          </a:ln>
+        </p:spPr>
+      </p:sp>
+      <p:sp>
+        <p:nvSpPr>
+          <p:cNvPr id="14" name="Shape 12"/>
+          <p:cNvSpPr/>
+          <p:nvPr/>
+        </p:nvSpPr>
+        <p:spPr>
+          <a:xfrm flipV="1">
+            <a:off x="1691640" y="2441539"/>
+            <a:ext cx="274320" cy="59390"/>
+          </a:xfrm>
+          <a:prstGeom prst="triangle">
+            <a:avLst/>
+          </a:prstGeom>
+          <a:solidFill>
+            <a:srgbClr val="FF9999"/>
+          </a:solidFill>
+          <a:ln w="12700">
+            <a:solidFill>
+              <a:srgbClr val="333333"/>
+            </a:solidFill>
+            <a:prstDash val="solid"/>
+          </a:ln>
+        </p:spPr>
+      </p:sp>
+      <p:sp>
+        <p:nvSpPr>
+          <p:cNvPr id="15" name="Shape 13"/>
+          <p:cNvSpPr/>
+          <p:nvPr/>
+        </p:nvSpPr>
+        <p:spPr>
+          <a:xfrm>
+            <a:off x="1691640" y="2619710"/>
+            <a:ext cx="274320" cy="59390"/>
+          </a:xfrm>
+          <a:prstGeom prst="triangle">
+            <a:avLst/>
+          </a:prstGeom>
+          <a:solidFill>
+            <a:srgbClr val="FF9999"/>
+          </a:solidFill>
+          <a:ln w="12700">
+            <a:solidFill>
+              <a:srgbClr val="333333"/>
+            </a:solidFill>
+            <a:prstDash val="solid"/>
+          </a:ln>
+        </p:spPr>
+      </p:sp>
+      <p:sp>
+        <p:nvSpPr>
+          <p:cNvPr id="16" name="Shape 14"/>
+          <p:cNvSpPr/>
+          <p:nvPr/>
+        </p:nvSpPr>
+        <p:spPr>
+          <a:xfrm>
+            <a:off x="2194560" y="2468880"/>
+            <a:ext cx="274320" cy="274320"/>
+          </a:xfrm>
+          <a:prstGeom prst="triangle">
+            <a:avLst/>
+          </a:prstGeom>
+          <a:solidFill>
+            <a:srgbClr val="FF9999"/>
+          </a:solidFill>
+          <a:ln w="12700">
+            <a:solidFill>
+              <a:srgbClr val="000000"/>
+            </a:solidFill>
+            <a:prstDash val="solid"/>
+          </a:ln>
+        </p:spPr>
+      </p:sp>
+      <p:sp>
+        <p:nvSpPr>
+          <p:cNvPr id="17" name="Shape 15"/>
+          <p:cNvSpPr/>
+          <p:nvPr/>
+        </p:nvSpPr>
+        <p:spPr>
+          <a:xfrm>
+            <a:off x="4754880" y="2011680"/>
+            <a:ext cx="3840480" cy="1188720"/>
+          </a:xfrm>
+          <a:prstGeom prst="rect">
+            <a:avLst/>
+          </a:prstGeom>
+          <a:solidFill>
+            <a:srgbClr val="2A2A2A"/>
+          </a:solidFill>
+          <a:ln w="12700">
+            <a:solidFill>
+              <a:srgbClr val="555555"/>
+            </a:solidFill>
+            <a:prstDash val="solid"/>
+          </a:ln>
+        </p:spPr>
+      </p:sp>
+      <p:sp>
+        <p:nvSpPr>
+          <p:cNvPr id="18" name="Text 16"/>
+          <p:cNvSpPr/>
+          <p:nvPr/>
+        </p:nvSpPr>
+        <p:spPr>
+          <a:xfrm>
+            <a:off x="4846320" y="2103120"/>
+            <a:ext cx="274320" cy="274320"/>
+          </a:xfrm>
+          <a:prstGeom prst="rect">
+            <a:avLst/>
+          </a:prstGeom>
+          <a:solidFill>
+            <a:srgbClr val="66B3FF"/>
+          </a:solidFill>
           <a:ln/>
         </p:spPr>
         <p:txBody>
@@ -5227,27 +5562,127 @@
               <a:buNone/>
             </a:pPr>
             <a:r>
-              <a:rPr lang="en-US" sz="1200" dirty="0">
-                <a:solidFill>
-                  <a:srgbClr val="E0E0E0"/>
-                </a:solidFill>
-              </a:rPr>
-              <a:t>Transformation 1</a:t>
-            </a:r>
-            <a:endParaRPr lang="en-US" sz="1200" dirty="0"/>
-          </a:p>
-        </p:txBody>
-      </p:sp>
-      <p:sp>
-        <p:nvSpPr>
-          <p:cNvPr id="7" name="Shape 5"/>
-          <p:cNvSpPr/>
-          <p:nvPr/>
-        </p:nvSpPr>
-        <p:spPr>
-          <a:xfrm>
-            <a:off x="4754880" y="1645920"/>
-            <a:ext cx="3840480" cy="1005840"/>
+              <a:rPr lang="en-US" sz="1600" b="1" dirty="0">
+                <a:solidFill>
+                  <a:srgbClr val="FFFFFF"/>
+                </a:solidFill>
+              </a:rPr>
+              <a:t>B</a:t>
+            </a:r>
+            <a:endParaRPr lang="en-US" sz="1600" dirty="0"/>
+          </a:p>
+        </p:txBody>
+      </p:sp>
+      <p:sp>
+        <p:nvSpPr>
+          <p:cNvPr id="19" name="Shape 17"/>
+          <p:cNvSpPr/>
+          <p:nvPr/>
+        </p:nvSpPr>
+        <p:spPr>
+          <a:xfrm>
+            <a:off x="6446520" y="2683810"/>
+            <a:ext cx="274320" cy="118781"/>
+          </a:xfrm>
+          <a:prstGeom prst="rect">
+            <a:avLst/>
+          </a:prstGeom>
+          <a:solidFill>
+            <a:srgbClr val="66B3FF"/>
+          </a:solidFill>
+          <a:ln w="12700">
+            <a:solidFill>
+              <a:srgbClr val="000000"/>
+            </a:solidFill>
+            <a:prstDash val="solid"/>
+          </a:ln>
+        </p:spPr>
+      </p:sp>
+      <p:sp>
+        <p:nvSpPr>
+          <p:cNvPr id="20" name="Shape 18"/>
+          <p:cNvSpPr/>
+          <p:nvPr/>
+        </p:nvSpPr>
+        <p:spPr>
+          <a:xfrm flipV="1">
+            <a:off x="6446520" y="2624419"/>
+            <a:ext cx="274320" cy="59390"/>
+          </a:xfrm>
+          <a:prstGeom prst="triangle">
+            <a:avLst/>
+          </a:prstGeom>
+          <a:solidFill>
+            <a:srgbClr val="66B3FF"/>
+          </a:solidFill>
+          <a:ln w="12700">
+            <a:solidFill>
+              <a:srgbClr val="333333"/>
+            </a:solidFill>
+            <a:prstDash val="solid"/>
+          </a:ln>
+        </p:spPr>
+      </p:sp>
+      <p:sp>
+        <p:nvSpPr>
+          <p:cNvPr id="21" name="Shape 19"/>
+          <p:cNvSpPr/>
+          <p:nvPr/>
+        </p:nvSpPr>
+        <p:spPr>
+          <a:xfrm>
+            <a:off x="6446520" y="2802590"/>
+            <a:ext cx="274320" cy="59390"/>
+          </a:xfrm>
+          <a:prstGeom prst="triangle">
+            <a:avLst/>
+          </a:prstGeom>
+          <a:solidFill>
+            <a:srgbClr val="66B3FF"/>
+          </a:solidFill>
+          <a:ln w="12700">
+            <a:solidFill>
+              <a:srgbClr val="333333"/>
+            </a:solidFill>
+            <a:prstDash val="solid"/>
+          </a:ln>
+        </p:spPr>
+      </p:sp>
+      <p:sp>
+        <p:nvSpPr>
+          <p:cNvPr id="22" name="Shape 20"/>
+          <p:cNvSpPr/>
+          <p:nvPr/>
+        </p:nvSpPr>
+        <p:spPr>
+          <a:xfrm flipV="1">
+            <a:off x="6446520" y="2331720"/>
+            <a:ext cx="274320" cy="274320"/>
+          </a:xfrm>
+          <a:prstGeom prst="triangle">
+            <a:avLst/>
+          </a:prstGeom>
+          <a:solidFill>
+            <a:srgbClr val="66B3FF"/>
+          </a:solidFill>
+          <a:ln w="12700">
+            <a:solidFill>
+              <a:srgbClr val="000000"/>
+            </a:solidFill>
+            <a:prstDash val="solid"/>
+          </a:ln>
+        </p:spPr>
+      </p:sp>
+      <p:sp>
+        <p:nvSpPr>
+          <p:cNvPr id="23" name="Shape 21"/>
+          <p:cNvSpPr/>
+          <p:nvPr/>
+        </p:nvSpPr>
+        <p:spPr>
+          <a:xfrm>
+            <a:off x="457200" y="3383280"/>
+            <a:ext cx="3840480" cy="1188720"/>
           </a:xfrm>
           <a:prstGeom prst="rect">
             <a:avLst/>
@@ -5265,20 +5700,20 @@
       </p:sp>
       <p:sp>
         <p:nvSpPr>
-          <p:cNvPr id="8" name="Text 6"/>
-          <p:cNvSpPr/>
-          <p:nvPr/>
-        </p:nvSpPr>
-        <p:spPr>
-          <a:xfrm>
-            <a:off x="4846320" y="1737360"/>
+          <p:cNvPr id="24" name="Text 22"/>
+          <p:cNvSpPr/>
+          <p:nvPr/>
+        </p:nvSpPr>
+        <p:spPr>
+          <a:xfrm>
+            <a:off x="548640" y="3474720"/>
             <a:ext cx="274320" cy="274320"/>
           </a:xfrm>
           <a:prstGeom prst="rect">
             <a:avLst/>
           </a:prstGeom>
           <a:solidFill>
-            <a:srgbClr val="66B3FF"/>
+            <a:srgbClr val="FF9999"/>
           </a:solidFill>
           <a:ln/>
         </p:spPr>
@@ -5295,7 +5730,7 @@
                   <a:srgbClr val="FFFFFF"/>
                 </a:solidFill>
               </a:rPr>
-              <a:t>B</a:t>
+              <a:t>C</a:t>
             </a:r>
             <a:endParaRPr lang="en-US" sz="1600" dirty="0"/>
           </a:p>
@@ -5303,19 +5738,146 @@
       </p:sp>
       <p:sp>
         <p:nvSpPr>
-          <p:cNvPr id="9" name="Text 7"/>
-          <p:cNvSpPr/>
-          <p:nvPr/>
-        </p:nvSpPr>
-        <p:spPr>
-          <a:xfrm>
-            <a:off x="5212080" y="2011680"/>
-            <a:ext cx="3200400" cy="457200"/>
-          </a:xfrm>
-          <a:prstGeom prst="rect">
-            <a:avLst/>
-          </a:prstGeom>
-          <a:noFill/>
+          <p:cNvPr id="25" name="Shape 23"/>
+          <p:cNvSpPr/>
+          <p:nvPr/>
+        </p:nvSpPr>
+        <p:spPr>
+          <a:xfrm>
+            <a:off x="1691640" y="3689650"/>
+            <a:ext cx="274320" cy="118781"/>
+          </a:xfrm>
+          <a:prstGeom prst="rect">
+            <a:avLst/>
+          </a:prstGeom>
+          <a:solidFill>
+            <a:srgbClr val="FF9999"/>
+          </a:solidFill>
+          <a:ln w="12700">
+            <a:solidFill>
+              <a:srgbClr val="000000"/>
+            </a:solidFill>
+            <a:prstDash val="solid"/>
+          </a:ln>
+        </p:spPr>
+      </p:sp>
+      <p:sp>
+        <p:nvSpPr>
+          <p:cNvPr id="26" name="Shape 24"/>
+          <p:cNvSpPr/>
+          <p:nvPr/>
+        </p:nvSpPr>
+        <p:spPr>
+          <a:xfrm flipV="1">
+            <a:off x="1691640" y="3630259"/>
+            <a:ext cx="274320" cy="59390"/>
+          </a:xfrm>
+          <a:prstGeom prst="triangle">
+            <a:avLst/>
+          </a:prstGeom>
+          <a:solidFill>
+            <a:srgbClr val="FF9999"/>
+          </a:solidFill>
+          <a:ln w="12700">
+            <a:solidFill>
+              <a:srgbClr val="333333"/>
+            </a:solidFill>
+            <a:prstDash val="solid"/>
+          </a:ln>
+        </p:spPr>
+      </p:sp>
+      <p:sp>
+        <p:nvSpPr>
+          <p:cNvPr id="27" name="Shape 25"/>
+          <p:cNvSpPr/>
+          <p:nvPr/>
+        </p:nvSpPr>
+        <p:spPr>
+          <a:xfrm>
+            <a:off x="1691640" y="3808430"/>
+            <a:ext cx="274320" cy="59390"/>
+          </a:xfrm>
+          <a:prstGeom prst="triangle">
+            <a:avLst/>
+          </a:prstGeom>
+          <a:solidFill>
+            <a:srgbClr val="FF9999"/>
+          </a:solidFill>
+          <a:ln w="12700">
+            <a:solidFill>
+              <a:srgbClr val="333333"/>
+            </a:solidFill>
+            <a:prstDash val="solid"/>
+          </a:ln>
+        </p:spPr>
+      </p:sp>
+      <p:sp>
+        <p:nvSpPr>
+          <p:cNvPr id="28" name="Shape 26"/>
+          <p:cNvSpPr/>
+          <p:nvPr/>
+        </p:nvSpPr>
+        <p:spPr>
+          <a:xfrm>
+            <a:off x="1691640" y="4069080"/>
+            <a:ext cx="274320" cy="274320"/>
+          </a:xfrm>
+          <a:prstGeom prst="triangle">
+            <a:avLst/>
+          </a:prstGeom>
+          <a:solidFill>
+            <a:srgbClr val="FF9999"/>
+          </a:solidFill>
+          <a:ln w="12700">
+            <a:solidFill>
+              <a:srgbClr val="000000"/>
+            </a:solidFill>
+            <a:prstDash val="solid"/>
+          </a:ln>
+        </p:spPr>
+      </p:sp>
+      <p:sp>
+        <p:nvSpPr>
+          <p:cNvPr id="29" name="Shape 27"/>
+          <p:cNvSpPr/>
+          <p:nvPr/>
+        </p:nvSpPr>
+        <p:spPr>
+          <a:xfrm>
+            <a:off x="4754880" y="3383280"/>
+            <a:ext cx="3840480" cy="1188720"/>
+          </a:xfrm>
+          <a:prstGeom prst="rect">
+            <a:avLst/>
+          </a:prstGeom>
+          <a:solidFill>
+            <a:srgbClr val="2A2A2A"/>
+          </a:solidFill>
+          <a:ln w="12700">
+            <a:solidFill>
+              <a:srgbClr val="555555"/>
+            </a:solidFill>
+            <a:prstDash val="solid"/>
+          </a:ln>
+        </p:spPr>
+      </p:sp>
+      <p:sp>
+        <p:nvSpPr>
+          <p:cNvPr id="30" name="Text 28"/>
+          <p:cNvSpPr/>
+          <p:nvPr/>
+        </p:nvSpPr>
+        <p:spPr>
+          <a:xfrm>
+            <a:off x="4846320" y="3474720"/>
+            <a:ext cx="274320" cy="274320"/>
+          </a:xfrm>
+          <a:prstGeom prst="rect">
+            <a:avLst/>
+          </a:prstGeom>
+          <a:solidFill>
+            <a:srgbClr val="FF9999"/>
+          </a:solidFill>
           <a:ln/>
         </p:spPr>
         <p:txBody>
@@ -5326,218 +5888,120 @@
               <a:buNone/>
             </a:pPr>
             <a:r>
-              <a:rPr lang="en-US" sz="1200" dirty="0">
-                <a:solidFill>
-                  <a:srgbClr val="E0E0E0"/>
-                </a:solidFill>
-              </a:rPr>
-              <a:t>Transformation 2 (Correct)</a:t>
-            </a:r>
-            <a:endParaRPr lang="en-US" sz="1200" dirty="0"/>
-          </a:p>
-        </p:txBody>
-      </p:sp>
-      <p:sp>
-        <p:nvSpPr>
-          <p:cNvPr id="10" name="Shape 8"/>
-          <p:cNvSpPr/>
-          <p:nvPr/>
-        </p:nvSpPr>
-        <p:spPr>
-          <a:xfrm>
-            <a:off x="457200" y="2834640"/>
-            <a:ext cx="3840480" cy="1005840"/>
-          </a:xfrm>
-          <a:prstGeom prst="rect">
-            <a:avLst/>
-          </a:prstGeom>
-          <a:solidFill>
-            <a:srgbClr val="2A2A2A"/>
-          </a:solidFill>
-          <a:ln w="12700">
-            <a:solidFill>
-              <a:srgbClr val="555555"/>
-            </a:solidFill>
-            <a:prstDash val="solid"/>
-          </a:ln>
-        </p:spPr>
-      </p:sp>
-      <p:sp>
-        <p:nvSpPr>
-          <p:cNvPr id="11" name="Text 9"/>
-          <p:cNvSpPr/>
-          <p:nvPr/>
-        </p:nvSpPr>
-        <p:spPr>
-          <a:xfrm>
-            <a:off x="548640" y="2926080"/>
+              <a:rPr lang="en-US" sz="1600" b="1" dirty="0">
+                <a:solidFill>
+                  <a:srgbClr val="FFFFFF"/>
+                </a:solidFill>
+              </a:rPr>
+              <a:t>D</a:t>
+            </a:r>
+            <a:endParaRPr lang="en-US" sz="1600" dirty="0"/>
+          </a:p>
+        </p:txBody>
+      </p:sp>
+      <p:sp>
+        <p:nvSpPr>
+          <p:cNvPr id="31" name="Shape 29"/>
+          <p:cNvSpPr/>
+          <p:nvPr/>
+        </p:nvSpPr>
+        <p:spPr>
+          <a:xfrm>
+            <a:off x="6446520" y="3689650"/>
+            <a:ext cx="274320" cy="118781"/>
+          </a:xfrm>
+          <a:prstGeom prst="rect">
+            <a:avLst/>
+          </a:prstGeom>
+          <a:solidFill>
+            <a:srgbClr val="FF9999"/>
+          </a:solidFill>
+          <a:ln w="12700">
+            <a:solidFill>
+              <a:srgbClr val="000000"/>
+            </a:solidFill>
+            <a:prstDash val="solid"/>
+          </a:ln>
+        </p:spPr>
+      </p:sp>
+      <p:sp>
+        <p:nvSpPr>
+          <p:cNvPr id="32" name="Shape 30"/>
+          <p:cNvSpPr/>
+          <p:nvPr/>
+        </p:nvSpPr>
+        <p:spPr>
+          <a:xfrm flipV="1">
+            <a:off x="6446520" y="3630259"/>
+            <a:ext cx="274320" cy="59390"/>
+          </a:xfrm>
+          <a:prstGeom prst="triangle">
+            <a:avLst/>
+          </a:prstGeom>
+          <a:solidFill>
+            <a:srgbClr val="FF9999"/>
+          </a:solidFill>
+          <a:ln w="12700">
+            <a:solidFill>
+              <a:srgbClr val="333333"/>
+            </a:solidFill>
+            <a:prstDash val="solid"/>
+          </a:ln>
+        </p:spPr>
+      </p:sp>
+      <p:sp>
+        <p:nvSpPr>
+          <p:cNvPr id="33" name="Shape 31"/>
+          <p:cNvSpPr/>
+          <p:nvPr/>
+        </p:nvSpPr>
+        <p:spPr>
+          <a:xfrm>
+            <a:off x="6446520" y="3808430"/>
+            <a:ext cx="274320" cy="59390"/>
+          </a:xfrm>
+          <a:prstGeom prst="triangle">
+            <a:avLst/>
+          </a:prstGeom>
+          <a:solidFill>
+            <a:srgbClr val="FF9999"/>
+          </a:solidFill>
+          <a:ln w="12700">
+            <a:solidFill>
+              <a:srgbClr val="333333"/>
+            </a:solidFill>
+            <a:prstDash val="solid"/>
+          </a:ln>
+        </p:spPr>
+      </p:sp>
+      <p:sp>
+        <p:nvSpPr>
+          <p:cNvPr id="34" name="Shape 32"/>
+          <p:cNvSpPr/>
+          <p:nvPr/>
+        </p:nvSpPr>
+        <p:spPr>
+          <a:xfrm>
+            <a:off x="6446520" y="4069080"/>
             <a:ext cx="274320" cy="274320"/>
           </a:xfrm>
-          <a:prstGeom prst="rect">
+          <a:prstGeom prst="triangle">
             <a:avLst/>
           </a:prstGeom>
           <a:solidFill>
             <a:srgbClr val="FF9999"/>
           </a:solidFill>
-          <a:ln/>
-        </p:spPr>
-        <p:txBody>
-          <a:bodyPr wrap="square" rtlCol="0" anchor="ctr"/>
-          <a:lstStyle/>
-          <a:p>
-            <a:pPr algn="ctr" indent="0" marL="0">
-              <a:buNone/>
-            </a:pPr>
-            <a:r>
-              <a:rPr lang="en-US" sz="1600" b="1" dirty="0">
-                <a:solidFill>
-                  <a:srgbClr val="FFFFFF"/>
-                </a:solidFill>
-              </a:rPr>
-              <a:t>C</a:t>
-            </a:r>
-            <a:endParaRPr lang="en-US" sz="1600" dirty="0"/>
-          </a:p>
-        </p:txBody>
-      </p:sp>
-      <p:sp>
-        <p:nvSpPr>
-          <p:cNvPr id="12" name="Text 10"/>
-          <p:cNvSpPr/>
-          <p:nvPr/>
-        </p:nvSpPr>
-        <p:spPr>
-          <a:xfrm>
-            <a:off x="914400" y="3200400"/>
-            <a:ext cx="3200400" cy="457200"/>
-          </a:xfrm>
-          <a:prstGeom prst="rect">
-            <a:avLst/>
-          </a:prstGeom>
-          <a:noFill/>
-          <a:ln/>
-        </p:spPr>
-        <p:txBody>
-          <a:bodyPr wrap="square" rtlCol="0" anchor="ctr"/>
-          <a:lstStyle/>
-          <a:p>
-            <a:pPr algn="ctr" indent="0" marL="0">
-              <a:buNone/>
-            </a:pPr>
-            <a:r>
-              <a:rPr lang="en-US" sz="1200" dirty="0">
-                <a:solidFill>
-                  <a:srgbClr val="E0E0E0"/>
-                </a:solidFill>
-              </a:rPr>
-              <a:t>Transformation 3</a:t>
-            </a:r>
-            <a:endParaRPr lang="en-US" sz="1200" dirty="0"/>
-          </a:p>
-        </p:txBody>
-      </p:sp>
-      <p:sp>
-        <p:nvSpPr>
-          <p:cNvPr id="13" name="Shape 11"/>
-          <p:cNvSpPr/>
-          <p:nvPr/>
-        </p:nvSpPr>
-        <p:spPr>
-          <a:xfrm>
-            <a:off x="4754880" y="2834640"/>
-            <a:ext cx="3840480" cy="1005840"/>
-          </a:xfrm>
-          <a:prstGeom prst="rect">
-            <a:avLst/>
-          </a:prstGeom>
-          <a:solidFill>
-            <a:srgbClr val="2A2A2A"/>
-          </a:solidFill>
-          <a:ln w="12700">
-            <a:solidFill>
-              <a:srgbClr val="555555"/>
-            </a:solidFill>
-            <a:prstDash val="solid"/>
-          </a:ln>
-        </p:spPr>
-      </p:sp>
-      <p:sp>
-        <p:nvSpPr>
-          <p:cNvPr id="14" name="Text 12"/>
-          <p:cNvSpPr/>
-          <p:nvPr/>
-        </p:nvSpPr>
-        <p:spPr>
-          <a:xfrm>
-            <a:off x="4846320" y="2926080"/>
-            <a:ext cx="274320" cy="274320"/>
-          </a:xfrm>
-          <a:prstGeom prst="rect">
-            <a:avLst/>
-          </a:prstGeom>
-          <a:solidFill>
-            <a:srgbClr val="FF9999"/>
-          </a:solidFill>
-          <a:ln/>
-        </p:spPr>
-        <p:txBody>
-          <a:bodyPr wrap="square" rtlCol="0" anchor="ctr"/>
-          <a:lstStyle/>
-          <a:p>
-            <a:pPr algn="ctr" indent="0" marL="0">
-              <a:buNone/>
-            </a:pPr>
-            <a:r>
-              <a:rPr lang="en-US" sz="1600" b="1" dirty="0">
-                <a:solidFill>
-                  <a:srgbClr val="FFFFFF"/>
-                </a:solidFill>
-              </a:rPr>
-              <a:t>D</a:t>
-            </a:r>
-            <a:endParaRPr lang="en-US" sz="1600" dirty="0"/>
-          </a:p>
-        </p:txBody>
-      </p:sp>
-      <p:sp>
-        <p:nvSpPr>
-          <p:cNvPr id="15" name="Text 13"/>
-          <p:cNvSpPr/>
-          <p:nvPr/>
-        </p:nvSpPr>
-        <p:spPr>
-          <a:xfrm>
-            <a:off x="5212080" y="3200400"/>
-            <a:ext cx="3200400" cy="457200"/>
-          </a:xfrm>
-          <a:prstGeom prst="rect">
-            <a:avLst/>
-          </a:prstGeom>
-          <a:noFill/>
-          <a:ln/>
-        </p:spPr>
-        <p:txBody>
-          <a:bodyPr wrap="square" rtlCol="0" anchor="ctr"/>
-          <a:lstStyle/>
-          <a:p>
-            <a:pPr algn="ctr" indent="0" marL="0">
-              <a:buNone/>
-            </a:pPr>
-            <a:r>
-              <a:rPr lang="en-US" sz="1200" dirty="0">
-                <a:solidFill>
-                  <a:srgbClr val="E0E0E0"/>
-                </a:solidFill>
-              </a:rPr>
-              <a:t>Transformation 4</a:t>
-            </a:r>
-            <a:endParaRPr lang="en-US" sz="1200" dirty="0"/>
-          </a:p>
-        </p:txBody>
-      </p:sp>
-      <p:sp>
-        <p:nvSpPr>
-          <p:cNvPr id="16" name="Shape 14">
+          <a:ln w="12700">
+            <a:solidFill>
+              <a:srgbClr val="000000"/>
+            </a:solidFill>
+            <a:prstDash val="solid"/>
+          </a:ln>
+        </p:spPr>
+      </p:sp>
+      <p:sp>
+        <p:nvSpPr>
+          <p:cNvPr id="35" name="Shape 33">
             <a:hlinkClick r:id="rId1" tooltip="" action="ppaction://hlinksldjump"/>
           </p:cNvPr>
           <p:cNvSpPr/>
@@ -5545,8 +6009,8 @@
         </p:nvSpPr>
         <p:spPr>
           <a:xfrm>
-            <a:off x="457200" y="1645920"/>
-            <a:ext cx="3840480" cy="1005840"/>
+            <a:off x="457200" y="2011680"/>
+            <a:ext cx="3840480" cy="1188720"/>
           </a:xfrm>
           <a:prstGeom prst="rect">
             <a:avLst/>
@@ -5566,7 +6030,7 @@
       </p:sp>
       <p:sp>
         <p:nvSpPr>
-          <p:cNvPr id="17" name="Shape 15">
+          <p:cNvPr id="36" name="Shape 34">
             <a:hlinkClick r:id="rId2" tooltip="" action="ppaction://hlinksldjump"/>
           </p:cNvPr>
           <p:cNvSpPr/>
@@ -5574,8 +6038,8 @@
         </p:nvSpPr>
         <p:spPr>
           <a:xfrm>
-            <a:off x="4754880" y="1645920"/>
-            <a:ext cx="3840480" cy="1005840"/>
+            <a:off x="4754880" y="2011680"/>
+            <a:ext cx="3840480" cy="1188720"/>
           </a:xfrm>
           <a:prstGeom prst="rect">
             <a:avLst/>
@@ -5595,7 +6059,7 @@
       </p:sp>
       <p:sp>
         <p:nvSpPr>
-          <p:cNvPr id="18" name="Shape 16">
+          <p:cNvPr id="37" name="Shape 35">
             <a:hlinkClick r:id="rId3" tooltip="" action="ppaction://hlinksldjump"/>
           </p:cNvPr>
           <p:cNvSpPr/>
@@ -5603,8 +6067,8 @@
         </p:nvSpPr>
         <p:spPr>
           <a:xfrm>
-            <a:off x="457200" y="2834640"/>
-            <a:ext cx="3840480" cy="1005840"/>
+            <a:off x="457200" y="3383280"/>
+            <a:ext cx="3840480" cy="1188720"/>
           </a:xfrm>
           <a:prstGeom prst="rect">
             <a:avLst/>
@@ -5624,7 +6088,7 @@
       </p:sp>
       <p:sp>
         <p:nvSpPr>
-          <p:cNvPr id="19" name="Shape 17">
+          <p:cNvPr id="38" name="Shape 36">
             <a:hlinkClick r:id="rId4" tooltip="" action="ppaction://hlinksldjump"/>
           </p:cNvPr>
           <p:cNvSpPr/>
@@ -5632,8 +6096,8 @@
         </p:nvSpPr>
         <p:spPr>
           <a:xfrm>
-            <a:off x="4754880" y="2834640"/>
-            <a:ext cx="3840480" cy="1005840"/>
+            <a:off x="4754880" y="3383280"/>
+            <a:ext cx="3840480" cy="1188720"/>
           </a:xfrm>
           <a:prstGeom prst="rect">
             <a:avLst/>
@@ -5751,7 +6215,7 @@
                   <a:srgbClr val="66B3FF"/>
                 </a:solidFill>
               </a:rPr>
-              <a:t>How can you make a different shape using the same parts? (Hexagon + Triangle)</a:t>
+              <a:t>How can you make a different shape using the same parts?</a:t>
             </a:r>
             <a:endParaRPr lang="en-US" sz="1800" dirty="0"/>
           </a:p>
@@ -5765,8 +6229,8 @@
         </p:nvSpPr>
         <p:spPr>
           <a:xfrm>
-            <a:off x="4754880" y="1645920"/>
-            <a:ext cx="3840480" cy="1005840"/>
+            <a:off x="4754880" y="2286000"/>
+            <a:ext cx="3840480" cy="1188720"/>
           </a:xfrm>
           <a:prstGeom prst="rect">
             <a:avLst/>
@@ -5790,7 +6254,7 @@
         </p:nvSpPr>
         <p:spPr>
           <a:xfrm>
-            <a:off x="4846320" y="1737360"/>
+            <a:off x="4846320" y="2377440"/>
             <a:ext cx="274320" cy="274320"/>
           </a:xfrm>
           <a:prstGeom prst="rect">
@@ -5822,43 +6286,107 @@
       </p:sp>
       <p:sp>
         <p:nvSpPr>
-          <p:cNvPr id="6" name="Text 4"/>
-          <p:cNvSpPr/>
-          <p:nvPr/>
-        </p:nvSpPr>
-        <p:spPr>
-          <a:xfrm>
-            <a:off x="5212080" y="2011680"/>
-            <a:ext cx="3200400" cy="457200"/>
-          </a:xfrm>
-          <a:prstGeom prst="rect">
-            <a:avLst/>
-          </a:prstGeom>
-          <a:noFill/>
-          <a:ln/>
-        </p:spPr>
-        <p:txBody>
-          <a:bodyPr wrap="square" rtlCol="0" anchor="ctr"/>
-          <a:lstStyle/>
-          <a:p>
-            <a:pPr algn="ctr" indent="0" marL="0">
-              <a:buNone/>
-            </a:pPr>
-            <a:r>
-              <a:rPr lang="en-US" sz="1200" b="1" dirty="0">
-                <a:solidFill>
-                  <a:srgbClr val="2ECC71"/>
-                </a:solidFill>
-              </a:rPr>
-              <a:t>✓ Transformation 2 (Correct)</a:t>
-            </a:r>
-            <a:endParaRPr lang="en-US" sz="1200" dirty="0"/>
-          </a:p>
-        </p:txBody>
+          <p:cNvPr id="6" name="Shape 4"/>
+          <p:cNvSpPr/>
+          <p:nvPr/>
+        </p:nvSpPr>
+        <p:spPr>
+          <a:xfrm>
+            <a:off x="6446520" y="2958130"/>
+            <a:ext cx="274320" cy="118781"/>
+          </a:xfrm>
+          <a:prstGeom prst="rect">
+            <a:avLst/>
+          </a:prstGeom>
+          <a:solidFill>
+            <a:srgbClr val="66B3FF"/>
+          </a:solidFill>
+          <a:ln w="12700">
+            <a:solidFill>
+              <a:srgbClr val="000000"/>
+            </a:solidFill>
+            <a:prstDash val="solid"/>
+          </a:ln>
+        </p:spPr>
       </p:sp>
       <p:sp>
         <p:nvSpPr>
           <p:cNvPr id="7" name="Shape 5"/>
+          <p:cNvSpPr/>
+          <p:nvPr/>
+        </p:nvSpPr>
+        <p:spPr>
+          <a:xfrm flipV="1">
+            <a:off x="6446520" y="2898739"/>
+            <a:ext cx="274320" cy="59390"/>
+          </a:xfrm>
+          <a:prstGeom prst="triangle">
+            <a:avLst/>
+          </a:prstGeom>
+          <a:solidFill>
+            <a:srgbClr val="66B3FF"/>
+          </a:solidFill>
+          <a:ln w="12700">
+            <a:solidFill>
+              <a:srgbClr val="333333"/>
+            </a:solidFill>
+            <a:prstDash val="solid"/>
+          </a:ln>
+        </p:spPr>
+      </p:sp>
+      <p:sp>
+        <p:nvSpPr>
+          <p:cNvPr id="8" name="Shape 6"/>
+          <p:cNvSpPr/>
+          <p:nvPr/>
+        </p:nvSpPr>
+        <p:spPr>
+          <a:xfrm>
+            <a:off x="6446520" y="3076910"/>
+            <a:ext cx="274320" cy="59390"/>
+          </a:xfrm>
+          <a:prstGeom prst="triangle">
+            <a:avLst/>
+          </a:prstGeom>
+          <a:solidFill>
+            <a:srgbClr val="66B3FF"/>
+          </a:solidFill>
+          <a:ln w="12700">
+            <a:solidFill>
+              <a:srgbClr val="333333"/>
+            </a:solidFill>
+            <a:prstDash val="solid"/>
+          </a:ln>
+        </p:spPr>
+      </p:sp>
+      <p:sp>
+        <p:nvSpPr>
+          <p:cNvPr id="9" name="Shape 7"/>
+          <p:cNvSpPr/>
+          <p:nvPr/>
+        </p:nvSpPr>
+        <p:spPr>
+          <a:xfrm flipV="1">
+            <a:off x="6446520" y="2606040"/>
+            <a:ext cx="274320" cy="274320"/>
+          </a:xfrm>
+          <a:prstGeom prst="triangle">
+            <a:avLst/>
+          </a:prstGeom>
+          <a:solidFill>
+            <a:srgbClr val="66B3FF"/>
+          </a:solidFill>
+          <a:ln w="12700">
+            <a:solidFill>
+              <a:srgbClr val="000000"/>
+            </a:solidFill>
+            <a:prstDash val="solid"/>
+          </a:ln>
+        </p:spPr>
+      </p:sp>
+      <p:sp>
+        <p:nvSpPr>
+          <p:cNvPr id="10" name="Shape 8"/>
           <p:cNvSpPr/>
           <p:nvPr/>
         </p:nvSpPr>
@@ -5883,7 +6411,7 @@
       </p:sp>
       <p:sp>
         <p:nvSpPr>
-          <p:cNvPr id="8" name="Text 6">
+          <p:cNvPr id="11" name="Text 9">
             <a:hlinkClick r:id="rId1" tooltip="" action="ppaction://hlinksldjump"/>
           </p:cNvPr>
           <p:cNvSpPr/>
@@ -6026,7 +6554,7 @@
                   <a:srgbClr val="66B3FF"/>
                 </a:solidFill>
               </a:rPr>
-              <a:t>How can you make a different shape using the same parts? (Parallelogram + Square)</a:t>
+              <a:t>How can you make a different shape using the same parts?</a:t>
             </a:r>
             <a:endParaRPr lang="en-US" sz="1800" dirty="0"/>
           </a:p>
@@ -6034,14 +6562,172 @@
       </p:sp>
       <p:sp>
         <p:nvSpPr>
-          <p:cNvPr id="4" name="Shape 2"/>
-          <p:cNvSpPr/>
-          <p:nvPr/>
-        </p:nvSpPr>
-        <p:spPr>
-          <a:xfrm>
-            <a:off x="457200" y="1645920"/>
-            <a:ext cx="3840480" cy="1005840"/>
+          <p:cNvPr id="4" name="Text 2"/>
+          <p:cNvSpPr/>
+          <p:nvPr/>
+        </p:nvSpPr>
+        <p:spPr>
+          <a:xfrm>
+            <a:off x="640080" y="822960"/>
+            <a:ext cx="1828800" cy="274320"/>
+          </a:xfrm>
+          <a:prstGeom prst="rect">
+            <a:avLst/>
+          </a:prstGeom>
+          <a:noFill/>
+          <a:ln/>
+        </p:spPr>
+        <p:txBody>
+          <a:bodyPr wrap="square" rtlCol="0" anchor="ctr"/>
+          <a:lstStyle/>
+          <a:p>
+            <a:pPr indent="0" marL="0">
+              <a:buNone/>
+            </a:pPr>
+            <a:r>
+              <a:rPr lang="en-US" sz="1400" i="1" dirty="0">
+                <a:solidFill>
+                  <a:srgbClr val="E0E0E0"/>
+                </a:solidFill>
+              </a:rPr>
+              <a:t>Given shapes:</a:t>
+            </a:r>
+            <a:endParaRPr lang="en-US" sz="1400" dirty="0"/>
+          </a:p>
+        </p:txBody>
+      </p:sp>
+      <p:sp>
+        <p:nvSpPr>
+          <p:cNvPr id="5" name="Shape 3"/>
+          <p:cNvSpPr/>
+          <p:nvPr/>
+        </p:nvSpPr>
+        <p:spPr>
+          <a:xfrm rot="1233363">
+            <a:off x="1005840" y="1097280"/>
+            <a:ext cx="548640" cy="365760"/>
+          </a:xfrm>
+          <a:prstGeom prst="rect">
+            <a:avLst/>
+          </a:prstGeom>
+          <a:solidFill>
+            <a:srgbClr val="66B3FF"/>
+          </a:solidFill>
+          <a:ln w="12700">
+            <a:solidFill>
+              <a:srgbClr val="000000"/>
+            </a:solidFill>
+            <a:prstDash val="solid"/>
+          </a:ln>
+        </p:spPr>
+      </p:sp>
+      <p:sp>
+        <p:nvSpPr>
+          <p:cNvPr id="6" name="Text 4"/>
+          <p:cNvSpPr/>
+          <p:nvPr/>
+        </p:nvSpPr>
+        <p:spPr>
+          <a:xfrm>
+            <a:off x="1005840" y="1508760"/>
+            <a:ext cx="548640" cy="182880"/>
+          </a:xfrm>
+          <a:prstGeom prst="rect">
+            <a:avLst/>
+          </a:prstGeom>
+          <a:noFill/>
+          <a:ln/>
+        </p:spPr>
+        <p:txBody>
+          <a:bodyPr wrap="square" rtlCol="0" anchor="ctr"/>
+          <a:lstStyle/>
+          <a:p>
+            <a:pPr algn="ctr" indent="0" marL="0">
+              <a:buNone/>
+            </a:pPr>
+            <a:r>
+              <a:rPr lang="en-US" sz="1000" dirty="0">
+                <a:solidFill>
+                  <a:srgbClr val="E0E0E0"/>
+                </a:solidFill>
+              </a:rPr>
+              <a:t>Parallelogram</a:t>
+            </a:r>
+            <a:endParaRPr lang="en-US" sz="1000" dirty="0"/>
+          </a:p>
+        </p:txBody>
+      </p:sp>
+      <p:sp>
+        <p:nvSpPr>
+          <p:cNvPr id="7" name="Shape 5"/>
+          <p:cNvSpPr/>
+          <p:nvPr/>
+        </p:nvSpPr>
+        <p:spPr>
+          <a:xfrm>
+            <a:off x="2011680" y="1097280"/>
+            <a:ext cx="365760" cy="365760"/>
+          </a:xfrm>
+          <a:prstGeom prst="rect">
+            <a:avLst/>
+          </a:prstGeom>
+          <a:solidFill>
+            <a:srgbClr val="66B3FF"/>
+          </a:solidFill>
+          <a:ln w="12700">
+            <a:solidFill>
+              <a:srgbClr val="000000"/>
+            </a:solidFill>
+            <a:prstDash val="solid"/>
+          </a:ln>
+        </p:spPr>
+      </p:sp>
+      <p:sp>
+        <p:nvSpPr>
+          <p:cNvPr id="8" name="Text 6"/>
+          <p:cNvSpPr/>
+          <p:nvPr/>
+        </p:nvSpPr>
+        <p:spPr>
+          <a:xfrm>
+            <a:off x="2011680" y="1508760"/>
+            <a:ext cx="365760" cy="182880"/>
+          </a:xfrm>
+          <a:prstGeom prst="rect">
+            <a:avLst/>
+          </a:prstGeom>
+          <a:noFill/>
+          <a:ln/>
+        </p:spPr>
+        <p:txBody>
+          <a:bodyPr wrap="square" rtlCol="0" anchor="ctr"/>
+          <a:lstStyle/>
+          <a:p>
+            <a:pPr algn="ctr" indent="0" marL="0">
+              <a:buNone/>
+            </a:pPr>
+            <a:r>
+              <a:rPr lang="en-US" sz="1000" dirty="0">
+                <a:solidFill>
+                  <a:srgbClr val="E0E0E0"/>
+                </a:solidFill>
+              </a:rPr>
+              <a:t>Square</a:t>
+            </a:r>
+            <a:endParaRPr lang="en-US" sz="1000" dirty="0"/>
+          </a:p>
+        </p:txBody>
+      </p:sp>
+      <p:sp>
+        <p:nvSpPr>
+          <p:cNvPr id="9" name="Shape 7"/>
+          <p:cNvSpPr/>
+          <p:nvPr/>
+        </p:nvSpPr>
+        <p:spPr>
+          <a:xfrm>
+            <a:off x="457200" y="2011680"/>
+            <a:ext cx="3840480" cy="1188720"/>
           </a:xfrm>
           <a:prstGeom prst="rect">
             <a:avLst/>
@@ -6059,13 +6745,13 @@
       </p:sp>
       <p:sp>
         <p:nvSpPr>
-          <p:cNvPr id="5" name="Text 3"/>
-          <p:cNvSpPr/>
-          <p:nvPr/>
-        </p:nvSpPr>
-        <p:spPr>
-          <a:xfrm>
-            <a:off x="548640" y="1737360"/>
+          <p:cNvPr id="10" name="Text 8"/>
+          <p:cNvSpPr/>
+          <p:nvPr/>
+        </p:nvSpPr>
+        <p:spPr>
+          <a:xfrm>
+            <a:off x="548640" y="2103120"/>
             <a:ext cx="274320" cy="274320"/>
           </a:xfrm>
           <a:prstGeom prst="rect">
@@ -6097,19 +6783,96 @@
       </p:sp>
       <p:sp>
         <p:nvSpPr>
-          <p:cNvPr id="6" name="Text 4"/>
-          <p:cNvSpPr/>
-          <p:nvPr/>
-        </p:nvSpPr>
-        <p:spPr>
-          <a:xfrm>
-            <a:off x="914400" y="2011680"/>
-            <a:ext cx="3200400" cy="457200"/>
-          </a:xfrm>
-          <a:prstGeom prst="rect">
-            <a:avLst/>
-          </a:prstGeom>
-          <a:noFill/>
+          <p:cNvPr id="11" name="Shape 9"/>
+          <p:cNvSpPr/>
+          <p:nvPr/>
+        </p:nvSpPr>
+        <p:spPr>
+          <a:xfrm rot="1233363">
+            <a:off x="1371600" y="2468880"/>
+            <a:ext cx="548640" cy="365760"/>
+          </a:xfrm>
+          <a:prstGeom prst="rect">
+            <a:avLst/>
+          </a:prstGeom>
+          <a:solidFill>
+            <a:srgbClr val="FF9999"/>
+          </a:solidFill>
+          <a:ln w="12700">
+            <a:solidFill>
+              <a:srgbClr val="000000"/>
+            </a:solidFill>
+            <a:prstDash val="solid"/>
+          </a:ln>
+        </p:spPr>
+      </p:sp>
+      <p:sp>
+        <p:nvSpPr>
+          <p:cNvPr id="12" name="Shape 10"/>
+          <p:cNvSpPr/>
+          <p:nvPr/>
+        </p:nvSpPr>
+        <p:spPr>
+          <a:xfrm>
+            <a:off x="2011680" y="2468880"/>
+            <a:ext cx="365760" cy="365760"/>
+          </a:xfrm>
+          <a:prstGeom prst="rect">
+            <a:avLst/>
+          </a:prstGeom>
+          <a:solidFill>
+            <a:srgbClr val="FF9999"/>
+          </a:solidFill>
+          <a:ln w="12700">
+            <a:solidFill>
+              <a:srgbClr val="000000"/>
+            </a:solidFill>
+            <a:prstDash val="solid"/>
+          </a:ln>
+        </p:spPr>
+      </p:sp>
+      <p:sp>
+        <p:nvSpPr>
+          <p:cNvPr id="13" name="Shape 11"/>
+          <p:cNvSpPr/>
+          <p:nvPr/>
+        </p:nvSpPr>
+        <p:spPr>
+          <a:xfrm>
+            <a:off x="4754880" y="2011680"/>
+            <a:ext cx="3840480" cy="1188720"/>
+          </a:xfrm>
+          <a:prstGeom prst="rect">
+            <a:avLst/>
+          </a:prstGeom>
+          <a:solidFill>
+            <a:srgbClr val="2A2A2A"/>
+          </a:solidFill>
+          <a:ln w="12700">
+            <a:solidFill>
+              <a:srgbClr val="555555"/>
+            </a:solidFill>
+            <a:prstDash val="solid"/>
+          </a:ln>
+        </p:spPr>
+      </p:sp>
+      <p:sp>
+        <p:nvSpPr>
+          <p:cNvPr id="14" name="Text 12"/>
+          <p:cNvSpPr/>
+          <p:nvPr/>
+        </p:nvSpPr>
+        <p:spPr>
+          <a:xfrm>
+            <a:off x="4846320" y="2103120"/>
+            <a:ext cx="274320" cy="274320"/>
+          </a:xfrm>
+          <a:prstGeom prst="rect">
+            <a:avLst/>
+          </a:prstGeom>
+          <a:solidFill>
+            <a:srgbClr val="FF9999"/>
+          </a:solidFill>
           <a:ln/>
         </p:spPr>
         <p:txBody>
@@ -6120,27 +6883,77 @@
               <a:buNone/>
             </a:pPr>
             <a:r>
-              <a:rPr lang="en-US" sz="1200" dirty="0">
-                <a:solidFill>
-                  <a:srgbClr val="E0E0E0"/>
-                </a:solidFill>
-              </a:rPr>
-              <a:t>Transformation 1</a:t>
-            </a:r>
-            <a:endParaRPr lang="en-US" sz="1200" dirty="0"/>
-          </a:p>
-        </p:txBody>
-      </p:sp>
-      <p:sp>
-        <p:nvSpPr>
-          <p:cNvPr id="7" name="Shape 5"/>
-          <p:cNvSpPr/>
-          <p:nvPr/>
-        </p:nvSpPr>
-        <p:spPr>
-          <a:xfrm>
-            <a:off x="4754880" y="1645920"/>
-            <a:ext cx="3840480" cy="1005840"/>
+              <a:rPr lang="en-US" sz="1600" b="1" dirty="0">
+                <a:solidFill>
+                  <a:srgbClr val="FFFFFF"/>
+                </a:solidFill>
+              </a:rPr>
+              <a:t>B</a:t>
+            </a:r>
+            <a:endParaRPr lang="en-US" sz="1600" dirty="0"/>
+          </a:p>
+        </p:txBody>
+      </p:sp>
+      <p:sp>
+        <p:nvSpPr>
+          <p:cNvPr id="15" name="Shape 13"/>
+          <p:cNvSpPr/>
+          <p:nvPr/>
+        </p:nvSpPr>
+        <p:spPr>
+          <a:xfrm>
+            <a:off x="5943600" y="2468880"/>
+            <a:ext cx="365760" cy="365760"/>
+          </a:xfrm>
+          <a:prstGeom prst="rect">
+            <a:avLst/>
+          </a:prstGeom>
+          <a:solidFill>
+            <a:srgbClr val="FF9999"/>
+          </a:solidFill>
+          <a:ln w="12700">
+            <a:solidFill>
+              <a:srgbClr val="000000"/>
+            </a:solidFill>
+            <a:prstDash val="solid"/>
+          </a:ln>
+        </p:spPr>
+      </p:sp>
+      <p:sp>
+        <p:nvSpPr>
+          <p:cNvPr id="16" name="Shape 14"/>
+          <p:cNvSpPr/>
+          <p:nvPr/>
+        </p:nvSpPr>
+        <p:spPr>
+          <a:xfrm rot="1233363">
+            <a:off x="6400800" y="2468880"/>
+            <a:ext cx="548640" cy="365760"/>
+          </a:xfrm>
+          <a:prstGeom prst="rect">
+            <a:avLst/>
+          </a:prstGeom>
+          <a:solidFill>
+            <a:srgbClr val="FF9999"/>
+          </a:solidFill>
+          <a:ln w="12700">
+            <a:solidFill>
+              <a:srgbClr val="000000"/>
+            </a:solidFill>
+            <a:prstDash val="solid"/>
+          </a:ln>
+        </p:spPr>
+      </p:sp>
+      <p:sp>
+        <p:nvSpPr>
+          <p:cNvPr id="17" name="Shape 15"/>
+          <p:cNvSpPr/>
+          <p:nvPr/>
+        </p:nvSpPr>
+        <p:spPr>
+          <a:xfrm>
+            <a:off x="457200" y="3383280"/>
+            <a:ext cx="3840480" cy="1188720"/>
           </a:xfrm>
           <a:prstGeom prst="rect">
             <a:avLst/>
@@ -6158,19 +6971,132 @@
       </p:sp>
       <p:sp>
         <p:nvSpPr>
-          <p:cNvPr id="8" name="Text 6"/>
-          <p:cNvSpPr/>
-          <p:nvPr/>
-        </p:nvSpPr>
-        <p:spPr>
-          <a:xfrm>
-            <a:off x="4846320" y="1737360"/>
+          <p:cNvPr id="18" name="Text 16"/>
+          <p:cNvSpPr/>
+          <p:nvPr/>
+        </p:nvSpPr>
+        <p:spPr>
+          <a:xfrm>
+            <a:off x="548640" y="3474720"/>
             <a:ext cx="274320" cy="274320"/>
           </a:xfrm>
           <a:prstGeom prst="rect">
             <a:avLst/>
           </a:prstGeom>
           <a:solidFill>
+            <a:srgbClr val="66B3FF"/>
+          </a:solidFill>
+          <a:ln/>
+        </p:spPr>
+        <p:txBody>
+          <a:bodyPr wrap="square" rtlCol="0" anchor="ctr"/>
+          <a:lstStyle/>
+          <a:p>
+            <a:pPr algn="ctr" indent="0" marL="0">
+              <a:buNone/>
+            </a:pPr>
+            <a:r>
+              <a:rPr lang="en-US" sz="1600" b="1" dirty="0">
+                <a:solidFill>
+                  <a:srgbClr val="FFFFFF"/>
+                </a:solidFill>
+              </a:rPr>
+              <a:t>C</a:t>
+            </a:r>
+            <a:endParaRPr lang="en-US" sz="1600" dirty="0"/>
+          </a:p>
+        </p:txBody>
+      </p:sp>
+      <p:sp>
+        <p:nvSpPr>
+          <p:cNvPr id="19" name="Shape 17"/>
+          <p:cNvSpPr/>
+          <p:nvPr/>
+        </p:nvSpPr>
+        <p:spPr>
+          <a:xfrm rot="1233363">
+            <a:off x="1737360" y="3749040"/>
+            <a:ext cx="548640" cy="365760"/>
+          </a:xfrm>
+          <a:prstGeom prst="rect">
+            <a:avLst/>
+          </a:prstGeom>
+          <a:solidFill>
+            <a:srgbClr val="66B3FF"/>
+          </a:solidFill>
+          <a:ln w="12700">
+            <a:solidFill>
+              <a:srgbClr val="000000"/>
+            </a:solidFill>
+            <a:prstDash val="solid"/>
+          </a:ln>
+        </p:spPr>
+      </p:sp>
+      <p:sp>
+        <p:nvSpPr>
+          <p:cNvPr id="20" name="Shape 18"/>
+          <p:cNvSpPr/>
+          <p:nvPr/>
+        </p:nvSpPr>
+        <p:spPr>
+          <a:xfrm>
+            <a:off x="1828800" y="4160520"/>
+            <a:ext cx="365760" cy="365760"/>
+          </a:xfrm>
+          <a:prstGeom prst="rect">
+            <a:avLst/>
+          </a:prstGeom>
+          <a:solidFill>
+            <a:srgbClr val="66B3FF"/>
+          </a:solidFill>
+          <a:ln w="12700">
+            <a:solidFill>
+              <a:srgbClr val="000000"/>
+            </a:solidFill>
+            <a:prstDash val="solid"/>
+          </a:ln>
+        </p:spPr>
+      </p:sp>
+      <p:sp>
+        <p:nvSpPr>
+          <p:cNvPr id="21" name="Shape 19"/>
+          <p:cNvSpPr/>
+          <p:nvPr/>
+        </p:nvSpPr>
+        <p:spPr>
+          <a:xfrm>
+            <a:off x="4754880" y="3383280"/>
+            <a:ext cx="3840480" cy="1188720"/>
+          </a:xfrm>
+          <a:prstGeom prst="rect">
+            <a:avLst/>
+          </a:prstGeom>
+          <a:solidFill>
+            <a:srgbClr val="2A2A2A"/>
+          </a:solidFill>
+          <a:ln w="12700">
+            <a:solidFill>
+              <a:srgbClr val="555555"/>
+            </a:solidFill>
+            <a:prstDash val="solid"/>
+          </a:ln>
+        </p:spPr>
+      </p:sp>
+      <p:sp>
+        <p:nvSpPr>
+          <p:cNvPr id="22" name="Text 20"/>
+          <p:cNvSpPr/>
+          <p:nvPr/>
+        </p:nvSpPr>
+        <p:spPr>
+          <a:xfrm>
+            <a:off x="4846320" y="3474720"/>
+            <a:ext cx="274320" cy="274320"/>
+          </a:xfrm>
+          <a:prstGeom prst="rect">
+            <a:avLst/>
+          </a:prstGeom>
+          <a:solidFill>
             <a:srgbClr val="FF9999"/>
           </a:solidFill>
           <a:ln/>
@@ -6188,7 +7114,7 @@
                   <a:srgbClr val="FFFFFF"/>
                 </a:solidFill>
               </a:rPr>
-              <a:t>B</a:t>
+              <a:t>D</a:t>
             </a:r>
             <a:endParaRPr lang="en-US" sz="1600" dirty="0"/>
           </a:p>
@@ -6196,174 +7122,14 @@
       </p:sp>
       <p:sp>
         <p:nvSpPr>
-          <p:cNvPr id="9" name="Text 7"/>
-          <p:cNvSpPr/>
-          <p:nvPr/>
-        </p:nvSpPr>
-        <p:spPr>
-          <a:xfrm>
-            <a:off x="5212080" y="2011680"/>
-            <a:ext cx="3200400" cy="457200"/>
-          </a:xfrm>
-          <a:prstGeom prst="rect">
-            <a:avLst/>
-          </a:prstGeom>
-          <a:noFill/>
-          <a:ln/>
-        </p:spPr>
-        <p:txBody>
-          <a:bodyPr wrap="square" rtlCol="0" anchor="ctr"/>
-          <a:lstStyle/>
-          <a:p>
-            <a:pPr algn="ctr" indent="0" marL="0">
-              <a:buNone/>
-            </a:pPr>
-            <a:r>
-              <a:rPr lang="en-US" sz="1200" dirty="0">
-                <a:solidFill>
-                  <a:srgbClr val="E0E0E0"/>
-                </a:solidFill>
-              </a:rPr>
-              <a:t>Transformation 2</a:t>
-            </a:r>
-            <a:endParaRPr lang="en-US" sz="1200" dirty="0"/>
-          </a:p>
-        </p:txBody>
-      </p:sp>
-      <p:sp>
-        <p:nvSpPr>
-          <p:cNvPr id="10" name="Shape 8"/>
-          <p:cNvSpPr/>
-          <p:nvPr/>
-        </p:nvSpPr>
-        <p:spPr>
-          <a:xfrm>
-            <a:off x="457200" y="2834640"/>
-            <a:ext cx="3840480" cy="1005840"/>
-          </a:xfrm>
-          <a:prstGeom prst="rect">
-            <a:avLst/>
-          </a:prstGeom>
-          <a:solidFill>
-            <a:srgbClr val="2A2A2A"/>
-          </a:solidFill>
-          <a:ln w="12700">
-            <a:solidFill>
-              <a:srgbClr val="555555"/>
-            </a:solidFill>
-            <a:prstDash val="solid"/>
-          </a:ln>
-        </p:spPr>
-      </p:sp>
-      <p:sp>
-        <p:nvSpPr>
-          <p:cNvPr id="11" name="Text 9"/>
-          <p:cNvSpPr/>
-          <p:nvPr/>
-        </p:nvSpPr>
-        <p:spPr>
-          <a:xfrm>
-            <a:off x="548640" y="2926080"/>
-            <a:ext cx="274320" cy="274320"/>
-          </a:xfrm>
-          <a:prstGeom prst="rect">
-            <a:avLst/>
-          </a:prstGeom>
-          <a:solidFill>
-            <a:srgbClr val="66B3FF"/>
-          </a:solidFill>
-          <a:ln/>
-        </p:spPr>
-        <p:txBody>
-          <a:bodyPr wrap="square" rtlCol="0" anchor="ctr"/>
-          <a:lstStyle/>
-          <a:p>
-            <a:pPr algn="ctr" indent="0" marL="0">
-              <a:buNone/>
-            </a:pPr>
-            <a:r>
-              <a:rPr lang="en-US" sz="1600" b="1" dirty="0">
-                <a:solidFill>
-                  <a:srgbClr val="FFFFFF"/>
-                </a:solidFill>
-              </a:rPr>
-              <a:t>C</a:t>
-            </a:r>
-            <a:endParaRPr lang="en-US" sz="1600" dirty="0"/>
-          </a:p>
-        </p:txBody>
-      </p:sp>
-      <p:sp>
-        <p:nvSpPr>
-          <p:cNvPr id="12" name="Text 10"/>
-          <p:cNvSpPr/>
-          <p:nvPr/>
-        </p:nvSpPr>
-        <p:spPr>
-          <a:xfrm>
-            <a:off x="914400" y="3200400"/>
-            <a:ext cx="3200400" cy="457200"/>
-          </a:xfrm>
-          <a:prstGeom prst="rect">
-            <a:avLst/>
-          </a:prstGeom>
-          <a:noFill/>
-          <a:ln/>
-        </p:spPr>
-        <p:txBody>
-          <a:bodyPr wrap="square" rtlCol="0" anchor="ctr"/>
-          <a:lstStyle/>
-          <a:p>
-            <a:pPr algn="ctr" indent="0" marL="0">
-              <a:buNone/>
-            </a:pPr>
-            <a:r>
-              <a:rPr lang="en-US" sz="1200" dirty="0">
-                <a:solidFill>
-                  <a:srgbClr val="E0E0E0"/>
-                </a:solidFill>
-              </a:rPr>
-              <a:t>Transformation 3 (Correct)</a:t>
-            </a:r>
-            <a:endParaRPr lang="en-US" sz="1200" dirty="0"/>
-          </a:p>
-        </p:txBody>
-      </p:sp>
-      <p:sp>
-        <p:nvSpPr>
-          <p:cNvPr id="13" name="Shape 11"/>
-          <p:cNvSpPr/>
-          <p:nvPr/>
-        </p:nvSpPr>
-        <p:spPr>
-          <a:xfrm>
-            <a:off x="4754880" y="2834640"/>
-            <a:ext cx="3840480" cy="1005840"/>
-          </a:xfrm>
-          <a:prstGeom prst="rect">
-            <a:avLst/>
-          </a:prstGeom>
-          <a:solidFill>
-            <a:srgbClr val="2A2A2A"/>
-          </a:solidFill>
-          <a:ln w="12700">
-            <a:solidFill>
-              <a:srgbClr val="555555"/>
-            </a:solidFill>
-            <a:prstDash val="solid"/>
-          </a:ln>
-        </p:spPr>
-      </p:sp>
-      <p:sp>
-        <p:nvSpPr>
-          <p:cNvPr id="14" name="Text 12"/>
-          <p:cNvSpPr/>
-          <p:nvPr/>
-        </p:nvSpPr>
-        <p:spPr>
-          <a:xfrm>
-            <a:off x="4846320" y="2926080"/>
-            <a:ext cx="274320" cy="274320"/>
+          <p:cNvPr id="23" name="Shape 21"/>
+          <p:cNvSpPr/>
+          <p:nvPr/>
+        </p:nvSpPr>
+        <p:spPr>
+          <a:xfrm>
+            <a:off x="6400800" y="3749040"/>
+            <a:ext cx="365760" cy="365760"/>
           </a:xfrm>
           <a:prstGeom prst="rect">
             <a:avLst/>
@@ -6371,66 +7137,42 @@
           <a:solidFill>
             <a:srgbClr val="FF9999"/>
           </a:solidFill>
-          <a:ln/>
-        </p:spPr>
-        <p:txBody>
-          <a:bodyPr wrap="square" rtlCol="0" anchor="ctr"/>
-          <a:lstStyle/>
-          <a:p>
-            <a:pPr algn="ctr" indent="0" marL="0">
-              <a:buNone/>
-            </a:pPr>
-            <a:r>
-              <a:rPr lang="en-US" sz="1600" b="1" dirty="0">
-                <a:solidFill>
-                  <a:srgbClr val="FFFFFF"/>
-                </a:solidFill>
-              </a:rPr>
-              <a:t>D</a:t>
-            </a:r>
-            <a:endParaRPr lang="en-US" sz="1600" dirty="0"/>
-          </a:p>
-        </p:txBody>
-      </p:sp>
-      <p:sp>
-        <p:nvSpPr>
-          <p:cNvPr id="15" name="Text 13"/>
-          <p:cNvSpPr/>
-          <p:nvPr/>
-        </p:nvSpPr>
-        <p:spPr>
-          <a:xfrm>
-            <a:off x="5212080" y="3200400"/>
-            <a:ext cx="3200400" cy="457200"/>
-          </a:xfrm>
-          <a:prstGeom prst="rect">
-            <a:avLst/>
-          </a:prstGeom>
-          <a:noFill/>
-          <a:ln/>
-        </p:spPr>
-        <p:txBody>
-          <a:bodyPr wrap="square" rtlCol="0" anchor="ctr"/>
-          <a:lstStyle/>
-          <a:p>
-            <a:pPr algn="ctr" indent="0" marL="0">
-              <a:buNone/>
-            </a:pPr>
-            <a:r>
-              <a:rPr lang="en-US" sz="1200" dirty="0">
-                <a:solidFill>
-                  <a:srgbClr val="E0E0E0"/>
-                </a:solidFill>
-              </a:rPr>
-              <a:t>Transformation 4</a:t>
-            </a:r>
-            <a:endParaRPr lang="en-US" sz="1200" dirty="0"/>
-          </a:p>
-        </p:txBody>
-      </p:sp>
-      <p:sp>
-        <p:nvSpPr>
-          <p:cNvPr id="16" name="Shape 14">
+          <a:ln w="12700">
+            <a:solidFill>
+              <a:srgbClr val="000000"/>
+            </a:solidFill>
+            <a:prstDash val="solid"/>
+          </a:ln>
+        </p:spPr>
+      </p:sp>
+      <p:sp>
+        <p:nvSpPr>
+          <p:cNvPr id="24" name="Shape 22"/>
+          <p:cNvSpPr/>
+          <p:nvPr/>
+        </p:nvSpPr>
+        <p:spPr>
+          <a:xfrm rot="1233363">
+            <a:off x="6400800" y="4160520"/>
+            <a:ext cx="548640" cy="365760"/>
+          </a:xfrm>
+          <a:prstGeom prst="rect">
+            <a:avLst/>
+          </a:prstGeom>
+          <a:solidFill>
+            <a:srgbClr val="FF9999"/>
+          </a:solidFill>
+          <a:ln w="12700">
+            <a:solidFill>
+              <a:srgbClr val="000000"/>
+            </a:solidFill>
+            <a:prstDash val="solid"/>
+          </a:ln>
+        </p:spPr>
+      </p:sp>
+      <p:sp>
+        <p:nvSpPr>
+          <p:cNvPr id="25" name="Shape 23">
             <a:hlinkClick r:id="rId1" tooltip="" action="ppaction://hlinksldjump"/>
           </p:cNvPr>
           <p:cNvSpPr/>
@@ -6438,8 +7180,8 @@
         </p:nvSpPr>
         <p:spPr>
           <a:xfrm>
-            <a:off x="457200" y="1645920"/>
-            <a:ext cx="3840480" cy="1005840"/>
+            <a:off x="457200" y="2011680"/>
+            <a:ext cx="3840480" cy="1188720"/>
           </a:xfrm>
           <a:prstGeom prst="rect">
             <a:avLst/>
@@ -6459,7 +7201,7 @@
       </p:sp>
       <p:sp>
         <p:nvSpPr>
-          <p:cNvPr id="17" name="Shape 15">
+          <p:cNvPr id="26" name="Shape 24">
             <a:hlinkClick r:id="rId2" tooltip="" action="ppaction://hlinksldjump"/>
           </p:cNvPr>
           <p:cNvSpPr/>
@@ -6467,8 +7209,8 @@
         </p:nvSpPr>
         <p:spPr>
           <a:xfrm>
-            <a:off x="4754880" y="1645920"/>
-            <a:ext cx="3840480" cy="1005840"/>
+            <a:off x="4754880" y="2011680"/>
+            <a:ext cx="3840480" cy="1188720"/>
           </a:xfrm>
           <a:prstGeom prst="rect">
             <a:avLst/>
@@ -6488,7 +7230,7 @@
       </p:sp>
       <p:sp>
         <p:nvSpPr>
-          <p:cNvPr id="18" name="Shape 16">
+          <p:cNvPr id="27" name="Shape 25">
             <a:hlinkClick r:id="rId3" tooltip="" action="ppaction://hlinksldjump"/>
           </p:cNvPr>
           <p:cNvSpPr/>
@@ -6496,8 +7238,8 @@
         </p:nvSpPr>
         <p:spPr>
           <a:xfrm>
-            <a:off x="457200" y="2834640"/>
-            <a:ext cx="3840480" cy="1005840"/>
+            <a:off x="457200" y="3383280"/>
+            <a:ext cx="3840480" cy="1188720"/>
           </a:xfrm>
           <a:prstGeom prst="rect">
             <a:avLst/>
@@ -6517,7 +7259,7 @@
       </p:sp>
       <p:sp>
         <p:nvSpPr>
-          <p:cNvPr id="19" name="Shape 17">
+          <p:cNvPr id="28" name="Shape 26">
             <a:hlinkClick r:id="rId4" tooltip="" action="ppaction://hlinksldjump"/>
           </p:cNvPr>
           <p:cNvSpPr/>
@@ -6525,8 +7267,8 @@
         </p:nvSpPr>
         <p:spPr>
           <a:xfrm>
-            <a:off x="4754880" y="2834640"/>
-            <a:ext cx="3840480" cy="1005840"/>
+            <a:off x="4754880" y="3383280"/>
+            <a:ext cx="3840480" cy="1188720"/>
           </a:xfrm>
           <a:prstGeom prst="rect">
             <a:avLst/>
@@ -6644,7 +7386,7 @@
                   <a:srgbClr val="66B3FF"/>
                 </a:solidFill>
               </a:rPr>
-              <a:t>How can you make a different shape using the same parts? (Parallelogram + Square)</a:t>
+              <a:t>How can you make a different shape using the same parts?</a:t>
             </a:r>
             <a:endParaRPr lang="en-US" sz="1800" dirty="0"/>
           </a:p>
@@ -6658,8 +7400,8 @@
         </p:nvSpPr>
         <p:spPr>
           <a:xfrm>
-            <a:off x="457200" y="2834640"/>
-            <a:ext cx="3840480" cy="1005840"/>
+            <a:off x="457200" y="2286000"/>
+            <a:ext cx="3840480" cy="1188720"/>
           </a:xfrm>
           <a:prstGeom prst="rect">
             <a:avLst/>
@@ -6683,7 +7425,7 @@
         </p:nvSpPr>
         <p:spPr>
           <a:xfrm>
-            <a:off x="548640" y="2926080"/>
+            <a:off x="548640" y="2377440"/>
             <a:ext cx="274320" cy="274320"/>
           </a:xfrm>
           <a:prstGeom prst="rect">
@@ -6715,43 +7457,57 @@
       </p:sp>
       <p:sp>
         <p:nvSpPr>
-          <p:cNvPr id="6" name="Text 4"/>
-          <p:cNvSpPr/>
-          <p:nvPr/>
-        </p:nvSpPr>
-        <p:spPr>
-          <a:xfrm>
-            <a:off x="914400" y="3200400"/>
-            <a:ext cx="3200400" cy="457200"/>
-          </a:xfrm>
-          <a:prstGeom prst="rect">
-            <a:avLst/>
-          </a:prstGeom>
-          <a:noFill/>
-          <a:ln/>
-        </p:spPr>
-        <p:txBody>
-          <a:bodyPr wrap="square" rtlCol="0" anchor="ctr"/>
-          <a:lstStyle/>
-          <a:p>
-            <a:pPr algn="ctr" indent="0" marL="0">
-              <a:buNone/>
-            </a:pPr>
-            <a:r>
-              <a:rPr lang="en-US" sz="1200" b="1" dirty="0">
-                <a:solidFill>
-                  <a:srgbClr val="2ECC71"/>
-                </a:solidFill>
-              </a:rPr>
-              <a:t>✓ Transformation 3 (Correct)</a:t>
-            </a:r>
-            <a:endParaRPr lang="en-US" sz="1200" dirty="0"/>
-          </a:p>
-        </p:txBody>
+          <p:cNvPr id="6" name="Shape 4"/>
+          <p:cNvSpPr/>
+          <p:nvPr/>
+        </p:nvSpPr>
+        <p:spPr>
+          <a:xfrm rot="1233363">
+            <a:off x="1737360" y="2651760"/>
+            <a:ext cx="548640" cy="365760"/>
+          </a:xfrm>
+          <a:prstGeom prst="rect">
+            <a:avLst/>
+          </a:prstGeom>
+          <a:solidFill>
+            <a:srgbClr val="66B3FF"/>
+          </a:solidFill>
+          <a:ln w="12700">
+            <a:solidFill>
+              <a:srgbClr val="000000"/>
+            </a:solidFill>
+            <a:prstDash val="solid"/>
+          </a:ln>
+        </p:spPr>
       </p:sp>
       <p:sp>
         <p:nvSpPr>
           <p:cNvPr id="7" name="Shape 5"/>
+          <p:cNvSpPr/>
+          <p:nvPr/>
+        </p:nvSpPr>
+        <p:spPr>
+          <a:xfrm>
+            <a:off x="1828800" y="3063240"/>
+            <a:ext cx="365760" cy="365760"/>
+          </a:xfrm>
+          <a:prstGeom prst="rect">
+            <a:avLst/>
+          </a:prstGeom>
+          <a:solidFill>
+            <a:srgbClr val="66B3FF"/>
+          </a:solidFill>
+          <a:ln w="12700">
+            <a:solidFill>
+              <a:srgbClr val="000000"/>
+            </a:solidFill>
+            <a:prstDash val="solid"/>
+          </a:ln>
+        </p:spPr>
+      </p:sp>
+      <p:sp>
+        <p:nvSpPr>
+          <p:cNvPr id="8" name="Shape 6"/>
           <p:cNvSpPr/>
           <p:nvPr/>
         </p:nvSpPr>
@@ -6776,7 +7532,7 @@
       </p:sp>
       <p:sp>
         <p:nvSpPr>
-          <p:cNvPr id="8" name="Text 6">
+          <p:cNvPr id="9" name="Text 7">
             <a:hlinkClick r:id="rId1" tooltip="" action="ppaction://hlinksldjump"/>
           </p:cNvPr>
           <p:cNvSpPr/>

--- a/math-shapes-quiz-complete.pptx
+++ b/math-shapes-quiz-complete.pptx
@@ -5148,7 +5148,7 @@
         <p:spPr>
           <a:xfrm>
             <a:off x="640080" y="822960"/>
-            <a:ext cx="1828800" cy="274320"/>
+            <a:ext cx="3657600" cy="274320"/>
           </a:xfrm>
           <a:prstGeom prst="rect">
             <a:avLst/>
@@ -5169,7 +5169,7 @@
                   <a:srgbClr val="E0E0E0"/>
                 </a:solidFill>
               </a:rPr>
-              <a:t>Given shapes:</a:t>
+              <a:t>Given shapes: Hexagon + Triangle</a:t>
             </a:r>
             <a:endParaRPr lang="en-US" sz="1400" dirty="0"/>
           </a:p>
@@ -5183,8 +5183,120 @@
         </p:nvSpPr>
         <p:spPr>
           <a:xfrm>
-            <a:off x="1051560" y="1129330"/>
-            <a:ext cx="274320" cy="118781"/>
+            <a:off x="457200" y="1645920"/>
+            <a:ext cx="3840480" cy="1371600"/>
+          </a:xfrm>
+          <a:prstGeom prst="rect">
+            <a:avLst/>
+          </a:prstGeom>
+          <a:solidFill>
+            <a:srgbClr val="2A2A2A"/>
+          </a:solidFill>
+          <a:ln w="12700">
+            <a:solidFill>
+              <a:srgbClr val="555555"/>
+            </a:solidFill>
+            <a:prstDash val="solid"/>
+          </a:ln>
+        </p:spPr>
+      </p:sp>
+      <p:sp>
+        <p:nvSpPr>
+          <p:cNvPr id="6" name="Text 4"/>
+          <p:cNvSpPr/>
+          <p:nvPr/>
+        </p:nvSpPr>
+        <p:spPr>
+          <a:xfrm>
+            <a:off x="548640" y="1737360"/>
+            <a:ext cx="274320" cy="274320"/>
+          </a:xfrm>
+          <a:prstGeom prst="rect">
+            <a:avLst/>
+          </a:prstGeom>
+          <a:solidFill>
+            <a:srgbClr val="FF9999"/>
+          </a:solidFill>
+          <a:ln/>
+        </p:spPr>
+        <p:txBody>
+          <a:bodyPr wrap="square" rtlCol="0" anchor="ctr"/>
+          <a:lstStyle/>
+          <a:p>
+            <a:pPr algn="ctr" indent="0" marL="0">
+              <a:buNone/>
+            </a:pPr>
+            <a:r>
+              <a:rPr lang="en-US" sz="1600" b="1" dirty="0">
+                <a:solidFill>
+                  <a:srgbClr val="FFFFFF"/>
+                </a:solidFill>
+              </a:rPr>
+              <a:t>A</a:t>
+            </a:r>
+            <a:endParaRPr lang="en-US" sz="1600" dirty="0"/>
+          </a:p>
+        </p:txBody>
+      </p:sp>
+      <p:pic>
+        <p:nvPicPr>
+          <p:cNvPr id="7" name="Image 0" descr="q6-answer-a.png">    </p:cNvPr>
+          <p:cNvPicPr>
+            <a:picLocks noChangeAspect="1"/>
+          </p:cNvPicPr>
+          <p:nvPr/>
+        </p:nvPicPr>
+        <p:blipFill>
+          <a:blip r:embed="rId1"/>
+          <a:stretch>
+            <a:fillRect/>
+          </a:stretch>
+        </p:blipFill>
+        <p:spPr>
+          <a:xfrm>
+            <a:off x="1371600" y="1828800"/>
+            <a:ext cx="2286000" cy="914400"/>
+          </a:xfrm>
+          <a:prstGeom prst="rect">
+            <a:avLst/>
+          </a:prstGeom>
+        </p:spPr>
+      </p:pic>
+      <p:sp>
+        <p:nvSpPr>
+          <p:cNvPr id="8" name="Shape 5"/>
+          <p:cNvSpPr/>
+          <p:nvPr/>
+        </p:nvSpPr>
+        <p:spPr>
+          <a:xfrm>
+            <a:off x="4754880" y="1645920"/>
+            <a:ext cx="3840480" cy="1371600"/>
+          </a:xfrm>
+          <a:prstGeom prst="rect">
+            <a:avLst/>
+          </a:prstGeom>
+          <a:solidFill>
+            <a:srgbClr val="2A2A2A"/>
+          </a:solidFill>
+          <a:ln w="12700">
+            <a:solidFill>
+              <a:srgbClr val="555555"/>
+            </a:solidFill>
+            <a:prstDash val="solid"/>
+          </a:ln>
+        </p:spPr>
+      </p:sp>
+      <p:sp>
+        <p:nvSpPr>
+          <p:cNvPr id="9" name="Text 6"/>
+          <p:cNvSpPr/>
+          <p:nvPr/>
+        </p:nvSpPr>
+        <p:spPr>
+          <a:xfrm>
+            <a:off x="4846320" y="1737360"/>
+            <a:ext cx="274320" cy="274320"/>
           </a:xfrm>
           <a:prstGeom prst="rect">
             <a:avLst/>
@@ -5192,79 +5304,6 @@
           <a:solidFill>
             <a:srgbClr val="66B3FF"/>
           </a:solidFill>
-          <a:ln w="12700">
-            <a:solidFill>
-              <a:srgbClr val="000000"/>
-            </a:solidFill>
-            <a:prstDash val="solid"/>
-          </a:ln>
-        </p:spPr>
-      </p:sp>
-      <p:sp>
-        <p:nvSpPr>
-          <p:cNvPr id="6" name="Shape 4"/>
-          <p:cNvSpPr/>
-          <p:nvPr/>
-        </p:nvSpPr>
-        <p:spPr>
-          <a:xfrm flipV="1">
-            <a:off x="1051560" y="1069939"/>
-            <a:ext cx="274320" cy="59390"/>
-          </a:xfrm>
-          <a:prstGeom prst="triangle">
-            <a:avLst/>
-          </a:prstGeom>
-          <a:solidFill>
-            <a:srgbClr val="66B3FF"/>
-          </a:solidFill>
-          <a:ln w="12700">
-            <a:solidFill>
-              <a:srgbClr val="333333"/>
-            </a:solidFill>
-            <a:prstDash val="solid"/>
-          </a:ln>
-        </p:spPr>
-      </p:sp>
-      <p:sp>
-        <p:nvSpPr>
-          <p:cNvPr id="7" name="Shape 5"/>
-          <p:cNvSpPr/>
-          <p:nvPr/>
-        </p:nvSpPr>
-        <p:spPr>
-          <a:xfrm>
-            <a:off x="1051560" y="1248110"/>
-            <a:ext cx="274320" cy="59390"/>
-          </a:xfrm>
-          <a:prstGeom prst="triangle">
-            <a:avLst/>
-          </a:prstGeom>
-          <a:solidFill>
-            <a:srgbClr val="66B3FF"/>
-          </a:solidFill>
-          <a:ln w="12700">
-            <a:solidFill>
-              <a:srgbClr val="333333"/>
-            </a:solidFill>
-            <a:prstDash val="solid"/>
-          </a:ln>
-        </p:spPr>
-      </p:sp>
-      <p:sp>
-        <p:nvSpPr>
-          <p:cNvPr id="8" name="Text 6"/>
-          <p:cNvSpPr/>
-          <p:nvPr/>
-        </p:nvSpPr>
-        <p:spPr>
-          <a:xfrm>
-            <a:off x="1051560" y="1353221"/>
-            <a:ext cx="274320" cy="182880"/>
-          </a:xfrm>
-          <a:prstGeom prst="rect">
-            <a:avLst/>
-          </a:prstGeom>
-          <a:noFill/>
           <a:ln/>
         </p:spPr>
         <p:txBody>
@@ -5275,57 +5314,83 @@
               <a:buNone/>
             </a:pPr>
             <a:r>
-              <a:rPr lang="en-US" sz="1000" dirty="0">
-                <a:solidFill>
-                  <a:srgbClr val="E0E0E0"/>
-                </a:solidFill>
-              </a:rPr>
-              <a:t>Hexagon</a:t>
-            </a:r>
-            <a:endParaRPr lang="en-US" sz="1000" dirty="0"/>
-          </a:p>
-        </p:txBody>
-      </p:sp>
-      <p:sp>
-        <p:nvSpPr>
-          <p:cNvPr id="9" name="Shape 7"/>
-          <p:cNvSpPr/>
-          <p:nvPr/>
-        </p:nvSpPr>
-        <p:spPr>
-          <a:xfrm>
-            <a:off x="2103120" y="1051560"/>
-            <a:ext cx="365760" cy="365760"/>
-          </a:xfrm>
-          <a:prstGeom prst="triangle">
-            <a:avLst/>
-          </a:prstGeom>
-          <a:solidFill>
-            <a:srgbClr val="66B3FF"/>
-          </a:solidFill>
-          <a:ln w="12700">
-            <a:solidFill>
-              <a:srgbClr val="000000"/>
-            </a:solidFill>
-            <a:prstDash val="solid"/>
-          </a:ln>
-        </p:spPr>
-      </p:sp>
-      <p:sp>
-        <p:nvSpPr>
-          <p:cNvPr id="10" name="Text 8"/>
-          <p:cNvSpPr/>
-          <p:nvPr/>
-        </p:nvSpPr>
-        <p:spPr>
-          <a:xfrm>
-            <a:off x="2103120" y="1463040"/>
-            <a:ext cx="365760" cy="182880"/>
-          </a:xfrm>
-          <a:prstGeom prst="rect">
-            <a:avLst/>
-          </a:prstGeom>
-          <a:noFill/>
+              <a:rPr lang="en-US" sz="1600" b="1" dirty="0">
+                <a:solidFill>
+                  <a:srgbClr val="FFFFFF"/>
+                </a:solidFill>
+              </a:rPr>
+              <a:t>B</a:t>
+            </a:r>
+            <a:endParaRPr lang="en-US" sz="1600" dirty="0"/>
+          </a:p>
+        </p:txBody>
+      </p:sp>
+      <p:pic>
+        <p:nvPicPr>
+          <p:cNvPr id="10" name="Image 1" descr="q6-answer-b.png">    </p:cNvPr>
+          <p:cNvPicPr>
+            <a:picLocks noChangeAspect="1"/>
+          </p:cNvPicPr>
+          <p:nvPr/>
+        </p:nvPicPr>
+        <p:blipFill>
+          <a:blip r:embed="rId2"/>
+          <a:stretch>
+            <a:fillRect/>
+          </a:stretch>
+        </p:blipFill>
+        <p:spPr>
+          <a:xfrm>
+            <a:off x="5669280" y="1828800"/>
+            <a:ext cx="2286000" cy="914400"/>
+          </a:xfrm>
+          <a:prstGeom prst="rect">
+            <a:avLst/>
+          </a:prstGeom>
+        </p:spPr>
+      </p:pic>
+      <p:sp>
+        <p:nvSpPr>
+          <p:cNvPr id="11" name="Shape 7"/>
+          <p:cNvSpPr/>
+          <p:nvPr/>
+        </p:nvSpPr>
+        <p:spPr>
+          <a:xfrm>
+            <a:off x="457200" y="3200400"/>
+            <a:ext cx="3840480" cy="1371600"/>
+          </a:xfrm>
+          <a:prstGeom prst="rect">
+            <a:avLst/>
+          </a:prstGeom>
+          <a:solidFill>
+            <a:srgbClr val="2A2A2A"/>
+          </a:solidFill>
+          <a:ln w="12700">
+            <a:solidFill>
+              <a:srgbClr val="555555"/>
+            </a:solidFill>
+            <a:prstDash val="solid"/>
+          </a:ln>
+        </p:spPr>
+      </p:sp>
+      <p:sp>
+        <p:nvSpPr>
+          <p:cNvPr id="12" name="Text 8"/>
+          <p:cNvSpPr/>
+          <p:nvPr/>
+        </p:nvSpPr>
+        <p:spPr>
+          <a:xfrm>
+            <a:off x="548640" y="3291840"/>
+            <a:ext cx="274320" cy="274320"/>
+          </a:xfrm>
+          <a:prstGeom prst="rect">
+            <a:avLst/>
+          </a:prstGeom>
+          <a:solidFill>
+            <a:srgbClr val="FF9999"/>
+          </a:solidFill>
           <a:ln/>
         </p:spPr>
         <p:txBody>
@@ -5336,27 +5401,51 @@
               <a:buNone/>
             </a:pPr>
             <a:r>
-              <a:rPr lang="en-US" sz="1000" dirty="0">
-                <a:solidFill>
-                  <a:srgbClr val="E0E0E0"/>
-                </a:solidFill>
-              </a:rPr>
-              <a:t>Triangle</a:t>
-            </a:r>
-            <a:endParaRPr lang="en-US" sz="1000" dirty="0"/>
-          </a:p>
-        </p:txBody>
-      </p:sp>
-      <p:sp>
-        <p:nvSpPr>
-          <p:cNvPr id="11" name="Shape 9"/>
-          <p:cNvSpPr/>
-          <p:nvPr/>
-        </p:nvSpPr>
-        <p:spPr>
-          <a:xfrm>
-            <a:off x="457200" y="2011680"/>
-            <a:ext cx="3840480" cy="1188720"/>
+              <a:rPr lang="en-US" sz="1600" b="1" dirty="0">
+                <a:solidFill>
+                  <a:srgbClr val="FFFFFF"/>
+                </a:solidFill>
+              </a:rPr>
+              <a:t>C</a:t>
+            </a:r>
+            <a:endParaRPr lang="en-US" sz="1600" dirty="0"/>
+          </a:p>
+        </p:txBody>
+      </p:sp>
+      <p:pic>
+        <p:nvPicPr>
+          <p:cNvPr id="13" name="Image 2" descr="q6-answer-c.png">    </p:cNvPr>
+          <p:cNvPicPr>
+            <a:picLocks noChangeAspect="1"/>
+          </p:cNvPicPr>
+          <p:nvPr/>
+        </p:nvPicPr>
+        <p:blipFill>
+          <a:blip r:embed="rId3"/>
+          <a:stretch>
+            <a:fillRect/>
+          </a:stretch>
+        </p:blipFill>
+        <p:spPr>
+          <a:xfrm>
+            <a:off x="1371600" y="3383280"/>
+            <a:ext cx="2286000" cy="914400"/>
+          </a:xfrm>
+          <a:prstGeom prst="rect">
+            <a:avLst/>
+          </a:prstGeom>
+        </p:spPr>
+      </p:pic>
+      <p:sp>
+        <p:nvSpPr>
+          <p:cNvPr id="14" name="Shape 9"/>
+          <p:cNvSpPr/>
+          <p:nvPr/>
+        </p:nvSpPr>
+        <p:spPr>
+          <a:xfrm>
+            <a:off x="4754880" y="3200400"/>
+            <a:ext cx="3840480" cy="1371600"/>
           </a:xfrm>
           <a:prstGeom prst="rect">
             <a:avLst/>
@@ -5374,13 +5463,13 @@
       </p:sp>
       <p:sp>
         <p:nvSpPr>
-          <p:cNvPr id="12" name="Text 10"/>
-          <p:cNvSpPr/>
-          <p:nvPr/>
-        </p:nvSpPr>
-        <p:spPr>
-          <a:xfrm>
-            <a:off x="548640" y="2103120"/>
+          <p:cNvPr id="15" name="Text 10"/>
+          <p:cNvSpPr/>
+          <p:nvPr/>
+        </p:nvSpPr>
+        <p:spPr>
+          <a:xfrm>
+            <a:off x="4846320" y="3291840"/>
             <a:ext cx="274320" cy="274320"/>
           </a:xfrm>
           <a:prstGeom prst="rect">
@@ -5404,613 +5493,48 @@
                   <a:srgbClr val="FFFFFF"/>
                 </a:solidFill>
               </a:rPr>
-              <a:t>A</a:t>
+              <a:t>D</a:t>
             </a:r>
             <a:endParaRPr lang="en-US" sz="1600" dirty="0"/>
           </a:p>
         </p:txBody>
       </p:sp>
-      <p:sp>
-        <p:nvSpPr>
-          <p:cNvPr id="13" name="Shape 11"/>
-          <p:cNvSpPr/>
-          <p:nvPr/>
-        </p:nvSpPr>
-        <p:spPr>
-          <a:xfrm>
-            <a:off x="1691640" y="2500930"/>
-            <a:ext cx="274320" cy="118781"/>
-          </a:xfrm>
-          <a:prstGeom prst="rect">
-            <a:avLst/>
-          </a:prstGeom>
-          <a:solidFill>
-            <a:srgbClr val="FF9999"/>
-          </a:solidFill>
-          <a:ln w="12700">
-            <a:solidFill>
-              <a:srgbClr val="000000"/>
-            </a:solidFill>
-            <a:prstDash val="solid"/>
-          </a:ln>
-        </p:spPr>
-      </p:sp>
-      <p:sp>
-        <p:nvSpPr>
-          <p:cNvPr id="14" name="Shape 12"/>
-          <p:cNvSpPr/>
-          <p:nvPr/>
-        </p:nvSpPr>
-        <p:spPr>
-          <a:xfrm flipV="1">
-            <a:off x="1691640" y="2441539"/>
-            <a:ext cx="274320" cy="59390"/>
-          </a:xfrm>
-          <a:prstGeom prst="triangle">
-            <a:avLst/>
-          </a:prstGeom>
-          <a:solidFill>
-            <a:srgbClr val="FF9999"/>
-          </a:solidFill>
-          <a:ln w="12700">
-            <a:solidFill>
-              <a:srgbClr val="333333"/>
-            </a:solidFill>
-            <a:prstDash val="solid"/>
-          </a:ln>
-        </p:spPr>
-      </p:sp>
-      <p:sp>
-        <p:nvSpPr>
-          <p:cNvPr id="15" name="Shape 13"/>
-          <p:cNvSpPr/>
-          <p:nvPr/>
-        </p:nvSpPr>
-        <p:spPr>
-          <a:xfrm>
-            <a:off x="1691640" y="2619710"/>
-            <a:ext cx="274320" cy="59390"/>
-          </a:xfrm>
-          <a:prstGeom prst="triangle">
-            <a:avLst/>
-          </a:prstGeom>
-          <a:solidFill>
-            <a:srgbClr val="FF9999"/>
-          </a:solidFill>
-          <a:ln w="12700">
-            <a:solidFill>
-              <a:srgbClr val="333333"/>
-            </a:solidFill>
-            <a:prstDash val="solid"/>
-          </a:ln>
-        </p:spPr>
-      </p:sp>
-      <p:sp>
-        <p:nvSpPr>
-          <p:cNvPr id="16" name="Shape 14"/>
-          <p:cNvSpPr/>
-          <p:nvPr/>
-        </p:nvSpPr>
-        <p:spPr>
-          <a:xfrm>
-            <a:off x="2194560" y="2468880"/>
-            <a:ext cx="274320" cy="274320"/>
-          </a:xfrm>
-          <a:prstGeom prst="triangle">
-            <a:avLst/>
-          </a:prstGeom>
-          <a:solidFill>
-            <a:srgbClr val="FF9999"/>
-          </a:solidFill>
-          <a:ln w="12700">
-            <a:solidFill>
-              <a:srgbClr val="000000"/>
-            </a:solidFill>
-            <a:prstDash val="solid"/>
-          </a:ln>
-        </p:spPr>
-      </p:sp>
-      <p:sp>
-        <p:nvSpPr>
-          <p:cNvPr id="17" name="Shape 15"/>
-          <p:cNvSpPr/>
-          <p:nvPr/>
-        </p:nvSpPr>
-        <p:spPr>
-          <a:xfrm>
-            <a:off x="4754880" y="2011680"/>
-            <a:ext cx="3840480" cy="1188720"/>
-          </a:xfrm>
-          <a:prstGeom prst="rect">
-            <a:avLst/>
-          </a:prstGeom>
-          <a:solidFill>
-            <a:srgbClr val="2A2A2A"/>
-          </a:solidFill>
-          <a:ln w="12700">
-            <a:solidFill>
-              <a:srgbClr val="555555"/>
-            </a:solidFill>
-            <a:prstDash val="solid"/>
-          </a:ln>
-        </p:spPr>
-      </p:sp>
-      <p:sp>
-        <p:nvSpPr>
-          <p:cNvPr id="18" name="Text 16"/>
-          <p:cNvSpPr/>
-          <p:nvPr/>
-        </p:nvSpPr>
-        <p:spPr>
-          <a:xfrm>
-            <a:off x="4846320" y="2103120"/>
-            <a:ext cx="274320" cy="274320"/>
-          </a:xfrm>
-          <a:prstGeom prst="rect">
-            <a:avLst/>
-          </a:prstGeom>
-          <a:solidFill>
-            <a:srgbClr val="66B3FF"/>
-          </a:solidFill>
-          <a:ln/>
-        </p:spPr>
-        <p:txBody>
-          <a:bodyPr wrap="square" rtlCol="0" anchor="ctr"/>
-          <a:lstStyle/>
-          <a:p>
-            <a:pPr algn="ctr" indent="0" marL="0">
-              <a:buNone/>
-            </a:pPr>
-            <a:r>
-              <a:rPr lang="en-US" sz="1600" b="1" dirty="0">
-                <a:solidFill>
-                  <a:srgbClr val="FFFFFF"/>
-                </a:solidFill>
-              </a:rPr>
-              <a:t>B</a:t>
-            </a:r>
-            <a:endParaRPr lang="en-US" sz="1600" dirty="0"/>
-          </a:p>
-        </p:txBody>
-      </p:sp>
-      <p:sp>
-        <p:nvSpPr>
-          <p:cNvPr id="19" name="Shape 17"/>
-          <p:cNvSpPr/>
-          <p:nvPr/>
-        </p:nvSpPr>
-        <p:spPr>
-          <a:xfrm>
-            <a:off x="6446520" y="2683810"/>
-            <a:ext cx="274320" cy="118781"/>
-          </a:xfrm>
-          <a:prstGeom prst="rect">
-            <a:avLst/>
-          </a:prstGeom>
-          <a:solidFill>
-            <a:srgbClr val="66B3FF"/>
-          </a:solidFill>
-          <a:ln w="12700">
-            <a:solidFill>
-              <a:srgbClr val="000000"/>
-            </a:solidFill>
-            <a:prstDash val="solid"/>
-          </a:ln>
-        </p:spPr>
-      </p:sp>
-      <p:sp>
-        <p:nvSpPr>
-          <p:cNvPr id="20" name="Shape 18"/>
-          <p:cNvSpPr/>
-          <p:nvPr/>
-        </p:nvSpPr>
-        <p:spPr>
-          <a:xfrm flipV="1">
-            <a:off x="6446520" y="2624419"/>
-            <a:ext cx="274320" cy="59390"/>
-          </a:xfrm>
-          <a:prstGeom prst="triangle">
-            <a:avLst/>
-          </a:prstGeom>
-          <a:solidFill>
-            <a:srgbClr val="66B3FF"/>
-          </a:solidFill>
-          <a:ln w="12700">
-            <a:solidFill>
-              <a:srgbClr val="333333"/>
-            </a:solidFill>
-            <a:prstDash val="solid"/>
-          </a:ln>
-        </p:spPr>
-      </p:sp>
-      <p:sp>
-        <p:nvSpPr>
-          <p:cNvPr id="21" name="Shape 19"/>
-          <p:cNvSpPr/>
-          <p:nvPr/>
-        </p:nvSpPr>
-        <p:spPr>
-          <a:xfrm>
-            <a:off x="6446520" y="2802590"/>
-            <a:ext cx="274320" cy="59390"/>
-          </a:xfrm>
-          <a:prstGeom prst="triangle">
-            <a:avLst/>
-          </a:prstGeom>
-          <a:solidFill>
-            <a:srgbClr val="66B3FF"/>
-          </a:solidFill>
-          <a:ln w="12700">
-            <a:solidFill>
-              <a:srgbClr val="333333"/>
-            </a:solidFill>
-            <a:prstDash val="solid"/>
-          </a:ln>
-        </p:spPr>
-      </p:sp>
-      <p:sp>
-        <p:nvSpPr>
-          <p:cNvPr id="22" name="Shape 20"/>
-          <p:cNvSpPr/>
-          <p:nvPr/>
-        </p:nvSpPr>
-        <p:spPr>
-          <a:xfrm flipV="1">
-            <a:off x="6446520" y="2331720"/>
-            <a:ext cx="274320" cy="274320"/>
-          </a:xfrm>
-          <a:prstGeom prst="triangle">
-            <a:avLst/>
-          </a:prstGeom>
-          <a:solidFill>
-            <a:srgbClr val="66B3FF"/>
-          </a:solidFill>
-          <a:ln w="12700">
-            <a:solidFill>
-              <a:srgbClr val="000000"/>
-            </a:solidFill>
-            <a:prstDash val="solid"/>
-          </a:ln>
-        </p:spPr>
-      </p:sp>
-      <p:sp>
-        <p:nvSpPr>
-          <p:cNvPr id="23" name="Shape 21"/>
-          <p:cNvSpPr/>
-          <p:nvPr/>
-        </p:nvSpPr>
-        <p:spPr>
-          <a:xfrm>
-            <a:off x="457200" y="3383280"/>
-            <a:ext cx="3840480" cy="1188720"/>
-          </a:xfrm>
-          <a:prstGeom prst="rect">
-            <a:avLst/>
-          </a:prstGeom>
-          <a:solidFill>
-            <a:srgbClr val="2A2A2A"/>
-          </a:solidFill>
-          <a:ln w="12700">
-            <a:solidFill>
-              <a:srgbClr val="555555"/>
-            </a:solidFill>
-            <a:prstDash val="solid"/>
-          </a:ln>
-        </p:spPr>
-      </p:sp>
-      <p:sp>
-        <p:nvSpPr>
-          <p:cNvPr id="24" name="Text 22"/>
-          <p:cNvSpPr/>
-          <p:nvPr/>
-        </p:nvSpPr>
-        <p:spPr>
-          <a:xfrm>
-            <a:off x="548640" y="3474720"/>
-            <a:ext cx="274320" cy="274320"/>
-          </a:xfrm>
-          <a:prstGeom prst="rect">
-            <a:avLst/>
-          </a:prstGeom>
-          <a:solidFill>
-            <a:srgbClr val="FF9999"/>
-          </a:solidFill>
-          <a:ln/>
-        </p:spPr>
-        <p:txBody>
-          <a:bodyPr wrap="square" rtlCol="0" anchor="ctr"/>
-          <a:lstStyle/>
-          <a:p>
-            <a:pPr algn="ctr" indent="0" marL="0">
-              <a:buNone/>
-            </a:pPr>
-            <a:r>
-              <a:rPr lang="en-US" sz="1600" b="1" dirty="0">
-                <a:solidFill>
-                  <a:srgbClr val="FFFFFF"/>
-                </a:solidFill>
-              </a:rPr>
-              <a:t>C</a:t>
-            </a:r>
-            <a:endParaRPr lang="en-US" sz="1600" dirty="0"/>
-          </a:p>
-        </p:txBody>
-      </p:sp>
-      <p:sp>
-        <p:nvSpPr>
-          <p:cNvPr id="25" name="Shape 23"/>
-          <p:cNvSpPr/>
-          <p:nvPr/>
-        </p:nvSpPr>
-        <p:spPr>
-          <a:xfrm>
-            <a:off x="1691640" y="3689650"/>
-            <a:ext cx="274320" cy="118781"/>
-          </a:xfrm>
-          <a:prstGeom prst="rect">
-            <a:avLst/>
-          </a:prstGeom>
-          <a:solidFill>
-            <a:srgbClr val="FF9999"/>
-          </a:solidFill>
-          <a:ln w="12700">
-            <a:solidFill>
-              <a:srgbClr val="000000"/>
-            </a:solidFill>
-            <a:prstDash val="solid"/>
-          </a:ln>
-        </p:spPr>
-      </p:sp>
-      <p:sp>
-        <p:nvSpPr>
-          <p:cNvPr id="26" name="Shape 24"/>
-          <p:cNvSpPr/>
-          <p:nvPr/>
-        </p:nvSpPr>
-        <p:spPr>
-          <a:xfrm flipV="1">
-            <a:off x="1691640" y="3630259"/>
-            <a:ext cx="274320" cy="59390"/>
-          </a:xfrm>
-          <a:prstGeom prst="triangle">
-            <a:avLst/>
-          </a:prstGeom>
-          <a:solidFill>
-            <a:srgbClr val="FF9999"/>
-          </a:solidFill>
-          <a:ln w="12700">
-            <a:solidFill>
-              <a:srgbClr val="333333"/>
-            </a:solidFill>
-            <a:prstDash val="solid"/>
-          </a:ln>
-        </p:spPr>
-      </p:sp>
-      <p:sp>
-        <p:nvSpPr>
-          <p:cNvPr id="27" name="Shape 25"/>
-          <p:cNvSpPr/>
-          <p:nvPr/>
-        </p:nvSpPr>
-        <p:spPr>
-          <a:xfrm>
-            <a:off x="1691640" y="3808430"/>
-            <a:ext cx="274320" cy="59390"/>
-          </a:xfrm>
-          <a:prstGeom prst="triangle">
-            <a:avLst/>
-          </a:prstGeom>
-          <a:solidFill>
-            <a:srgbClr val="FF9999"/>
-          </a:solidFill>
-          <a:ln w="12700">
-            <a:solidFill>
-              <a:srgbClr val="333333"/>
-            </a:solidFill>
-            <a:prstDash val="solid"/>
-          </a:ln>
-        </p:spPr>
-      </p:sp>
-      <p:sp>
-        <p:nvSpPr>
-          <p:cNvPr id="28" name="Shape 26"/>
-          <p:cNvSpPr/>
-          <p:nvPr/>
-        </p:nvSpPr>
-        <p:spPr>
-          <a:xfrm>
-            <a:off x="1691640" y="4069080"/>
-            <a:ext cx="274320" cy="274320"/>
-          </a:xfrm>
-          <a:prstGeom prst="triangle">
-            <a:avLst/>
-          </a:prstGeom>
-          <a:solidFill>
-            <a:srgbClr val="FF9999"/>
-          </a:solidFill>
-          <a:ln w="12700">
-            <a:solidFill>
-              <a:srgbClr val="000000"/>
-            </a:solidFill>
-            <a:prstDash val="solid"/>
-          </a:ln>
-        </p:spPr>
-      </p:sp>
-      <p:sp>
-        <p:nvSpPr>
-          <p:cNvPr id="29" name="Shape 27"/>
-          <p:cNvSpPr/>
-          <p:nvPr/>
-        </p:nvSpPr>
-        <p:spPr>
-          <a:xfrm>
-            <a:off x="4754880" y="3383280"/>
-            <a:ext cx="3840480" cy="1188720"/>
-          </a:xfrm>
-          <a:prstGeom prst="rect">
-            <a:avLst/>
-          </a:prstGeom>
-          <a:solidFill>
-            <a:srgbClr val="2A2A2A"/>
-          </a:solidFill>
-          <a:ln w="12700">
-            <a:solidFill>
-              <a:srgbClr val="555555"/>
-            </a:solidFill>
-            <a:prstDash val="solid"/>
-          </a:ln>
-        </p:spPr>
-      </p:sp>
-      <p:sp>
-        <p:nvSpPr>
-          <p:cNvPr id="30" name="Text 28"/>
-          <p:cNvSpPr/>
-          <p:nvPr/>
-        </p:nvSpPr>
-        <p:spPr>
-          <a:xfrm>
-            <a:off x="4846320" y="3474720"/>
-            <a:ext cx="274320" cy="274320"/>
-          </a:xfrm>
-          <a:prstGeom prst="rect">
-            <a:avLst/>
-          </a:prstGeom>
-          <a:solidFill>
-            <a:srgbClr val="FF9999"/>
-          </a:solidFill>
-          <a:ln/>
-        </p:spPr>
-        <p:txBody>
-          <a:bodyPr wrap="square" rtlCol="0" anchor="ctr"/>
-          <a:lstStyle/>
-          <a:p>
-            <a:pPr algn="ctr" indent="0" marL="0">
-              <a:buNone/>
-            </a:pPr>
-            <a:r>
-              <a:rPr lang="en-US" sz="1600" b="1" dirty="0">
-                <a:solidFill>
-                  <a:srgbClr val="FFFFFF"/>
-                </a:solidFill>
-              </a:rPr>
-              <a:t>D</a:t>
-            </a:r>
-            <a:endParaRPr lang="en-US" sz="1600" dirty="0"/>
-          </a:p>
-        </p:txBody>
-      </p:sp>
-      <p:sp>
-        <p:nvSpPr>
-          <p:cNvPr id="31" name="Shape 29"/>
-          <p:cNvSpPr/>
-          <p:nvPr/>
-        </p:nvSpPr>
-        <p:spPr>
-          <a:xfrm>
-            <a:off x="6446520" y="3689650"/>
-            <a:ext cx="274320" cy="118781"/>
-          </a:xfrm>
-          <a:prstGeom prst="rect">
-            <a:avLst/>
-          </a:prstGeom>
-          <a:solidFill>
-            <a:srgbClr val="FF9999"/>
-          </a:solidFill>
-          <a:ln w="12700">
-            <a:solidFill>
-              <a:srgbClr val="000000"/>
-            </a:solidFill>
-            <a:prstDash val="solid"/>
-          </a:ln>
-        </p:spPr>
-      </p:sp>
-      <p:sp>
-        <p:nvSpPr>
-          <p:cNvPr id="32" name="Shape 30"/>
-          <p:cNvSpPr/>
-          <p:nvPr/>
-        </p:nvSpPr>
-        <p:spPr>
-          <a:xfrm flipV="1">
-            <a:off x="6446520" y="3630259"/>
-            <a:ext cx="274320" cy="59390"/>
-          </a:xfrm>
-          <a:prstGeom prst="triangle">
-            <a:avLst/>
-          </a:prstGeom>
-          <a:solidFill>
-            <a:srgbClr val="FF9999"/>
-          </a:solidFill>
-          <a:ln w="12700">
-            <a:solidFill>
-              <a:srgbClr val="333333"/>
-            </a:solidFill>
-            <a:prstDash val="solid"/>
-          </a:ln>
-        </p:spPr>
-      </p:sp>
-      <p:sp>
-        <p:nvSpPr>
-          <p:cNvPr id="33" name="Shape 31"/>
-          <p:cNvSpPr/>
-          <p:nvPr/>
-        </p:nvSpPr>
-        <p:spPr>
-          <a:xfrm>
-            <a:off x="6446520" y="3808430"/>
-            <a:ext cx="274320" cy="59390"/>
-          </a:xfrm>
-          <a:prstGeom prst="triangle">
-            <a:avLst/>
-          </a:prstGeom>
-          <a:solidFill>
-            <a:srgbClr val="FF9999"/>
-          </a:solidFill>
-          <a:ln w="12700">
-            <a:solidFill>
-              <a:srgbClr val="333333"/>
-            </a:solidFill>
-            <a:prstDash val="solid"/>
-          </a:ln>
-        </p:spPr>
-      </p:sp>
-      <p:sp>
-        <p:nvSpPr>
-          <p:cNvPr id="34" name="Shape 32"/>
-          <p:cNvSpPr/>
-          <p:nvPr/>
-        </p:nvSpPr>
-        <p:spPr>
-          <a:xfrm>
-            <a:off x="6446520" y="4069080"/>
-            <a:ext cx="274320" cy="274320"/>
-          </a:xfrm>
-          <a:prstGeom prst="triangle">
-            <a:avLst/>
-          </a:prstGeom>
-          <a:solidFill>
-            <a:srgbClr val="FF9999"/>
-          </a:solidFill>
-          <a:ln w="12700">
-            <a:solidFill>
-              <a:srgbClr val="000000"/>
-            </a:solidFill>
-            <a:prstDash val="solid"/>
-          </a:ln>
-        </p:spPr>
-      </p:sp>
-      <p:sp>
-        <p:nvSpPr>
-          <p:cNvPr id="35" name="Shape 33">
-            <a:hlinkClick r:id="rId1" tooltip="" action="ppaction://hlinksldjump"/>
+      <p:pic>
+        <p:nvPicPr>
+          <p:cNvPr id="16" name="Image 3" descr="q6-answer-d.png">    </p:cNvPr>
+          <p:cNvPicPr>
+            <a:picLocks noChangeAspect="1"/>
+          </p:cNvPicPr>
+          <p:nvPr/>
+        </p:nvPicPr>
+        <p:blipFill>
+          <a:blip r:embed="rId4"/>
+          <a:stretch>
+            <a:fillRect/>
+          </a:stretch>
+        </p:blipFill>
+        <p:spPr>
+          <a:xfrm>
+            <a:off x="5669280" y="3383280"/>
+            <a:ext cx="2286000" cy="914400"/>
+          </a:xfrm>
+          <a:prstGeom prst="rect">
+            <a:avLst/>
+          </a:prstGeom>
+        </p:spPr>
+      </p:pic>
+      <p:sp>
+        <p:nvSpPr>
+          <p:cNvPr id="17" name="Shape 11">
+            <a:hlinkClick r:id="rId5" tooltip="" action="ppaction://hlinksldjump"/>
           </p:cNvPr>
           <p:cNvSpPr/>
           <p:nvPr/>
         </p:nvSpPr>
         <p:spPr>
           <a:xfrm>
-            <a:off x="457200" y="2011680"/>
-            <a:ext cx="3840480" cy="1188720"/>
+            <a:off x="457200" y="1645920"/>
+            <a:ext cx="3840480" cy="1371600"/>
           </a:xfrm>
           <a:prstGeom prst="rect">
             <a:avLst/>
@@ -6030,16 +5554,16 @@
       </p:sp>
       <p:sp>
         <p:nvSpPr>
-          <p:cNvPr id="36" name="Shape 34">
-            <a:hlinkClick r:id="rId2" tooltip="" action="ppaction://hlinksldjump"/>
+          <p:cNvPr id="18" name="Shape 12">
+            <a:hlinkClick r:id="rId6" tooltip="" action="ppaction://hlinksldjump"/>
           </p:cNvPr>
           <p:cNvSpPr/>
           <p:nvPr/>
         </p:nvSpPr>
         <p:spPr>
           <a:xfrm>
-            <a:off x="4754880" y="2011680"/>
-            <a:ext cx="3840480" cy="1188720"/>
+            <a:off x="4754880" y="1645920"/>
+            <a:ext cx="3840480" cy="1371600"/>
           </a:xfrm>
           <a:prstGeom prst="rect">
             <a:avLst/>
@@ -6059,16 +5583,16 @@
       </p:sp>
       <p:sp>
         <p:nvSpPr>
-          <p:cNvPr id="37" name="Shape 35">
-            <a:hlinkClick r:id="rId3" tooltip="" action="ppaction://hlinksldjump"/>
+          <p:cNvPr id="19" name="Shape 13">
+            <a:hlinkClick r:id="rId7" tooltip="" action="ppaction://hlinksldjump"/>
           </p:cNvPr>
           <p:cNvSpPr/>
           <p:nvPr/>
         </p:nvSpPr>
         <p:spPr>
           <a:xfrm>
-            <a:off x="457200" y="3383280"/>
-            <a:ext cx="3840480" cy="1188720"/>
+            <a:off x="457200" y="3200400"/>
+            <a:ext cx="3840480" cy="1371600"/>
           </a:xfrm>
           <a:prstGeom prst="rect">
             <a:avLst/>
@@ -6088,16 +5612,16 @@
       </p:sp>
       <p:sp>
         <p:nvSpPr>
-          <p:cNvPr id="38" name="Shape 36">
-            <a:hlinkClick r:id="rId4" tooltip="" action="ppaction://hlinksldjump"/>
+          <p:cNvPr id="20" name="Shape 14">
+            <a:hlinkClick r:id="rId8" tooltip="" action="ppaction://hlinksldjump"/>
           </p:cNvPr>
           <p:cNvSpPr/>
           <p:nvPr/>
         </p:nvSpPr>
         <p:spPr>
           <a:xfrm>
-            <a:off x="4754880" y="3383280"/>
-            <a:ext cx="3840480" cy="1188720"/>
+            <a:off x="4754880" y="3200400"/>
+            <a:ext cx="3840480" cy="1371600"/>
           </a:xfrm>
           <a:prstGeom prst="rect">
             <a:avLst/>
@@ -6229,8 +5753,8 @@
         </p:nvSpPr>
         <p:spPr>
           <a:xfrm>
-            <a:off x="4754880" y="2286000"/>
-            <a:ext cx="3840480" cy="1188720"/>
+            <a:off x="3200400" y="2286000"/>
+            <a:ext cx="3840480" cy="1371600"/>
           </a:xfrm>
           <a:prstGeom prst="rect">
             <a:avLst/>
@@ -6254,7 +5778,7 @@
         </p:nvSpPr>
         <p:spPr>
           <a:xfrm>
-            <a:off x="4846320" y="2377440"/>
+            <a:off x="3291840" y="2377440"/>
             <a:ext cx="274320" cy="274320"/>
           </a:xfrm>
           <a:prstGeom prst="rect">
@@ -6286,107 +5810,67 @@
       </p:sp>
       <p:sp>
         <p:nvSpPr>
-          <p:cNvPr id="6" name="Shape 4"/>
-          <p:cNvSpPr/>
-          <p:nvPr/>
-        </p:nvSpPr>
-        <p:spPr>
-          <a:xfrm>
-            <a:off x="6446520" y="2958130"/>
-            <a:ext cx="274320" cy="118781"/>
-          </a:xfrm>
-          <a:prstGeom prst="rect">
-            <a:avLst/>
-          </a:prstGeom>
-          <a:solidFill>
-            <a:srgbClr val="66B3FF"/>
-          </a:solidFill>
-          <a:ln w="12700">
-            <a:solidFill>
-              <a:srgbClr val="000000"/>
-            </a:solidFill>
-            <a:prstDash val="solid"/>
-          </a:ln>
-        </p:spPr>
-      </p:sp>
-      <p:sp>
-        <p:nvSpPr>
-          <p:cNvPr id="7" name="Shape 5"/>
-          <p:cNvSpPr/>
-          <p:nvPr/>
-        </p:nvSpPr>
-        <p:spPr>
-          <a:xfrm flipV="1">
-            <a:off x="6446520" y="2898739"/>
-            <a:ext cx="274320" cy="59390"/>
-          </a:xfrm>
-          <a:prstGeom prst="triangle">
-            <a:avLst/>
-          </a:prstGeom>
-          <a:solidFill>
-            <a:srgbClr val="66B3FF"/>
-          </a:solidFill>
-          <a:ln w="12700">
-            <a:solidFill>
-              <a:srgbClr val="333333"/>
-            </a:solidFill>
-            <a:prstDash val="solid"/>
-          </a:ln>
-        </p:spPr>
-      </p:sp>
-      <p:sp>
-        <p:nvSpPr>
-          <p:cNvPr id="8" name="Shape 6"/>
-          <p:cNvSpPr/>
-          <p:nvPr/>
-        </p:nvSpPr>
-        <p:spPr>
-          <a:xfrm>
-            <a:off x="6446520" y="3076910"/>
-            <a:ext cx="274320" cy="59390"/>
-          </a:xfrm>
-          <a:prstGeom prst="triangle">
-            <a:avLst/>
-          </a:prstGeom>
-          <a:solidFill>
-            <a:srgbClr val="66B3FF"/>
-          </a:solidFill>
-          <a:ln w="12700">
-            <a:solidFill>
-              <a:srgbClr val="333333"/>
-            </a:solidFill>
-            <a:prstDash val="solid"/>
-          </a:ln>
-        </p:spPr>
-      </p:sp>
-      <p:sp>
-        <p:nvSpPr>
-          <p:cNvPr id="9" name="Shape 7"/>
-          <p:cNvSpPr/>
-          <p:nvPr/>
-        </p:nvSpPr>
-        <p:spPr>
-          <a:xfrm flipV="1">
-            <a:off x="6446520" y="2606040"/>
-            <a:ext cx="274320" cy="274320"/>
-          </a:xfrm>
-          <a:prstGeom prst="triangle">
-            <a:avLst/>
-          </a:prstGeom>
-          <a:solidFill>
-            <a:srgbClr val="66B3FF"/>
-          </a:solidFill>
-          <a:ln w="12700">
-            <a:solidFill>
-              <a:srgbClr val="000000"/>
-            </a:solidFill>
-            <a:prstDash val="solid"/>
-          </a:ln>
-        </p:spPr>
-      </p:sp>
-      <p:sp>
-        <p:nvSpPr>
-          <p:cNvPr id="10" name="Shape 8"/>
+          <p:cNvPr id="6" name="Text 4"/>
+          <p:cNvSpPr/>
+          <p:nvPr/>
+        </p:nvSpPr>
+        <p:spPr>
+          <a:xfrm>
+            <a:off x="3657600" y="2377440"/>
+            <a:ext cx="3200400" cy="274320"/>
+          </a:xfrm>
+          <a:prstGeom prst="rect">
+            <a:avLst/>
+          </a:prstGeom>
+          <a:noFill/>
+          <a:ln/>
+        </p:spPr>
+        <p:txBody>
+          <a:bodyPr wrap="square" rtlCol="0" anchor="ctr"/>
+          <a:lstStyle/>
+          <a:p>
+            <a:pPr indent="0" marL="0">
+              <a:buNone/>
+            </a:pPr>
+            <a:r>
+              <a:rPr lang="en-US" sz="1400" b="1" dirty="0">
+                <a:solidFill>
+                  <a:srgbClr val="2ECC71"/>
+                </a:solidFill>
+              </a:rPr>
+              <a:t>✓ Correct Answer</a:t>
+            </a:r>
+            <a:endParaRPr lang="en-US" sz="1400" dirty="0"/>
+          </a:p>
+        </p:txBody>
+      </p:sp>
+      <p:pic>
+        <p:nvPicPr>
+          <p:cNvPr id="7" name="Image 0" descr="q6-answer-b.png">    </p:cNvPr>
+          <p:cNvPicPr>
+            <a:picLocks noChangeAspect="1"/>
+          </p:cNvPicPr>
+          <p:nvPr/>
+        </p:nvPicPr>
+        <p:blipFill>
+          <a:blip r:embed="rId1"/>
+          <a:stretch>
+            <a:fillRect/>
+          </a:stretch>
+        </p:blipFill>
+        <p:spPr>
+          <a:xfrm>
+            <a:off x="4114800" y="2651760"/>
+            <a:ext cx="2286000" cy="914400"/>
+          </a:xfrm>
+          <a:prstGeom prst="rect">
+            <a:avLst/>
+          </a:prstGeom>
+        </p:spPr>
+      </p:pic>
+      <p:sp>
+        <p:nvSpPr>
+          <p:cNvPr id="8" name="Shape 5"/>
           <p:cNvSpPr/>
           <p:nvPr/>
         </p:nvSpPr>
@@ -6411,8 +5895,8 @@
       </p:sp>
       <p:sp>
         <p:nvSpPr>
-          <p:cNvPr id="11" name="Text 9">
-            <a:hlinkClick r:id="rId1" tooltip="" action="ppaction://hlinksldjump"/>
+          <p:cNvPr id="9" name="Text 6">
+            <a:hlinkClick r:id="rId2" tooltip="" action="ppaction://hlinksldjump"/>
           </p:cNvPr>
           <p:cNvSpPr/>
           <p:nvPr/>
@@ -6440,7 +5924,7 @@
                 <a:solidFill>
                   <a:srgbClr val="FFFFFF"/>
                 </a:solidFill>
-                <a:hlinkClick r:id="rId1" action="ppaction://hlinksldjump" tooltip="">
+                <a:hlinkClick r:id="rId2" action="ppaction://hlinksldjump" tooltip="">
                   <a:extLst>
                     <a:ext uri="{A12FA001-AC4F-418D-AE19-62706E023703}">
                       <ahyp:hlinkClr xmlns:ahyp="http://schemas.microsoft.com/office/drawing/2018/hyperlinkcolor" val="tx"/>
@@ -6569,7 +6053,7 @@
         <p:spPr>
           <a:xfrm>
             <a:off x="640080" y="822960"/>
-            <a:ext cx="1828800" cy="274320"/>
+            <a:ext cx="3657600" cy="274320"/>
           </a:xfrm>
           <a:prstGeom prst="rect">
             <a:avLst/>
@@ -6590,7 +6074,7 @@
                   <a:srgbClr val="E0E0E0"/>
                 </a:solidFill>
               </a:rPr>
-              <a:t>Given shapes:</a:t>
+              <a:t>Given shapes: Parallelogram + Square</a:t>
             </a:r>
             <a:endParaRPr lang="en-US" sz="1400" dirty="0"/>
           </a:p>
@@ -6603,9 +6087,208 @@
           <p:nvPr/>
         </p:nvSpPr>
         <p:spPr>
-          <a:xfrm rot="1233363">
-            <a:off x="1005840" y="1097280"/>
-            <a:ext cx="548640" cy="365760"/>
+          <a:xfrm>
+            <a:off x="457200" y="1645920"/>
+            <a:ext cx="3840480" cy="1371600"/>
+          </a:xfrm>
+          <a:prstGeom prst="rect">
+            <a:avLst/>
+          </a:prstGeom>
+          <a:solidFill>
+            <a:srgbClr val="2A2A2A"/>
+          </a:solidFill>
+          <a:ln w="12700">
+            <a:solidFill>
+              <a:srgbClr val="555555"/>
+            </a:solidFill>
+            <a:prstDash val="solid"/>
+          </a:ln>
+        </p:spPr>
+      </p:sp>
+      <p:sp>
+        <p:nvSpPr>
+          <p:cNvPr id="6" name="Text 4"/>
+          <p:cNvSpPr/>
+          <p:nvPr/>
+        </p:nvSpPr>
+        <p:spPr>
+          <a:xfrm>
+            <a:off x="548640" y="1737360"/>
+            <a:ext cx="274320" cy="274320"/>
+          </a:xfrm>
+          <a:prstGeom prst="rect">
+            <a:avLst/>
+          </a:prstGeom>
+          <a:solidFill>
+            <a:srgbClr val="FF9999"/>
+          </a:solidFill>
+          <a:ln/>
+        </p:spPr>
+        <p:txBody>
+          <a:bodyPr wrap="square" rtlCol="0" anchor="ctr"/>
+          <a:lstStyle/>
+          <a:p>
+            <a:pPr algn="ctr" indent="0" marL="0">
+              <a:buNone/>
+            </a:pPr>
+            <a:r>
+              <a:rPr lang="en-US" sz="1600" b="1" dirty="0">
+                <a:solidFill>
+                  <a:srgbClr val="FFFFFF"/>
+                </a:solidFill>
+              </a:rPr>
+              <a:t>A</a:t>
+            </a:r>
+            <a:endParaRPr lang="en-US" sz="1600" dirty="0"/>
+          </a:p>
+        </p:txBody>
+      </p:sp>
+      <p:pic>
+        <p:nvPicPr>
+          <p:cNvPr id="7" name="Image 0" descr="q7-answer-a.png">    </p:cNvPr>
+          <p:cNvPicPr>
+            <a:picLocks noChangeAspect="1"/>
+          </p:cNvPicPr>
+          <p:nvPr/>
+        </p:nvPicPr>
+        <p:blipFill>
+          <a:blip r:embed="rId1"/>
+          <a:stretch>
+            <a:fillRect/>
+          </a:stretch>
+        </p:blipFill>
+        <p:spPr>
+          <a:xfrm>
+            <a:off x="1371600" y="1828800"/>
+            <a:ext cx="2286000" cy="914400"/>
+          </a:xfrm>
+          <a:prstGeom prst="rect">
+            <a:avLst/>
+          </a:prstGeom>
+        </p:spPr>
+      </p:pic>
+      <p:sp>
+        <p:nvSpPr>
+          <p:cNvPr id="8" name="Shape 5"/>
+          <p:cNvSpPr/>
+          <p:nvPr/>
+        </p:nvSpPr>
+        <p:spPr>
+          <a:xfrm>
+            <a:off x="4754880" y="1645920"/>
+            <a:ext cx="3840480" cy="1371600"/>
+          </a:xfrm>
+          <a:prstGeom prst="rect">
+            <a:avLst/>
+          </a:prstGeom>
+          <a:solidFill>
+            <a:srgbClr val="2A2A2A"/>
+          </a:solidFill>
+          <a:ln w="12700">
+            <a:solidFill>
+              <a:srgbClr val="555555"/>
+            </a:solidFill>
+            <a:prstDash val="solid"/>
+          </a:ln>
+        </p:spPr>
+      </p:sp>
+      <p:sp>
+        <p:nvSpPr>
+          <p:cNvPr id="9" name="Text 6"/>
+          <p:cNvSpPr/>
+          <p:nvPr/>
+        </p:nvSpPr>
+        <p:spPr>
+          <a:xfrm>
+            <a:off x="4846320" y="1737360"/>
+            <a:ext cx="274320" cy="274320"/>
+          </a:xfrm>
+          <a:prstGeom prst="rect">
+            <a:avLst/>
+          </a:prstGeom>
+          <a:solidFill>
+            <a:srgbClr val="FF9999"/>
+          </a:solidFill>
+          <a:ln/>
+        </p:spPr>
+        <p:txBody>
+          <a:bodyPr wrap="square" rtlCol="0" anchor="ctr"/>
+          <a:lstStyle/>
+          <a:p>
+            <a:pPr algn="ctr" indent="0" marL="0">
+              <a:buNone/>
+            </a:pPr>
+            <a:r>
+              <a:rPr lang="en-US" sz="1600" b="1" dirty="0">
+                <a:solidFill>
+                  <a:srgbClr val="FFFFFF"/>
+                </a:solidFill>
+              </a:rPr>
+              <a:t>B</a:t>
+            </a:r>
+            <a:endParaRPr lang="en-US" sz="1600" dirty="0"/>
+          </a:p>
+        </p:txBody>
+      </p:sp>
+      <p:pic>
+        <p:nvPicPr>
+          <p:cNvPr id="10" name="Image 1" descr="q7-answer-b.png">    </p:cNvPr>
+          <p:cNvPicPr>
+            <a:picLocks noChangeAspect="1"/>
+          </p:cNvPicPr>
+          <p:nvPr/>
+        </p:nvPicPr>
+        <p:blipFill>
+          <a:blip r:embed="rId2"/>
+          <a:stretch>
+            <a:fillRect/>
+          </a:stretch>
+        </p:blipFill>
+        <p:spPr>
+          <a:xfrm>
+            <a:off x="5669280" y="1828800"/>
+            <a:ext cx="2286000" cy="914400"/>
+          </a:xfrm>
+          <a:prstGeom prst="rect">
+            <a:avLst/>
+          </a:prstGeom>
+        </p:spPr>
+      </p:pic>
+      <p:sp>
+        <p:nvSpPr>
+          <p:cNvPr id="11" name="Shape 7"/>
+          <p:cNvSpPr/>
+          <p:nvPr/>
+        </p:nvSpPr>
+        <p:spPr>
+          <a:xfrm>
+            <a:off x="457200" y="3200400"/>
+            <a:ext cx="3840480" cy="1371600"/>
+          </a:xfrm>
+          <a:prstGeom prst="rect">
+            <a:avLst/>
+          </a:prstGeom>
+          <a:solidFill>
+            <a:srgbClr val="2A2A2A"/>
+          </a:solidFill>
+          <a:ln w="12700">
+            <a:solidFill>
+              <a:srgbClr val="555555"/>
+            </a:solidFill>
+            <a:prstDash val="solid"/>
+          </a:ln>
+        </p:spPr>
+      </p:sp>
+      <p:sp>
+        <p:nvSpPr>
+          <p:cNvPr id="12" name="Text 8"/>
+          <p:cNvSpPr/>
+          <p:nvPr/>
+        </p:nvSpPr>
+        <p:spPr>
+          <a:xfrm>
+            <a:off x="548640" y="3291840"/>
+            <a:ext cx="274320" cy="274320"/>
           </a:xfrm>
           <a:prstGeom prst="rect">
             <a:avLst/>
@@ -6613,29 +6296,6 @@
           <a:solidFill>
             <a:srgbClr val="66B3FF"/>
           </a:solidFill>
-          <a:ln w="12700">
-            <a:solidFill>
-              <a:srgbClr val="000000"/>
-            </a:solidFill>
-            <a:prstDash val="solid"/>
-          </a:ln>
-        </p:spPr>
-      </p:sp>
-      <p:sp>
-        <p:nvSpPr>
-          <p:cNvPr id="6" name="Text 4"/>
-          <p:cNvSpPr/>
-          <p:nvPr/>
-        </p:nvSpPr>
-        <p:spPr>
-          <a:xfrm>
-            <a:off x="1005840" y="1508760"/>
-            <a:ext cx="548640" cy="182880"/>
-          </a:xfrm>
-          <a:prstGeom prst="rect">
-            <a:avLst/>
-          </a:prstGeom>
-          <a:noFill/>
           <a:ln/>
         </p:spPr>
         <p:txBody>
@@ -6646,57 +6306,83 @@
               <a:buNone/>
             </a:pPr>
             <a:r>
-              <a:rPr lang="en-US" sz="1000" dirty="0">
-                <a:solidFill>
-                  <a:srgbClr val="E0E0E0"/>
-                </a:solidFill>
-              </a:rPr>
-              <a:t>Parallelogram</a:t>
-            </a:r>
-            <a:endParaRPr lang="en-US" sz="1000" dirty="0"/>
-          </a:p>
-        </p:txBody>
-      </p:sp>
-      <p:sp>
-        <p:nvSpPr>
-          <p:cNvPr id="7" name="Shape 5"/>
-          <p:cNvSpPr/>
-          <p:nvPr/>
-        </p:nvSpPr>
-        <p:spPr>
-          <a:xfrm>
-            <a:off x="2011680" y="1097280"/>
-            <a:ext cx="365760" cy="365760"/>
-          </a:xfrm>
-          <a:prstGeom prst="rect">
-            <a:avLst/>
-          </a:prstGeom>
-          <a:solidFill>
-            <a:srgbClr val="66B3FF"/>
-          </a:solidFill>
-          <a:ln w="12700">
-            <a:solidFill>
-              <a:srgbClr val="000000"/>
-            </a:solidFill>
-            <a:prstDash val="solid"/>
-          </a:ln>
-        </p:spPr>
-      </p:sp>
-      <p:sp>
-        <p:nvSpPr>
-          <p:cNvPr id="8" name="Text 6"/>
-          <p:cNvSpPr/>
-          <p:nvPr/>
-        </p:nvSpPr>
-        <p:spPr>
-          <a:xfrm>
-            <a:off x="2011680" y="1508760"/>
-            <a:ext cx="365760" cy="182880"/>
-          </a:xfrm>
-          <a:prstGeom prst="rect">
-            <a:avLst/>
-          </a:prstGeom>
-          <a:noFill/>
+              <a:rPr lang="en-US" sz="1600" b="1" dirty="0">
+                <a:solidFill>
+                  <a:srgbClr val="FFFFFF"/>
+                </a:solidFill>
+              </a:rPr>
+              <a:t>C</a:t>
+            </a:r>
+            <a:endParaRPr lang="en-US" sz="1600" dirty="0"/>
+          </a:p>
+        </p:txBody>
+      </p:sp>
+      <p:pic>
+        <p:nvPicPr>
+          <p:cNvPr id="13" name="Image 2" descr="q7-answer-c.png">    </p:cNvPr>
+          <p:cNvPicPr>
+            <a:picLocks noChangeAspect="1"/>
+          </p:cNvPicPr>
+          <p:nvPr/>
+        </p:nvPicPr>
+        <p:blipFill>
+          <a:blip r:embed="rId3"/>
+          <a:stretch>
+            <a:fillRect/>
+          </a:stretch>
+        </p:blipFill>
+        <p:spPr>
+          <a:xfrm>
+            <a:off x="1371600" y="3383280"/>
+            <a:ext cx="2286000" cy="914400"/>
+          </a:xfrm>
+          <a:prstGeom prst="rect">
+            <a:avLst/>
+          </a:prstGeom>
+        </p:spPr>
+      </p:pic>
+      <p:sp>
+        <p:nvSpPr>
+          <p:cNvPr id="14" name="Shape 9"/>
+          <p:cNvSpPr/>
+          <p:nvPr/>
+        </p:nvSpPr>
+        <p:spPr>
+          <a:xfrm>
+            <a:off x="4754880" y="3200400"/>
+            <a:ext cx="3840480" cy="1371600"/>
+          </a:xfrm>
+          <a:prstGeom prst="rect">
+            <a:avLst/>
+          </a:prstGeom>
+          <a:solidFill>
+            <a:srgbClr val="2A2A2A"/>
+          </a:solidFill>
+          <a:ln w="12700">
+            <a:solidFill>
+              <a:srgbClr val="555555"/>
+            </a:solidFill>
+            <a:prstDash val="solid"/>
+          </a:ln>
+        </p:spPr>
+      </p:sp>
+      <p:sp>
+        <p:nvSpPr>
+          <p:cNvPr id="15" name="Text 10"/>
+          <p:cNvSpPr/>
+          <p:nvPr/>
+        </p:nvSpPr>
+        <p:spPr>
+          <a:xfrm>
+            <a:off x="4846320" y="3291840"/>
+            <a:ext cx="274320" cy="274320"/>
+          </a:xfrm>
+          <a:prstGeom prst="rect">
+            <a:avLst/>
+          </a:prstGeom>
+          <a:solidFill>
+            <a:srgbClr val="FF9999"/>
+          </a:solidFill>
           <a:ln/>
         </p:spPr>
         <p:txBody>
@@ -6707,481 +6393,53 @@
               <a:buNone/>
             </a:pPr>
             <a:r>
-              <a:rPr lang="en-US" sz="1000" dirty="0">
-                <a:solidFill>
-                  <a:srgbClr val="E0E0E0"/>
-                </a:solidFill>
-              </a:rPr>
-              <a:t>Square</a:t>
-            </a:r>
-            <a:endParaRPr lang="en-US" sz="1000" dirty="0"/>
-          </a:p>
-        </p:txBody>
-      </p:sp>
-      <p:sp>
-        <p:nvSpPr>
-          <p:cNvPr id="9" name="Shape 7"/>
-          <p:cNvSpPr/>
-          <p:nvPr/>
-        </p:nvSpPr>
-        <p:spPr>
-          <a:xfrm>
-            <a:off x="457200" y="2011680"/>
-            <a:ext cx="3840480" cy="1188720"/>
-          </a:xfrm>
-          <a:prstGeom prst="rect">
-            <a:avLst/>
-          </a:prstGeom>
-          <a:solidFill>
-            <a:srgbClr val="2A2A2A"/>
-          </a:solidFill>
-          <a:ln w="12700">
-            <a:solidFill>
-              <a:srgbClr val="555555"/>
-            </a:solidFill>
-            <a:prstDash val="solid"/>
-          </a:ln>
-        </p:spPr>
-      </p:sp>
-      <p:sp>
-        <p:nvSpPr>
-          <p:cNvPr id="10" name="Text 8"/>
-          <p:cNvSpPr/>
-          <p:nvPr/>
-        </p:nvSpPr>
-        <p:spPr>
-          <a:xfrm>
-            <a:off x="548640" y="2103120"/>
-            <a:ext cx="274320" cy="274320"/>
-          </a:xfrm>
-          <a:prstGeom prst="rect">
-            <a:avLst/>
-          </a:prstGeom>
-          <a:solidFill>
-            <a:srgbClr val="FF9999"/>
-          </a:solidFill>
-          <a:ln/>
-        </p:spPr>
-        <p:txBody>
-          <a:bodyPr wrap="square" rtlCol="0" anchor="ctr"/>
-          <a:lstStyle/>
-          <a:p>
-            <a:pPr algn="ctr" indent="0" marL="0">
-              <a:buNone/>
-            </a:pPr>
-            <a:r>
               <a:rPr lang="en-US" sz="1600" b="1" dirty="0">
                 <a:solidFill>
                   <a:srgbClr val="FFFFFF"/>
                 </a:solidFill>
               </a:rPr>
-              <a:t>A</a:t>
+              <a:t>D</a:t>
             </a:r>
             <a:endParaRPr lang="en-US" sz="1600" dirty="0"/>
           </a:p>
         </p:txBody>
       </p:sp>
-      <p:sp>
-        <p:nvSpPr>
-          <p:cNvPr id="11" name="Shape 9"/>
-          <p:cNvSpPr/>
-          <p:nvPr/>
-        </p:nvSpPr>
-        <p:spPr>
-          <a:xfrm rot="1233363">
-            <a:off x="1371600" y="2468880"/>
-            <a:ext cx="548640" cy="365760"/>
-          </a:xfrm>
-          <a:prstGeom prst="rect">
-            <a:avLst/>
-          </a:prstGeom>
-          <a:solidFill>
-            <a:srgbClr val="FF9999"/>
-          </a:solidFill>
-          <a:ln w="12700">
-            <a:solidFill>
-              <a:srgbClr val="000000"/>
-            </a:solidFill>
-            <a:prstDash val="solid"/>
-          </a:ln>
-        </p:spPr>
-      </p:sp>
-      <p:sp>
-        <p:nvSpPr>
-          <p:cNvPr id="12" name="Shape 10"/>
-          <p:cNvSpPr/>
-          <p:nvPr/>
-        </p:nvSpPr>
-        <p:spPr>
-          <a:xfrm>
-            <a:off x="2011680" y="2468880"/>
-            <a:ext cx="365760" cy="365760"/>
-          </a:xfrm>
-          <a:prstGeom prst="rect">
-            <a:avLst/>
-          </a:prstGeom>
-          <a:solidFill>
-            <a:srgbClr val="FF9999"/>
-          </a:solidFill>
-          <a:ln w="12700">
-            <a:solidFill>
-              <a:srgbClr val="000000"/>
-            </a:solidFill>
-            <a:prstDash val="solid"/>
-          </a:ln>
-        </p:spPr>
-      </p:sp>
-      <p:sp>
-        <p:nvSpPr>
-          <p:cNvPr id="13" name="Shape 11"/>
-          <p:cNvSpPr/>
-          <p:nvPr/>
-        </p:nvSpPr>
-        <p:spPr>
-          <a:xfrm>
-            <a:off x="4754880" y="2011680"/>
-            <a:ext cx="3840480" cy="1188720"/>
-          </a:xfrm>
-          <a:prstGeom prst="rect">
-            <a:avLst/>
-          </a:prstGeom>
-          <a:solidFill>
-            <a:srgbClr val="2A2A2A"/>
-          </a:solidFill>
-          <a:ln w="12700">
-            <a:solidFill>
-              <a:srgbClr val="555555"/>
-            </a:solidFill>
-            <a:prstDash val="solid"/>
-          </a:ln>
-        </p:spPr>
-      </p:sp>
-      <p:sp>
-        <p:nvSpPr>
-          <p:cNvPr id="14" name="Text 12"/>
-          <p:cNvSpPr/>
-          <p:nvPr/>
-        </p:nvSpPr>
-        <p:spPr>
-          <a:xfrm>
-            <a:off x="4846320" y="2103120"/>
-            <a:ext cx="274320" cy="274320"/>
-          </a:xfrm>
-          <a:prstGeom prst="rect">
-            <a:avLst/>
-          </a:prstGeom>
-          <a:solidFill>
-            <a:srgbClr val="FF9999"/>
-          </a:solidFill>
-          <a:ln/>
-        </p:spPr>
-        <p:txBody>
-          <a:bodyPr wrap="square" rtlCol="0" anchor="ctr"/>
-          <a:lstStyle/>
-          <a:p>
-            <a:pPr algn="ctr" indent="0" marL="0">
-              <a:buNone/>
-            </a:pPr>
-            <a:r>
-              <a:rPr lang="en-US" sz="1600" b="1" dirty="0">
-                <a:solidFill>
-                  <a:srgbClr val="FFFFFF"/>
-                </a:solidFill>
-              </a:rPr>
-              <a:t>B</a:t>
-            </a:r>
-            <a:endParaRPr lang="en-US" sz="1600" dirty="0"/>
-          </a:p>
-        </p:txBody>
-      </p:sp>
-      <p:sp>
-        <p:nvSpPr>
-          <p:cNvPr id="15" name="Shape 13"/>
-          <p:cNvSpPr/>
-          <p:nvPr/>
-        </p:nvSpPr>
-        <p:spPr>
-          <a:xfrm>
-            <a:off x="5943600" y="2468880"/>
-            <a:ext cx="365760" cy="365760"/>
-          </a:xfrm>
-          <a:prstGeom prst="rect">
-            <a:avLst/>
-          </a:prstGeom>
-          <a:solidFill>
-            <a:srgbClr val="FF9999"/>
-          </a:solidFill>
-          <a:ln w="12700">
-            <a:solidFill>
-              <a:srgbClr val="000000"/>
-            </a:solidFill>
-            <a:prstDash val="solid"/>
-          </a:ln>
-        </p:spPr>
-      </p:sp>
-      <p:sp>
-        <p:nvSpPr>
-          <p:cNvPr id="16" name="Shape 14"/>
-          <p:cNvSpPr/>
-          <p:nvPr/>
-        </p:nvSpPr>
-        <p:spPr>
-          <a:xfrm rot="1233363">
-            <a:off x="6400800" y="2468880"/>
-            <a:ext cx="548640" cy="365760"/>
-          </a:xfrm>
-          <a:prstGeom prst="rect">
-            <a:avLst/>
-          </a:prstGeom>
-          <a:solidFill>
-            <a:srgbClr val="FF9999"/>
-          </a:solidFill>
-          <a:ln w="12700">
-            <a:solidFill>
-              <a:srgbClr val="000000"/>
-            </a:solidFill>
-            <a:prstDash val="solid"/>
-          </a:ln>
-        </p:spPr>
-      </p:sp>
-      <p:sp>
-        <p:nvSpPr>
-          <p:cNvPr id="17" name="Shape 15"/>
-          <p:cNvSpPr/>
-          <p:nvPr/>
-        </p:nvSpPr>
-        <p:spPr>
-          <a:xfrm>
-            <a:off x="457200" y="3383280"/>
-            <a:ext cx="3840480" cy="1188720"/>
-          </a:xfrm>
-          <a:prstGeom prst="rect">
-            <a:avLst/>
-          </a:prstGeom>
-          <a:solidFill>
-            <a:srgbClr val="2A2A2A"/>
-          </a:solidFill>
-          <a:ln w="12700">
-            <a:solidFill>
-              <a:srgbClr val="555555"/>
-            </a:solidFill>
-            <a:prstDash val="solid"/>
-          </a:ln>
-        </p:spPr>
-      </p:sp>
-      <p:sp>
-        <p:nvSpPr>
-          <p:cNvPr id="18" name="Text 16"/>
-          <p:cNvSpPr/>
-          <p:nvPr/>
-        </p:nvSpPr>
-        <p:spPr>
-          <a:xfrm>
-            <a:off x="548640" y="3474720"/>
-            <a:ext cx="274320" cy="274320"/>
-          </a:xfrm>
-          <a:prstGeom prst="rect">
-            <a:avLst/>
-          </a:prstGeom>
-          <a:solidFill>
-            <a:srgbClr val="66B3FF"/>
-          </a:solidFill>
-          <a:ln/>
-        </p:spPr>
-        <p:txBody>
-          <a:bodyPr wrap="square" rtlCol="0" anchor="ctr"/>
-          <a:lstStyle/>
-          <a:p>
-            <a:pPr algn="ctr" indent="0" marL="0">
-              <a:buNone/>
-            </a:pPr>
-            <a:r>
-              <a:rPr lang="en-US" sz="1600" b="1" dirty="0">
-                <a:solidFill>
-                  <a:srgbClr val="FFFFFF"/>
-                </a:solidFill>
-              </a:rPr>
-              <a:t>C</a:t>
-            </a:r>
-            <a:endParaRPr lang="en-US" sz="1600" dirty="0"/>
-          </a:p>
-        </p:txBody>
-      </p:sp>
-      <p:sp>
-        <p:nvSpPr>
-          <p:cNvPr id="19" name="Shape 17"/>
-          <p:cNvSpPr/>
-          <p:nvPr/>
-        </p:nvSpPr>
-        <p:spPr>
-          <a:xfrm rot="1233363">
-            <a:off x="1737360" y="3749040"/>
-            <a:ext cx="548640" cy="365760"/>
-          </a:xfrm>
-          <a:prstGeom prst="rect">
-            <a:avLst/>
-          </a:prstGeom>
-          <a:solidFill>
-            <a:srgbClr val="66B3FF"/>
-          </a:solidFill>
-          <a:ln w="12700">
-            <a:solidFill>
-              <a:srgbClr val="000000"/>
-            </a:solidFill>
-            <a:prstDash val="solid"/>
-          </a:ln>
-        </p:spPr>
-      </p:sp>
-      <p:sp>
-        <p:nvSpPr>
-          <p:cNvPr id="20" name="Shape 18"/>
-          <p:cNvSpPr/>
-          <p:nvPr/>
-        </p:nvSpPr>
-        <p:spPr>
-          <a:xfrm>
-            <a:off x="1828800" y="4160520"/>
-            <a:ext cx="365760" cy="365760"/>
-          </a:xfrm>
-          <a:prstGeom prst="rect">
-            <a:avLst/>
-          </a:prstGeom>
-          <a:solidFill>
-            <a:srgbClr val="66B3FF"/>
-          </a:solidFill>
-          <a:ln w="12700">
-            <a:solidFill>
-              <a:srgbClr val="000000"/>
-            </a:solidFill>
-            <a:prstDash val="solid"/>
-          </a:ln>
-        </p:spPr>
-      </p:sp>
-      <p:sp>
-        <p:nvSpPr>
-          <p:cNvPr id="21" name="Shape 19"/>
-          <p:cNvSpPr/>
-          <p:nvPr/>
-        </p:nvSpPr>
-        <p:spPr>
-          <a:xfrm>
-            <a:off x="4754880" y="3383280"/>
-            <a:ext cx="3840480" cy="1188720"/>
-          </a:xfrm>
-          <a:prstGeom prst="rect">
-            <a:avLst/>
-          </a:prstGeom>
-          <a:solidFill>
-            <a:srgbClr val="2A2A2A"/>
-          </a:solidFill>
-          <a:ln w="12700">
-            <a:solidFill>
-              <a:srgbClr val="555555"/>
-            </a:solidFill>
-            <a:prstDash val="solid"/>
-          </a:ln>
-        </p:spPr>
-      </p:sp>
-      <p:sp>
-        <p:nvSpPr>
-          <p:cNvPr id="22" name="Text 20"/>
-          <p:cNvSpPr/>
-          <p:nvPr/>
-        </p:nvSpPr>
-        <p:spPr>
-          <a:xfrm>
-            <a:off x="4846320" y="3474720"/>
-            <a:ext cx="274320" cy="274320"/>
-          </a:xfrm>
-          <a:prstGeom prst="rect">
-            <a:avLst/>
-          </a:prstGeom>
-          <a:solidFill>
-            <a:srgbClr val="FF9999"/>
-          </a:solidFill>
-          <a:ln/>
-        </p:spPr>
-        <p:txBody>
-          <a:bodyPr wrap="square" rtlCol="0" anchor="ctr"/>
-          <a:lstStyle/>
-          <a:p>
-            <a:pPr algn="ctr" indent="0" marL="0">
-              <a:buNone/>
-            </a:pPr>
-            <a:r>
-              <a:rPr lang="en-US" sz="1600" b="1" dirty="0">
-                <a:solidFill>
-                  <a:srgbClr val="FFFFFF"/>
-                </a:solidFill>
-              </a:rPr>
-              <a:t>D</a:t>
-            </a:r>
-            <a:endParaRPr lang="en-US" sz="1600" dirty="0"/>
-          </a:p>
-        </p:txBody>
-      </p:sp>
-      <p:sp>
-        <p:nvSpPr>
-          <p:cNvPr id="23" name="Shape 21"/>
-          <p:cNvSpPr/>
-          <p:nvPr/>
-        </p:nvSpPr>
-        <p:spPr>
-          <a:xfrm>
-            <a:off x="6400800" y="3749040"/>
-            <a:ext cx="365760" cy="365760"/>
-          </a:xfrm>
-          <a:prstGeom prst="rect">
-            <a:avLst/>
-          </a:prstGeom>
-          <a:solidFill>
-            <a:srgbClr val="FF9999"/>
-          </a:solidFill>
-          <a:ln w="12700">
-            <a:solidFill>
-              <a:srgbClr val="000000"/>
-            </a:solidFill>
-            <a:prstDash val="solid"/>
-          </a:ln>
-        </p:spPr>
-      </p:sp>
-      <p:sp>
-        <p:nvSpPr>
-          <p:cNvPr id="24" name="Shape 22"/>
-          <p:cNvSpPr/>
-          <p:nvPr/>
-        </p:nvSpPr>
-        <p:spPr>
-          <a:xfrm rot="1233363">
-            <a:off x="6400800" y="4160520"/>
-            <a:ext cx="548640" cy="365760"/>
-          </a:xfrm>
-          <a:prstGeom prst="rect">
-            <a:avLst/>
-          </a:prstGeom>
-          <a:solidFill>
-            <a:srgbClr val="FF9999"/>
-          </a:solidFill>
-          <a:ln w="12700">
-            <a:solidFill>
-              <a:srgbClr val="000000"/>
-            </a:solidFill>
-            <a:prstDash val="solid"/>
-          </a:ln>
-        </p:spPr>
-      </p:sp>
-      <p:sp>
-        <p:nvSpPr>
-          <p:cNvPr id="25" name="Shape 23">
-            <a:hlinkClick r:id="rId1" tooltip="" action="ppaction://hlinksldjump"/>
+      <p:pic>
+        <p:nvPicPr>
+          <p:cNvPr id="16" name="Image 3" descr="q7-answer-d.png">    </p:cNvPr>
+          <p:cNvPicPr>
+            <a:picLocks noChangeAspect="1"/>
+          </p:cNvPicPr>
+          <p:nvPr/>
+        </p:nvPicPr>
+        <p:blipFill>
+          <a:blip r:embed="rId4"/>
+          <a:stretch>
+            <a:fillRect/>
+          </a:stretch>
+        </p:blipFill>
+        <p:spPr>
+          <a:xfrm>
+            <a:off x="5669280" y="3383280"/>
+            <a:ext cx="2286000" cy="914400"/>
+          </a:xfrm>
+          <a:prstGeom prst="rect">
+            <a:avLst/>
+          </a:prstGeom>
+        </p:spPr>
+      </p:pic>
+      <p:sp>
+        <p:nvSpPr>
+          <p:cNvPr id="17" name="Shape 11">
+            <a:hlinkClick r:id="rId5" tooltip="" action="ppaction://hlinksldjump"/>
           </p:cNvPr>
           <p:cNvSpPr/>
           <p:nvPr/>
         </p:nvSpPr>
         <p:spPr>
           <a:xfrm>
-            <a:off x="457200" y="2011680"/>
-            <a:ext cx="3840480" cy="1188720"/>
+            <a:off x="457200" y="1645920"/>
+            <a:ext cx="3840480" cy="1371600"/>
           </a:xfrm>
           <a:prstGeom prst="rect">
             <a:avLst/>
@@ -7201,16 +6459,16 @@
       </p:sp>
       <p:sp>
         <p:nvSpPr>
-          <p:cNvPr id="26" name="Shape 24">
-            <a:hlinkClick r:id="rId2" tooltip="" action="ppaction://hlinksldjump"/>
+          <p:cNvPr id="18" name="Shape 12">
+            <a:hlinkClick r:id="rId6" tooltip="" action="ppaction://hlinksldjump"/>
           </p:cNvPr>
           <p:cNvSpPr/>
           <p:nvPr/>
         </p:nvSpPr>
         <p:spPr>
           <a:xfrm>
-            <a:off x="4754880" y="2011680"/>
-            <a:ext cx="3840480" cy="1188720"/>
+            <a:off x="4754880" y="1645920"/>
+            <a:ext cx="3840480" cy="1371600"/>
           </a:xfrm>
           <a:prstGeom prst="rect">
             <a:avLst/>
@@ -7230,16 +6488,16 @@
       </p:sp>
       <p:sp>
         <p:nvSpPr>
-          <p:cNvPr id="27" name="Shape 25">
-            <a:hlinkClick r:id="rId3" tooltip="" action="ppaction://hlinksldjump"/>
+          <p:cNvPr id="19" name="Shape 13">
+            <a:hlinkClick r:id="rId7" tooltip="" action="ppaction://hlinksldjump"/>
           </p:cNvPr>
           <p:cNvSpPr/>
           <p:nvPr/>
         </p:nvSpPr>
         <p:spPr>
           <a:xfrm>
-            <a:off x="457200" y="3383280"/>
-            <a:ext cx="3840480" cy="1188720"/>
+            <a:off x="457200" y="3200400"/>
+            <a:ext cx="3840480" cy="1371600"/>
           </a:xfrm>
           <a:prstGeom prst="rect">
             <a:avLst/>
@@ -7259,16 +6517,16 @@
       </p:sp>
       <p:sp>
         <p:nvSpPr>
-          <p:cNvPr id="28" name="Shape 26">
-            <a:hlinkClick r:id="rId4" tooltip="" action="ppaction://hlinksldjump"/>
+          <p:cNvPr id="20" name="Shape 14">
+            <a:hlinkClick r:id="rId8" tooltip="" action="ppaction://hlinksldjump"/>
           </p:cNvPr>
           <p:cNvSpPr/>
           <p:nvPr/>
         </p:nvSpPr>
         <p:spPr>
           <a:xfrm>
-            <a:off x="4754880" y="3383280"/>
-            <a:ext cx="3840480" cy="1188720"/>
+            <a:off x="4754880" y="3200400"/>
+            <a:ext cx="3840480" cy="1371600"/>
           </a:xfrm>
           <a:prstGeom prst="rect">
             <a:avLst/>
@@ -7400,8 +6658,8 @@
         </p:nvSpPr>
         <p:spPr>
           <a:xfrm>
-            <a:off x="457200" y="2286000"/>
-            <a:ext cx="3840480" cy="1188720"/>
+            <a:off x="3200400" y="2286000"/>
+            <a:ext cx="3840480" cy="1371600"/>
           </a:xfrm>
           <a:prstGeom prst="rect">
             <a:avLst/>
@@ -7425,7 +6683,7 @@
         </p:nvSpPr>
         <p:spPr>
           <a:xfrm>
-            <a:off x="548640" y="2377440"/>
+            <a:off x="3291840" y="2377440"/>
             <a:ext cx="274320" cy="274320"/>
           </a:xfrm>
           <a:prstGeom prst="rect">
@@ -7457,57 +6715,67 @@
       </p:sp>
       <p:sp>
         <p:nvSpPr>
-          <p:cNvPr id="6" name="Shape 4"/>
-          <p:cNvSpPr/>
-          <p:nvPr/>
-        </p:nvSpPr>
-        <p:spPr>
-          <a:xfrm rot="1233363">
-            <a:off x="1737360" y="2651760"/>
-            <a:ext cx="548640" cy="365760"/>
-          </a:xfrm>
-          <a:prstGeom prst="rect">
-            <a:avLst/>
-          </a:prstGeom>
-          <a:solidFill>
-            <a:srgbClr val="66B3FF"/>
-          </a:solidFill>
-          <a:ln w="12700">
-            <a:solidFill>
-              <a:srgbClr val="000000"/>
-            </a:solidFill>
-            <a:prstDash val="solid"/>
-          </a:ln>
-        </p:spPr>
-      </p:sp>
-      <p:sp>
-        <p:nvSpPr>
-          <p:cNvPr id="7" name="Shape 5"/>
-          <p:cNvSpPr/>
-          <p:nvPr/>
-        </p:nvSpPr>
-        <p:spPr>
-          <a:xfrm>
-            <a:off x="1828800" y="3063240"/>
-            <a:ext cx="365760" cy="365760"/>
-          </a:xfrm>
-          <a:prstGeom prst="rect">
-            <a:avLst/>
-          </a:prstGeom>
-          <a:solidFill>
-            <a:srgbClr val="66B3FF"/>
-          </a:solidFill>
-          <a:ln w="12700">
-            <a:solidFill>
-              <a:srgbClr val="000000"/>
-            </a:solidFill>
-            <a:prstDash val="solid"/>
-          </a:ln>
-        </p:spPr>
-      </p:sp>
-      <p:sp>
-        <p:nvSpPr>
-          <p:cNvPr id="8" name="Shape 6"/>
+          <p:cNvPr id="6" name="Text 4"/>
+          <p:cNvSpPr/>
+          <p:nvPr/>
+        </p:nvSpPr>
+        <p:spPr>
+          <a:xfrm>
+            <a:off x="3657600" y="2377440"/>
+            <a:ext cx="3200400" cy="274320"/>
+          </a:xfrm>
+          <a:prstGeom prst="rect">
+            <a:avLst/>
+          </a:prstGeom>
+          <a:noFill/>
+          <a:ln/>
+        </p:spPr>
+        <p:txBody>
+          <a:bodyPr wrap="square" rtlCol="0" anchor="ctr"/>
+          <a:lstStyle/>
+          <a:p>
+            <a:pPr indent="0" marL="0">
+              <a:buNone/>
+            </a:pPr>
+            <a:r>
+              <a:rPr lang="en-US" sz="1400" b="1" dirty="0">
+                <a:solidFill>
+                  <a:srgbClr val="2ECC71"/>
+                </a:solidFill>
+              </a:rPr>
+              <a:t>✓ Correct Answer</a:t>
+            </a:r>
+            <a:endParaRPr lang="en-US" sz="1400" dirty="0"/>
+          </a:p>
+        </p:txBody>
+      </p:sp>
+      <p:pic>
+        <p:nvPicPr>
+          <p:cNvPr id="7" name="Image 0" descr="q7-answer-c.png">    </p:cNvPr>
+          <p:cNvPicPr>
+            <a:picLocks noChangeAspect="1"/>
+          </p:cNvPicPr>
+          <p:nvPr/>
+        </p:nvPicPr>
+        <p:blipFill>
+          <a:blip r:embed="rId1"/>
+          <a:stretch>
+            <a:fillRect/>
+          </a:stretch>
+        </p:blipFill>
+        <p:spPr>
+          <a:xfrm>
+            <a:off x="4114800" y="2651760"/>
+            <a:ext cx="2286000" cy="914400"/>
+          </a:xfrm>
+          <a:prstGeom prst="rect">
+            <a:avLst/>
+          </a:prstGeom>
+        </p:spPr>
+      </p:pic>
+      <p:sp>
+        <p:nvSpPr>
+          <p:cNvPr id="8" name="Shape 5"/>
           <p:cNvSpPr/>
           <p:nvPr/>
         </p:nvSpPr>
@@ -7532,8 +6800,8 @@
       </p:sp>
       <p:sp>
         <p:nvSpPr>
-          <p:cNvPr id="9" name="Text 7">
-            <a:hlinkClick r:id="rId1" tooltip="" action="ppaction://hlinksldjump"/>
+          <p:cNvPr id="9" name="Text 6">
+            <a:hlinkClick r:id="rId2" tooltip="" action="ppaction://hlinksldjump"/>
           </p:cNvPr>
           <p:cNvSpPr/>
           <p:nvPr/>
@@ -7561,7 +6829,7 @@
                 <a:solidFill>
                   <a:srgbClr val="FFFFFF"/>
                 </a:solidFill>
-                <a:hlinkClick r:id="rId1" action="ppaction://hlinksldjump" tooltip="">
+                <a:hlinkClick r:id="rId2" action="ppaction://hlinksldjump" tooltip="">
                   <a:extLst>
                     <a:ext uri="{A12FA001-AC4F-418D-AE19-62706E023703}">
                       <ahyp:hlinkClr xmlns:ahyp="http://schemas.microsoft.com/office/drawing/2018/hyperlinkcolor" val="tx"/>
